--- a/Lessions/Bai-04-Conditions-and-Logic/4.Conditional-and-Boolean.pptx
+++ b/Lessions/Bai-04-Conditions-and-Logic/4.Conditional-and-Boolean.pptx
@@ -5,13 +5,24 @@
     <p:sldMasterId id="2147483660" r:id="rId1"/>
   </p:sldMasterIdLst>
   <p:notesMasterIdLst>
-    <p:notesMasterId r:id="rId6"/>
+    <p:notesMasterId r:id="rId17"/>
   </p:notesMasterIdLst>
   <p:sldIdLst>
     <p:sldId id="256" r:id="rId2"/>
     <p:sldId id="257" r:id="rId3"/>
     <p:sldId id="258" r:id="rId4"/>
     <p:sldId id="259" r:id="rId5"/>
+    <p:sldId id="260" r:id="rId6"/>
+    <p:sldId id="261" r:id="rId7"/>
+    <p:sldId id="262" r:id="rId8"/>
+    <p:sldId id="263" r:id="rId9"/>
+    <p:sldId id="264" r:id="rId10"/>
+    <p:sldId id="265" r:id="rId11"/>
+    <p:sldId id="266" r:id="rId12"/>
+    <p:sldId id="267" r:id="rId13"/>
+    <p:sldId id="268" r:id="rId14"/>
+    <p:sldId id="269" r:id="rId15"/>
+    <p:sldId id="270" r:id="rId16"/>
   </p:sldIdLst>
   <p:sldSz cx="9144000" cy="6858000" type="screen4x3"/>
   <p:notesSz cx="6858000" cy="9144000"/>
@@ -110,6 +121,11 @@
       </a:defRPr>
     </a:lvl9pPr>
   </p:defaultTextStyle>
+  <p:extLst>
+    <p:ext uri="{EFAFB233-063F-42B5-8137-9DF3F51BA10A}">
+      <p15:sldGuideLst xmlns:p15="http://schemas.microsoft.com/office/powerpoint/2012/main"/>
+    </p:ext>
+  </p:extLst>
 </p:presentation>
 </file>
 
@@ -195,7 +211,7 @@
           <a:p>
             <a:fld id="{E1BDF935-9821-4834-9D99-7DEFA719F44D}" type="datetimeFigureOut">
               <a:rPr lang="en-US" smtClean="0"/>
-              <a:t>4/21/2023</a:t>
+              <a:t>4/26/2023</a:t>
             </a:fld>
             <a:endParaRPr lang="en-US"/>
           </a:p>
@@ -2223,6 +2239,3138 @@
 </p:sld>
 </file>
 
+<file path=ppt/slides/slide10.xml><?xml version="1.0" encoding="utf-8"?>
+<p:sld xmlns:a="http://schemas.openxmlformats.org/drawingml/2006/main" xmlns:r="http://schemas.openxmlformats.org/officeDocument/2006/relationships" xmlns:p="http://schemas.openxmlformats.org/presentationml/2006/main">
+  <p:cSld>
+    <p:spTree>
+      <p:nvGrpSpPr>
+        <p:cNvPr id="1" name=""/>
+        <p:cNvGrpSpPr/>
+        <p:nvPr/>
+      </p:nvGrpSpPr>
+      <p:grpSpPr>
+        <a:xfrm>
+          <a:off x="0" y="0"/>
+          <a:ext cx="0" cy="0"/>
+          <a:chOff x="0" y="0"/>
+          <a:chExt cx="0" cy="0"/>
+        </a:xfrm>
+      </p:grpSpPr>
+      <p:sp>
+        <p:nvSpPr>
+          <p:cNvPr id="2" name="Slide Number Placeholder 1"/>
+          <p:cNvSpPr>
+            <a:spLocks noGrp="1"/>
+          </p:cNvSpPr>
+          <p:nvPr>
+            <p:ph type="sldNum" sz="quarter" idx="12"/>
+          </p:nvPr>
+        </p:nvSpPr>
+        <p:spPr/>
+        <p:txBody>
+          <a:bodyPr/>
+          <a:lstStyle/>
+          <a:p>
+            <a:fld id="{7D9EC917-02A2-4152-9EE3-DFE2775A77C7}" type="slidenum">
+              <a:rPr lang="en-US" smtClean="0"/>
+              <a:pPr/>
+              <a:t>10</a:t>
+            </a:fld>
+            <a:endParaRPr lang="en-US"/>
+          </a:p>
+        </p:txBody>
+      </p:sp>
+      <p:sp>
+        <p:nvSpPr>
+          <p:cNvPr id="3" name="TextBox 2"/>
+          <p:cNvSpPr txBox="1"/>
+          <p:nvPr/>
+        </p:nvSpPr>
+        <p:spPr>
+          <a:xfrm>
+            <a:off x="571500" y="656243"/>
+            <a:ext cx="4709160" cy="461665"/>
+          </a:xfrm>
+          <a:prstGeom prst="rect">
+            <a:avLst/>
+          </a:prstGeom>
+          <a:noFill/>
+        </p:spPr>
+        <p:txBody>
+          <a:bodyPr wrap="square" rtlCol="0">
+            <a:spAutoFit/>
+          </a:bodyPr>
+          <a:lstStyle/>
+          <a:p>
+            <a:r>
+              <a:rPr lang="en-US" sz="2400" b="1" dirty="0">
+                <a:solidFill>
+                  <a:srgbClr val="64C7E9"/>
+                </a:solidFill>
+                <a:latin typeface="UTM Helve" panose="02040603050506020204" pitchFamily="18" charset="0"/>
+                <a:ea typeface="Roboto" pitchFamily="2" charset="0"/>
+              </a:rPr>
+              <a:t>4.3 Lựa chọn và micro:bit</a:t>
+            </a:r>
+            <a:endParaRPr lang="en-US" sz="2400" b="1" dirty="0">
+              <a:solidFill>
+                <a:srgbClr val="64C7E9"/>
+              </a:solidFill>
+              <a:latin typeface="UTM Helve" panose="02040603050506020204" pitchFamily="18" charset="0"/>
+              <a:ea typeface="Roboto" pitchFamily="2" charset="0"/>
+            </a:endParaRPr>
+          </a:p>
+        </p:txBody>
+      </p:sp>
+      <p:sp>
+        <p:nvSpPr>
+          <p:cNvPr id="4" name="Google Shape;142;p21"/>
+          <p:cNvSpPr/>
+          <p:nvPr/>
+        </p:nvSpPr>
+        <p:spPr>
+          <a:xfrm>
+            <a:off x="5588939" y="3486498"/>
+            <a:ext cx="2917386" cy="1634142"/>
+          </a:xfrm>
+          <a:prstGeom prst="rect">
+            <a:avLst/>
+          </a:prstGeom>
+          <a:solidFill>
+            <a:schemeClr val="lt2"/>
+          </a:solidFill>
+          <a:ln w="38100" cap="flat" cmpd="sng">
+            <a:solidFill>
+              <a:schemeClr val="dk2"/>
+            </a:solidFill>
+            <a:prstDash val="solid"/>
+            <a:round/>
+            <a:headEnd type="none" w="sm" len="sm"/>
+            <a:tailEnd type="none" w="sm" len="sm"/>
+          </a:ln>
+        </p:spPr>
+        <p:txBody>
+          <a:bodyPr spcFirstLastPara="1" wrap="square" lIns="91425" tIns="91425" rIns="91425" bIns="91425" anchor="t" anchorCtr="0">
+            <a:noAutofit/>
+          </a:bodyPr>
+          <a:lstStyle/>
+          <a:p>
+            <a:pPr marL="0" lvl="0" indent="0" algn="l" rtl="0">
+              <a:spcBef>
+                <a:spcPts val="0"/>
+              </a:spcBef>
+              <a:spcAft>
+                <a:spcPts val="0"/>
+              </a:spcAft>
+              <a:buNone/>
+            </a:pPr>
+            <a:endParaRPr/>
+          </a:p>
+        </p:txBody>
+      </p:sp>
+      <p:sp>
+        <p:nvSpPr>
+          <p:cNvPr id="5" name="Google Shape;143;p21"/>
+          <p:cNvSpPr/>
+          <p:nvPr/>
+        </p:nvSpPr>
+        <p:spPr>
+          <a:xfrm>
+            <a:off x="3322473" y="1348905"/>
+            <a:ext cx="2712528" cy="2200792"/>
+          </a:xfrm>
+          <a:prstGeom prst="diamond">
+            <a:avLst/>
+          </a:prstGeom>
+          <a:solidFill>
+            <a:schemeClr val="lt2"/>
+          </a:solidFill>
+          <a:ln w="9525" cap="flat" cmpd="sng">
+            <a:solidFill>
+              <a:schemeClr val="dk2"/>
+            </a:solidFill>
+            <a:prstDash val="solid"/>
+            <a:round/>
+            <a:headEnd type="none" w="sm" len="sm"/>
+            <a:tailEnd type="none" w="sm" len="sm"/>
+          </a:ln>
+        </p:spPr>
+        <p:txBody>
+          <a:bodyPr spcFirstLastPara="1" wrap="square" lIns="91425" tIns="91425" rIns="91425" bIns="91425" anchor="ctr" anchorCtr="0">
+            <a:noAutofit/>
+          </a:bodyPr>
+          <a:lstStyle/>
+          <a:p>
+            <a:pPr marL="0" lvl="0" indent="0" algn="ctr" rtl="0">
+              <a:spcBef>
+                <a:spcPts val="0"/>
+              </a:spcBef>
+              <a:spcAft>
+                <a:spcPts val="0"/>
+              </a:spcAft>
+              <a:buNone/>
+            </a:pPr>
+            <a:r>
+              <a:rPr lang="en-US" b="1" dirty="0" smtClean="0">
+                <a:latin typeface="Arial" panose="020B0604020202020204" pitchFamily="34" charset="0"/>
+                <a:cs typeface="Arial" panose="020B0604020202020204" pitchFamily="34" charset="0"/>
+              </a:rPr>
+              <a:t>Button A</a:t>
+            </a:r>
+            <a:endParaRPr b="1" dirty="0">
+              <a:latin typeface="Arial" panose="020B0604020202020204" pitchFamily="34" charset="0"/>
+              <a:cs typeface="Arial" panose="020B0604020202020204" pitchFamily="34" charset="0"/>
+            </a:endParaRPr>
+          </a:p>
+        </p:txBody>
+      </p:sp>
+      <p:cxnSp>
+        <p:nvCxnSpPr>
+          <p:cNvPr id="7" name="Google Shape;145;p21"/>
+          <p:cNvCxnSpPr>
+            <a:stCxn id="5" idx="1"/>
+          </p:cNvCxnSpPr>
+          <p:nvPr/>
+        </p:nvCxnSpPr>
+        <p:spPr>
+          <a:xfrm flipH="1">
+            <a:off x="2209273" y="2449301"/>
+            <a:ext cx="1113200" cy="985163"/>
+          </a:xfrm>
+          <a:prstGeom prst="bentConnector3">
+            <a:avLst>
+              <a:gd name="adj1" fmla="val 101149"/>
+            </a:avLst>
+          </a:prstGeom>
+          <a:noFill/>
+          <a:ln w="38100" cap="flat" cmpd="sng">
+            <a:solidFill>
+              <a:schemeClr val="dk2"/>
+            </a:solidFill>
+            <a:prstDash val="solid"/>
+            <a:round/>
+            <a:headEnd type="none" w="med" len="med"/>
+            <a:tailEnd type="stealth" w="med" len="med"/>
+          </a:ln>
+        </p:spPr>
+      </p:cxnSp>
+      <p:sp>
+        <p:nvSpPr>
+          <p:cNvPr id="8" name="Google Shape;146;p21"/>
+          <p:cNvSpPr/>
+          <p:nvPr/>
+        </p:nvSpPr>
+        <p:spPr>
+          <a:xfrm>
+            <a:off x="571500" y="3486497"/>
+            <a:ext cx="2917386" cy="1634143"/>
+          </a:xfrm>
+          <a:prstGeom prst="rect">
+            <a:avLst/>
+          </a:prstGeom>
+          <a:solidFill>
+            <a:schemeClr val="lt2"/>
+          </a:solidFill>
+          <a:ln w="38100" cap="flat" cmpd="sng">
+            <a:solidFill>
+              <a:schemeClr val="dk2"/>
+            </a:solidFill>
+            <a:prstDash val="solid"/>
+            <a:round/>
+            <a:headEnd type="none" w="sm" len="sm"/>
+            <a:tailEnd type="none" w="sm" len="sm"/>
+          </a:ln>
+        </p:spPr>
+        <p:txBody>
+          <a:bodyPr spcFirstLastPara="1" wrap="square" lIns="91425" tIns="91425" rIns="91425" bIns="91425" anchor="t" anchorCtr="0">
+            <a:noAutofit/>
+          </a:bodyPr>
+          <a:lstStyle/>
+          <a:p>
+            <a:pPr marL="0" lvl="0" indent="0" algn="l" rtl="0">
+              <a:spcBef>
+                <a:spcPts val="0"/>
+              </a:spcBef>
+              <a:spcAft>
+                <a:spcPts val="0"/>
+              </a:spcAft>
+              <a:buNone/>
+            </a:pPr>
+            <a:endParaRPr dirty="0"/>
+          </a:p>
+        </p:txBody>
+      </p:sp>
+      <p:sp>
+        <p:nvSpPr>
+          <p:cNvPr id="9" name="Google Shape;147;p21"/>
+          <p:cNvSpPr txBox="1"/>
+          <p:nvPr/>
+        </p:nvSpPr>
+        <p:spPr>
+          <a:xfrm>
+            <a:off x="634596" y="3434464"/>
+            <a:ext cx="2854290" cy="386158"/>
+          </a:xfrm>
+          <a:prstGeom prst="rect">
+            <a:avLst/>
+          </a:prstGeom>
+          <a:noFill/>
+          <a:ln>
+            <a:noFill/>
+          </a:ln>
+        </p:spPr>
+        <p:txBody>
+          <a:bodyPr spcFirstLastPara="1" wrap="square" lIns="91425" tIns="91425" rIns="91425" bIns="91425" anchor="t" anchorCtr="0">
+            <a:noAutofit/>
+          </a:bodyPr>
+          <a:lstStyle/>
+          <a:p>
+            <a:pPr marL="0" lvl="0" indent="0" algn="l" rtl="0">
+              <a:spcBef>
+                <a:spcPts val="0"/>
+              </a:spcBef>
+              <a:spcAft>
+                <a:spcPts val="0"/>
+              </a:spcAft>
+              <a:buNone/>
+            </a:pPr>
+            <a:endParaRPr sz="3200">
+              <a:latin typeface="Questrial"/>
+              <a:ea typeface="Questrial"/>
+              <a:cs typeface="Questrial"/>
+              <a:sym typeface="Questrial"/>
+            </a:endParaRPr>
+          </a:p>
+        </p:txBody>
+      </p:sp>
+      <p:sp>
+        <p:nvSpPr>
+          <p:cNvPr id="10" name="Google Shape;148;p21"/>
+          <p:cNvSpPr txBox="1"/>
+          <p:nvPr/>
+        </p:nvSpPr>
+        <p:spPr>
+          <a:xfrm>
+            <a:off x="2068113" y="1789302"/>
+            <a:ext cx="1006557" cy="607966"/>
+          </a:xfrm>
+          <a:prstGeom prst="rect">
+            <a:avLst/>
+          </a:prstGeom>
+          <a:noFill/>
+          <a:ln>
+            <a:noFill/>
+          </a:ln>
+        </p:spPr>
+        <p:txBody>
+          <a:bodyPr spcFirstLastPara="1" wrap="square" lIns="91425" tIns="91425" rIns="91425" bIns="91425" anchor="t" anchorCtr="0">
+            <a:noAutofit/>
+          </a:bodyPr>
+          <a:lstStyle/>
+          <a:p>
+            <a:pPr marL="0" lvl="0" indent="0" algn="l" rtl="0">
+              <a:spcBef>
+                <a:spcPts val="0"/>
+              </a:spcBef>
+              <a:spcAft>
+                <a:spcPts val="0"/>
+              </a:spcAft>
+              <a:buNone/>
+            </a:pPr>
+            <a:r>
+              <a:rPr lang="en-US" sz="2400" dirty="0" smtClean="0">
+                <a:latin typeface="Arial" panose="020B0604020202020204" pitchFamily="34" charset="0"/>
+                <a:ea typeface="Questrial"/>
+                <a:cs typeface="Arial" panose="020B0604020202020204" pitchFamily="34" charset="0"/>
+                <a:sym typeface="Questrial"/>
+              </a:rPr>
+              <a:t>Nhấn</a:t>
+            </a:r>
+            <a:endParaRPr sz="2400" dirty="0">
+              <a:latin typeface="Arial" panose="020B0604020202020204" pitchFamily="34" charset="0"/>
+              <a:ea typeface="Questrial"/>
+              <a:cs typeface="Arial" panose="020B0604020202020204" pitchFamily="34" charset="0"/>
+              <a:sym typeface="Questrial"/>
+            </a:endParaRPr>
+          </a:p>
+        </p:txBody>
+      </p:sp>
+      <p:cxnSp>
+        <p:nvCxnSpPr>
+          <p:cNvPr id="11" name="Google Shape;149;p21"/>
+          <p:cNvCxnSpPr>
+            <a:stCxn id="5" idx="3"/>
+          </p:cNvCxnSpPr>
+          <p:nvPr/>
+        </p:nvCxnSpPr>
+        <p:spPr>
+          <a:xfrm>
+            <a:off x="6035001" y="2449301"/>
+            <a:ext cx="1164619" cy="985163"/>
+          </a:xfrm>
+          <a:prstGeom prst="bentConnector3">
+            <a:avLst>
+              <a:gd name="adj1" fmla="val 100001"/>
+            </a:avLst>
+          </a:prstGeom>
+          <a:noFill/>
+          <a:ln w="38100" cap="flat" cmpd="sng">
+            <a:solidFill>
+              <a:schemeClr val="dk2"/>
+            </a:solidFill>
+            <a:prstDash val="solid"/>
+            <a:round/>
+            <a:headEnd type="none" w="med" len="med"/>
+            <a:tailEnd type="stealth" w="med" len="med"/>
+          </a:ln>
+        </p:spPr>
+      </p:cxnSp>
+      <p:sp>
+        <p:nvSpPr>
+          <p:cNvPr id="12" name="Google Shape;150;p21"/>
+          <p:cNvSpPr txBox="1"/>
+          <p:nvPr/>
+        </p:nvSpPr>
+        <p:spPr>
+          <a:xfrm>
+            <a:off x="5720714" y="3434464"/>
+            <a:ext cx="2712528" cy="386158"/>
+          </a:xfrm>
+          <a:prstGeom prst="rect">
+            <a:avLst/>
+          </a:prstGeom>
+          <a:noFill/>
+          <a:ln>
+            <a:noFill/>
+          </a:ln>
+        </p:spPr>
+        <p:txBody>
+          <a:bodyPr spcFirstLastPara="1" wrap="square" lIns="91425" tIns="91425" rIns="91425" bIns="91425" anchor="t" anchorCtr="0">
+            <a:noAutofit/>
+          </a:bodyPr>
+          <a:lstStyle/>
+          <a:p>
+            <a:pPr marL="0" lvl="0" indent="0" algn="ctr" rtl="0">
+              <a:spcBef>
+                <a:spcPts val="0"/>
+              </a:spcBef>
+              <a:spcAft>
+                <a:spcPts val="0"/>
+              </a:spcAft>
+              <a:buNone/>
+            </a:pPr>
+            <a:endParaRPr sz="3200">
+              <a:latin typeface="Questrial"/>
+              <a:ea typeface="Questrial"/>
+              <a:cs typeface="Questrial"/>
+              <a:sym typeface="Questrial"/>
+            </a:endParaRPr>
+          </a:p>
+        </p:txBody>
+      </p:sp>
+      <p:sp>
+        <p:nvSpPr>
+          <p:cNvPr id="15" name="Google Shape;148;p21"/>
+          <p:cNvSpPr txBox="1"/>
+          <p:nvPr/>
+        </p:nvSpPr>
+        <p:spPr>
+          <a:xfrm>
+            <a:off x="6170561" y="1813966"/>
+            <a:ext cx="2058117" cy="607966"/>
+          </a:xfrm>
+          <a:prstGeom prst="rect">
+            <a:avLst/>
+          </a:prstGeom>
+          <a:noFill/>
+          <a:ln>
+            <a:noFill/>
+          </a:ln>
+        </p:spPr>
+        <p:txBody>
+          <a:bodyPr spcFirstLastPara="1" wrap="square" lIns="91425" tIns="91425" rIns="91425" bIns="91425" anchor="t" anchorCtr="0">
+            <a:noAutofit/>
+          </a:bodyPr>
+          <a:lstStyle/>
+          <a:p>
+            <a:pPr marL="0" lvl="0" indent="0" algn="l" rtl="0">
+              <a:spcBef>
+                <a:spcPts val="0"/>
+              </a:spcBef>
+              <a:spcAft>
+                <a:spcPts val="0"/>
+              </a:spcAft>
+              <a:buNone/>
+            </a:pPr>
+            <a:r>
+              <a:rPr lang="en-US" sz="2400" dirty="0" smtClean="0">
+                <a:latin typeface="Arial" panose="020B0604020202020204" pitchFamily="34" charset="0"/>
+                <a:ea typeface="Questrial"/>
+                <a:cs typeface="Arial" panose="020B0604020202020204" pitchFamily="34" charset="0"/>
+                <a:sym typeface="Questrial"/>
+              </a:rPr>
+              <a:t>Không nhấn</a:t>
+            </a:r>
+            <a:endParaRPr sz="2400" dirty="0">
+              <a:latin typeface="Arial" panose="020B0604020202020204" pitchFamily="34" charset="0"/>
+              <a:ea typeface="Questrial"/>
+              <a:cs typeface="Arial" panose="020B0604020202020204" pitchFamily="34" charset="0"/>
+              <a:sym typeface="Questrial"/>
+            </a:endParaRPr>
+          </a:p>
+        </p:txBody>
+      </p:sp>
+      <p:sp>
+        <p:nvSpPr>
+          <p:cNvPr id="16" name="Google Shape;148;p21"/>
+          <p:cNvSpPr txBox="1"/>
+          <p:nvPr/>
+        </p:nvSpPr>
+        <p:spPr>
+          <a:xfrm>
+            <a:off x="1689013" y="4167677"/>
+            <a:ext cx="682359" cy="607966"/>
+          </a:xfrm>
+          <a:prstGeom prst="rect">
+            <a:avLst/>
+          </a:prstGeom>
+          <a:noFill/>
+          <a:ln>
+            <a:noFill/>
+          </a:ln>
+        </p:spPr>
+        <p:txBody>
+          <a:bodyPr spcFirstLastPara="1" wrap="square" lIns="91425" tIns="91425" rIns="91425" bIns="91425" anchor="t" anchorCtr="0">
+            <a:noAutofit/>
+          </a:bodyPr>
+          <a:lstStyle/>
+          <a:p>
+            <a:pPr marL="0" lvl="0" indent="0" algn="l" rtl="0">
+              <a:spcBef>
+                <a:spcPts val="0"/>
+              </a:spcBef>
+              <a:spcAft>
+                <a:spcPts val="0"/>
+              </a:spcAft>
+              <a:buNone/>
+            </a:pPr>
+            <a:r>
+              <a:rPr lang="en-US" sz="2400" dirty="0" smtClean="0">
+                <a:latin typeface="Arial" panose="020B0604020202020204" pitchFamily="34" charset="0"/>
+                <a:ea typeface="Questrial"/>
+                <a:cs typeface="Arial" panose="020B0604020202020204" pitchFamily="34" charset="0"/>
+                <a:sym typeface="Questrial"/>
+              </a:rPr>
+              <a:t>?</a:t>
+            </a:r>
+            <a:endParaRPr sz="2400" dirty="0">
+              <a:latin typeface="Arial" panose="020B0604020202020204" pitchFamily="34" charset="0"/>
+              <a:ea typeface="Questrial"/>
+              <a:cs typeface="Arial" panose="020B0604020202020204" pitchFamily="34" charset="0"/>
+              <a:sym typeface="Questrial"/>
+            </a:endParaRPr>
+          </a:p>
+        </p:txBody>
+      </p:sp>
+      <p:sp>
+        <p:nvSpPr>
+          <p:cNvPr id="17" name="Google Shape;148;p21"/>
+          <p:cNvSpPr txBox="1"/>
+          <p:nvPr/>
+        </p:nvSpPr>
+        <p:spPr>
+          <a:xfrm>
+            <a:off x="6981103" y="4167677"/>
+            <a:ext cx="682359" cy="607966"/>
+          </a:xfrm>
+          <a:prstGeom prst="rect">
+            <a:avLst/>
+          </a:prstGeom>
+          <a:noFill/>
+          <a:ln>
+            <a:noFill/>
+          </a:ln>
+        </p:spPr>
+        <p:txBody>
+          <a:bodyPr spcFirstLastPara="1" wrap="square" lIns="91425" tIns="91425" rIns="91425" bIns="91425" anchor="t" anchorCtr="0">
+            <a:noAutofit/>
+          </a:bodyPr>
+          <a:lstStyle/>
+          <a:p>
+            <a:pPr marL="0" lvl="0" indent="0" algn="l" rtl="0">
+              <a:spcBef>
+                <a:spcPts val="0"/>
+              </a:spcBef>
+              <a:spcAft>
+                <a:spcPts val="0"/>
+              </a:spcAft>
+              <a:buNone/>
+            </a:pPr>
+            <a:r>
+              <a:rPr lang="en-US" sz="2400" dirty="0" smtClean="0">
+                <a:latin typeface="Arial" panose="020B0604020202020204" pitchFamily="34" charset="0"/>
+                <a:ea typeface="Questrial"/>
+                <a:cs typeface="Arial" panose="020B0604020202020204" pitchFamily="34" charset="0"/>
+                <a:sym typeface="Questrial"/>
+              </a:rPr>
+              <a:t>?</a:t>
+            </a:r>
+            <a:endParaRPr sz="2400" dirty="0">
+              <a:latin typeface="Arial" panose="020B0604020202020204" pitchFamily="34" charset="0"/>
+              <a:ea typeface="Questrial"/>
+              <a:cs typeface="Arial" panose="020B0604020202020204" pitchFamily="34" charset="0"/>
+              <a:sym typeface="Questrial"/>
+            </a:endParaRPr>
+          </a:p>
+        </p:txBody>
+      </p:sp>
+      <p:sp>
+        <p:nvSpPr>
+          <p:cNvPr id="18" name="Rounded Rectangle 17"/>
+          <p:cNvSpPr/>
+          <p:nvPr/>
+        </p:nvSpPr>
+        <p:spPr>
+          <a:xfrm>
+            <a:off x="634596" y="5614221"/>
+            <a:ext cx="7871729" cy="687987"/>
+          </a:xfrm>
+          <a:prstGeom prst="roundRect">
+            <a:avLst/>
+          </a:prstGeom>
+          <a:gradFill flip="none" rotWithShape="1">
+            <a:gsLst>
+              <a:gs pos="15000">
+                <a:srgbClr val="67C7DF"/>
+              </a:gs>
+              <a:gs pos="100000">
+                <a:srgbClr val="5EB130"/>
+              </a:gs>
+            </a:gsLst>
+            <a:lin ang="0" scaled="1"/>
+            <a:tileRect/>
+          </a:gradFill>
+          <a:ln>
+            <a:noFill/>
+          </a:ln>
+        </p:spPr>
+        <p:style>
+          <a:lnRef idx="2">
+            <a:schemeClr val="accent1">
+              <a:shade val="50000"/>
+            </a:schemeClr>
+          </a:lnRef>
+          <a:fillRef idx="1">
+            <a:schemeClr val="accent1"/>
+          </a:fillRef>
+          <a:effectRef idx="0">
+            <a:schemeClr val="accent1"/>
+          </a:effectRef>
+          <a:fontRef idx="minor">
+            <a:schemeClr val="lt1"/>
+          </a:fontRef>
+        </p:style>
+        <p:txBody>
+          <a:bodyPr rtlCol="0" anchor="ctr"/>
+          <a:lstStyle/>
+          <a:p>
+            <a:pPr algn="ctr"/>
+            <a:r>
+              <a:rPr lang="en-US" b="1" dirty="0" smtClean="0">
+                <a:latin typeface="Arial" panose="020B0604020202020204" pitchFamily="34" charset="0"/>
+                <a:cs typeface="Arial" panose="020B0604020202020204" pitchFamily="34" charset="0"/>
+              </a:rPr>
+              <a:t>Dùng sơ đồ giải thuật để giải chương trình</a:t>
+            </a:r>
+            <a:endParaRPr lang="vi-VN" b="1" dirty="0">
+              <a:latin typeface="Arial" panose="020B0604020202020204" pitchFamily="34" charset="0"/>
+              <a:cs typeface="Arial" panose="020B0604020202020204" pitchFamily="34" charset="0"/>
+            </a:endParaRPr>
+          </a:p>
+        </p:txBody>
+      </p:sp>
+      <p:pic>
+        <p:nvPicPr>
+          <p:cNvPr id="19" name="Picture 18"/>
+          <p:cNvPicPr>
+            <a:picLocks noChangeAspect="1"/>
+          </p:cNvPicPr>
+          <p:nvPr/>
+        </p:nvPicPr>
+        <p:blipFill rotWithShape="1">
+          <a:blip r:embed="rId2">
+            <a:extLst>
+              <a:ext uri="{28A0092B-C50C-407E-A947-70E740481C1C}">
+                <a14:useLocalDpi xmlns:a14="http://schemas.microsoft.com/office/drawing/2010/main" val="0"/>
+              </a:ext>
+            </a:extLst>
+          </a:blip>
+          <a:srcRect l="27461" t="24884" r="31270" b="38372"/>
+          <a:stretch/>
+        </p:blipFill>
+        <p:spPr>
+          <a:xfrm>
+            <a:off x="1404939" y="5726430"/>
+            <a:ext cx="663173" cy="403005"/>
+          </a:xfrm>
+          <a:prstGeom prst="rect">
+            <a:avLst/>
+          </a:prstGeom>
+        </p:spPr>
+      </p:pic>
+    </p:spTree>
+    <p:extLst>
+      <p:ext uri="{BB962C8B-B14F-4D97-AF65-F5344CB8AC3E}">
+        <p14:creationId xmlns:p14="http://schemas.microsoft.com/office/powerpoint/2010/main" val="768240258"/>
+      </p:ext>
+    </p:extLst>
+  </p:cSld>
+  <p:clrMapOvr>
+    <a:masterClrMapping/>
+  </p:clrMapOvr>
+</p:sld>
+</file>
+
+<file path=ppt/slides/slide11.xml><?xml version="1.0" encoding="utf-8"?>
+<p:sld xmlns:a="http://schemas.openxmlformats.org/drawingml/2006/main" xmlns:r="http://schemas.openxmlformats.org/officeDocument/2006/relationships" xmlns:p="http://schemas.openxmlformats.org/presentationml/2006/main">
+  <p:cSld>
+    <p:spTree>
+      <p:nvGrpSpPr>
+        <p:cNvPr id="1" name=""/>
+        <p:cNvGrpSpPr/>
+        <p:nvPr/>
+      </p:nvGrpSpPr>
+      <p:grpSpPr>
+        <a:xfrm>
+          <a:off x="0" y="0"/>
+          <a:ext cx="0" cy="0"/>
+          <a:chOff x="0" y="0"/>
+          <a:chExt cx="0" cy="0"/>
+        </a:xfrm>
+      </p:grpSpPr>
+      <p:sp>
+        <p:nvSpPr>
+          <p:cNvPr id="2" name="Slide Number Placeholder 1"/>
+          <p:cNvSpPr>
+            <a:spLocks noGrp="1"/>
+          </p:cNvSpPr>
+          <p:nvPr>
+            <p:ph type="sldNum" sz="quarter" idx="12"/>
+          </p:nvPr>
+        </p:nvSpPr>
+        <p:spPr/>
+        <p:txBody>
+          <a:bodyPr/>
+          <a:lstStyle/>
+          <a:p>
+            <a:fld id="{7D9EC917-02A2-4152-9EE3-DFE2775A77C7}" type="slidenum">
+              <a:rPr lang="en-US" smtClean="0"/>
+              <a:pPr/>
+              <a:t>11</a:t>
+            </a:fld>
+            <a:endParaRPr lang="en-US"/>
+          </a:p>
+        </p:txBody>
+      </p:sp>
+      <p:sp>
+        <p:nvSpPr>
+          <p:cNvPr id="3" name="Google Shape;157;p22"/>
+          <p:cNvSpPr txBox="1">
+            <a:spLocks/>
+          </p:cNvSpPr>
+          <p:nvPr/>
+        </p:nvSpPr>
+        <p:spPr>
+          <a:xfrm>
+            <a:off x="2114550" y="783425"/>
+            <a:ext cx="4914900" cy="558600"/>
+          </a:xfrm>
+          <a:prstGeom prst="rect">
+            <a:avLst/>
+          </a:prstGeom>
+        </p:spPr>
+        <p:txBody>
+          <a:bodyPr spcFirstLastPara="1" wrap="square" lIns="0" tIns="0" rIns="0" bIns="0" anchor="t" anchorCtr="0">
+            <a:noAutofit/>
+          </a:bodyPr>
+          <a:lstStyle>
+            <a:lvl1pPr algn="l" defTabSz="914400" rtl="0" eaLnBrk="1" latinLnBrk="0" hangingPunct="1">
+              <a:lnSpc>
+                <a:spcPct val="90000"/>
+              </a:lnSpc>
+              <a:spcBef>
+                <a:spcPct val="0"/>
+              </a:spcBef>
+              <a:buNone/>
+              <a:defRPr sz="4400" kern="1200">
+                <a:solidFill>
+                  <a:schemeClr val="tx1"/>
+                </a:solidFill>
+                <a:latin typeface="+mj-lt"/>
+                <a:ea typeface="+mj-ea"/>
+                <a:cs typeface="+mj-cs"/>
+              </a:defRPr>
+            </a:lvl1pPr>
+          </a:lstStyle>
+          <a:p>
+            <a:pPr algn="ctr">
+              <a:spcBef>
+                <a:spcPts val="0"/>
+              </a:spcBef>
+            </a:pPr>
+            <a:r>
+              <a:rPr lang="en-US" u="sng" dirty="0" smtClean="0">
+                <a:latin typeface="Arial" panose="020B0604020202020204" pitchFamily="34" charset="0"/>
+                <a:ea typeface="Questrial"/>
+                <a:cs typeface="Arial" panose="020B0604020202020204" pitchFamily="34" charset="0"/>
+                <a:sym typeface="Questrial"/>
+              </a:rPr>
+              <a:t>LED Planner</a:t>
+            </a:r>
+            <a:endParaRPr lang="en-US" u="sng" dirty="0">
+              <a:latin typeface="Arial" panose="020B0604020202020204" pitchFamily="34" charset="0"/>
+              <a:ea typeface="Questrial"/>
+              <a:cs typeface="Arial" panose="020B0604020202020204" pitchFamily="34" charset="0"/>
+              <a:sym typeface="Questrial"/>
+            </a:endParaRPr>
+          </a:p>
+        </p:txBody>
+      </p:sp>
+      <p:grpSp>
+        <p:nvGrpSpPr>
+          <p:cNvPr id="14" name="Group 13"/>
+          <p:cNvGrpSpPr/>
+          <p:nvPr/>
+        </p:nvGrpSpPr>
+        <p:grpSpPr>
+          <a:xfrm>
+            <a:off x="1796743" y="1944960"/>
+            <a:ext cx="5550515" cy="3665135"/>
+            <a:chOff x="1665835" y="1807800"/>
+            <a:chExt cx="5550515" cy="3665135"/>
+          </a:xfrm>
+        </p:grpSpPr>
+        <p:grpSp>
+          <p:nvGrpSpPr>
+            <p:cNvPr id="4" name="Google Shape;158;p22"/>
+            <p:cNvGrpSpPr/>
+            <p:nvPr/>
+          </p:nvGrpSpPr>
+          <p:grpSpPr>
+            <a:xfrm>
+              <a:off x="1665835" y="1807800"/>
+              <a:ext cx="1647825" cy="3665135"/>
+              <a:chOff x="1414400" y="1807800"/>
+              <a:chExt cx="1647825" cy="3665135"/>
+            </a:xfrm>
+          </p:grpSpPr>
+          <p:pic>
+            <p:nvPicPr>
+              <p:cNvPr id="5" name="Google Shape;159;p22"/>
+              <p:cNvPicPr preferRelativeResize="0"/>
+              <p:nvPr/>
+            </p:nvPicPr>
+            <p:blipFill rotWithShape="1">
+              <a:blip r:embed="rId2">
+                <a:alphaModFix/>
+              </a:blip>
+              <a:srcRect b="17143"/>
+              <a:stretch/>
+            </p:blipFill>
+            <p:spPr>
+              <a:xfrm>
+                <a:off x="1414400" y="1807800"/>
+                <a:ext cx="1647825" cy="1531100"/>
+              </a:xfrm>
+              <a:prstGeom prst="rect">
+                <a:avLst/>
+              </a:prstGeom>
+              <a:noFill/>
+              <a:ln>
+                <a:noFill/>
+              </a:ln>
+            </p:spPr>
+          </p:pic>
+          <p:pic>
+            <p:nvPicPr>
+              <p:cNvPr id="6" name="Google Shape;160;p22"/>
+              <p:cNvPicPr preferRelativeResize="0"/>
+              <p:nvPr/>
+            </p:nvPicPr>
+            <p:blipFill rotWithShape="1">
+              <a:blip r:embed="rId2">
+                <a:alphaModFix/>
+              </a:blip>
+              <a:srcRect b="17143"/>
+              <a:stretch/>
+            </p:blipFill>
+            <p:spPr>
+              <a:xfrm>
+                <a:off x="1414400" y="3941835"/>
+                <a:ext cx="1647825" cy="1531100"/>
+              </a:xfrm>
+              <a:prstGeom prst="rect">
+                <a:avLst/>
+              </a:prstGeom>
+              <a:noFill/>
+              <a:ln>
+                <a:noFill/>
+              </a:ln>
+            </p:spPr>
+          </p:pic>
+        </p:grpSp>
+        <p:grpSp>
+          <p:nvGrpSpPr>
+            <p:cNvPr id="7" name="Google Shape;161;p22"/>
+            <p:cNvGrpSpPr/>
+            <p:nvPr/>
+          </p:nvGrpSpPr>
+          <p:grpSpPr>
+            <a:xfrm>
+              <a:off x="3657185" y="1807800"/>
+              <a:ext cx="1647825" cy="3665135"/>
+              <a:chOff x="1414400" y="1807800"/>
+              <a:chExt cx="1647825" cy="3665135"/>
+            </a:xfrm>
+          </p:grpSpPr>
+          <p:pic>
+            <p:nvPicPr>
+              <p:cNvPr id="8" name="Google Shape;162;p22"/>
+              <p:cNvPicPr preferRelativeResize="0"/>
+              <p:nvPr/>
+            </p:nvPicPr>
+            <p:blipFill rotWithShape="1">
+              <a:blip r:embed="rId2">
+                <a:alphaModFix/>
+              </a:blip>
+              <a:srcRect b="17143"/>
+              <a:stretch/>
+            </p:blipFill>
+            <p:spPr>
+              <a:xfrm>
+                <a:off x="1414400" y="1807800"/>
+                <a:ext cx="1647825" cy="1531100"/>
+              </a:xfrm>
+              <a:prstGeom prst="rect">
+                <a:avLst/>
+              </a:prstGeom>
+              <a:noFill/>
+              <a:ln>
+                <a:noFill/>
+              </a:ln>
+            </p:spPr>
+          </p:pic>
+          <p:pic>
+            <p:nvPicPr>
+              <p:cNvPr id="9" name="Google Shape;163;p22"/>
+              <p:cNvPicPr preferRelativeResize="0"/>
+              <p:nvPr/>
+            </p:nvPicPr>
+            <p:blipFill rotWithShape="1">
+              <a:blip r:embed="rId2">
+                <a:alphaModFix/>
+              </a:blip>
+              <a:srcRect b="17143"/>
+              <a:stretch/>
+            </p:blipFill>
+            <p:spPr>
+              <a:xfrm>
+                <a:off x="1414400" y="3941835"/>
+                <a:ext cx="1647825" cy="1531100"/>
+              </a:xfrm>
+              <a:prstGeom prst="rect">
+                <a:avLst/>
+              </a:prstGeom>
+              <a:noFill/>
+              <a:ln>
+                <a:noFill/>
+              </a:ln>
+            </p:spPr>
+          </p:pic>
+        </p:grpSp>
+        <p:grpSp>
+          <p:nvGrpSpPr>
+            <p:cNvPr id="10" name="Google Shape;164;p22"/>
+            <p:cNvGrpSpPr/>
+            <p:nvPr/>
+          </p:nvGrpSpPr>
+          <p:grpSpPr>
+            <a:xfrm>
+              <a:off x="5568525" y="1807800"/>
+              <a:ext cx="1647825" cy="3665135"/>
+              <a:chOff x="1414400" y="1807800"/>
+              <a:chExt cx="1647825" cy="3665135"/>
+            </a:xfrm>
+          </p:grpSpPr>
+          <p:pic>
+            <p:nvPicPr>
+              <p:cNvPr id="11" name="Google Shape;165;p22"/>
+              <p:cNvPicPr preferRelativeResize="0"/>
+              <p:nvPr/>
+            </p:nvPicPr>
+            <p:blipFill rotWithShape="1">
+              <a:blip r:embed="rId2">
+                <a:alphaModFix/>
+              </a:blip>
+              <a:srcRect b="17143"/>
+              <a:stretch/>
+            </p:blipFill>
+            <p:spPr>
+              <a:xfrm>
+                <a:off x="1414400" y="1807800"/>
+                <a:ext cx="1647825" cy="1531100"/>
+              </a:xfrm>
+              <a:prstGeom prst="rect">
+                <a:avLst/>
+              </a:prstGeom>
+              <a:noFill/>
+              <a:ln>
+                <a:noFill/>
+              </a:ln>
+            </p:spPr>
+          </p:pic>
+          <p:pic>
+            <p:nvPicPr>
+              <p:cNvPr id="12" name="Google Shape;166;p22"/>
+              <p:cNvPicPr preferRelativeResize="0"/>
+              <p:nvPr/>
+            </p:nvPicPr>
+            <p:blipFill rotWithShape="1">
+              <a:blip r:embed="rId2">
+                <a:alphaModFix/>
+              </a:blip>
+              <a:srcRect b="17143"/>
+              <a:stretch/>
+            </p:blipFill>
+            <p:spPr>
+              <a:xfrm>
+                <a:off x="1414400" y="3941835"/>
+                <a:ext cx="1647825" cy="1531100"/>
+              </a:xfrm>
+              <a:prstGeom prst="rect">
+                <a:avLst/>
+              </a:prstGeom>
+              <a:noFill/>
+              <a:ln>
+                <a:noFill/>
+              </a:ln>
+            </p:spPr>
+          </p:pic>
+        </p:grpSp>
+      </p:grpSp>
+      <p:sp>
+        <p:nvSpPr>
+          <p:cNvPr id="15" name="TextBox 14"/>
+          <p:cNvSpPr txBox="1"/>
+          <p:nvPr/>
+        </p:nvSpPr>
+        <p:spPr>
+          <a:xfrm>
+            <a:off x="1634490" y="5796614"/>
+            <a:ext cx="6035040" cy="707886"/>
+          </a:xfrm>
+          <a:prstGeom prst="rect">
+            <a:avLst/>
+          </a:prstGeom>
+          <a:noFill/>
+        </p:spPr>
+        <p:txBody>
+          <a:bodyPr wrap="square" rtlCol="0">
+            <a:spAutoFit/>
+          </a:bodyPr>
+          <a:lstStyle/>
+          <a:p>
+            <a:pPr algn="ctr"/>
+            <a:r>
+              <a:rPr lang="en-US" sz="2000" b="1" dirty="0" smtClean="0">
+                <a:latin typeface="Arial" panose="020B0604020202020204" pitchFamily="34" charset="0"/>
+                <a:cs typeface="Arial" panose="020B0604020202020204" pitchFamily="34" charset="0"/>
+              </a:rPr>
+              <a:t>Sử dụng Led Planner để minh hoạt hình ảnh hiển thị ra màn hình LED 5x5</a:t>
+            </a:r>
+            <a:endParaRPr lang="vi-VN" sz="2000" b="1" dirty="0">
+              <a:latin typeface="Arial" panose="020B0604020202020204" pitchFamily="34" charset="0"/>
+              <a:cs typeface="Arial" panose="020B0604020202020204" pitchFamily="34" charset="0"/>
+            </a:endParaRPr>
+          </a:p>
+        </p:txBody>
+      </p:sp>
+    </p:spTree>
+    <p:extLst>
+      <p:ext uri="{BB962C8B-B14F-4D97-AF65-F5344CB8AC3E}">
+        <p14:creationId xmlns:p14="http://schemas.microsoft.com/office/powerpoint/2010/main" val="889233802"/>
+      </p:ext>
+    </p:extLst>
+  </p:cSld>
+  <p:clrMapOvr>
+    <a:masterClrMapping/>
+  </p:clrMapOvr>
+</p:sld>
+</file>
+
+<file path=ppt/slides/slide12.xml><?xml version="1.0" encoding="utf-8"?>
+<p:sld xmlns:a="http://schemas.openxmlformats.org/drawingml/2006/main" xmlns:r="http://schemas.openxmlformats.org/officeDocument/2006/relationships" xmlns:p="http://schemas.openxmlformats.org/presentationml/2006/main">
+  <p:cSld>
+    <p:spTree>
+      <p:nvGrpSpPr>
+        <p:cNvPr id="1" name=""/>
+        <p:cNvGrpSpPr/>
+        <p:nvPr/>
+      </p:nvGrpSpPr>
+      <p:grpSpPr>
+        <a:xfrm>
+          <a:off x="0" y="0"/>
+          <a:ext cx="0" cy="0"/>
+          <a:chOff x="0" y="0"/>
+          <a:chExt cx="0" cy="0"/>
+        </a:xfrm>
+      </p:grpSpPr>
+      <p:sp>
+        <p:nvSpPr>
+          <p:cNvPr id="2" name="Slide Number Placeholder 1"/>
+          <p:cNvSpPr>
+            <a:spLocks noGrp="1"/>
+          </p:cNvSpPr>
+          <p:nvPr>
+            <p:ph type="sldNum" sz="quarter" idx="12"/>
+          </p:nvPr>
+        </p:nvSpPr>
+        <p:spPr/>
+        <p:txBody>
+          <a:bodyPr/>
+          <a:lstStyle/>
+          <a:p>
+            <a:fld id="{7D9EC917-02A2-4152-9EE3-DFE2775A77C7}" type="slidenum">
+              <a:rPr lang="en-US" smtClean="0"/>
+              <a:pPr/>
+              <a:t>12</a:t>
+            </a:fld>
+            <a:endParaRPr lang="en-US"/>
+          </a:p>
+        </p:txBody>
+      </p:sp>
+      <p:sp>
+        <p:nvSpPr>
+          <p:cNvPr id="3" name="TextBox 2"/>
+          <p:cNvSpPr txBox="1"/>
+          <p:nvPr/>
+        </p:nvSpPr>
+        <p:spPr>
+          <a:xfrm>
+            <a:off x="571500" y="656243"/>
+            <a:ext cx="5726430" cy="461665"/>
+          </a:xfrm>
+          <a:prstGeom prst="rect">
+            <a:avLst/>
+          </a:prstGeom>
+          <a:noFill/>
+        </p:spPr>
+        <p:txBody>
+          <a:bodyPr wrap="square" rtlCol="0">
+            <a:spAutoFit/>
+          </a:bodyPr>
+          <a:lstStyle/>
+          <a:p>
+            <a:r>
+              <a:rPr lang="en-US" sz="2400" b="1" dirty="0" smtClean="0">
+                <a:solidFill>
+                  <a:srgbClr val="64C7E9"/>
+                </a:solidFill>
+                <a:latin typeface="UTM Helve" panose="02040603050506020204" pitchFamily="18" charset="0"/>
+                <a:ea typeface="Roboto" pitchFamily="2" charset="0"/>
+              </a:rPr>
+              <a:t>4.3 Làm nhiều hơn với mỗi Inputs</a:t>
+            </a:r>
+            <a:endParaRPr lang="en-US" sz="2400" b="1" dirty="0">
+              <a:solidFill>
+                <a:srgbClr val="64C7E9"/>
+              </a:solidFill>
+              <a:latin typeface="UTM Helve" panose="02040603050506020204" pitchFamily="18" charset="0"/>
+              <a:ea typeface="Roboto" pitchFamily="2" charset="0"/>
+            </a:endParaRPr>
+          </a:p>
+        </p:txBody>
+      </p:sp>
+      <p:pic>
+        <p:nvPicPr>
+          <p:cNvPr id="4" name="Google Shape;123;p18">
+            <a:hlinkClick r:id="rId2"/>
+          </p:cNvPr>
+          <p:cNvPicPr preferRelativeResize="0"/>
+          <p:nvPr/>
+        </p:nvPicPr>
+        <p:blipFill rotWithShape="1">
+          <a:blip r:embed="rId3">
+            <a:alphaModFix/>
+          </a:blip>
+          <a:srcRect r="51659"/>
+          <a:stretch/>
+        </p:blipFill>
+        <p:spPr>
+          <a:xfrm>
+            <a:off x="5389710" y="1514491"/>
+            <a:ext cx="1816440" cy="2358275"/>
+          </a:xfrm>
+          <a:prstGeom prst="rect">
+            <a:avLst/>
+          </a:prstGeom>
+          <a:noFill/>
+          <a:ln>
+            <a:noFill/>
+          </a:ln>
+        </p:spPr>
+      </p:pic>
+      <p:sp>
+        <p:nvSpPr>
+          <p:cNvPr id="6" name="Rounded Rectangle 5"/>
+          <p:cNvSpPr/>
+          <p:nvPr/>
+        </p:nvSpPr>
+        <p:spPr>
+          <a:xfrm>
+            <a:off x="980634" y="1514491"/>
+            <a:ext cx="4037136" cy="4246229"/>
+          </a:xfrm>
+          <a:prstGeom prst="roundRect">
+            <a:avLst>
+              <a:gd name="adj" fmla="val 3719"/>
+            </a:avLst>
+          </a:prstGeom>
+          <a:noFill/>
+          <a:ln w="19050">
+            <a:solidFill>
+              <a:srgbClr val="64C7E9"/>
+            </a:solidFill>
+            <a:prstDash val="sysDash"/>
+          </a:ln>
+        </p:spPr>
+        <p:style>
+          <a:lnRef idx="2">
+            <a:schemeClr val="accent1">
+              <a:shade val="50000"/>
+            </a:schemeClr>
+          </a:lnRef>
+          <a:fillRef idx="1">
+            <a:schemeClr val="accent1"/>
+          </a:fillRef>
+          <a:effectRef idx="0">
+            <a:schemeClr val="accent1"/>
+          </a:effectRef>
+          <a:fontRef idx="minor">
+            <a:schemeClr val="lt1"/>
+          </a:fontRef>
+        </p:style>
+        <p:txBody>
+          <a:bodyPr rtlCol="0" anchor="ctr"/>
+          <a:lstStyle/>
+          <a:p>
+            <a:pPr algn="ctr"/>
+            <a:endParaRPr lang="en-US"/>
+          </a:p>
+        </p:txBody>
+      </p:sp>
+      <p:sp>
+        <p:nvSpPr>
+          <p:cNvPr id="8" name="Rectangle 7"/>
+          <p:cNvSpPr/>
+          <p:nvPr/>
+        </p:nvSpPr>
+        <p:spPr>
+          <a:xfrm>
+            <a:off x="1306220" y="1956850"/>
+            <a:ext cx="133960" cy="133960"/>
+          </a:xfrm>
+          <a:prstGeom prst="rect">
+            <a:avLst/>
+          </a:prstGeom>
+          <a:solidFill>
+            <a:srgbClr val="64C7E9"/>
+          </a:solidFill>
+          <a:ln>
+            <a:noFill/>
+          </a:ln>
+        </p:spPr>
+        <p:style>
+          <a:lnRef idx="2">
+            <a:schemeClr val="accent1">
+              <a:shade val="50000"/>
+            </a:schemeClr>
+          </a:lnRef>
+          <a:fillRef idx="1">
+            <a:schemeClr val="accent1"/>
+          </a:fillRef>
+          <a:effectRef idx="0">
+            <a:schemeClr val="accent1"/>
+          </a:effectRef>
+          <a:fontRef idx="minor">
+            <a:schemeClr val="lt1"/>
+          </a:fontRef>
+        </p:style>
+        <p:txBody>
+          <a:bodyPr rtlCol="0" anchor="ctr"/>
+          <a:lstStyle/>
+          <a:p>
+            <a:pPr algn="ctr"/>
+            <a:endParaRPr lang="en-US"/>
+          </a:p>
+        </p:txBody>
+      </p:sp>
+      <p:sp>
+        <p:nvSpPr>
+          <p:cNvPr id="10" name="TextBox 9"/>
+          <p:cNvSpPr txBox="1"/>
+          <p:nvPr/>
+        </p:nvSpPr>
+        <p:spPr>
+          <a:xfrm>
+            <a:off x="1554480" y="1817370"/>
+            <a:ext cx="2960370" cy="646331"/>
+          </a:xfrm>
+          <a:prstGeom prst="rect">
+            <a:avLst/>
+          </a:prstGeom>
+          <a:noFill/>
+        </p:spPr>
+        <p:txBody>
+          <a:bodyPr wrap="square" rtlCol="0">
+            <a:spAutoFit/>
+          </a:bodyPr>
+          <a:lstStyle/>
+          <a:p>
+            <a:r>
+              <a:rPr lang="en-US" b="1" dirty="0" smtClean="0">
+                <a:solidFill>
+                  <a:srgbClr val="FF0000"/>
+                </a:solidFill>
+                <a:latin typeface="Arial" panose="020B0604020202020204" pitchFamily="34" charset="0"/>
+                <a:cs typeface="Arial" panose="020B0604020202020204" pitchFamily="34" charset="0"/>
+              </a:rPr>
+              <a:t>Button A</a:t>
+            </a:r>
+            <a:r>
+              <a:rPr lang="en-US" b="1" dirty="0" smtClean="0">
+                <a:latin typeface="Arial" panose="020B0604020202020204" pitchFamily="34" charset="0"/>
+                <a:cs typeface="Arial" panose="020B0604020202020204" pitchFamily="34" charset="0"/>
+              </a:rPr>
+              <a:t> là một trong số Inputs của micro:bit</a:t>
+            </a:r>
+            <a:endParaRPr lang="vi-VN" b="1" dirty="0">
+              <a:latin typeface="Arial" panose="020B0604020202020204" pitchFamily="34" charset="0"/>
+              <a:cs typeface="Arial" panose="020B0604020202020204" pitchFamily="34" charset="0"/>
+            </a:endParaRPr>
+          </a:p>
+        </p:txBody>
+      </p:sp>
+      <p:sp>
+        <p:nvSpPr>
+          <p:cNvPr id="11" name="Rectangle 10"/>
+          <p:cNvSpPr/>
+          <p:nvPr/>
+        </p:nvSpPr>
+        <p:spPr>
+          <a:xfrm>
+            <a:off x="1306220" y="2756950"/>
+            <a:ext cx="133960" cy="133960"/>
+          </a:xfrm>
+          <a:prstGeom prst="rect">
+            <a:avLst/>
+          </a:prstGeom>
+          <a:solidFill>
+            <a:srgbClr val="64C7E9"/>
+          </a:solidFill>
+          <a:ln>
+            <a:noFill/>
+          </a:ln>
+        </p:spPr>
+        <p:style>
+          <a:lnRef idx="2">
+            <a:schemeClr val="accent1">
+              <a:shade val="50000"/>
+            </a:schemeClr>
+          </a:lnRef>
+          <a:fillRef idx="1">
+            <a:schemeClr val="accent1"/>
+          </a:fillRef>
+          <a:effectRef idx="0">
+            <a:schemeClr val="accent1"/>
+          </a:effectRef>
+          <a:fontRef idx="minor">
+            <a:schemeClr val="lt1"/>
+          </a:fontRef>
+        </p:style>
+        <p:txBody>
+          <a:bodyPr rtlCol="0" anchor="ctr"/>
+          <a:lstStyle/>
+          <a:p>
+            <a:pPr algn="ctr"/>
+            <a:endParaRPr lang="en-US"/>
+          </a:p>
+        </p:txBody>
+      </p:sp>
+      <p:sp>
+        <p:nvSpPr>
+          <p:cNvPr id="12" name="TextBox 11"/>
+          <p:cNvSpPr txBox="1"/>
+          <p:nvPr/>
+        </p:nvSpPr>
+        <p:spPr>
+          <a:xfrm>
+            <a:off x="1554480" y="2611755"/>
+            <a:ext cx="2960370" cy="1200329"/>
+          </a:xfrm>
+          <a:prstGeom prst="rect">
+            <a:avLst/>
+          </a:prstGeom>
+          <a:noFill/>
+        </p:spPr>
+        <p:txBody>
+          <a:bodyPr wrap="square" rtlCol="0">
+            <a:spAutoFit/>
+          </a:bodyPr>
+          <a:lstStyle/>
+          <a:p>
+            <a:r>
+              <a:rPr lang="en-US" b="1" dirty="0" smtClean="0">
+                <a:latin typeface="Arial" panose="020B0604020202020204" pitchFamily="34" charset="0"/>
+                <a:cs typeface="Arial" panose="020B0604020202020204" pitchFamily="34" charset="0"/>
+              </a:rPr>
+              <a:t>Tự tạo thêm nhiều chương trình bằng cách inputs khác nhau để điểu khiển micro:bit của bạn</a:t>
+            </a:r>
+            <a:endParaRPr lang="vi-VN" b="1" dirty="0">
+              <a:latin typeface="Arial" panose="020B0604020202020204" pitchFamily="34" charset="0"/>
+              <a:cs typeface="Arial" panose="020B0604020202020204" pitchFamily="34" charset="0"/>
+            </a:endParaRPr>
+          </a:p>
+        </p:txBody>
+      </p:sp>
+      <p:sp>
+        <p:nvSpPr>
+          <p:cNvPr id="13" name="Rectangle 12"/>
+          <p:cNvSpPr/>
+          <p:nvPr/>
+        </p:nvSpPr>
+        <p:spPr>
+          <a:xfrm>
+            <a:off x="1306220" y="4187849"/>
+            <a:ext cx="133960" cy="133960"/>
+          </a:xfrm>
+          <a:prstGeom prst="rect">
+            <a:avLst/>
+          </a:prstGeom>
+          <a:solidFill>
+            <a:srgbClr val="64C7E9"/>
+          </a:solidFill>
+          <a:ln>
+            <a:noFill/>
+          </a:ln>
+        </p:spPr>
+        <p:style>
+          <a:lnRef idx="2">
+            <a:schemeClr val="accent1">
+              <a:shade val="50000"/>
+            </a:schemeClr>
+          </a:lnRef>
+          <a:fillRef idx="1">
+            <a:schemeClr val="accent1"/>
+          </a:fillRef>
+          <a:effectRef idx="0">
+            <a:schemeClr val="accent1"/>
+          </a:effectRef>
+          <a:fontRef idx="minor">
+            <a:schemeClr val="lt1"/>
+          </a:fontRef>
+        </p:style>
+        <p:txBody>
+          <a:bodyPr rtlCol="0" anchor="ctr"/>
+          <a:lstStyle/>
+          <a:p>
+            <a:pPr algn="ctr"/>
+            <a:endParaRPr lang="en-US"/>
+          </a:p>
+        </p:txBody>
+      </p:sp>
+      <p:sp>
+        <p:nvSpPr>
+          <p:cNvPr id="14" name="TextBox 13"/>
+          <p:cNvSpPr txBox="1"/>
+          <p:nvPr/>
+        </p:nvSpPr>
+        <p:spPr>
+          <a:xfrm>
+            <a:off x="1554480" y="4048369"/>
+            <a:ext cx="3120390" cy="1200329"/>
+          </a:xfrm>
+          <a:prstGeom prst="rect">
+            <a:avLst/>
+          </a:prstGeom>
+          <a:noFill/>
+        </p:spPr>
+        <p:txBody>
+          <a:bodyPr wrap="square" rtlCol="0">
+            <a:spAutoFit/>
+          </a:bodyPr>
+          <a:lstStyle/>
+          <a:p>
+            <a:r>
+              <a:rPr lang="en-US" b="1" dirty="0" smtClean="0">
+                <a:latin typeface="Arial" panose="020B0604020202020204" pitchFamily="34" charset="0"/>
+                <a:cs typeface="Arial" panose="020B0604020202020204" pitchFamily="34" charset="0"/>
+              </a:rPr>
+              <a:t>Với mỗi Inputs hãy dùng sơ đồ giải thuật và Led Panner để hiển thị những hình ảnh của bạn</a:t>
+            </a:r>
+            <a:endParaRPr lang="vi-VN" b="1" dirty="0">
+              <a:latin typeface="Arial" panose="020B0604020202020204" pitchFamily="34" charset="0"/>
+              <a:cs typeface="Arial" panose="020B0604020202020204" pitchFamily="34" charset="0"/>
+            </a:endParaRPr>
+          </a:p>
+        </p:txBody>
+      </p:sp>
+      <p:pic>
+        <p:nvPicPr>
+          <p:cNvPr id="15" name="Picture 14"/>
+          <p:cNvPicPr>
+            <a:picLocks noChangeAspect="1"/>
+          </p:cNvPicPr>
+          <p:nvPr/>
+        </p:nvPicPr>
+        <p:blipFill>
+          <a:blip r:embed="rId4">
+            <a:extLst>
+              <a:ext uri="{28A0092B-C50C-407E-A947-70E740481C1C}">
+                <a14:useLocalDpi xmlns:a14="http://schemas.microsoft.com/office/drawing/2010/main" val="0"/>
+              </a:ext>
+            </a:extLst>
+          </a:blip>
+          <a:stretch>
+            <a:fillRect/>
+          </a:stretch>
+        </p:blipFill>
+        <p:spPr>
+          <a:xfrm>
+            <a:off x="6775868" y="4187270"/>
+            <a:ext cx="1562100" cy="2076450"/>
+          </a:xfrm>
+          <a:prstGeom prst="rect">
+            <a:avLst/>
+          </a:prstGeom>
+        </p:spPr>
+      </p:pic>
+    </p:spTree>
+    <p:extLst>
+      <p:ext uri="{BB962C8B-B14F-4D97-AF65-F5344CB8AC3E}">
+        <p14:creationId xmlns:p14="http://schemas.microsoft.com/office/powerpoint/2010/main" val="841460803"/>
+      </p:ext>
+    </p:extLst>
+  </p:cSld>
+  <p:clrMapOvr>
+    <a:masterClrMapping/>
+  </p:clrMapOvr>
+</p:sld>
+</file>
+
+<file path=ppt/slides/slide13.xml><?xml version="1.0" encoding="utf-8"?>
+<p:sld xmlns:a="http://schemas.openxmlformats.org/drawingml/2006/main" xmlns:r="http://schemas.openxmlformats.org/officeDocument/2006/relationships" xmlns:p="http://schemas.openxmlformats.org/presentationml/2006/main">
+  <p:cSld>
+    <p:spTree>
+      <p:nvGrpSpPr>
+        <p:cNvPr id="1" name=""/>
+        <p:cNvGrpSpPr/>
+        <p:nvPr/>
+      </p:nvGrpSpPr>
+      <p:grpSpPr>
+        <a:xfrm>
+          <a:off x="0" y="0"/>
+          <a:ext cx="0" cy="0"/>
+          <a:chOff x="0" y="0"/>
+          <a:chExt cx="0" cy="0"/>
+        </a:xfrm>
+      </p:grpSpPr>
+      <p:sp>
+        <p:nvSpPr>
+          <p:cNvPr id="2" name="Slide Number Placeholder 1"/>
+          <p:cNvSpPr>
+            <a:spLocks noGrp="1"/>
+          </p:cNvSpPr>
+          <p:nvPr>
+            <p:ph type="sldNum" sz="quarter" idx="12"/>
+          </p:nvPr>
+        </p:nvSpPr>
+        <p:spPr/>
+        <p:txBody>
+          <a:bodyPr/>
+          <a:lstStyle/>
+          <a:p>
+            <a:fld id="{7D9EC917-02A2-4152-9EE3-DFE2775A77C7}" type="slidenum">
+              <a:rPr lang="en-US" smtClean="0"/>
+              <a:pPr/>
+              <a:t>13</a:t>
+            </a:fld>
+            <a:endParaRPr lang="en-US"/>
+          </a:p>
+        </p:txBody>
+      </p:sp>
+      <p:sp>
+        <p:nvSpPr>
+          <p:cNvPr id="3" name="Rectangle 2"/>
+          <p:cNvSpPr/>
+          <p:nvPr/>
+        </p:nvSpPr>
+        <p:spPr>
+          <a:xfrm>
+            <a:off x="301925" y="1051379"/>
+            <a:ext cx="8454964" cy="27432"/>
+          </a:xfrm>
+          <a:prstGeom prst="rect">
+            <a:avLst/>
+          </a:prstGeom>
+          <a:gradFill flip="none" rotWithShape="1">
+            <a:gsLst>
+              <a:gs pos="15000">
+                <a:srgbClr val="67C7DF"/>
+              </a:gs>
+              <a:gs pos="100000">
+                <a:srgbClr val="5EB130"/>
+              </a:gs>
+            </a:gsLst>
+            <a:lin ang="0" scaled="1"/>
+            <a:tileRect/>
+          </a:gradFill>
+          <a:ln>
+            <a:noFill/>
+          </a:ln>
+        </p:spPr>
+        <p:style>
+          <a:lnRef idx="2">
+            <a:schemeClr val="accent1">
+              <a:shade val="50000"/>
+            </a:schemeClr>
+          </a:lnRef>
+          <a:fillRef idx="1">
+            <a:schemeClr val="accent1"/>
+          </a:fillRef>
+          <a:effectRef idx="0">
+            <a:schemeClr val="accent1"/>
+          </a:effectRef>
+          <a:fontRef idx="minor">
+            <a:schemeClr val="lt1"/>
+          </a:fontRef>
+        </p:style>
+        <p:txBody>
+          <a:bodyPr rtlCol="0" anchor="ctr"/>
+          <a:lstStyle/>
+          <a:p>
+            <a:pPr algn="ctr"/>
+            <a:endParaRPr lang="en-US"/>
+          </a:p>
+        </p:txBody>
+      </p:sp>
+      <p:sp>
+        <p:nvSpPr>
+          <p:cNvPr id="4" name="TextBox 3"/>
+          <p:cNvSpPr txBox="1"/>
+          <p:nvPr/>
+        </p:nvSpPr>
+        <p:spPr>
+          <a:xfrm>
+            <a:off x="248815" y="546584"/>
+            <a:ext cx="7374995" cy="461665"/>
+          </a:xfrm>
+          <a:prstGeom prst="rect">
+            <a:avLst/>
+          </a:prstGeom>
+          <a:noFill/>
+        </p:spPr>
+        <p:txBody>
+          <a:bodyPr wrap="square" rtlCol="0">
+            <a:spAutoFit/>
+          </a:bodyPr>
+          <a:lstStyle/>
+          <a:p>
+            <a:r>
+              <a:rPr lang="en-US" sz="2400" b="1" dirty="0" smtClean="0">
+                <a:solidFill>
+                  <a:srgbClr val="64C7E9"/>
+                </a:solidFill>
+                <a:latin typeface="UTM Helve" panose="02040603050506020204" pitchFamily="18" charset="0"/>
+                <a:ea typeface="Roboto" pitchFamily="2" charset="0"/>
+              </a:rPr>
+              <a:t>4.4 Hoạt động học viên</a:t>
+            </a:r>
+            <a:endParaRPr lang="en-US" sz="2400" b="1" dirty="0">
+              <a:solidFill>
+                <a:srgbClr val="64C7E9"/>
+              </a:solidFill>
+              <a:latin typeface="UTM Helve" panose="02040603050506020204" pitchFamily="18" charset="0"/>
+              <a:ea typeface="Roboto" pitchFamily="2" charset="0"/>
+            </a:endParaRPr>
+          </a:p>
+        </p:txBody>
+      </p:sp>
+      <p:pic>
+        <p:nvPicPr>
+          <p:cNvPr id="5" name="Google Shape;123;p18">
+            <a:hlinkClick r:id="rId2"/>
+          </p:cNvPr>
+          <p:cNvPicPr preferRelativeResize="0"/>
+          <p:nvPr/>
+        </p:nvPicPr>
+        <p:blipFill rotWithShape="1">
+          <a:blip r:embed="rId3" cstate="screen">
+            <a:alphaModFix/>
+            <a:extLst>
+              <a:ext uri="{28A0092B-C50C-407E-A947-70E740481C1C}">
+                <a14:useLocalDpi xmlns:a14="http://schemas.microsoft.com/office/drawing/2010/main"/>
+              </a:ext>
+            </a:extLst>
+          </a:blip>
+          <a:srcRect b="50526"/>
+          <a:stretch/>
+        </p:blipFill>
+        <p:spPr>
+          <a:xfrm>
+            <a:off x="778940" y="3843291"/>
+            <a:ext cx="7559028" cy="2420349"/>
+          </a:xfrm>
+          <a:prstGeom prst="rect">
+            <a:avLst/>
+          </a:prstGeom>
+          <a:noFill/>
+          <a:ln>
+            <a:noFill/>
+          </a:ln>
+        </p:spPr>
+      </p:pic>
+      <p:pic>
+        <p:nvPicPr>
+          <p:cNvPr id="6" name="Google Shape;123;p18">
+            <a:hlinkClick r:id="rId2"/>
+          </p:cNvPr>
+          <p:cNvPicPr preferRelativeResize="0"/>
+          <p:nvPr/>
+        </p:nvPicPr>
+        <p:blipFill rotWithShape="1">
+          <a:blip r:embed="rId3" cstate="screen">
+            <a:alphaModFix/>
+            <a:extLst>
+              <a:ext uri="{28A0092B-C50C-407E-A947-70E740481C1C}">
+                <a14:useLocalDpi xmlns:a14="http://schemas.microsoft.com/office/drawing/2010/main"/>
+              </a:ext>
+            </a:extLst>
+          </a:blip>
+          <a:srcRect l="58072" t="48895" r="15893"/>
+          <a:stretch/>
+        </p:blipFill>
+        <p:spPr>
+          <a:xfrm>
+            <a:off x="6738319" y="1393058"/>
+            <a:ext cx="1770981" cy="2249846"/>
+          </a:xfrm>
+          <a:prstGeom prst="rect">
+            <a:avLst/>
+          </a:prstGeom>
+          <a:noFill/>
+          <a:ln>
+            <a:noFill/>
+          </a:ln>
+        </p:spPr>
+      </p:pic>
+      <p:sp>
+        <p:nvSpPr>
+          <p:cNvPr id="8" name="TextBox 7"/>
+          <p:cNvSpPr txBox="1"/>
+          <p:nvPr/>
+        </p:nvSpPr>
+        <p:spPr>
+          <a:xfrm>
+            <a:off x="1146613" y="1393058"/>
+            <a:ext cx="4482860" cy="461665"/>
+          </a:xfrm>
+          <a:prstGeom prst="rect">
+            <a:avLst/>
+          </a:prstGeom>
+          <a:noFill/>
+        </p:spPr>
+        <p:txBody>
+          <a:bodyPr wrap="square" rtlCol="0">
+            <a:spAutoFit/>
+          </a:bodyPr>
+          <a:lstStyle/>
+          <a:p>
+            <a:r>
+              <a:rPr lang="en-US" sz="2400" b="1" dirty="0" smtClean="0">
+                <a:solidFill>
+                  <a:schemeClr val="tx1">
+                    <a:lumMod val="85000"/>
+                    <a:lumOff val="15000"/>
+                  </a:schemeClr>
+                </a:solidFill>
+                <a:latin typeface="UTM Helve" panose="02040603050506020204" pitchFamily="18" charset="0"/>
+                <a:ea typeface="Roboto" pitchFamily="2" charset="0"/>
+              </a:rPr>
+              <a:t>Chương trình Smile Status</a:t>
+            </a:r>
+            <a:endParaRPr lang="en-US" sz="2400" b="1" dirty="0">
+              <a:solidFill>
+                <a:schemeClr val="tx1">
+                  <a:lumMod val="85000"/>
+                  <a:lumOff val="15000"/>
+                </a:schemeClr>
+              </a:solidFill>
+              <a:latin typeface="UTM Helve" panose="02040603050506020204" pitchFamily="18" charset="0"/>
+              <a:ea typeface="Roboto" pitchFamily="2" charset="0"/>
+            </a:endParaRPr>
+          </a:p>
+        </p:txBody>
+      </p:sp>
+      <p:pic>
+        <p:nvPicPr>
+          <p:cNvPr id="9" name="Picture 8"/>
+          <p:cNvPicPr>
+            <a:picLocks noChangeAspect="1"/>
+          </p:cNvPicPr>
+          <p:nvPr/>
+        </p:nvPicPr>
+        <p:blipFill>
+          <a:blip r:embed="rId4">
+            <a:extLst>
+              <a:ext uri="{28A0092B-C50C-407E-A947-70E740481C1C}">
+                <a14:useLocalDpi xmlns:a14="http://schemas.microsoft.com/office/drawing/2010/main" val="0"/>
+              </a:ext>
+            </a:extLst>
+          </a:blip>
+          <a:stretch>
+            <a:fillRect/>
+          </a:stretch>
+        </p:blipFill>
+        <p:spPr>
+          <a:xfrm>
+            <a:off x="679888" y="1462786"/>
+            <a:ext cx="466725" cy="409575"/>
+          </a:xfrm>
+          <a:prstGeom prst="rect">
+            <a:avLst/>
+          </a:prstGeom>
+        </p:spPr>
+      </p:pic>
+      <p:sp>
+        <p:nvSpPr>
+          <p:cNvPr id="10" name="TextBox 9"/>
+          <p:cNvSpPr txBox="1"/>
+          <p:nvPr/>
+        </p:nvSpPr>
+        <p:spPr>
+          <a:xfrm>
+            <a:off x="778940" y="2266184"/>
+            <a:ext cx="4482860" cy="830997"/>
+          </a:xfrm>
+          <a:prstGeom prst="rect">
+            <a:avLst/>
+          </a:prstGeom>
+          <a:noFill/>
+        </p:spPr>
+        <p:txBody>
+          <a:bodyPr wrap="square" rtlCol="0">
+            <a:spAutoFit/>
+          </a:bodyPr>
+          <a:lstStyle/>
+          <a:p>
+            <a:r>
+              <a:rPr lang="en-US" sz="2400" dirty="0" smtClean="0">
+                <a:solidFill>
+                  <a:schemeClr val="tx1">
+                    <a:lumMod val="85000"/>
+                    <a:lumOff val="15000"/>
+                  </a:schemeClr>
+                </a:solidFill>
+                <a:latin typeface="UTM Helve" panose="02040603050506020204" pitchFamily="18" charset="0"/>
+                <a:ea typeface="Roboto" pitchFamily="2" charset="0"/>
+              </a:rPr>
+              <a:t>Hiện thị các hình ảnh tương ứng với từng sự kiện Inputs</a:t>
+            </a:r>
+            <a:endParaRPr lang="en-US" sz="2400" dirty="0">
+              <a:solidFill>
+                <a:schemeClr val="tx1">
+                  <a:lumMod val="85000"/>
+                  <a:lumOff val="15000"/>
+                </a:schemeClr>
+              </a:solidFill>
+              <a:latin typeface="UTM Helve" panose="02040603050506020204" pitchFamily="18" charset="0"/>
+              <a:ea typeface="Roboto" pitchFamily="2" charset="0"/>
+            </a:endParaRPr>
+          </a:p>
+        </p:txBody>
+      </p:sp>
+    </p:spTree>
+    <p:extLst>
+      <p:ext uri="{BB962C8B-B14F-4D97-AF65-F5344CB8AC3E}">
+        <p14:creationId xmlns:p14="http://schemas.microsoft.com/office/powerpoint/2010/main" val="2794222345"/>
+      </p:ext>
+    </p:extLst>
+  </p:cSld>
+  <p:clrMapOvr>
+    <a:masterClrMapping/>
+  </p:clrMapOvr>
+</p:sld>
+</file>
+
+<file path=ppt/slides/slide14.xml><?xml version="1.0" encoding="utf-8"?>
+<p:sld xmlns:a="http://schemas.openxmlformats.org/drawingml/2006/main" xmlns:r="http://schemas.openxmlformats.org/officeDocument/2006/relationships" xmlns:p="http://schemas.openxmlformats.org/presentationml/2006/main">
+  <p:cSld>
+    <p:spTree>
+      <p:nvGrpSpPr>
+        <p:cNvPr id="1" name=""/>
+        <p:cNvGrpSpPr/>
+        <p:nvPr/>
+      </p:nvGrpSpPr>
+      <p:grpSpPr>
+        <a:xfrm>
+          <a:off x="0" y="0"/>
+          <a:ext cx="0" cy="0"/>
+          <a:chOff x="0" y="0"/>
+          <a:chExt cx="0" cy="0"/>
+        </a:xfrm>
+      </p:grpSpPr>
+      <p:sp>
+        <p:nvSpPr>
+          <p:cNvPr id="2" name="Slide Number Placeholder 1"/>
+          <p:cNvSpPr>
+            <a:spLocks noGrp="1"/>
+          </p:cNvSpPr>
+          <p:nvPr>
+            <p:ph type="sldNum" sz="quarter" idx="12"/>
+          </p:nvPr>
+        </p:nvSpPr>
+        <p:spPr/>
+        <p:txBody>
+          <a:bodyPr/>
+          <a:lstStyle/>
+          <a:p>
+            <a:fld id="{7D9EC917-02A2-4152-9EE3-DFE2775A77C7}" type="slidenum">
+              <a:rPr lang="en-US" smtClean="0"/>
+              <a:pPr/>
+              <a:t>14</a:t>
+            </a:fld>
+            <a:endParaRPr lang="en-US"/>
+          </a:p>
+        </p:txBody>
+      </p:sp>
+      <p:sp>
+        <p:nvSpPr>
+          <p:cNvPr id="3" name="Rectangle 2"/>
+          <p:cNvSpPr/>
+          <p:nvPr/>
+        </p:nvSpPr>
+        <p:spPr>
+          <a:xfrm>
+            <a:off x="301925" y="1051379"/>
+            <a:ext cx="8454964" cy="27432"/>
+          </a:xfrm>
+          <a:prstGeom prst="rect">
+            <a:avLst/>
+          </a:prstGeom>
+          <a:gradFill flip="none" rotWithShape="1">
+            <a:gsLst>
+              <a:gs pos="15000">
+                <a:srgbClr val="67C7DF"/>
+              </a:gs>
+              <a:gs pos="100000">
+                <a:srgbClr val="5EB130"/>
+              </a:gs>
+            </a:gsLst>
+            <a:lin ang="0" scaled="1"/>
+            <a:tileRect/>
+          </a:gradFill>
+          <a:ln>
+            <a:noFill/>
+          </a:ln>
+        </p:spPr>
+        <p:style>
+          <a:lnRef idx="2">
+            <a:schemeClr val="accent1">
+              <a:shade val="50000"/>
+            </a:schemeClr>
+          </a:lnRef>
+          <a:fillRef idx="1">
+            <a:schemeClr val="accent1"/>
+          </a:fillRef>
+          <a:effectRef idx="0">
+            <a:schemeClr val="accent1"/>
+          </a:effectRef>
+          <a:fontRef idx="minor">
+            <a:schemeClr val="lt1"/>
+          </a:fontRef>
+        </p:style>
+        <p:txBody>
+          <a:bodyPr rtlCol="0" anchor="ctr"/>
+          <a:lstStyle/>
+          <a:p>
+            <a:pPr algn="ctr"/>
+            <a:endParaRPr lang="en-US"/>
+          </a:p>
+        </p:txBody>
+      </p:sp>
+      <p:sp>
+        <p:nvSpPr>
+          <p:cNvPr id="4" name="TextBox 3"/>
+          <p:cNvSpPr txBox="1"/>
+          <p:nvPr/>
+        </p:nvSpPr>
+        <p:spPr>
+          <a:xfrm>
+            <a:off x="248815" y="546584"/>
+            <a:ext cx="7374995" cy="461665"/>
+          </a:xfrm>
+          <a:prstGeom prst="rect">
+            <a:avLst/>
+          </a:prstGeom>
+          <a:noFill/>
+        </p:spPr>
+        <p:txBody>
+          <a:bodyPr wrap="square" rtlCol="0">
+            <a:spAutoFit/>
+          </a:bodyPr>
+          <a:lstStyle/>
+          <a:p>
+            <a:r>
+              <a:rPr lang="en-US" sz="2400" b="1" dirty="0" smtClean="0">
+                <a:solidFill>
+                  <a:srgbClr val="64C7E9"/>
+                </a:solidFill>
+                <a:latin typeface="UTM Helve" panose="02040603050506020204" pitchFamily="18" charset="0"/>
+                <a:ea typeface="Roboto" pitchFamily="2" charset="0"/>
+              </a:rPr>
+              <a:t>4.4 Hoạt động học viên</a:t>
+            </a:r>
+            <a:endParaRPr lang="en-US" sz="2400" b="1" dirty="0">
+              <a:solidFill>
+                <a:srgbClr val="64C7E9"/>
+              </a:solidFill>
+              <a:latin typeface="UTM Helve" panose="02040603050506020204" pitchFamily="18" charset="0"/>
+              <a:ea typeface="Roboto" pitchFamily="2" charset="0"/>
+            </a:endParaRPr>
+          </a:p>
+        </p:txBody>
+      </p:sp>
+      <p:sp>
+        <p:nvSpPr>
+          <p:cNvPr id="8" name="TextBox 7"/>
+          <p:cNvSpPr txBox="1"/>
+          <p:nvPr/>
+        </p:nvSpPr>
+        <p:spPr>
+          <a:xfrm>
+            <a:off x="1236140" y="1389829"/>
+            <a:ext cx="4482860" cy="461665"/>
+          </a:xfrm>
+          <a:prstGeom prst="rect">
+            <a:avLst/>
+          </a:prstGeom>
+          <a:noFill/>
+        </p:spPr>
+        <p:txBody>
+          <a:bodyPr wrap="square" rtlCol="0">
+            <a:spAutoFit/>
+          </a:bodyPr>
+          <a:lstStyle/>
+          <a:p>
+            <a:r>
+              <a:rPr lang="en-US" sz="2400" b="1" dirty="0" smtClean="0">
+                <a:solidFill>
+                  <a:schemeClr val="tx1">
+                    <a:lumMod val="85000"/>
+                    <a:lumOff val="15000"/>
+                  </a:schemeClr>
+                </a:solidFill>
+                <a:latin typeface="UTM Helve" panose="02040603050506020204" pitchFamily="18" charset="0"/>
+                <a:ea typeface="Roboto" pitchFamily="2" charset="0"/>
+              </a:rPr>
+              <a:t>Các bước thực hiện</a:t>
+            </a:r>
+            <a:endParaRPr lang="en-US" sz="2400" b="1" dirty="0">
+              <a:solidFill>
+                <a:schemeClr val="tx1">
+                  <a:lumMod val="85000"/>
+                  <a:lumOff val="15000"/>
+                </a:schemeClr>
+              </a:solidFill>
+              <a:latin typeface="UTM Helve" panose="02040603050506020204" pitchFamily="18" charset="0"/>
+              <a:ea typeface="Roboto" pitchFamily="2" charset="0"/>
+            </a:endParaRPr>
+          </a:p>
+        </p:txBody>
+      </p:sp>
+      <p:pic>
+        <p:nvPicPr>
+          <p:cNvPr id="9" name="Picture 8"/>
+          <p:cNvPicPr>
+            <a:picLocks noChangeAspect="1"/>
+          </p:cNvPicPr>
+          <p:nvPr/>
+        </p:nvPicPr>
+        <p:blipFill>
+          <a:blip r:embed="rId2">
+            <a:extLst>
+              <a:ext uri="{28A0092B-C50C-407E-A947-70E740481C1C}">
+                <a14:useLocalDpi xmlns:a14="http://schemas.microsoft.com/office/drawing/2010/main" val="0"/>
+              </a:ext>
+            </a:extLst>
+          </a:blip>
+          <a:stretch>
+            <a:fillRect/>
+          </a:stretch>
+        </p:blipFill>
+        <p:spPr>
+          <a:xfrm>
+            <a:off x="679888" y="1462786"/>
+            <a:ext cx="466725" cy="409575"/>
+          </a:xfrm>
+          <a:prstGeom prst="rect">
+            <a:avLst/>
+          </a:prstGeom>
+        </p:spPr>
+      </p:pic>
+      <p:sp>
+        <p:nvSpPr>
+          <p:cNvPr id="10" name="TextBox 9"/>
+          <p:cNvSpPr txBox="1"/>
+          <p:nvPr/>
+        </p:nvSpPr>
+        <p:spPr>
+          <a:xfrm>
+            <a:off x="1236140" y="2163497"/>
+            <a:ext cx="6682908" cy="830997"/>
+          </a:xfrm>
+          <a:prstGeom prst="rect">
+            <a:avLst/>
+          </a:prstGeom>
+          <a:noFill/>
+        </p:spPr>
+        <p:txBody>
+          <a:bodyPr wrap="square" rtlCol="0">
+            <a:spAutoFit/>
+          </a:bodyPr>
+          <a:lstStyle/>
+          <a:p>
+            <a:r>
+              <a:rPr lang="en-US" sz="2400" dirty="0" smtClean="0">
+                <a:solidFill>
+                  <a:schemeClr val="tx1">
+                    <a:lumMod val="85000"/>
+                    <a:lumOff val="15000"/>
+                  </a:schemeClr>
+                </a:solidFill>
+                <a:latin typeface="UTM Helve" panose="02040603050506020204" pitchFamily="18" charset="0"/>
+                <a:ea typeface="Roboto" pitchFamily="2" charset="0"/>
+              </a:rPr>
+              <a:t>Sử dụng mẫu </a:t>
+            </a:r>
+            <a:r>
+              <a:rPr lang="en-US" sz="2400" dirty="0">
+                <a:solidFill>
+                  <a:schemeClr val="tx1">
+                    <a:lumMod val="85000"/>
+                    <a:lumOff val="15000"/>
+                  </a:schemeClr>
+                </a:solidFill>
+                <a:latin typeface="UTM Helve" panose="02040603050506020204" pitchFamily="18" charset="0"/>
+                <a:ea typeface="Roboto" pitchFamily="2" charset="0"/>
+              </a:rPr>
+              <a:t>in </a:t>
+            </a:r>
+            <a:r>
+              <a:rPr lang="en-US" sz="2400" b="1" dirty="0">
+                <a:solidFill>
+                  <a:schemeClr val="tx1">
+                    <a:lumMod val="85000"/>
+                    <a:lumOff val="15000"/>
+                  </a:schemeClr>
+                </a:solidFill>
+                <a:latin typeface="UTM Helve" panose="02040603050506020204" pitchFamily="18" charset="0"/>
+                <a:ea typeface="Roboto" pitchFamily="2" charset="0"/>
+              </a:rPr>
+              <a:t>Algorithm Planning </a:t>
+            </a:r>
+            <a:r>
+              <a:rPr lang="en-US" sz="2400" b="1" dirty="0" smtClean="0">
+                <a:solidFill>
+                  <a:schemeClr val="tx1">
+                    <a:lumMod val="85000"/>
+                    <a:lumOff val="15000"/>
+                  </a:schemeClr>
+                </a:solidFill>
+                <a:latin typeface="UTM Helve" panose="02040603050506020204" pitchFamily="18" charset="0"/>
+                <a:ea typeface="Roboto" pitchFamily="2" charset="0"/>
+              </a:rPr>
+              <a:t>Sheet</a:t>
+            </a:r>
+            <a:r>
+              <a:rPr lang="en-US" sz="2400" dirty="0" smtClean="0">
+                <a:solidFill>
+                  <a:schemeClr val="tx1">
+                    <a:lumMod val="85000"/>
+                    <a:lumOff val="15000"/>
+                  </a:schemeClr>
+                </a:solidFill>
+                <a:latin typeface="UTM Helve" panose="02040603050506020204" pitchFamily="18" charset="0"/>
+                <a:ea typeface="Roboto" pitchFamily="2" charset="0"/>
+              </a:rPr>
+              <a:t> , </a:t>
+            </a:r>
+            <a:r>
+              <a:rPr lang="en-US" sz="2400" b="1" dirty="0" smtClean="0">
+                <a:solidFill>
+                  <a:schemeClr val="tx1">
+                    <a:lumMod val="85000"/>
+                    <a:lumOff val="15000"/>
+                  </a:schemeClr>
+                </a:solidFill>
+                <a:latin typeface="UTM Helve" panose="02040603050506020204" pitchFamily="18" charset="0"/>
+                <a:ea typeface="Roboto" pitchFamily="2" charset="0"/>
+              </a:rPr>
+              <a:t>Led Planner </a:t>
+            </a:r>
+            <a:r>
+              <a:rPr lang="en-US" sz="2400" dirty="0" smtClean="0">
+                <a:solidFill>
+                  <a:schemeClr val="tx1">
+                    <a:lumMod val="85000"/>
+                    <a:lumOff val="15000"/>
+                  </a:schemeClr>
+                </a:solidFill>
+                <a:latin typeface="UTM Helve" panose="02040603050506020204" pitchFamily="18" charset="0"/>
+                <a:ea typeface="Roboto" pitchFamily="2" charset="0"/>
+              </a:rPr>
+              <a:t>để soạn thuật toán chương trình</a:t>
+            </a:r>
+            <a:endParaRPr lang="en-US" sz="2400" dirty="0">
+              <a:solidFill>
+                <a:schemeClr val="tx1">
+                  <a:lumMod val="85000"/>
+                  <a:lumOff val="15000"/>
+                </a:schemeClr>
+              </a:solidFill>
+              <a:latin typeface="UTM Helve" panose="02040603050506020204" pitchFamily="18" charset="0"/>
+              <a:ea typeface="Roboto" pitchFamily="2" charset="0"/>
+            </a:endParaRPr>
+          </a:p>
+        </p:txBody>
+      </p:sp>
+      <p:sp>
+        <p:nvSpPr>
+          <p:cNvPr id="11" name="Oval 10"/>
+          <p:cNvSpPr/>
+          <p:nvPr/>
+        </p:nvSpPr>
+        <p:spPr>
+          <a:xfrm>
+            <a:off x="684650" y="2227451"/>
+            <a:ext cx="457200" cy="457200"/>
+          </a:xfrm>
+          <a:prstGeom prst="ellipse">
+            <a:avLst/>
+          </a:prstGeom>
+          <a:gradFill flip="none" rotWithShape="1">
+            <a:gsLst>
+              <a:gs pos="15000">
+                <a:srgbClr val="67C7DF"/>
+              </a:gs>
+              <a:gs pos="100000">
+                <a:srgbClr val="5EB130"/>
+              </a:gs>
+            </a:gsLst>
+            <a:lin ang="0" scaled="1"/>
+            <a:tileRect/>
+          </a:gradFill>
+          <a:ln>
+            <a:noFill/>
+          </a:ln>
+        </p:spPr>
+        <p:style>
+          <a:lnRef idx="2">
+            <a:schemeClr val="accent1">
+              <a:shade val="50000"/>
+            </a:schemeClr>
+          </a:lnRef>
+          <a:fillRef idx="1">
+            <a:schemeClr val="accent1"/>
+          </a:fillRef>
+          <a:effectRef idx="0">
+            <a:schemeClr val="accent1"/>
+          </a:effectRef>
+          <a:fontRef idx="minor">
+            <a:schemeClr val="lt1"/>
+          </a:fontRef>
+        </p:style>
+        <p:txBody>
+          <a:bodyPr rtlCol="0" anchor="ctr"/>
+          <a:lstStyle/>
+          <a:p>
+            <a:pPr algn="ctr"/>
+            <a:r>
+              <a:rPr lang="en-US" b="1" dirty="0">
+                <a:latin typeface="UTM Helve" panose="02040603050506020204" pitchFamily="18" charset="0"/>
+              </a:rPr>
+              <a:t>1</a:t>
+            </a:r>
+            <a:endParaRPr lang="en-US" b="1" dirty="0">
+              <a:latin typeface="UTM Helve" panose="02040603050506020204" pitchFamily="18" charset="0"/>
+            </a:endParaRPr>
+          </a:p>
+        </p:txBody>
+      </p:sp>
+      <p:sp>
+        <p:nvSpPr>
+          <p:cNvPr id="12" name="TextBox 11"/>
+          <p:cNvSpPr txBox="1"/>
+          <p:nvPr/>
+        </p:nvSpPr>
+        <p:spPr>
+          <a:xfrm>
+            <a:off x="1236140" y="3270751"/>
+            <a:ext cx="6902020" cy="830997"/>
+          </a:xfrm>
+          <a:prstGeom prst="rect">
+            <a:avLst/>
+          </a:prstGeom>
+          <a:noFill/>
+        </p:spPr>
+        <p:txBody>
+          <a:bodyPr wrap="square" rtlCol="0">
+            <a:spAutoFit/>
+          </a:bodyPr>
+          <a:lstStyle/>
+          <a:p>
+            <a:r>
+              <a:rPr lang="en-US" sz="2400" dirty="0" smtClean="0">
+                <a:solidFill>
+                  <a:schemeClr val="tx1">
+                    <a:lumMod val="85000"/>
+                    <a:lumOff val="15000"/>
+                  </a:schemeClr>
+                </a:solidFill>
+                <a:latin typeface="UTM Helve" panose="02040603050506020204" pitchFamily="18" charset="0"/>
+                <a:ea typeface="Roboto" pitchFamily="2" charset="0"/>
+              </a:rPr>
+              <a:t>Chuyển thuật toán đó thành chương trình trong </a:t>
+            </a:r>
+            <a:r>
+              <a:rPr lang="en-US" sz="2400" b="1" dirty="0" smtClean="0">
+                <a:solidFill>
+                  <a:schemeClr val="tx1">
+                    <a:lumMod val="85000"/>
+                    <a:lumOff val="15000"/>
+                  </a:schemeClr>
+                </a:solidFill>
+                <a:latin typeface="UTM Helve" panose="02040603050506020204" pitchFamily="18" charset="0"/>
+                <a:ea typeface="Roboto" pitchFamily="2" charset="0"/>
+              </a:rPr>
+              <a:t>MakeCode</a:t>
+            </a:r>
+            <a:endParaRPr lang="en-US" sz="2400" b="1" dirty="0">
+              <a:solidFill>
+                <a:schemeClr val="tx1">
+                  <a:lumMod val="85000"/>
+                  <a:lumOff val="15000"/>
+                </a:schemeClr>
+              </a:solidFill>
+              <a:latin typeface="UTM Helve" panose="02040603050506020204" pitchFamily="18" charset="0"/>
+              <a:ea typeface="Roboto" pitchFamily="2" charset="0"/>
+            </a:endParaRPr>
+          </a:p>
+        </p:txBody>
+      </p:sp>
+      <p:sp>
+        <p:nvSpPr>
+          <p:cNvPr id="13" name="Oval 12"/>
+          <p:cNvSpPr/>
+          <p:nvPr/>
+        </p:nvSpPr>
+        <p:spPr>
+          <a:xfrm>
+            <a:off x="684650" y="3357565"/>
+            <a:ext cx="457200" cy="457200"/>
+          </a:xfrm>
+          <a:prstGeom prst="ellipse">
+            <a:avLst/>
+          </a:prstGeom>
+          <a:gradFill flip="none" rotWithShape="1">
+            <a:gsLst>
+              <a:gs pos="15000">
+                <a:srgbClr val="67C7DF"/>
+              </a:gs>
+              <a:gs pos="100000">
+                <a:srgbClr val="5EB130"/>
+              </a:gs>
+            </a:gsLst>
+            <a:lin ang="0" scaled="1"/>
+            <a:tileRect/>
+          </a:gradFill>
+          <a:ln>
+            <a:noFill/>
+          </a:ln>
+        </p:spPr>
+        <p:style>
+          <a:lnRef idx="2">
+            <a:schemeClr val="accent1">
+              <a:shade val="50000"/>
+            </a:schemeClr>
+          </a:lnRef>
+          <a:fillRef idx="1">
+            <a:schemeClr val="accent1"/>
+          </a:fillRef>
+          <a:effectRef idx="0">
+            <a:schemeClr val="accent1"/>
+          </a:effectRef>
+          <a:fontRef idx="minor">
+            <a:schemeClr val="lt1"/>
+          </a:fontRef>
+        </p:style>
+        <p:txBody>
+          <a:bodyPr rtlCol="0" anchor="ctr"/>
+          <a:lstStyle/>
+          <a:p>
+            <a:pPr algn="ctr"/>
+            <a:r>
+              <a:rPr lang="en-US" b="1" dirty="0" smtClean="0">
+                <a:latin typeface="UTM Helve" panose="02040603050506020204" pitchFamily="18" charset="0"/>
+              </a:rPr>
+              <a:t>2</a:t>
+            </a:r>
+            <a:endParaRPr lang="en-US" b="1" dirty="0">
+              <a:latin typeface="UTM Helve" panose="02040603050506020204" pitchFamily="18" charset="0"/>
+            </a:endParaRPr>
+          </a:p>
+        </p:txBody>
+      </p:sp>
+      <p:sp>
+        <p:nvSpPr>
+          <p:cNvPr id="14" name="TextBox 13"/>
+          <p:cNvSpPr txBox="1"/>
+          <p:nvPr/>
+        </p:nvSpPr>
+        <p:spPr>
+          <a:xfrm>
+            <a:off x="1236140" y="5622711"/>
+            <a:ext cx="6902020" cy="461665"/>
+          </a:xfrm>
+          <a:prstGeom prst="rect">
+            <a:avLst/>
+          </a:prstGeom>
+          <a:noFill/>
+        </p:spPr>
+        <p:txBody>
+          <a:bodyPr wrap="square" rtlCol="0">
+            <a:spAutoFit/>
+          </a:bodyPr>
+          <a:lstStyle/>
+          <a:p>
+            <a:r>
+              <a:rPr lang="en-US" sz="2400" dirty="0" smtClean="0">
+                <a:solidFill>
+                  <a:schemeClr val="tx1">
+                    <a:lumMod val="85000"/>
+                    <a:lumOff val="15000"/>
+                  </a:schemeClr>
+                </a:solidFill>
+                <a:latin typeface="UTM Helve" panose="02040603050506020204" pitchFamily="18" charset="0"/>
+                <a:ea typeface="Roboto" pitchFamily="2" charset="0"/>
+              </a:rPr>
+              <a:t>Chuyển chương trình vào micro:bit chạy thật</a:t>
+            </a:r>
+            <a:endParaRPr lang="en-US" sz="2400" dirty="0">
+              <a:solidFill>
+                <a:schemeClr val="tx1">
+                  <a:lumMod val="85000"/>
+                  <a:lumOff val="15000"/>
+                </a:schemeClr>
+              </a:solidFill>
+              <a:latin typeface="UTM Helve" panose="02040603050506020204" pitchFamily="18" charset="0"/>
+              <a:ea typeface="Roboto" pitchFamily="2" charset="0"/>
+            </a:endParaRPr>
+          </a:p>
+        </p:txBody>
+      </p:sp>
+      <p:sp>
+        <p:nvSpPr>
+          <p:cNvPr id="15" name="Oval 14"/>
+          <p:cNvSpPr/>
+          <p:nvPr/>
+        </p:nvSpPr>
+        <p:spPr>
+          <a:xfrm>
+            <a:off x="684650" y="5686665"/>
+            <a:ext cx="457200" cy="457200"/>
+          </a:xfrm>
+          <a:prstGeom prst="ellipse">
+            <a:avLst/>
+          </a:prstGeom>
+          <a:gradFill flip="none" rotWithShape="1">
+            <a:gsLst>
+              <a:gs pos="15000">
+                <a:srgbClr val="67C7DF"/>
+              </a:gs>
+              <a:gs pos="100000">
+                <a:srgbClr val="5EB130"/>
+              </a:gs>
+            </a:gsLst>
+            <a:lin ang="0" scaled="1"/>
+            <a:tileRect/>
+          </a:gradFill>
+          <a:ln>
+            <a:noFill/>
+          </a:ln>
+        </p:spPr>
+        <p:style>
+          <a:lnRef idx="2">
+            <a:schemeClr val="accent1">
+              <a:shade val="50000"/>
+            </a:schemeClr>
+          </a:lnRef>
+          <a:fillRef idx="1">
+            <a:schemeClr val="accent1"/>
+          </a:fillRef>
+          <a:effectRef idx="0">
+            <a:schemeClr val="accent1"/>
+          </a:effectRef>
+          <a:fontRef idx="minor">
+            <a:schemeClr val="lt1"/>
+          </a:fontRef>
+        </p:style>
+        <p:txBody>
+          <a:bodyPr rtlCol="0" anchor="ctr"/>
+          <a:lstStyle/>
+          <a:p>
+            <a:pPr algn="ctr"/>
+            <a:r>
+              <a:rPr lang="en-US" b="1" dirty="0">
+                <a:latin typeface="UTM Helve" panose="02040603050506020204" pitchFamily="18" charset="0"/>
+              </a:rPr>
+              <a:t>4</a:t>
+            </a:r>
+            <a:endParaRPr lang="en-US" b="1" dirty="0">
+              <a:latin typeface="UTM Helve" panose="02040603050506020204" pitchFamily="18" charset="0"/>
+            </a:endParaRPr>
+          </a:p>
+        </p:txBody>
+      </p:sp>
+      <p:sp>
+        <p:nvSpPr>
+          <p:cNvPr id="16" name="TextBox 15"/>
+          <p:cNvSpPr txBox="1"/>
+          <p:nvPr/>
+        </p:nvSpPr>
+        <p:spPr>
+          <a:xfrm>
+            <a:off x="1236140" y="4413751"/>
+            <a:ext cx="6902020" cy="830997"/>
+          </a:xfrm>
+          <a:prstGeom prst="rect">
+            <a:avLst/>
+          </a:prstGeom>
+          <a:noFill/>
+        </p:spPr>
+        <p:txBody>
+          <a:bodyPr wrap="square" rtlCol="0">
+            <a:spAutoFit/>
+          </a:bodyPr>
+          <a:lstStyle/>
+          <a:p>
+            <a:r>
+              <a:rPr lang="en-US" sz="2400" dirty="0">
+                <a:solidFill>
+                  <a:schemeClr val="tx1">
+                    <a:lumMod val="85000"/>
+                    <a:lumOff val="15000"/>
+                  </a:schemeClr>
+                </a:solidFill>
+                <a:latin typeface="UTM Helve" panose="02040603050506020204" pitchFamily="18" charset="0"/>
+                <a:ea typeface="Roboto" pitchFamily="2" charset="0"/>
+              </a:rPr>
+              <a:t>Test và Debug chương trình </a:t>
+            </a:r>
+            <a:r>
+              <a:rPr lang="en-US" sz="2400" dirty="0" smtClean="0">
+                <a:solidFill>
+                  <a:schemeClr val="tx1">
+                    <a:lumMod val="85000"/>
+                    <a:lumOff val="15000"/>
+                  </a:schemeClr>
+                </a:solidFill>
+                <a:latin typeface="UTM Helve" panose="02040603050506020204" pitchFamily="18" charset="0"/>
+                <a:ea typeface="Roboto" pitchFamily="2" charset="0"/>
+              </a:rPr>
+              <a:t>bằng trình mô phỏng micro:bit </a:t>
+            </a:r>
+            <a:r>
+              <a:rPr lang="en-US" sz="2400" b="1" dirty="0" smtClean="0">
+                <a:solidFill>
+                  <a:schemeClr val="tx1">
+                    <a:lumMod val="85000"/>
+                    <a:lumOff val="15000"/>
+                  </a:schemeClr>
+                </a:solidFill>
+                <a:latin typeface="UTM Helve" panose="02040603050506020204" pitchFamily="18" charset="0"/>
+                <a:ea typeface="Roboto" pitchFamily="2" charset="0"/>
+              </a:rPr>
+              <a:t>simulator</a:t>
+            </a:r>
+            <a:r>
+              <a:rPr lang="en-US" sz="2400" dirty="0" smtClean="0">
+                <a:solidFill>
+                  <a:schemeClr val="tx1">
+                    <a:lumMod val="85000"/>
+                    <a:lumOff val="15000"/>
+                  </a:schemeClr>
+                </a:solidFill>
+                <a:latin typeface="UTM Helve" panose="02040603050506020204" pitchFamily="18" charset="0"/>
+                <a:ea typeface="Roboto" pitchFamily="2" charset="0"/>
+              </a:rPr>
+              <a:t> </a:t>
+            </a:r>
+            <a:endParaRPr lang="en-US" sz="2400" dirty="0">
+              <a:solidFill>
+                <a:schemeClr val="tx1">
+                  <a:lumMod val="85000"/>
+                  <a:lumOff val="15000"/>
+                </a:schemeClr>
+              </a:solidFill>
+              <a:latin typeface="UTM Helve" panose="02040603050506020204" pitchFamily="18" charset="0"/>
+              <a:ea typeface="Roboto" pitchFamily="2" charset="0"/>
+            </a:endParaRPr>
+          </a:p>
+        </p:txBody>
+      </p:sp>
+      <p:sp>
+        <p:nvSpPr>
+          <p:cNvPr id="17" name="Oval 16"/>
+          <p:cNvSpPr/>
+          <p:nvPr/>
+        </p:nvSpPr>
+        <p:spPr>
+          <a:xfrm>
+            <a:off x="684650" y="4489135"/>
+            <a:ext cx="457200" cy="457200"/>
+          </a:xfrm>
+          <a:prstGeom prst="ellipse">
+            <a:avLst/>
+          </a:prstGeom>
+          <a:gradFill flip="none" rotWithShape="1">
+            <a:gsLst>
+              <a:gs pos="15000">
+                <a:srgbClr val="67C7DF"/>
+              </a:gs>
+              <a:gs pos="100000">
+                <a:srgbClr val="5EB130"/>
+              </a:gs>
+            </a:gsLst>
+            <a:lin ang="0" scaled="1"/>
+            <a:tileRect/>
+          </a:gradFill>
+          <a:ln>
+            <a:noFill/>
+          </a:ln>
+        </p:spPr>
+        <p:style>
+          <a:lnRef idx="2">
+            <a:schemeClr val="accent1">
+              <a:shade val="50000"/>
+            </a:schemeClr>
+          </a:lnRef>
+          <a:fillRef idx="1">
+            <a:schemeClr val="accent1"/>
+          </a:fillRef>
+          <a:effectRef idx="0">
+            <a:schemeClr val="accent1"/>
+          </a:effectRef>
+          <a:fontRef idx="minor">
+            <a:schemeClr val="lt1"/>
+          </a:fontRef>
+        </p:style>
+        <p:txBody>
+          <a:bodyPr rtlCol="0" anchor="ctr"/>
+          <a:lstStyle/>
+          <a:p>
+            <a:pPr algn="ctr"/>
+            <a:r>
+              <a:rPr lang="en-US" b="1" dirty="0" smtClean="0">
+                <a:latin typeface="UTM Helve" panose="02040603050506020204" pitchFamily="18" charset="0"/>
+              </a:rPr>
+              <a:t>3</a:t>
+            </a:r>
+            <a:endParaRPr lang="en-US" b="1" dirty="0">
+              <a:latin typeface="UTM Helve" panose="02040603050506020204" pitchFamily="18" charset="0"/>
+            </a:endParaRPr>
+          </a:p>
+        </p:txBody>
+      </p:sp>
+    </p:spTree>
+    <p:extLst>
+      <p:ext uri="{BB962C8B-B14F-4D97-AF65-F5344CB8AC3E}">
+        <p14:creationId xmlns:p14="http://schemas.microsoft.com/office/powerpoint/2010/main" val="2789131954"/>
+      </p:ext>
+    </p:extLst>
+  </p:cSld>
+  <p:clrMapOvr>
+    <a:masterClrMapping/>
+  </p:clrMapOvr>
+</p:sld>
+</file>
+
+<file path=ppt/slides/slide15.xml><?xml version="1.0" encoding="utf-8"?>
+<p:sld xmlns:a="http://schemas.openxmlformats.org/drawingml/2006/main" xmlns:r="http://schemas.openxmlformats.org/officeDocument/2006/relationships" xmlns:p="http://schemas.openxmlformats.org/presentationml/2006/main">
+  <p:cSld>
+    <p:spTree>
+      <p:nvGrpSpPr>
+        <p:cNvPr id="1" name=""/>
+        <p:cNvGrpSpPr/>
+        <p:nvPr/>
+      </p:nvGrpSpPr>
+      <p:grpSpPr>
+        <a:xfrm>
+          <a:off x="0" y="0"/>
+          <a:ext cx="0" cy="0"/>
+          <a:chOff x="0" y="0"/>
+          <a:chExt cx="0" cy="0"/>
+        </a:xfrm>
+      </p:grpSpPr>
+      <p:sp>
+        <p:nvSpPr>
+          <p:cNvPr id="2" name="Slide Number Placeholder 1"/>
+          <p:cNvSpPr>
+            <a:spLocks noGrp="1"/>
+          </p:cNvSpPr>
+          <p:nvPr>
+            <p:ph type="sldNum" sz="quarter" idx="12"/>
+          </p:nvPr>
+        </p:nvSpPr>
+        <p:spPr/>
+        <p:txBody>
+          <a:bodyPr/>
+          <a:lstStyle/>
+          <a:p>
+            <a:fld id="{7D9EC917-02A2-4152-9EE3-DFE2775A77C7}" type="slidenum">
+              <a:rPr lang="en-US" smtClean="0"/>
+              <a:pPr/>
+              <a:t>15</a:t>
+            </a:fld>
+            <a:endParaRPr lang="en-US"/>
+          </a:p>
+        </p:txBody>
+      </p:sp>
+      <p:sp>
+        <p:nvSpPr>
+          <p:cNvPr id="4" name="Rectangle 3"/>
+          <p:cNvSpPr/>
+          <p:nvPr/>
+        </p:nvSpPr>
+        <p:spPr>
+          <a:xfrm>
+            <a:off x="301925" y="1051379"/>
+            <a:ext cx="8454964" cy="27432"/>
+          </a:xfrm>
+          <a:prstGeom prst="rect">
+            <a:avLst/>
+          </a:prstGeom>
+          <a:gradFill flip="none" rotWithShape="1">
+            <a:gsLst>
+              <a:gs pos="15000">
+                <a:srgbClr val="67C7DF"/>
+              </a:gs>
+              <a:gs pos="100000">
+                <a:srgbClr val="5EB130"/>
+              </a:gs>
+            </a:gsLst>
+            <a:lin ang="0" scaled="1"/>
+            <a:tileRect/>
+          </a:gradFill>
+          <a:ln>
+            <a:noFill/>
+          </a:ln>
+        </p:spPr>
+        <p:style>
+          <a:lnRef idx="2">
+            <a:schemeClr val="accent1">
+              <a:shade val="50000"/>
+            </a:schemeClr>
+          </a:lnRef>
+          <a:fillRef idx="1">
+            <a:schemeClr val="accent1"/>
+          </a:fillRef>
+          <a:effectRef idx="0">
+            <a:schemeClr val="accent1"/>
+          </a:effectRef>
+          <a:fontRef idx="minor">
+            <a:schemeClr val="lt1"/>
+          </a:fontRef>
+        </p:style>
+        <p:txBody>
+          <a:bodyPr rtlCol="0" anchor="ctr"/>
+          <a:lstStyle/>
+          <a:p>
+            <a:pPr algn="ctr"/>
+            <a:endParaRPr lang="en-US"/>
+          </a:p>
+        </p:txBody>
+      </p:sp>
+      <p:sp>
+        <p:nvSpPr>
+          <p:cNvPr id="5" name="TextBox 4"/>
+          <p:cNvSpPr txBox="1"/>
+          <p:nvPr/>
+        </p:nvSpPr>
+        <p:spPr>
+          <a:xfrm>
+            <a:off x="248815" y="546584"/>
+            <a:ext cx="7374995" cy="461665"/>
+          </a:xfrm>
+          <a:prstGeom prst="rect">
+            <a:avLst/>
+          </a:prstGeom>
+          <a:noFill/>
+        </p:spPr>
+        <p:txBody>
+          <a:bodyPr wrap="square" rtlCol="0">
+            <a:spAutoFit/>
+          </a:bodyPr>
+          <a:lstStyle/>
+          <a:p>
+            <a:r>
+              <a:rPr lang="en-US" sz="2400" b="1" dirty="0" smtClean="0">
+                <a:solidFill>
+                  <a:srgbClr val="64C7E9"/>
+                </a:solidFill>
+                <a:latin typeface="UTM Helve" panose="02040603050506020204" pitchFamily="18" charset="0"/>
+                <a:ea typeface="Roboto" pitchFamily="2" charset="0"/>
+              </a:rPr>
+              <a:t>4.4 Hoạt động học viên</a:t>
+            </a:r>
+            <a:endParaRPr lang="en-US" sz="2400" b="1" dirty="0">
+              <a:solidFill>
+                <a:srgbClr val="64C7E9"/>
+              </a:solidFill>
+              <a:latin typeface="UTM Helve" panose="02040603050506020204" pitchFamily="18" charset="0"/>
+              <a:ea typeface="Roboto" pitchFamily="2" charset="0"/>
+            </a:endParaRPr>
+          </a:p>
+        </p:txBody>
+      </p:sp>
+      <p:sp>
+        <p:nvSpPr>
+          <p:cNvPr id="6" name="TextBox 5"/>
+          <p:cNvSpPr txBox="1"/>
+          <p:nvPr/>
+        </p:nvSpPr>
+        <p:spPr>
+          <a:xfrm>
+            <a:off x="1236140" y="1389829"/>
+            <a:ext cx="7324930" cy="461665"/>
+          </a:xfrm>
+          <a:prstGeom prst="rect">
+            <a:avLst/>
+          </a:prstGeom>
+          <a:noFill/>
+        </p:spPr>
+        <p:txBody>
+          <a:bodyPr wrap="square" rtlCol="0">
+            <a:spAutoFit/>
+          </a:bodyPr>
+          <a:lstStyle/>
+          <a:p>
+            <a:r>
+              <a:rPr lang="en-US" sz="2400" b="1" dirty="0" smtClean="0">
+                <a:solidFill>
+                  <a:schemeClr val="tx1">
+                    <a:lumMod val="85000"/>
+                    <a:lumOff val="15000"/>
+                  </a:schemeClr>
+                </a:solidFill>
+                <a:latin typeface="UTM Helve" panose="02040603050506020204" pitchFamily="18" charset="0"/>
+                <a:ea typeface="Roboto" pitchFamily="2" charset="0"/>
+              </a:rPr>
+              <a:t>Hướng dẫn sử dụng </a:t>
+            </a:r>
+            <a:r>
+              <a:rPr lang="en-US" sz="2400" b="1" dirty="0">
+                <a:solidFill>
+                  <a:schemeClr val="tx1">
+                    <a:lumMod val="85000"/>
+                    <a:lumOff val="15000"/>
+                  </a:schemeClr>
+                </a:solidFill>
+                <a:latin typeface="UTM Helve" panose="02040603050506020204" pitchFamily="18" charset="0"/>
+                <a:ea typeface="Roboto" pitchFamily="2" charset="0"/>
+              </a:rPr>
+              <a:t>Algorithm Planning Sheet</a:t>
+            </a:r>
+            <a:r>
+              <a:rPr lang="en-US" sz="2400" dirty="0">
+                <a:solidFill>
+                  <a:schemeClr val="tx1">
+                    <a:lumMod val="85000"/>
+                    <a:lumOff val="15000"/>
+                  </a:schemeClr>
+                </a:solidFill>
+                <a:latin typeface="UTM Helve" panose="02040603050506020204" pitchFamily="18" charset="0"/>
+                <a:ea typeface="Roboto" pitchFamily="2" charset="0"/>
+              </a:rPr>
+              <a:t> </a:t>
+            </a:r>
+            <a:endParaRPr lang="en-US" sz="2400" b="1" dirty="0">
+              <a:solidFill>
+                <a:schemeClr val="tx1">
+                  <a:lumMod val="85000"/>
+                  <a:lumOff val="15000"/>
+                </a:schemeClr>
+              </a:solidFill>
+              <a:latin typeface="UTM Helve" panose="02040603050506020204" pitchFamily="18" charset="0"/>
+              <a:ea typeface="Roboto" pitchFamily="2" charset="0"/>
+            </a:endParaRPr>
+          </a:p>
+        </p:txBody>
+      </p:sp>
+      <p:pic>
+        <p:nvPicPr>
+          <p:cNvPr id="7" name="Picture 6"/>
+          <p:cNvPicPr>
+            <a:picLocks noChangeAspect="1"/>
+          </p:cNvPicPr>
+          <p:nvPr/>
+        </p:nvPicPr>
+        <p:blipFill>
+          <a:blip r:embed="rId2">
+            <a:extLst>
+              <a:ext uri="{28A0092B-C50C-407E-A947-70E740481C1C}">
+                <a14:useLocalDpi xmlns:a14="http://schemas.microsoft.com/office/drawing/2010/main" val="0"/>
+              </a:ext>
+            </a:extLst>
+          </a:blip>
+          <a:stretch>
+            <a:fillRect/>
+          </a:stretch>
+        </p:blipFill>
+        <p:spPr>
+          <a:xfrm>
+            <a:off x="679888" y="1462786"/>
+            <a:ext cx="466725" cy="409575"/>
+          </a:xfrm>
+          <a:prstGeom prst="rect">
+            <a:avLst/>
+          </a:prstGeom>
+        </p:spPr>
+      </p:pic>
+      <p:graphicFrame>
+        <p:nvGraphicFramePr>
+          <p:cNvPr id="8" name="Table 7"/>
+          <p:cNvGraphicFramePr>
+            <a:graphicFrameLocks noGrp="1"/>
+          </p:cNvGraphicFramePr>
+          <p:nvPr>
+            <p:extLst>
+              <p:ext uri="{D42A27DB-BD31-4B8C-83A1-F6EECF244321}">
+                <p14:modId xmlns:p14="http://schemas.microsoft.com/office/powerpoint/2010/main" val="3015445903"/>
+              </p:ext>
+            </p:extLst>
+          </p:nvPr>
+        </p:nvGraphicFramePr>
+        <p:xfrm>
+          <a:off x="679888" y="2380270"/>
+          <a:ext cx="7618292" cy="1483360"/>
+        </p:xfrm>
+        <a:graphic>
+          <a:graphicData uri="http://schemas.openxmlformats.org/drawingml/2006/table">
+            <a:tbl>
+              <a:tblPr firstRow="1" bandRow="1">
+                <a:tableStyleId>{5C22544A-7EE6-4342-B048-85BDC9FD1C3A}</a:tableStyleId>
+              </a:tblPr>
+              <a:tblGrid>
+                <a:gridCol w="3809146">
+                  <a:extLst>
+                    <a:ext uri="{9D8B030D-6E8A-4147-A177-3AD203B41FA5}">
+                      <a16:colId xmlns:a16="http://schemas.microsoft.com/office/drawing/2014/main" val="1797888710"/>
+                    </a:ext>
+                  </a:extLst>
+                </a:gridCol>
+                <a:gridCol w="3809146">
+                  <a:extLst>
+                    <a:ext uri="{9D8B030D-6E8A-4147-A177-3AD203B41FA5}">
+                      <a16:colId xmlns:a16="http://schemas.microsoft.com/office/drawing/2014/main" val="573723658"/>
+                    </a:ext>
+                  </a:extLst>
+                </a:gridCol>
+              </a:tblGrid>
+              <a:tr h="370840">
+                <a:tc>
+                  <a:txBody>
+                    <a:bodyPr/>
+                    <a:lstStyle/>
+                    <a:p>
+                      <a:r>
+                        <a:rPr lang="en-US" dirty="0" smtClean="0"/>
+                        <a:t>Điều</a:t>
+                      </a:r>
+                      <a:r>
+                        <a:rPr lang="en-US" baseline="0" dirty="0" smtClean="0"/>
+                        <a:t> kiện đáp ứng</a:t>
+                      </a:r>
+                      <a:endParaRPr lang="en-US" dirty="0"/>
+                    </a:p>
+                  </a:txBody>
+                  <a:tcPr/>
+                </a:tc>
+                <a:tc>
+                  <a:txBody>
+                    <a:bodyPr/>
+                    <a:lstStyle/>
+                    <a:p>
+                      <a:r>
+                        <a:rPr lang="en-US" dirty="0" smtClean="0"/>
+                        <a:t>Hành</a:t>
+                      </a:r>
+                      <a:r>
+                        <a:rPr lang="en-US" baseline="0" dirty="0" smtClean="0"/>
+                        <a:t> động</a:t>
+                      </a:r>
+                      <a:endParaRPr lang="en-US" dirty="0"/>
+                    </a:p>
+                  </a:txBody>
+                  <a:tcPr/>
+                </a:tc>
+                <a:extLst>
+                  <a:ext uri="{0D108BD9-81ED-4DB2-BD59-A6C34878D82A}">
+                    <a16:rowId xmlns:a16="http://schemas.microsoft.com/office/drawing/2014/main" val="3178079288"/>
+                  </a:ext>
+                </a:extLst>
+              </a:tr>
+              <a:tr h="370840">
+                <a:tc>
+                  <a:txBody>
+                    <a:bodyPr/>
+                    <a:lstStyle/>
+                    <a:p>
+                      <a:r>
+                        <a:rPr lang="en-US" dirty="0" smtClean="0"/>
+                        <a:t>Ví</a:t>
+                      </a:r>
+                      <a:r>
+                        <a:rPr lang="en-US" baseline="0" dirty="0" smtClean="0"/>
+                        <a:t> dụ: Khi nhấn button A</a:t>
+                      </a:r>
+                      <a:endParaRPr lang="en-US" dirty="0"/>
+                    </a:p>
+                  </a:txBody>
+                  <a:tcPr/>
+                </a:tc>
+                <a:tc>
+                  <a:txBody>
+                    <a:bodyPr/>
+                    <a:lstStyle/>
+                    <a:p>
+                      <a:r>
+                        <a:rPr lang="en-US" dirty="0" smtClean="0"/>
+                        <a:t>Hiển</a:t>
+                      </a:r>
+                      <a:r>
+                        <a:rPr lang="en-US" baseline="0" dirty="0" smtClean="0"/>
+                        <a:t> thị mặt cười ra LED</a:t>
+                      </a:r>
+                      <a:endParaRPr lang="en-US" dirty="0"/>
+                    </a:p>
+                  </a:txBody>
+                  <a:tcPr/>
+                </a:tc>
+                <a:extLst>
+                  <a:ext uri="{0D108BD9-81ED-4DB2-BD59-A6C34878D82A}">
+                    <a16:rowId xmlns:a16="http://schemas.microsoft.com/office/drawing/2014/main" val="1188889270"/>
+                  </a:ext>
+                </a:extLst>
+              </a:tr>
+              <a:tr h="370840">
+                <a:tc>
+                  <a:txBody>
+                    <a:bodyPr/>
+                    <a:lstStyle/>
+                    <a:p>
+                      <a:r>
+                        <a:rPr lang="en-US" dirty="0" smtClean="0"/>
+                        <a:t>Lắc</a:t>
+                      </a:r>
+                      <a:r>
+                        <a:rPr lang="en-US" baseline="0" dirty="0" smtClean="0"/>
+                        <a:t> micro:bit</a:t>
+                      </a:r>
+                      <a:endParaRPr lang="en-US" dirty="0"/>
+                    </a:p>
+                  </a:txBody>
+                  <a:tcPr/>
+                </a:tc>
+                <a:tc>
+                  <a:txBody>
+                    <a:bodyPr/>
+                    <a:lstStyle/>
+                    <a:p>
+                      <a:r>
+                        <a:rPr lang="en-US" dirty="0" smtClean="0"/>
+                        <a:t>Hiển</a:t>
+                      </a:r>
+                      <a:r>
+                        <a:rPr lang="en-US" baseline="0" dirty="0" smtClean="0"/>
+                        <a:t> thị mặt khóc</a:t>
+                      </a:r>
+                      <a:endParaRPr lang="en-US" dirty="0"/>
+                    </a:p>
+                  </a:txBody>
+                  <a:tcPr/>
+                </a:tc>
+                <a:extLst>
+                  <a:ext uri="{0D108BD9-81ED-4DB2-BD59-A6C34878D82A}">
+                    <a16:rowId xmlns:a16="http://schemas.microsoft.com/office/drawing/2014/main" val="2916800014"/>
+                  </a:ext>
+                </a:extLst>
+              </a:tr>
+              <a:tr h="370840">
+                <a:tc>
+                  <a:txBody>
+                    <a:bodyPr/>
+                    <a:lstStyle/>
+                    <a:p>
+                      <a:endParaRPr lang="en-US"/>
+                    </a:p>
+                  </a:txBody>
+                  <a:tcPr/>
+                </a:tc>
+                <a:tc>
+                  <a:txBody>
+                    <a:bodyPr/>
+                    <a:lstStyle/>
+                    <a:p>
+                      <a:endParaRPr lang="en-US" dirty="0"/>
+                    </a:p>
+                  </a:txBody>
+                  <a:tcPr/>
+                </a:tc>
+                <a:extLst>
+                  <a:ext uri="{0D108BD9-81ED-4DB2-BD59-A6C34878D82A}">
+                    <a16:rowId xmlns:a16="http://schemas.microsoft.com/office/drawing/2014/main" val="4066330620"/>
+                  </a:ext>
+                </a:extLst>
+              </a:tr>
+            </a:tbl>
+          </a:graphicData>
+        </a:graphic>
+      </p:graphicFrame>
+    </p:spTree>
+    <p:extLst>
+      <p:ext uri="{BB962C8B-B14F-4D97-AF65-F5344CB8AC3E}">
+        <p14:creationId xmlns:p14="http://schemas.microsoft.com/office/powerpoint/2010/main" val="1902042146"/>
+      </p:ext>
+    </p:extLst>
+  </p:cSld>
+  <p:clrMapOvr>
+    <a:masterClrMapping/>
+  </p:clrMapOvr>
+</p:sld>
+</file>
+
 <file path=ppt/slides/slide2.xml><?xml version="1.0" encoding="utf-8"?>
 <p:sld xmlns:a="http://schemas.openxmlformats.org/drawingml/2006/main" xmlns:r="http://schemas.openxmlformats.org/officeDocument/2006/relationships" xmlns:p="http://schemas.openxmlformats.org/presentationml/2006/main">
   <p:cSld>
@@ -2327,7 +5475,7 @@
         </p:nvSpPr>
         <p:spPr>
           <a:xfrm>
-            <a:off x="207035" y="546584"/>
+            <a:off x="448815" y="546584"/>
             <a:ext cx="4218317" cy="461665"/>
           </a:xfrm>
           <a:prstGeom prst="rect">
@@ -2349,7 +5497,17 @@
                 <a:latin typeface="UTM Helve" panose="02040603050506020204" pitchFamily="18" charset="0"/>
                 <a:ea typeface="Roboto" pitchFamily="2" charset="0"/>
               </a:rPr>
-              <a:t>Xác định đầu ra</a:t>
+              <a:t>4.1 Xác </a:t>
+            </a:r>
+            <a:r>
+              <a:rPr lang="en-US" sz="2400" b="1" dirty="0" smtClean="0">
+                <a:solidFill>
+                  <a:srgbClr val="64C7E9"/>
+                </a:solidFill>
+                <a:latin typeface="UTM Helve" panose="02040603050506020204" pitchFamily="18" charset="0"/>
+                <a:ea typeface="Roboto" pitchFamily="2" charset="0"/>
+              </a:rPr>
+              <a:t>định đầu ra</a:t>
             </a:r>
             <a:endParaRPr lang="en-US" sz="2400" b="1" dirty="0">
               <a:solidFill>
@@ -2607,8 +5765,8 @@
         </p:nvSpPr>
         <p:spPr>
           <a:xfrm>
-            <a:off x="4805082" y="1343309"/>
-            <a:ext cx="3790442" cy="4350125"/>
+            <a:off x="4805082" y="1343310"/>
+            <a:ext cx="3790442" cy="3104000"/>
           </a:xfrm>
           <a:prstGeom prst="roundRect">
             <a:avLst>
@@ -2656,7 +5814,7 @@
         </p:nvCxnSpPr>
         <p:spPr>
           <a:xfrm>
-            <a:off x="4043082" y="3518372"/>
+            <a:off x="4043082" y="2922626"/>
             <a:ext cx="520292" cy="0"/>
           </a:xfrm>
           <a:prstGeom prst="straightConnector1">
@@ -2856,6 +6014,36 @@
           </a:p>
         </p:txBody>
       </p:sp>
+      <p:pic>
+        <p:nvPicPr>
+          <p:cNvPr id="5" name="Picture 4"/>
+          <p:cNvPicPr>
+            <a:picLocks noChangeAspect="1"/>
+          </p:cNvPicPr>
+          <p:nvPr/>
+        </p:nvPicPr>
+        <p:blipFill>
+          <a:blip r:embed="rId3">
+            <a:extLst>
+              <a:ext uri="{28A0092B-C50C-407E-A947-70E740481C1C}">
+                <a14:useLocalDpi xmlns:a14="http://schemas.microsoft.com/office/drawing/2010/main" val="0"/>
+              </a:ext>
+            </a:extLst>
+          </a:blip>
+          <a:stretch>
+            <a:fillRect/>
+          </a:stretch>
+        </p:blipFill>
+        <p:spPr>
+          <a:xfrm>
+            <a:off x="6342431" y="5214976"/>
+            <a:ext cx="2072372" cy="967107"/>
+          </a:xfrm>
+          <a:prstGeom prst="rect">
+            <a:avLst/>
+          </a:prstGeom>
+        </p:spPr>
+      </p:pic>
     </p:spTree>
     <p:extLst>
       <p:ext uri="{BB962C8B-B14F-4D97-AF65-F5344CB8AC3E}">
@@ -2995,7 +6183,17 @@
                 <a:latin typeface="UTM Helve" panose="02040603050506020204" pitchFamily="18" charset="0"/>
                 <a:ea typeface="Roboto" pitchFamily="2" charset="0"/>
               </a:rPr>
-              <a:t>Xác định đầu ra</a:t>
+              <a:t>4.1 Xác </a:t>
+            </a:r>
+            <a:r>
+              <a:rPr lang="en-US" sz="2400" b="1" dirty="0" smtClean="0">
+                <a:solidFill>
+                  <a:srgbClr val="64C7E9"/>
+                </a:solidFill>
+                <a:latin typeface="UTM Helve" panose="02040603050506020204" pitchFamily="18" charset="0"/>
+                <a:ea typeface="Roboto" pitchFamily="2" charset="0"/>
+              </a:rPr>
+              <a:t>định đầu ra</a:t>
             </a:r>
             <a:endParaRPr lang="en-US" sz="2400" b="1" dirty="0">
               <a:solidFill>
@@ -3446,6 +6644,66 @@
           </a:p>
         </p:txBody>
       </p:sp>
+      <p:pic>
+        <p:nvPicPr>
+          <p:cNvPr id="7" name="Picture 6"/>
+          <p:cNvPicPr>
+            <a:picLocks noChangeAspect="1"/>
+          </p:cNvPicPr>
+          <p:nvPr/>
+        </p:nvPicPr>
+        <p:blipFill>
+          <a:blip r:embed="rId4">
+            <a:extLst>
+              <a:ext uri="{28A0092B-C50C-407E-A947-70E740481C1C}">
+                <a14:useLocalDpi xmlns:a14="http://schemas.microsoft.com/office/drawing/2010/main" val="0"/>
+              </a:ext>
+            </a:extLst>
+          </a:blip>
+          <a:stretch>
+            <a:fillRect/>
+          </a:stretch>
+        </p:blipFill>
+        <p:spPr>
+          <a:xfrm>
+            <a:off x="2594215" y="1527796"/>
+            <a:ext cx="466725" cy="409575"/>
+          </a:xfrm>
+          <a:prstGeom prst="rect">
+            <a:avLst/>
+          </a:prstGeom>
+        </p:spPr>
+      </p:pic>
+      <p:pic>
+        <p:nvPicPr>
+          <p:cNvPr id="8" name="Picture 7"/>
+          <p:cNvPicPr>
+            <a:picLocks noChangeAspect="1"/>
+          </p:cNvPicPr>
+          <p:nvPr/>
+        </p:nvPicPr>
+        <p:blipFill>
+          <a:blip r:embed="rId5">
+            <a:extLst>
+              <a:ext uri="{28A0092B-C50C-407E-A947-70E740481C1C}">
+                <a14:useLocalDpi xmlns:a14="http://schemas.microsoft.com/office/drawing/2010/main" val="0"/>
+              </a:ext>
+            </a:extLst>
+          </a:blip>
+          <a:stretch>
+            <a:fillRect/>
+          </a:stretch>
+        </p:blipFill>
+        <p:spPr>
+          <a:xfrm rot="20418821">
+            <a:off x="279925" y="4951213"/>
+            <a:ext cx="765616" cy="671867"/>
+          </a:xfrm>
+          <a:prstGeom prst="rect">
+            <a:avLst/>
+          </a:prstGeom>
+        </p:spPr>
+      </p:pic>
     </p:spTree>
     <p:extLst>
       <p:ext uri="{BB962C8B-B14F-4D97-AF65-F5344CB8AC3E}">
@@ -3563,7 +6821,7 @@
         </p:nvSpPr>
         <p:spPr>
           <a:xfrm>
-            <a:off x="207035" y="546584"/>
+            <a:off x="248815" y="546584"/>
             <a:ext cx="4218317" cy="461665"/>
           </a:xfrm>
           <a:prstGeom prst="rect">
@@ -3585,7 +6843,17 @@
                 <a:latin typeface="UTM Helve" panose="02040603050506020204" pitchFamily="18" charset="0"/>
                 <a:ea typeface="Roboto" pitchFamily="2" charset="0"/>
               </a:rPr>
-              <a:t>If else – Lựa chọn</a:t>
+              <a:t>4.2 If </a:t>
+            </a:r>
+            <a:r>
+              <a:rPr lang="en-US" sz="2400" b="1" dirty="0" smtClean="0">
+                <a:solidFill>
+                  <a:srgbClr val="64C7E9"/>
+                </a:solidFill>
+                <a:latin typeface="UTM Helve" panose="02040603050506020204" pitchFamily="18" charset="0"/>
+                <a:ea typeface="Roboto" pitchFamily="2" charset="0"/>
+              </a:rPr>
+              <a:t>else – Lựa chọn</a:t>
             </a:r>
             <a:endParaRPr lang="en-US" sz="2400" b="1" dirty="0">
               <a:solidFill>
@@ -3948,23 +7216,35 @@
           <a:lstStyle/>
           <a:p>
             <a:r>
-              <a:rPr lang="en-US" dirty="0" smtClean="0">
+              <a:rPr lang="en-US" b="1" dirty="0" smtClean="0">
+                <a:solidFill>
+                  <a:srgbClr val="FF0000"/>
+                </a:solidFill>
                 <a:latin typeface="UTM Helve" panose="02040603050506020204" pitchFamily="18" charset="0"/>
               </a:rPr>
-              <a:t>IF Mặc áo xanh</a:t>
-            </a:r>
-          </a:p>
-          <a:p>
-            <a:r>
-              <a:rPr lang="en-US" dirty="0" smtClean="0">
+              <a:t>IF</a:t>
+            </a:r>
+            <a:r>
+              <a:rPr lang="en-US" b="1" dirty="0" smtClean="0">
                 <a:latin typeface="UTM Helve" panose="02040603050506020204" pitchFamily="18" charset="0"/>
               </a:rPr>
+              <a:t> Mặc áo xanh</a:t>
+            </a:r>
+          </a:p>
+          <a:p>
+            <a:r>
+              <a:rPr lang="en-US" b="1" dirty="0" smtClean="0">
+                <a:latin typeface="UTM Helve" panose="02040603050506020204" pitchFamily="18" charset="0"/>
+              </a:rPr>
               <a:t>   Giơ tay lên</a:t>
             </a:r>
           </a:p>
           <a:p>
             <a:r>
-              <a:rPr lang="en-US" dirty="0" smtClean="0">
+              <a:rPr lang="en-US" b="1" dirty="0" smtClean="0">
+                <a:solidFill>
+                  <a:srgbClr val="FF0000"/>
+                </a:solidFill>
                 <a:latin typeface="UTM Helve" panose="02040603050506020204" pitchFamily="18" charset="0"/>
               </a:rPr>
               <a:t>ELSE</a:t>
@@ -3972,18 +7252,18 @@
           </a:p>
           <a:p>
             <a:r>
-              <a:rPr lang="en-US" dirty="0">
+              <a:rPr lang="en-US" b="1" dirty="0">
                 <a:latin typeface="UTM Helve" panose="02040603050506020204" pitchFamily="18" charset="0"/>
               </a:rPr>
               <a:t> </a:t>
             </a:r>
             <a:r>
-              <a:rPr lang="en-US" dirty="0" smtClean="0">
+              <a:rPr lang="en-US" b="1" dirty="0" smtClean="0">
                 <a:latin typeface="UTM Helve" panose="02040603050506020204" pitchFamily="18" charset="0"/>
               </a:rPr>
               <a:t>  Để tay lên bàn</a:t>
             </a:r>
-            <a:endParaRPr lang="en-US" dirty="0">
+            <a:endParaRPr lang="en-US" b="1" dirty="0">
               <a:latin typeface="UTM Helve" panose="02040603050506020204" pitchFamily="18" charset="0"/>
             </a:endParaRPr>
           </a:p>
@@ -4172,18 +7452,36 @@
           <a:lstStyle/>
           <a:p>
             <a:r>
+              <a:rPr lang="en-US" u="sng" dirty="0" smtClean="0">
+                <a:solidFill>
+                  <a:srgbClr val="FF0000"/>
+                </a:solidFill>
+                <a:latin typeface="UTM Helve" panose="02040603050506020204" pitchFamily="18" charset="0"/>
+              </a:rPr>
+              <a:t>Mặc áo xanh: </a:t>
+            </a:r>
+            <a:r>
               <a:rPr lang="en-US" dirty="0" smtClean="0">
                 <a:latin typeface="UTM Helve" panose="02040603050506020204" pitchFamily="18" charset="0"/>
               </a:rPr>
-              <a:t>Mặc áo xanh: là điều kiện cần đáp ứng</a:t>
-            </a:r>
-          </a:p>
-          <a:p>
+              <a:t>là điều kiện cần đáp ứng</a:t>
+            </a:r>
+          </a:p>
+          <a:p>
+            <a:r>
+              <a:rPr lang="en-US" u="sng" dirty="0" smtClean="0">
+                <a:solidFill>
+                  <a:srgbClr val="FF0000"/>
+                </a:solidFill>
+                <a:latin typeface="UTM Helve" panose="02040603050506020204" pitchFamily="18" charset="0"/>
+              </a:rPr>
+              <a:t>Giơ tay lên: </a:t>
+            </a:r>
             <a:r>
               <a:rPr lang="en-US" dirty="0" smtClean="0">
                 <a:latin typeface="UTM Helve" panose="02040603050506020204" pitchFamily="18" charset="0"/>
               </a:rPr>
-              <a:t>Giơ tay lên: là hành động được thực hiện</a:t>
+              <a:t>là hành động được thực hiện</a:t>
             </a:r>
             <a:endParaRPr lang="en-US" dirty="0">
               <a:latin typeface="UTM Helve" panose="02040603050506020204" pitchFamily="18" charset="0"/>
@@ -4277,6 +7575,2801 @@
     <p:extLst>
       <p:ext uri="{BB962C8B-B14F-4D97-AF65-F5344CB8AC3E}">
         <p14:creationId xmlns:p14="http://schemas.microsoft.com/office/powerpoint/2010/main" val="2722038722"/>
+      </p:ext>
+    </p:extLst>
+  </p:cSld>
+  <p:clrMapOvr>
+    <a:masterClrMapping/>
+  </p:clrMapOvr>
+</p:sld>
+</file>
+
+<file path=ppt/slides/slide5.xml><?xml version="1.0" encoding="utf-8"?>
+<p:sld xmlns:a="http://schemas.openxmlformats.org/drawingml/2006/main" xmlns:r="http://schemas.openxmlformats.org/officeDocument/2006/relationships" xmlns:p="http://schemas.openxmlformats.org/presentationml/2006/main">
+  <p:cSld>
+    <p:spTree>
+      <p:nvGrpSpPr>
+        <p:cNvPr id="1" name=""/>
+        <p:cNvGrpSpPr/>
+        <p:nvPr/>
+      </p:nvGrpSpPr>
+      <p:grpSpPr>
+        <a:xfrm>
+          <a:off x="0" y="0"/>
+          <a:ext cx="0" cy="0"/>
+          <a:chOff x="0" y="0"/>
+          <a:chExt cx="0" cy="0"/>
+        </a:xfrm>
+      </p:grpSpPr>
+      <p:sp>
+        <p:nvSpPr>
+          <p:cNvPr id="2" name="Slide Number Placeholder 1"/>
+          <p:cNvSpPr>
+            <a:spLocks noGrp="1"/>
+          </p:cNvSpPr>
+          <p:nvPr>
+            <p:ph type="sldNum" sz="quarter" idx="12"/>
+          </p:nvPr>
+        </p:nvSpPr>
+        <p:spPr/>
+        <p:txBody>
+          <a:bodyPr/>
+          <a:lstStyle/>
+          <a:p>
+            <a:fld id="{7D9EC917-02A2-4152-9EE3-DFE2775A77C7}" type="slidenum">
+              <a:rPr lang="en-US" smtClean="0"/>
+              <a:pPr/>
+              <a:t>5</a:t>
+            </a:fld>
+            <a:endParaRPr lang="en-US"/>
+          </a:p>
+        </p:txBody>
+      </p:sp>
+      <p:pic>
+        <p:nvPicPr>
+          <p:cNvPr id="1026" name="Picture 2" descr="Red Man' | Traffic Light Pedestrian crossing, Wood Street, … | Flickr"/>
+          <p:cNvPicPr>
+            <a:picLocks noChangeAspect="1" noChangeArrowheads="1"/>
+          </p:cNvPicPr>
+          <p:nvPr/>
+        </p:nvPicPr>
+        <p:blipFill>
+          <a:blip r:embed="rId2">
+            <a:extLst>
+              <a:ext uri="{28A0092B-C50C-407E-A947-70E740481C1C}">
+                <a14:useLocalDpi xmlns:a14="http://schemas.microsoft.com/office/drawing/2010/main" val="0"/>
+              </a:ext>
+            </a:extLst>
+          </a:blip>
+          <a:srcRect/>
+          <a:stretch>
+            <a:fillRect/>
+          </a:stretch>
+        </p:blipFill>
+        <p:spPr bwMode="auto">
+          <a:xfrm>
+            <a:off x="6273354" y="1725930"/>
+            <a:ext cx="2281366" cy="4366578"/>
+          </a:xfrm>
+          <a:prstGeom prst="rect">
+            <a:avLst/>
+          </a:prstGeom>
+          <a:noFill/>
+          <a:extLst>
+            <a:ext uri="{909E8E84-426E-40DD-AFC4-6F175D3DCCD1}">
+              <a14:hiddenFill xmlns:a14="http://schemas.microsoft.com/office/drawing/2010/main">
+                <a:solidFill>
+                  <a:srgbClr val="FFFFFF"/>
+                </a:solidFill>
+              </a14:hiddenFill>
+            </a:ext>
+          </a:extLst>
+        </p:spPr>
+      </p:pic>
+      <p:sp>
+        <p:nvSpPr>
+          <p:cNvPr id="4" name="TextBox 3"/>
+          <p:cNvSpPr txBox="1"/>
+          <p:nvPr/>
+        </p:nvSpPr>
+        <p:spPr>
+          <a:xfrm>
+            <a:off x="934960" y="669398"/>
+            <a:ext cx="7488950" cy="461665"/>
+          </a:xfrm>
+          <a:prstGeom prst="rect">
+            <a:avLst/>
+          </a:prstGeom>
+          <a:noFill/>
+        </p:spPr>
+        <p:txBody>
+          <a:bodyPr wrap="square" rtlCol="0">
+            <a:spAutoFit/>
+          </a:bodyPr>
+          <a:lstStyle/>
+          <a:p>
+            <a:r>
+              <a:rPr lang="en-US" sz="2400" b="1" dirty="0" smtClean="0">
+                <a:solidFill>
+                  <a:schemeClr val="tx1">
+                    <a:lumMod val="85000"/>
+                    <a:lumOff val="15000"/>
+                  </a:schemeClr>
+                </a:solidFill>
+                <a:latin typeface="UTM Helve" panose="02040603050506020204" pitchFamily="18" charset="0"/>
+                <a:ea typeface="Roboto" pitchFamily="2" charset="0"/>
+              </a:rPr>
+              <a:t>Tín hiệu qua đường dành cho người đi bộ</a:t>
+            </a:r>
+            <a:endParaRPr lang="en-US" sz="2400" b="1" dirty="0">
+              <a:solidFill>
+                <a:schemeClr val="tx1">
+                  <a:lumMod val="85000"/>
+                  <a:lumOff val="15000"/>
+                </a:schemeClr>
+              </a:solidFill>
+              <a:latin typeface="UTM Helve" panose="02040603050506020204" pitchFamily="18" charset="0"/>
+              <a:ea typeface="Roboto" pitchFamily="2" charset="0"/>
+            </a:endParaRPr>
+          </a:p>
+        </p:txBody>
+      </p:sp>
+      <p:pic>
+        <p:nvPicPr>
+          <p:cNvPr id="5" name="Picture 4"/>
+          <p:cNvPicPr>
+            <a:picLocks noChangeAspect="1"/>
+          </p:cNvPicPr>
+          <p:nvPr/>
+        </p:nvPicPr>
+        <p:blipFill>
+          <a:blip r:embed="rId3">
+            <a:extLst>
+              <a:ext uri="{28A0092B-C50C-407E-A947-70E740481C1C}">
+                <a14:useLocalDpi xmlns:a14="http://schemas.microsoft.com/office/drawing/2010/main" val="0"/>
+              </a:ext>
+            </a:extLst>
+          </a:blip>
+          <a:stretch>
+            <a:fillRect/>
+          </a:stretch>
+        </p:blipFill>
+        <p:spPr>
+          <a:xfrm>
+            <a:off x="468235" y="739126"/>
+            <a:ext cx="466725" cy="409575"/>
+          </a:xfrm>
+          <a:prstGeom prst="rect">
+            <a:avLst/>
+          </a:prstGeom>
+        </p:spPr>
+      </p:pic>
+      <p:sp>
+        <p:nvSpPr>
+          <p:cNvPr id="3" name="Oval 2"/>
+          <p:cNvSpPr/>
+          <p:nvPr/>
+        </p:nvSpPr>
+        <p:spPr>
+          <a:xfrm>
+            <a:off x="571500" y="1863090"/>
+            <a:ext cx="457200" cy="457200"/>
+          </a:xfrm>
+          <a:prstGeom prst="ellipse">
+            <a:avLst/>
+          </a:prstGeom>
+          <a:gradFill flip="none" rotWithShape="1">
+            <a:gsLst>
+              <a:gs pos="15000">
+                <a:srgbClr val="67C7DF"/>
+              </a:gs>
+              <a:gs pos="100000">
+                <a:srgbClr val="5EB130"/>
+              </a:gs>
+            </a:gsLst>
+            <a:lin ang="0" scaled="1"/>
+            <a:tileRect/>
+          </a:gradFill>
+          <a:ln>
+            <a:noFill/>
+          </a:ln>
+        </p:spPr>
+        <p:style>
+          <a:lnRef idx="2">
+            <a:schemeClr val="accent1">
+              <a:shade val="50000"/>
+            </a:schemeClr>
+          </a:lnRef>
+          <a:fillRef idx="1">
+            <a:schemeClr val="accent1"/>
+          </a:fillRef>
+          <a:effectRef idx="0">
+            <a:schemeClr val="accent1"/>
+          </a:effectRef>
+          <a:fontRef idx="minor">
+            <a:schemeClr val="lt1"/>
+          </a:fontRef>
+        </p:style>
+        <p:txBody>
+          <a:bodyPr rtlCol="0" anchor="ctr"/>
+          <a:lstStyle/>
+          <a:p>
+            <a:pPr algn="ctr"/>
+            <a:r>
+              <a:rPr lang="en-US" b="1" dirty="0">
+                <a:latin typeface="UTM Helve" panose="02040603050506020204" pitchFamily="18" charset="0"/>
+              </a:rPr>
+              <a:t>1</a:t>
+            </a:r>
+            <a:endParaRPr lang="en-US" b="1" dirty="0">
+              <a:latin typeface="UTM Helve" panose="02040603050506020204" pitchFamily="18" charset="0"/>
+            </a:endParaRPr>
+          </a:p>
+        </p:txBody>
+      </p:sp>
+      <p:sp>
+        <p:nvSpPr>
+          <p:cNvPr id="7" name="TextBox 6"/>
+          <p:cNvSpPr txBox="1"/>
+          <p:nvPr/>
+        </p:nvSpPr>
+        <p:spPr>
+          <a:xfrm>
+            <a:off x="1188720" y="1805940"/>
+            <a:ext cx="4720590" cy="1015663"/>
+          </a:xfrm>
+          <a:prstGeom prst="rect">
+            <a:avLst/>
+          </a:prstGeom>
+          <a:noFill/>
+        </p:spPr>
+        <p:txBody>
+          <a:bodyPr wrap="square" rtlCol="0">
+            <a:spAutoFit/>
+          </a:bodyPr>
+          <a:lstStyle/>
+          <a:p>
+            <a:r>
+              <a:rPr lang="vi-VN" sz="2000" b="1" dirty="0">
+                <a:solidFill>
+                  <a:srgbClr val="FF0000"/>
+                </a:solidFill>
+              </a:rPr>
+              <a:t>Điều kiện</a:t>
+            </a:r>
+            <a:r>
+              <a:rPr lang="vi-VN" sz="2000" b="1" dirty="0"/>
+              <a:t> gì cần phải được đáp ứng trước khi chúng ta có thể băng qua đường?</a:t>
+            </a:r>
+          </a:p>
+        </p:txBody>
+      </p:sp>
+      <p:sp>
+        <p:nvSpPr>
+          <p:cNvPr id="10" name="Oval 9"/>
+          <p:cNvSpPr/>
+          <p:nvPr/>
+        </p:nvSpPr>
+        <p:spPr>
+          <a:xfrm>
+            <a:off x="571500" y="3234690"/>
+            <a:ext cx="457200" cy="457200"/>
+          </a:xfrm>
+          <a:prstGeom prst="ellipse">
+            <a:avLst/>
+          </a:prstGeom>
+          <a:gradFill flip="none" rotWithShape="1">
+            <a:gsLst>
+              <a:gs pos="15000">
+                <a:srgbClr val="67C7DF"/>
+              </a:gs>
+              <a:gs pos="100000">
+                <a:srgbClr val="5EB130"/>
+              </a:gs>
+            </a:gsLst>
+            <a:lin ang="0" scaled="1"/>
+            <a:tileRect/>
+          </a:gradFill>
+          <a:ln>
+            <a:noFill/>
+          </a:ln>
+        </p:spPr>
+        <p:style>
+          <a:lnRef idx="2">
+            <a:schemeClr val="accent1">
+              <a:shade val="50000"/>
+            </a:schemeClr>
+          </a:lnRef>
+          <a:fillRef idx="1">
+            <a:schemeClr val="accent1"/>
+          </a:fillRef>
+          <a:effectRef idx="0">
+            <a:schemeClr val="accent1"/>
+          </a:effectRef>
+          <a:fontRef idx="minor">
+            <a:schemeClr val="lt1"/>
+          </a:fontRef>
+        </p:style>
+        <p:txBody>
+          <a:bodyPr rtlCol="0" anchor="ctr"/>
+          <a:lstStyle/>
+          <a:p>
+            <a:pPr algn="ctr"/>
+            <a:r>
+              <a:rPr lang="en-US" b="1" dirty="0" smtClean="0">
+                <a:latin typeface="UTM Helve" panose="02040603050506020204" pitchFamily="18" charset="0"/>
+              </a:rPr>
+              <a:t>2</a:t>
+            </a:r>
+            <a:endParaRPr lang="en-US" b="1" dirty="0">
+              <a:latin typeface="UTM Helve" panose="02040603050506020204" pitchFamily="18" charset="0"/>
+            </a:endParaRPr>
+          </a:p>
+        </p:txBody>
+      </p:sp>
+      <p:sp>
+        <p:nvSpPr>
+          <p:cNvPr id="11" name="TextBox 10"/>
+          <p:cNvSpPr txBox="1"/>
+          <p:nvPr/>
+        </p:nvSpPr>
+        <p:spPr>
+          <a:xfrm>
+            <a:off x="1188720" y="3177540"/>
+            <a:ext cx="4720590" cy="707886"/>
+          </a:xfrm>
+          <a:prstGeom prst="rect">
+            <a:avLst/>
+          </a:prstGeom>
+          <a:noFill/>
+        </p:spPr>
+        <p:txBody>
+          <a:bodyPr wrap="square" rtlCol="0">
+            <a:spAutoFit/>
+          </a:bodyPr>
+          <a:lstStyle/>
+          <a:p>
+            <a:r>
+              <a:rPr lang="vi-VN" sz="2000" b="1" dirty="0">
+                <a:solidFill>
+                  <a:srgbClr val="FF0000"/>
+                </a:solidFill>
+              </a:rPr>
+              <a:t>Hành động </a:t>
+            </a:r>
+            <a:r>
+              <a:rPr lang="vi-VN" sz="2000" b="1" dirty="0"/>
+              <a:t>nào nên được thực hiện khi 'đèn chuyển sang màu đỏ'?</a:t>
+            </a:r>
+          </a:p>
+        </p:txBody>
+      </p:sp>
+      <p:sp>
+        <p:nvSpPr>
+          <p:cNvPr id="12" name="TextBox 11"/>
+          <p:cNvSpPr txBox="1"/>
+          <p:nvPr/>
+        </p:nvSpPr>
+        <p:spPr>
+          <a:xfrm>
+            <a:off x="800100" y="4488625"/>
+            <a:ext cx="3360420" cy="1200329"/>
+          </a:xfrm>
+          <a:prstGeom prst="rect">
+            <a:avLst/>
+          </a:prstGeom>
+          <a:noFill/>
+        </p:spPr>
+        <p:txBody>
+          <a:bodyPr wrap="square" rtlCol="0">
+            <a:spAutoFit/>
+          </a:bodyPr>
+          <a:lstStyle/>
+          <a:p>
+            <a:r>
+              <a:rPr lang="en-US" b="1" dirty="0" smtClean="0">
+                <a:solidFill>
+                  <a:srgbClr val="FF0000"/>
+                </a:solidFill>
+                <a:latin typeface="UTM Helve" panose="02040603050506020204" pitchFamily="18" charset="0"/>
+              </a:rPr>
+              <a:t>IF</a:t>
+            </a:r>
+            <a:r>
+              <a:rPr lang="en-US" b="1" dirty="0" smtClean="0">
+                <a:latin typeface="UTM Helve" panose="02040603050506020204" pitchFamily="18" charset="0"/>
+              </a:rPr>
+              <a:t> </a:t>
+            </a:r>
+            <a:r>
+              <a:rPr lang="en-US" b="1" dirty="0" smtClean="0">
+                <a:latin typeface="Arial" panose="020B0604020202020204" pitchFamily="34" charset="0"/>
+                <a:cs typeface="Arial" panose="020B0604020202020204" pitchFamily="34" charset="0"/>
+              </a:rPr>
+              <a:t>Đèn</a:t>
+            </a:r>
+            <a:r>
+              <a:rPr lang="en-US" b="1" dirty="0" smtClean="0">
+                <a:latin typeface="UTM Helve" panose="02040603050506020204" pitchFamily="18" charset="0"/>
+              </a:rPr>
+              <a:t> Xanh</a:t>
+            </a:r>
+            <a:endParaRPr lang="en-US" b="1" dirty="0" smtClean="0">
+              <a:latin typeface="UTM Helve" panose="02040603050506020204" pitchFamily="18" charset="0"/>
+            </a:endParaRPr>
+          </a:p>
+          <a:p>
+            <a:r>
+              <a:rPr lang="en-US" b="1" dirty="0" smtClean="0">
+                <a:latin typeface="UTM Helve" panose="02040603050506020204" pitchFamily="18" charset="0"/>
+              </a:rPr>
+              <a:t>   </a:t>
+            </a:r>
+            <a:r>
+              <a:rPr lang="en-US" b="1" dirty="0" smtClean="0">
+                <a:latin typeface="UTM Helve" panose="02040603050506020204" pitchFamily="18" charset="0"/>
+              </a:rPr>
+              <a:t>Có thể đi qua đường</a:t>
+            </a:r>
+            <a:endParaRPr lang="en-US" b="1" dirty="0" smtClean="0">
+              <a:latin typeface="UTM Helve" panose="02040603050506020204" pitchFamily="18" charset="0"/>
+            </a:endParaRPr>
+          </a:p>
+          <a:p>
+            <a:r>
+              <a:rPr lang="en-US" b="1" dirty="0" smtClean="0">
+                <a:solidFill>
+                  <a:srgbClr val="FF0000"/>
+                </a:solidFill>
+                <a:latin typeface="UTM Helve" panose="02040603050506020204" pitchFamily="18" charset="0"/>
+              </a:rPr>
+              <a:t>ELSE</a:t>
+            </a:r>
+          </a:p>
+          <a:p>
+            <a:r>
+              <a:rPr lang="en-US" b="1" dirty="0">
+                <a:latin typeface="UTM Helve" panose="02040603050506020204" pitchFamily="18" charset="0"/>
+              </a:rPr>
+              <a:t> </a:t>
+            </a:r>
+            <a:r>
+              <a:rPr lang="en-US" b="1" dirty="0" smtClean="0">
+                <a:latin typeface="UTM Helve" panose="02040603050506020204" pitchFamily="18" charset="0"/>
+              </a:rPr>
+              <a:t>  </a:t>
+            </a:r>
+            <a:r>
+              <a:rPr lang="en-US" b="1" dirty="0" smtClean="0">
+                <a:latin typeface="UTM Helve" panose="02040603050506020204" pitchFamily="18" charset="0"/>
+              </a:rPr>
+              <a:t>Đứng chờ trên lề đường</a:t>
+            </a:r>
+            <a:endParaRPr lang="en-US" b="1" dirty="0">
+              <a:latin typeface="UTM Helve" panose="02040603050506020204" pitchFamily="18" charset="0"/>
+            </a:endParaRPr>
+          </a:p>
+        </p:txBody>
+      </p:sp>
+      <p:sp>
+        <p:nvSpPr>
+          <p:cNvPr id="13" name="Rounded Rectangle 12"/>
+          <p:cNvSpPr/>
+          <p:nvPr/>
+        </p:nvSpPr>
+        <p:spPr>
+          <a:xfrm>
+            <a:off x="571500" y="4218503"/>
+            <a:ext cx="5166360" cy="1747957"/>
+          </a:xfrm>
+          <a:prstGeom prst="roundRect">
+            <a:avLst>
+              <a:gd name="adj" fmla="val 3719"/>
+            </a:avLst>
+          </a:prstGeom>
+          <a:noFill/>
+          <a:ln w="19050">
+            <a:solidFill>
+              <a:srgbClr val="64C7E9"/>
+            </a:solidFill>
+            <a:prstDash val="sysDash"/>
+          </a:ln>
+        </p:spPr>
+        <p:style>
+          <a:lnRef idx="2">
+            <a:schemeClr val="accent1">
+              <a:shade val="50000"/>
+            </a:schemeClr>
+          </a:lnRef>
+          <a:fillRef idx="1">
+            <a:schemeClr val="accent1"/>
+          </a:fillRef>
+          <a:effectRef idx="0">
+            <a:schemeClr val="accent1"/>
+          </a:effectRef>
+          <a:fontRef idx="minor">
+            <a:schemeClr val="lt1"/>
+          </a:fontRef>
+        </p:style>
+        <p:txBody>
+          <a:bodyPr rtlCol="0" anchor="ctr"/>
+          <a:lstStyle/>
+          <a:p>
+            <a:pPr algn="ctr"/>
+            <a:endParaRPr lang="en-US"/>
+          </a:p>
+        </p:txBody>
+      </p:sp>
+    </p:spTree>
+    <p:extLst>
+      <p:ext uri="{BB962C8B-B14F-4D97-AF65-F5344CB8AC3E}">
+        <p14:creationId xmlns:p14="http://schemas.microsoft.com/office/powerpoint/2010/main" val="4009539595"/>
+      </p:ext>
+    </p:extLst>
+  </p:cSld>
+  <p:clrMapOvr>
+    <a:masterClrMapping/>
+  </p:clrMapOvr>
+</p:sld>
+</file>
+
+<file path=ppt/slides/slide6.xml><?xml version="1.0" encoding="utf-8"?>
+<p:sld xmlns:a="http://schemas.openxmlformats.org/drawingml/2006/main" xmlns:r="http://schemas.openxmlformats.org/officeDocument/2006/relationships" xmlns:p="http://schemas.openxmlformats.org/presentationml/2006/main">
+  <p:cSld>
+    <p:spTree>
+      <p:nvGrpSpPr>
+        <p:cNvPr id="1" name=""/>
+        <p:cNvGrpSpPr/>
+        <p:nvPr/>
+      </p:nvGrpSpPr>
+      <p:grpSpPr>
+        <a:xfrm>
+          <a:off x="0" y="0"/>
+          <a:ext cx="0" cy="0"/>
+          <a:chOff x="0" y="0"/>
+          <a:chExt cx="0" cy="0"/>
+        </a:xfrm>
+      </p:grpSpPr>
+      <p:sp>
+        <p:nvSpPr>
+          <p:cNvPr id="2" name="Slide Number Placeholder 1"/>
+          <p:cNvSpPr>
+            <a:spLocks noGrp="1"/>
+          </p:cNvSpPr>
+          <p:nvPr>
+            <p:ph type="sldNum" sz="quarter" idx="12"/>
+          </p:nvPr>
+        </p:nvSpPr>
+        <p:spPr/>
+        <p:txBody>
+          <a:bodyPr/>
+          <a:lstStyle/>
+          <a:p>
+            <a:fld id="{7D9EC917-02A2-4152-9EE3-DFE2775A77C7}" type="slidenum">
+              <a:rPr lang="en-US" smtClean="0"/>
+              <a:pPr/>
+              <a:t>6</a:t>
+            </a:fld>
+            <a:endParaRPr lang="en-US"/>
+          </a:p>
+        </p:txBody>
+      </p:sp>
+      <p:sp>
+        <p:nvSpPr>
+          <p:cNvPr id="3" name="Rectangle 2"/>
+          <p:cNvSpPr/>
+          <p:nvPr/>
+        </p:nvSpPr>
+        <p:spPr>
+          <a:xfrm>
+            <a:off x="301925" y="1051379"/>
+            <a:ext cx="8454964" cy="27432"/>
+          </a:xfrm>
+          <a:prstGeom prst="rect">
+            <a:avLst/>
+          </a:prstGeom>
+          <a:gradFill flip="none" rotWithShape="1">
+            <a:gsLst>
+              <a:gs pos="15000">
+                <a:srgbClr val="67C7DF"/>
+              </a:gs>
+              <a:gs pos="100000">
+                <a:srgbClr val="5EB130"/>
+              </a:gs>
+            </a:gsLst>
+            <a:lin ang="0" scaled="1"/>
+            <a:tileRect/>
+          </a:gradFill>
+          <a:ln>
+            <a:noFill/>
+          </a:ln>
+        </p:spPr>
+        <p:style>
+          <a:lnRef idx="2">
+            <a:schemeClr val="accent1">
+              <a:shade val="50000"/>
+            </a:schemeClr>
+          </a:lnRef>
+          <a:fillRef idx="1">
+            <a:schemeClr val="accent1"/>
+          </a:fillRef>
+          <a:effectRef idx="0">
+            <a:schemeClr val="accent1"/>
+          </a:effectRef>
+          <a:fontRef idx="minor">
+            <a:schemeClr val="lt1"/>
+          </a:fontRef>
+        </p:style>
+        <p:txBody>
+          <a:bodyPr rtlCol="0" anchor="ctr"/>
+          <a:lstStyle/>
+          <a:p>
+            <a:pPr algn="ctr"/>
+            <a:endParaRPr lang="en-US"/>
+          </a:p>
+        </p:txBody>
+      </p:sp>
+      <p:sp>
+        <p:nvSpPr>
+          <p:cNvPr id="4" name="TextBox 3"/>
+          <p:cNvSpPr txBox="1"/>
+          <p:nvPr/>
+        </p:nvSpPr>
+        <p:spPr>
+          <a:xfrm>
+            <a:off x="248815" y="546584"/>
+            <a:ext cx="5534765" cy="461665"/>
+          </a:xfrm>
+          <a:prstGeom prst="rect">
+            <a:avLst/>
+          </a:prstGeom>
+          <a:noFill/>
+        </p:spPr>
+        <p:txBody>
+          <a:bodyPr wrap="square" rtlCol="0">
+            <a:spAutoFit/>
+          </a:bodyPr>
+          <a:lstStyle/>
+          <a:p>
+            <a:r>
+              <a:rPr lang="en-US" sz="2400" b="1" dirty="0" smtClean="0">
+                <a:solidFill>
+                  <a:srgbClr val="64C7E9"/>
+                </a:solidFill>
+                <a:latin typeface="UTM Helve" panose="02040603050506020204" pitchFamily="18" charset="0"/>
+                <a:ea typeface="Roboto" pitchFamily="2" charset="0"/>
+              </a:rPr>
+              <a:t>4.2 If </a:t>
+            </a:r>
+            <a:r>
+              <a:rPr lang="en-US" sz="2400" b="1" dirty="0" smtClean="0">
+                <a:solidFill>
+                  <a:srgbClr val="64C7E9"/>
+                </a:solidFill>
+                <a:latin typeface="UTM Helve" panose="02040603050506020204" pitchFamily="18" charset="0"/>
+                <a:ea typeface="Roboto" pitchFamily="2" charset="0"/>
+              </a:rPr>
+              <a:t>else – </a:t>
+            </a:r>
+            <a:r>
+              <a:rPr lang="en-US" sz="2400" b="1" dirty="0" smtClean="0">
+                <a:solidFill>
+                  <a:srgbClr val="64C7E9"/>
+                </a:solidFill>
+                <a:latin typeface="UTM Helve" panose="02040603050506020204" pitchFamily="18" charset="0"/>
+                <a:ea typeface="Roboto" pitchFamily="2" charset="0"/>
+              </a:rPr>
+              <a:t>Sơ đồ giải thuật</a:t>
+            </a:r>
+            <a:endParaRPr lang="en-US" sz="2400" b="1" dirty="0">
+              <a:solidFill>
+                <a:srgbClr val="64C7E9"/>
+              </a:solidFill>
+              <a:latin typeface="UTM Helve" panose="02040603050506020204" pitchFamily="18" charset="0"/>
+              <a:ea typeface="Roboto" pitchFamily="2" charset="0"/>
+            </a:endParaRPr>
+          </a:p>
+        </p:txBody>
+      </p:sp>
+      <p:sp>
+        <p:nvSpPr>
+          <p:cNvPr id="5" name="Flowchart: Decision 4"/>
+          <p:cNvSpPr/>
+          <p:nvPr/>
+        </p:nvSpPr>
+        <p:spPr>
+          <a:xfrm>
+            <a:off x="3543300" y="1308735"/>
+            <a:ext cx="1931670" cy="1200150"/>
+          </a:xfrm>
+          <a:prstGeom prst="flowChartDecision">
+            <a:avLst/>
+          </a:prstGeom>
+          <a:noFill/>
+          <a:ln>
+            <a:solidFill>
+              <a:schemeClr val="tx1"/>
+            </a:solidFill>
+          </a:ln>
+        </p:spPr>
+        <p:style>
+          <a:lnRef idx="2">
+            <a:schemeClr val="accent1">
+              <a:shade val="50000"/>
+            </a:schemeClr>
+          </a:lnRef>
+          <a:fillRef idx="1">
+            <a:schemeClr val="accent1"/>
+          </a:fillRef>
+          <a:effectRef idx="0">
+            <a:schemeClr val="accent1"/>
+          </a:effectRef>
+          <a:fontRef idx="minor">
+            <a:schemeClr val="lt1"/>
+          </a:fontRef>
+        </p:style>
+        <p:txBody>
+          <a:bodyPr rtlCol="0" anchor="ctr"/>
+          <a:lstStyle/>
+          <a:p>
+            <a:pPr algn="ctr"/>
+            <a:r>
+              <a:rPr lang="en-US" b="1" dirty="0" smtClean="0">
+                <a:solidFill>
+                  <a:schemeClr val="tx1"/>
+                </a:solidFill>
+              </a:rPr>
+              <a:t>Áo Xanh</a:t>
+            </a:r>
+            <a:endParaRPr lang="en-US" b="1" dirty="0">
+              <a:solidFill>
+                <a:schemeClr val="tx1"/>
+              </a:solidFill>
+            </a:endParaRPr>
+          </a:p>
+        </p:txBody>
+      </p:sp>
+      <p:sp>
+        <p:nvSpPr>
+          <p:cNvPr id="6" name="Rectangle 5"/>
+          <p:cNvSpPr/>
+          <p:nvPr/>
+        </p:nvSpPr>
+        <p:spPr>
+          <a:xfrm>
+            <a:off x="982980" y="2263140"/>
+            <a:ext cx="1668780" cy="491490"/>
+          </a:xfrm>
+          <a:prstGeom prst="rect">
+            <a:avLst/>
+          </a:prstGeom>
+          <a:noFill/>
+          <a:ln>
+            <a:solidFill>
+              <a:schemeClr val="tx1"/>
+            </a:solidFill>
+          </a:ln>
+        </p:spPr>
+        <p:style>
+          <a:lnRef idx="2">
+            <a:schemeClr val="accent1">
+              <a:shade val="50000"/>
+            </a:schemeClr>
+          </a:lnRef>
+          <a:fillRef idx="1">
+            <a:schemeClr val="accent1"/>
+          </a:fillRef>
+          <a:effectRef idx="0">
+            <a:schemeClr val="accent1"/>
+          </a:effectRef>
+          <a:fontRef idx="minor">
+            <a:schemeClr val="lt1"/>
+          </a:fontRef>
+        </p:style>
+        <p:txBody>
+          <a:bodyPr rtlCol="0" anchor="ctr"/>
+          <a:lstStyle/>
+          <a:p>
+            <a:pPr algn="ctr"/>
+            <a:r>
+              <a:rPr lang="en-US" dirty="0" smtClean="0">
+                <a:solidFill>
+                  <a:schemeClr val="tx1"/>
+                </a:solidFill>
+                <a:latin typeface="Arial" panose="020B0604020202020204" pitchFamily="34" charset="0"/>
+                <a:cs typeface="Arial" panose="020B0604020202020204" pitchFamily="34" charset="0"/>
+              </a:rPr>
+              <a:t>Giơ</a:t>
+            </a:r>
+            <a:r>
+              <a:rPr lang="en-US" dirty="0" smtClean="0">
+                <a:solidFill>
+                  <a:schemeClr val="tx1"/>
+                </a:solidFill>
+              </a:rPr>
+              <a:t> tay lên</a:t>
+            </a:r>
+            <a:endParaRPr lang="en-US" dirty="0">
+              <a:solidFill>
+                <a:schemeClr val="tx1"/>
+              </a:solidFill>
+            </a:endParaRPr>
+          </a:p>
+        </p:txBody>
+      </p:sp>
+      <p:sp>
+        <p:nvSpPr>
+          <p:cNvPr id="8" name="Rectangle 7"/>
+          <p:cNvSpPr/>
+          <p:nvPr/>
+        </p:nvSpPr>
+        <p:spPr>
+          <a:xfrm>
+            <a:off x="6315075" y="2263140"/>
+            <a:ext cx="1817370" cy="491490"/>
+          </a:xfrm>
+          <a:prstGeom prst="rect">
+            <a:avLst/>
+          </a:prstGeom>
+          <a:noFill/>
+          <a:ln>
+            <a:solidFill>
+              <a:schemeClr val="tx1"/>
+            </a:solidFill>
+          </a:ln>
+        </p:spPr>
+        <p:style>
+          <a:lnRef idx="2">
+            <a:schemeClr val="accent1">
+              <a:shade val="50000"/>
+            </a:schemeClr>
+          </a:lnRef>
+          <a:fillRef idx="1">
+            <a:schemeClr val="accent1"/>
+          </a:fillRef>
+          <a:effectRef idx="0">
+            <a:schemeClr val="accent1"/>
+          </a:effectRef>
+          <a:fontRef idx="minor">
+            <a:schemeClr val="lt1"/>
+          </a:fontRef>
+        </p:style>
+        <p:txBody>
+          <a:bodyPr rtlCol="0" anchor="ctr"/>
+          <a:lstStyle/>
+          <a:p>
+            <a:pPr algn="ctr"/>
+            <a:r>
+              <a:rPr lang="en-US" dirty="0" smtClean="0">
+                <a:solidFill>
+                  <a:schemeClr val="tx1"/>
+                </a:solidFill>
+                <a:latin typeface="Arial" panose="020B0604020202020204" pitchFamily="34" charset="0"/>
+                <a:cs typeface="Arial" panose="020B0604020202020204" pitchFamily="34" charset="0"/>
+              </a:rPr>
+              <a:t>Để tay trên bàn</a:t>
+            </a:r>
+            <a:endParaRPr lang="en-US" dirty="0">
+              <a:solidFill>
+                <a:schemeClr val="tx1"/>
+              </a:solidFill>
+              <a:latin typeface="Arial" panose="020B0604020202020204" pitchFamily="34" charset="0"/>
+              <a:cs typeface="Arial" panose="020B0604020202020204" pitchFamily="34" charset="0"/>
+            </a:endParaRPr>
+          </a:p>
+        </p:txBody>
+      </p:sp>
+      <p:cxnSp>
+        <p:nvCxnSpPr>
+          <p:cNvPr id="10" name="Straight Connector 9"/>
+          <p:cNvCxnSpPr>
+            <a:stCxn id="5" idx="3"/>
+          </p:cNvCxnSpPr>
+          <p:nvPr/>
+        </p:nvCxnSpPr>
+        <p:spPr>
+          <a:xfrm>
+            <a:off x="5474970" y="1908810"/>
+            <a:ext cx="1748790" cy="0"/>
+          </a:xfrm>
+          <a:prstGeom prst="line">
+            <a:avLst/>
+          </a:prstGeom>
+          <a:ln w="12700">
+            <a:solidFill>
+              <a:schemeClr val="tx1"/>
+            </a:solidFill>
+          </a:ln>
+        </p:spPr>
+        <p:style>
+          <a:lnRef idx="1">
+            <a:schemeClr val="accent1"/>
+          </a:lnRef>
+          <a:fillRef idx="0">
+            <a:schemeClr val="accent1"/>
+          </a:fillRef>
+          <a:effectRef idx="0">
+            <a:schemeClr val="accent1"/>
+          </a:effectRef>
+          <a:fontRef idx="minor">
+            <a:schemeClr val="tx1"/>
+          </a:fontRef>
+        </p:style>
+      </p:cxnSp>
+      <p:cxnSp>
+        <p:nvCxnSpPr>
+          <p:cNvPr id="12" name="Straight Arrow Connector 11"/>
+          <p:cNvCxnSpPr/>
+          <p:nvPr/>
+        </p:nvCxnSpPr>
+        <p:spPr>
+          <a:xfrm>
+            <a:off x="7223760" y="1908810"/>
+            <a:ext cx="0" cy="354330"/>
+          </a:xfrm>
+          <a:prstGeom prst="straightConnector1">
+            <a:avLst/>
+          </a:prstGeom>
+          <a:ln w="12700">
+            <a:solidFill>
+              <a:schemeClr val="tx1"/>
+            </a:solidFill>
+            <a:tailEnd type="triangle"/>
+          </a:ln>
+        </p:spPr>
+        <p:style>
+          <a:lnRef idx="1">
+            <a:schemeClr val="accent1"/>
+          </a:lnRef>
+          <a:fillRef idx="0">
+            <a:schemeClr val="accent1"/>
+          </a:fillRef>
+          <a:effectRef idx="0">
+            <a:schemeClr val="accent1"/>
+          </a:effectRef>
+          <a:fontRef idx="minor">
+            <a:schemeClr val="tx1"/>
+          </a:fontRef>
+        </p:style>
+      </p:cxnSp>
+      <p:cxnSp>
+        <p:nvCxnSpPr>
+          <p:cNvPr id="13" name="Straight Connector 12"/>
+          <p:cNvCxnSpPr/>
+          <p:nvPr/>
+        </p:nvCxnSpPr>
+        <p:spPr>
+          <a:xfrm>
+            <a:off x="1817370" y="1908810"/>
+            <a:ext cx="1748790" cy="0"/>
+          </a:xfrm>
+          <a:prstGeom prst="line">
+            <a:avLst/>
+          </a:prstGeom>
+          <a:ln w="12700">
+            <a:solidFill>
+              <a:schemeClr val="tx1"/>
+            </a:solidFill>
+          </a:ln>
+        </p:spPr>
+        <p:style>
+          <a:lnRef idx="1">
+            <a:schemeClr val="accent1"/>
+          </a:lnRef>
+          <a:fillRef idx="0">
+            <a:schemeClr val="accent1"/>
+          </a:fillRef>
+          <a:effectRef idx="0">
+            <a:schemeClr val="accent1"/>
+          </a:effectRef>
+          <a:fontRef idx="minor">
+            <a:schemeClr val="tx1"/>
+          </a:fontRef>
+        </p:style>
+      </p:cxnSp>
+      <p:cxnSp>
+        <p:nvCxnSpPr>
+          <p:cNvPr id="14" name="Straight Arrow Connector 13"/>
+          <p:cNvCxnSpPr/>
+          <p:nvPr/>
+        </p:nvCxnSpPr>
+        <p:spPr>
+          <a:xfrm>
+            <a:off x="1817370" y="1908810"/>
+            <a:ext cx="0" cy="354330"/>
+          </a:xfrm>
+          <a:prstGeom prst="straightConnector1">
+            <a:avLst/>
+          </a:prstGeom>
+          <a:ln w="12700">
+            <a:solidFill>
+              <a:schemeClr val="tx1"/>
+            </a:solidFill>
+            <a:tailEnd type="triangle"/>
+          </a:ln>
+        </p:spPr>
+        <p:style>
+          <a:lnRef idx="1">
+            <a:schemeClr val="accent1"/>
+          </a:lnRef>
+          <a:fillRef idx="0">
+            <a:schemeClr val="accent1"/>
+          </a:fillRef>
+          <a:effectRef idx="0">
+            <a:schemeClr val="accent1"/>
+          </a:effectRef>
+          <a:fontRef idx="minor">
+            <a:schemeClr val="tx1"/>
+          </a:fontRef>
+        </p:style>
+      </p:cxnSp>
+      <p:sp>
+        <p:nvSpPr>
+          <p:cNvPr id="15" name="TextBox 14"/>
+          <p:cNvSpPr txBox="1"/>
+          <p:nvPr/>
+        </p:nvSpPr>
+        <p:spPr>
+          <a:xfrm>
+            <a:off x="2114550" y="1451610"/>
+            <a:ext cx="960120" cy="369332"/>
+          </a:xfrm>
+          <a:prstGeom prst="rect">
+            <a:avLst/>
+          </a:prstGeom>
+          <a:noFill/>
+        </p:spPr>
+        <p:txBody>
+          <a:bodyPr wrap="square" rtlCol="0">
+            <a:spAutoFit/>
+          </a:bodyPr>
+          <a:lstStyle/>
+          <a:p>
+            <a:r>
+              <a:rPr lang="en-US" b="1" dirty="0" smtClean="0"/>
+              <a:t>ĐÚNG</a:t>
+            </a:r>
+            <a:endParaRPr lang="en-US" b="1" dirty="0"/>
+          </a:p>
+        </p:txBody>
+      </p:sp>
+      <p:sp>
+        <p:nvSpPr>
+          <p:cNvPr id="16" name="TextBox 15"/>
+          <p:cNvSpPr txBox="1"/>
+          <p:nvPr/>
+        </p:nvSpPr>
+        <p:spPr>
+          <a:xfrm>
+            <a:off x="5932170" y="1451610"/>
+            <a:ext cx="685800" cy="369332"/>
+          </a:xfrm>
+          <a:prstGeom prst="rect">
+            <a:avLst/>
+          </a:prstGeom>
+          <a:noFill/>
+        </p:spPr>
+        <p:txBody>
+          <a:bodyPr wrap="square" rtlCol="0">
+            <a:spAutoFit/>
+          </a:bodyPr>
+          <a:lstStyle/>
+          <a:p>
+            <a:r>
+              <a:rPr lang="en-US" b="1" dirty="0" smtClean="0"/>
+              <a:t>SAI</a:t>
+            </a:r>
+            <a:endParaRPr lang="en-US" b="1" dirty="0"/>
+          </a:p>
+        </p:txBody>
+      </p:sp>
+      <p:sp>
+        <p:nvSpPr>
+          <p:cNvPr id="17" name="TextBox 16"/>
+          <p:cNvSpPr txBox="1"/>
+          <p:nvPr/>
+        </p:nvSpPr>
+        <p:spPr>
+          <a:xfrm>
+            <a:off x="3746183" y="2754630"/>
+            <a:ext cx="2148840" cy="307777"/>
+          </a:xfrm>
+          <a:prstGeom prst="rect">
+            <a:avLst/>
+          </a:prstGeom>
+          <a:noFill/>
+        </p:spPr>
+        <p:txBody>
+          <a:bodyPr wrap="square" rtlCol="0">
+            <a:spAutoFit/>
+          </a:bodyPr>
+          <a:lstStyle/>
+          <a:p>
+            <a:r>
+              <a:rPr lang="en-US" sz="1400" i="1" dirty="0" smtClean="0"/>
+              <a:t>Lựa chọn – Rẻ nhánh</a:t>
+            </a:r>
+            <a:endParaRPr lang="en-US" sz="1400" i="1" dirty="0"/>
+          </a:p>
+        </p:txBody>
+      </p:sp>
+      <p:sp>
+        <p:nvSpPr>
+          <p:cNvPr id="18" name="Flowchart: Decision 17"/>
+          <p:cNvSpPr/>
+          <p:nvPr/>
+        </p:nvSpPr>
+        <p:spPr>
+          <a:xfrm>
+            <a:off x="3669030" y="4074795"/>
+            <a:ext cx="1931670" cy="1200150"/>
+          </a:xfrm>
+          <a:prstGeom prst="flowChartDecision">
+            <a:avLst/>
+          </a:prstGeom>
+          <a:noFill/>
+          <a:ln>
+            <a:solidFill>
+              <a:schemeClr val="tx1"/>
+            </a:solidFill>
+          </a:ln>
+        </p:spPr>
+        <p:style>
+          <a:lnRef idx="2">
+            <a:schemeClr val="accent1">
+              <a:shade val="50000"/>
+            </a:schemeClr>
+          </a:lnRef>
+          <a:fillRef idx="1">
+            <a:schemeClr val="accent1"/>
+          </a:fillRef>
+          <a:effectRef idx="0">
+            <a:schemeClr val="accent1"/>
+          </a:effectRef>
+          <a:fontRef idx="minor">
+            <a:schemeClr val="lt1"/>
+          </a:fontRef>
+        </p:style>
+        <p:txBody>
+          <a:bodyPr rtlCol="0" anchor="ctr"/>
+          <a:lstStyle/>
+          <a:p>
+            <a:pPr algn="ctr"/>
+            <a:r>
+              <a:rPr lang="en-US" b="1" dirty="0" smtClean="0">
+                <a:solidFill>
+                  <a:schemeClr val="tx1"/>
+                </a:solidFill>
+              </a:rPr>
+              <a:t>Đèn Xanh</a:t>
+            </a:r>
+            <a:endParaRPr lang="en-US" b="1" dirty="0">
+              <a:solidFill>
+                <a:schemeClr val="tx1"/>
+              </a:solidFill>
+            </a:endParaRPr>
+          </a:p>
+        </p:txBody>
+      </p:sp>
+      <p:sp>
+        <p:nvSpPr>
+          <p:cNvPr id="19" name="Rectangle 18"/>
+          <p:cNvSpPr/>
+          <p:nvPr/>
+        </p:nvSpPr>
+        <p:spPr>
+          <a:xfrm>
+            <a:off x="1108710" y="5029200"/>
+            <a:ext cx="1668780" cy="640080"/>
+          </a:xfrm>
+          <a:prstGeom prst="rect">
+            <a:avLst/>
+          </a:prstGeom>
+          <a:noFill/>
+          <a:ln>
+            <a:solidFill>
+              <a:schemeClr val="tx1"/>
+            </a:solidFill>
+          </a:ln>
+        </p:spPr>
+        <p:style>
+          <a:lnRef idx="2">
+            <a:schemeClr val="accent1">
+              <a:shade val="50000"/>
+            </a:schemeClr>
+          </a:lnRef>
+          <a:fillRef idx="1">
+            <a:schemeClr val="accent1"/>
+          </a:fillRef>
+          <a:effectRef idx="0">
+            <a:schemeClr val="accent1"/>
+          </a:effectRef>
+          <a:fontRef idx="minor">
+            <a:schemeClr val="lt1"/>
+          </a:fontRef>
+        </p:style>
+        <p:txBody>
+          <a:bodyPr rtlCol="0" anchor="ctr"/>
+          <a:lstStyle/>
+          <a:p>
+            <a:pPr algn="ctr"/>
+            <a:r>
+              <a:rPr lang="en-US" dirty="0" smtClean="0">
+                <a:solidFill>
+                  <a:schemeClr val="tx1"/>
+                </a:solidFill>
+                <a:latin typeface="Arial" panose="020B0604020202020204" pitchFamily="34" charset="0"/>
+                <a:cs typeface="Arial" panose="020B0604020202020204" pitchFamily="34" charset="0"/>
+              </a:rPr>
+              <a:t>Được đi qua đường</a:t>
+            </a:r>
+            <a:endParaRPr lang="en-US" dirty="0">
+              <a:solidFill>
+                <a:schemeClr val="tx1"/>
+              </a:solidFill>
+              <a:latin typeface="Arial" panose="020B0604020202020204" pitchFamily="34" charset="0"/>
+              <a:cs typeface="Arial" panose="020B0604020202020204" pitchFamily="34" charset="0"/>
+            </a:endParaRPr>
+          </a:p>
+        </p:txBody>
+      </p:sp>
+      <p:sp>
+        <p:nvSpPr>
+          <p:cNvPr id="20" name="Rectangle 19"/>
+          <p:cNvSpPr/>
+          <p:nvPr/>
+        </p:nvSpPr>
+        <p:spPr>
+          <a:xfrm>
+            <a:off x="6440805" y="5029200"/>
+            <a:ext cx="1817370" cy="491490"/>
+          </a:xfrm>
+          <a:prstGeom prst="rect">
+            <a:avLst/>
+          </a:prstGeom>
+          <a:noFill/>
+          <a:ln>
+            <a:solidFill>
+              <a:schemeClr val="tx1"/>
+            </a:solidFill>
+          </a:ln>
+        </p:spPr>
+        <p:style>
+          <a:lnRef idx="2">
+            <a:schemeClr val="accent1">
+              <a:shade val="50000"/>
+            </a:schemeClr>
+          </a:lnRef>
+          <a:fillRef idx="1">
+            <a:schemeClr val="accent1"/>
+          </a:fillRef>
+          <a:effectRef idx="0">
+            <a:schemeClr val="accent1"/>
+          </a:effectRef>
+          <a:fontRef idx="minor">
+            <a:schemeClr val="lt1"/>
+          </a:fontRef>
+        </p:style>
+        <p:txBody>
+          <a:bodyPr rtlCol="0" anchor="ctr"/>
+          <a:lstStyle/>
+          <a:p>
+            <a:pPr algn="ctr"/>
+            <a:r>
+              <a:rPr lang="en-US" dirty="0" smtClean="0">
+                <a:solidFill>
+                  <a:schemeClr val="tx1"/>
+                </a:solidFill>
+                <a:latin typeface="Arial" panose="020B0604020202020204" pitchFamily="34" charset="0"/>
+                <a:cs typeface="Arial" panose="020B0604020202020204" pitchFamily="34" charset="0"/>
+              </a:rPr>
+              <a:t>Đứng chờ</a:t>
+            </a:r>
+            <a:endParaRPr lang="en-US" dirty="0">
+              <a:solidFill>
+                <a:schemeClr val="tx1"/>
+              </a:solidFill>
+              <a:latin typeface="Arial" panose="020B0604020202020204" pitchFamily="34" charset="0"/>
+              <a:cs typeface="Arial" panose="020B0604020202020204" pitchFamily="34" charset="0"/>
+            </a:endParaRPr>
+          </a:p>
+        </p:txBody>
+      </p:sp>
+      <p:cxnSp>
+        <p:nvCxnSpPr>
+          <p:cNvPr id="21" name="Straight Connector 20"/>
+          <p:cNvCxnSpPr>
+            <a:stCxn id="18" idx="3"/>
+          </p:cNvCxnSpPr>
+          <p:nvPr/>
+        </p:nvCxnSpPr>
+        <p:spPr>
+          <a:xfrm>
+            <a:off x="5600700" y="4674870"/>
+            <a:ext cx="1748790" cy="0"/>
+          </a:xfrm>
+          <a:prstGeom prst="line">
+            <a:avLst/>
+          </a:prstGeom>
+          <a:ln w="12700">
+            <a:solidFill>
+              <a:schemeClr val="tx1"/>
+            </a:solidFill>
+          </a:ln>
+        </p:spPr>
+        <p:style>
+          <a:lnRef idx="1">
+            <a:schemeClr val="accent1"/>
+          </a:lnRef>
+          <a:fillRef idx="0">
+            <a:schemeClr val="accent1"/>
+          </a:fillRef>
+          <a:effectRef idx="0">
+            <a:schemeClr val="accent1"/>
+          </a:effectRef>
+          <a:fontRef idx="minor">
+            <a:schemeClr val="tx1"/>
+          </a:fontRef>
+        </p:style>
+      </p:cxnSp>
+      <p:cxnSp>
+        <p:nvCxnSpPr>
+          <p:cNvPr id="22" name="Straight Arrow Connector 21"/>
+          <p:cNvCxnSpPr/>
+          <p:nvPr/>
+        </p:nvCxnSpPr>
+        <p:spPr>
+          <a:xfrm>
+            <a:off x="7349490" y="4674870"/>
+            <a:ext cx="0" cy="354330"/>
+          </a:xfrm>
+          <a:prstGeom prst="straightConnector1">
+            <a:avLst/>
+          </a:prstGeom>
+          <a:ln w="12700">
+            <a:solidFill>
+              <a:schemeClr val="tx1"/>
+            </a:solidFill>
+            <a:tailEnd type="triangle"/>
+          </a:ln>
+        </p:spPr>
+        <p:style>
+          <a:lnRef idx="1">
+            <a:schemeClr val="accent1"/>
+          </a:lnRef>
+          <a:fillRef idx="0">
+            <a:schemeClr val="accent1"/>
+          </a:fillRef>
+          <a:effectRef idx="0">
+            <a:schemeClr val="accent1"/>
+          </a:effectRef>
+          <a:fontRef idx="minor">
+            <a:schemeClr val="tx1"/>
+          </a:fontRef>
+        </p:style>
+      </p:cxnSp>
+      <p:cxnSp>
+        <p:nvCxnSpPr>
+          <p:cNvPr id="23" name="Straight Connector 22"/>
+          <p:cNvCxnSpPr/>
+          <p:nvPr/>
+        </p:nvCxnSpPr>
+        <p:spPr>
+          <a:xfrm>
+            <a:off x="1943100" y="4674870"/>
+            <a:ext cx="1748790" cy="0"/>
+          </a:xfrm>
+          <a:prstGeom prst="line">
+            <a:avLst/>
+          </a:prstGeom>
+          <a:ln w="12700">
+            <a:solidFill>
+              <a:schemeClr val="tx1"/>
+            </a:solidFill>
+          </a:ln>
+        </p:spPr>
+        <p:style>
+          <a:lnRef idx="1">
+            <a:schemeClr val="accent1"/>
+          </a:lnRef>
+          <a:fillRef idx="0">
+            <a:schemeClr val="accent1"/>
+          </a:fillRef>
+          <a:effectRef idx="0">
+            <a:schemeClr val="accent1"/>
+          </a:effectRef>
+          <a:fontRef idx="minor">
+            <a:schemeClr val="tx1"/>
+          </a:fontRef>
+        </p:style>
+      </p:cxnSp>
+      <p:cxnSp>
+        <p:nvCxnSpPr>
+          <p:cNvPr id="24" name="Straight Arrow Connector 23"/>
+          <p:cNvCxnSpPr/>
+          <p:nvPr/>
+        </p:nvCxnSpPr>
+        <p:spPr>
+          <a:xfrm>
+            <a:off x="1943100" y="4674870"/>
+            <a:ext cx="0" cy="354330"/>
+          </a:xfrm>
+          <a:prstGeom prst="straightConnector1">
+            <a:avLst/>
+          </a:prstGeom>
+          <a:ln w="12700">
+            <a:solidFill>
+              <a:schemeClr val="tx1"/>
+            </a:solidFill>
+            <a:tailEnd type="triangle"/>
+          </a:ln>
+        </p:spPr>
+        <p:style>
+          <a:lnRef idx="1">
+            <a:schemeClr val="accent1"/>
+          </a:lnRef>
+          <a:fillRef idx="0">
+            <a:schemeClr val="accent1"/>
+          </a:fillRef>
+          <a:effectRef idx="0">
+            <a:schemeClr val="accent1"/>
+          </a:effectRef>
+          <a:fontRef idx="minor">
+            <a:schemeClr val="tx1"/>
+          </a:fontRef>
+        </p:style>
+      </p:cxnSp>
+      <p:sp>
+        <p:nvSpPr>
+          <p:cNvPr id="25" name="TextBox 24"/>
+          <p:cNvSpPr txBox="1"/>
+          <p:nvPr/>
+        </p:nvSpPr>
+        <p:spPr>
+          <a:xfrm>
+            <a:off x="2240280" y="4217670"/>
+            <a:ext cx="960120" cy="369332"/>
+          </a:xfrm>
+          <a:prstGeom prst="rect">
+            <a:avLst/>
+          </a:prstGeom>
+          <a:noFill/>
+        </p:spPr>
+        <p:txBody>
+          <a:bodyPr wrap="square" rtlCol="0">
+            <a:spAutoFit/>
+          </a:bodyPr>
+          <a:lstStyle/>
+          <a:p>
+            <a:r>
+              <a:rPr lang="en-US" b="1" dirty="0" smtClean="0"/>
+              <a:t>ĐÚNG</a:t>
+            </a:r>
+            <a:endParaRPr lang="en-US" b="1" dirty="0"/>
+          </a:p>
+        </p:txBody>
+      </p:sp>
+      <p:sp>
+        <p:nvSpPr>
+          <p:cNvPr id="26" name="TextBox 25"/>
+          <p:cNvSpPr txBox="1"/>
+          <p:nvPr/>
+        </p:nvSpPr>
+        <p:spPr>
+          <a:xfrm>
+            <a:off x="6057900" y="4217670"/>
+            <a:ext cx="685800" cy="369332"/>
+          </a:xfrm>
+          <a:prstGeom prst="rect">
+            <a:avLst/>
+          </a:prstGeom>
+          <a:noFill/>
+        </p:spPr>
+        <p:txBody>
+          <a:bodyPr wrap="square" rtlCol="0">
+            <a:spAutoFit/>
+          </a:bodyPr>
+          <a:lstStyle/>
+          <a:p>
+            <a:r>
+              <a:rPr lang="en-US" b="1" dirty="0" smtClean="0"/>
+              <a:t>SAI</a:t>
+            </a:r>
+            <a:endParaRPr lang="en-US" b="1" dirty="0"/>
+          </a:p>
+        </p:txBody>
+      </p:sp>
+    </p:spTree>
+    <p:extLst>
+      <p:ext uri="{BB962C8B-B14F-4D97-AF65-F5344CB8AC3E}">
+        <p14:creationId xmlns:p14="http://schemas.microsoft.com/office/powerpoint/2010/main" val="1905879651"/>
+      </p:ext>
+    </p:extLst>
+  </p:cSld>
+  <p:clrMapOvr>
+    <a:masterClrMapping/>
+  </p:clrMapOvr>
+</p:sld>
+</file>
+
+<file path=ppt/slides/slide7.xml><?xml version="1.0" encoding="utf-8"?>
+<p:sld xmlns:a="http://schemas.openxmlformats.org/drawingml/2006/main" xmlns:r="http://schemas.openxmlformats.org/officeDocument/2006/relationships" xmlns:p="http://schemas.openxmlformats.org/presentationml/2006/main">
+  <p:cSld>
+    <p:spTree>
+      <p:nvGrpSpPr>
+        <p:cNvPr id="1" name=""/>
+        <p:cNvGrpSpPr/>
+        <p:nvPr/>
+      </p:nvGrpSpPr>
+      <p:grpSpPr>
+        <a:xfrm>
+          <a:off x="0" y="0"/>
+          <a:ext cx="0" cy="0"/>
+          <a:chOff x="0" y="0"/>
+          <a:chExt cx="0" cy="0"/>
+        </a:xfrm>
+      </p:grpSpPr>
+      <p:sp>
+        <p:nvSpPr>
+          <p:cNvPr id="2" name="Slide Number Placeholder 1"/>
+          <p:cNvSpPr>
+            <a:spLocks noGrp="1"/>
+          </p:cNvSpPr>
+          <p:nvPr>
+            <p:ph type="sldNum" sz="quarter" idx="12"/>
+          </p:nvPr>
+        </p:nvSpPr>
+        <p:spPr/>
+        <p:txBody>
+          <a:bodyPr/>
+          <a:lstStyle/>
+          <a:p>
+            <a:fld id="{7D9EC917-02A2-4152-9EE3-DFE2775A77C7}" type="slidenum">
+              <a:rPr lang="en-US" smtClean="0"/>
+              <a:pPr/>
+              <a:t>7</a:t>
+            </a:fld>
+            <a:endParaRPr lang="en-US"/>
+          </a:p>
+        </p:txBody>
+      </p:sp>
+      <p:sp>
+        <p:nvSpPr>
+          <p:cNvPr id="3" name="Rectangle 2"/>
+          <p:cNvSpPr/>
+          <p:nvPr/>
+        </p:nvSpPr>
+        <p:spPr>
+          <a:xfrm>
+            <a:off x="301925" y="1051379"/>
+            <a:ext cx="8454964" cy="27432"/>
+          </a:xfrm>
+          <a:prstGeom prst="rect">
+            <a:avLst/>
+          </a:prstGeom>
+          <a:gradFill flip="none" rotWithShape="1">
+            <a:gsLst>
+              <a:gs pos="15000">
+                <a:srgbClr val="67C7DF"/>
+              </a:gs>
+              <a:gs pos="100000">
+                <a:srgbClr val="5EB130"/>
+              </a:gs>
+            </a:gsLst>
+            <a:lin ang="0" scaled="1"/>
+            <a:tileRect/>
+          </a:gradFill>
+          <a:ln>
+            <a:noFill/>
+          </a:ln>
+        </p:spPr>
+        <p:style>
+          <a:lnRef idx="2">
+            <a:schemeClr val="accent1">
+              <a:shade val="50000"/>
+            </a:schemeClr>
+          </a:lnRef>
+          <a:fillRef idx="1">
+            <a:schemeClr val="accent1"/>
+          </a:fillRef>
+          <a:effectRef idx="0">
+            <a:schemeClr val="accent1"/>
+          </a:effectRef>
+          <a:fontRef idx="minor">
+            <a:schemeClr val="lt1"/>
+          </a:fontRef>
+        </p:style>
+        <p:txBody>
+          <a:bodyPr rtlCol="0" anchor="ctr"/>
+          <a:lstStyle/>
+          <a:p>
+            <a:pPr algn="ctr"/>
+            <a:endParaRPr lang="en-US"/>
+          </a:p>
+        </p:txBody>
+      </p:sp>
+      <p:sp>
+        <p:nvSpPr>
+          <p:cNvPr id="4" name="TextBox 3"/>
+          <p:cNvSpPr txBox="1"/>
+          <p:nvPr/>
+        </p:nvSpPr>
+        <p:spPr>
+          <a:xfrm>
+            <a:off x="248815" y="546584"/>
+            <a:ext cx="7670233" cy="461665"/>
+          </a:xfrm>
+          <a:prstGeom prst="rect">
+            <a:avLst/>
+          </a:prstGeom>
+          <a:noFill/>
+        </p:spPr>
+        <p:txBody>
+          <a:bodyPr wrap="square" rtlCol="0">
+            <a:spAutoFit/>
+          </a:bodyPr>
+          <a:lstStyle/>
+          <a:p>
+            <a:r>
+              <a:rPr lang="en-US" sz="2400" b="1" dirty="0" smtClean="0">
+                <a:solidFill>
+                  <a:srgbClr val="64C7E9"/>
+                </a:solidFill>
+                <a:latin typeface="UTM Helve" panose="02040603050506020204" pitchFamily="18" charset="0"/>
+                <a:ea typeface="Roboto" pitchFamily="2" charset="0"/>
+              </a:rPr>
+              <a:t>4.2 Thuật </a:t>
+            </a:r>
+            <a:r>
+              <a:rPr lang="en-US" sz="2400" b="1" dirty="0">
+                <a:solidFill>
+                  <a:srgbClr val="64C7E9"/>
+                </a:solidFill>
+                <a:latin typeface="UTM Helve" panose="02040603050506020204" pitchFamily="18" charset="0"/>
+                <a:ea typeface="Roboto" pitchFamily="2" charset="0"/>
+              </a:rPr>
+              <a:t>toán (</a:t>
+            </a:r>
+            <a:r>
+              <a:rPr lang="en-US" sz="2400" b="1" dirty="0" smtClean="0">
+                <a:solidFill>
+                  <a:srgbClr val="64C7E9"/>
+                </a:solidFill>
+                <a:latin typeface="UTM Helve" panose="02040603050506020204" pitchFamily="18" charset="0"/>
+                <a:ea typeface="Roboto" pitchFamily="2" charset="0"/>
+              </a:rPr>
+              <a:t>algorithms)</a:t>
+            </a:r>
+            <a:endParaRPr lang="en-US" sz="2400" b="1" dirty="0">
+              <a:solidFill>
+                <a:srgbClr val="64C7E9"/>
+              </a:solidFill>
+              <a:latin typeface="UTM Helve" panose="02040603050506020204" pitchFamily="18" charset="0"/>
+              <a:ea typeface="Roboto" pitchFamily="2" charset="0"/>
+            </a:endParaRPr>
+          </a:p>
+        </p:txBody>
+      </p:sp>
+      <p:sp>
+        <p:nvSpPr>
+          <p:cNvPr id="5" name="Oval 4"/>
+          <p:cNvSpPr/>
+          <p:nvPr/>
+        </p:nvSpPr>
+        <p:spPr>
+          <a:xfrm>
+            <a:off x="502920" y="1474470"/>
+            <a:ext cx="457200" cy="457200"/>
+          </a:xfrm>
+          <a:prstGeom prst="ellipse">
+            <a:avLst/>
+          </a:prstGeom>
+          <a:gradFill flip="none" rotWithShape="1">
+            <a:gsLst>
+              <a:gs pos="15000">
+                <a:srgbClr val="67C7DF"/>
+              </a:gs>
+              <a:gs pos="100000">
+                <a:srgbClr val="5EB130"/>
+              </a:gs>
+            </a:gsLst>
+            <a:lin ang="0" scaled="1"/>
+            <a:tileRect/>
+          </a:gradFill>
+          <a:ln>
+            <a:noFill/>
+          </a:ln>
+        </p:spPr>
+        <p:style>
+          <a:lnRef idx="2">
+            <a:schemeClr val="accent1">
+              <a:shade val="50000"/>
+            </a:schemeClr>
+          </a:lnRef>
+          <a:fillRef idx="1">
+            <a:schemeClr val="accent1"/>
+          </a:fillRef>
+          <a:effectRef idx="0">
+            <a:schemeClr val="accent1"/>
+          </a:effectRef>
+          <a:fontRef idx="minor">
+            <a:schemeClr val="lt1"/>
+          </a:fontRef>
+        </p:style>
+        <p:txBody>
+          <a:bodyPr rtlCol="0" anchor="ctr"/>
+          <a:lstStyle/>
+          <a:p>
+            <a:pPr algn="ctr"/>
+            <a:r>
+              <a:rPr lang="en-US" b="1" dirty="0">
+                <a:latin typeface="UTM Helve" panose="02040603050506020204" pitchFamily="18" charset="0"/>
+              </a:rPr>
+              <a:t>1</a:t>
+            </a:r>
+            <a:endParaRPr lang="en-US" b="1" dirty="0">
+              <a:latin typeface="UTM Helve" panose="02040603050506020204" pitchFamily="18" charset="0"/>
+            </a:endParaRPr>
+          </a:p>
+        </p:txBody>
+      </p:sp>
+      <p:sp>
+        <p:nvSpPr>
+          <p:cNvPr id="6" name="TextBox 5"/>
+          <p:cNvSpPr txBox="1"/>
+          <p:nvPr/>
+        </p:nvSpPr>
+        <p:spPr>
+          <a:xfrm>
+            <a:off x="1120140" y="1383030"/>
+            <a:ext cx="7258050" cy="1015663"/>
+          </a:xfrm>
+          <a:prstGeom prst="rect">
+            <a:avLst/>
+          </a:prstGeom>
+          <a:noFill/>
+        </p:spPr>
+        <p:txBody>
+          <a:bodyPr wrap="square" rtlCol="0">
+            <a:spAutoFit/>
+          </a:bodyPr>
+          <a:lstStyle/>
+          <a:p>
+            <a:r>
+              <a:rPr lang="en-US" sz="2000" b="1" dirty="0" smtClean="0">
+                <a:latin typeface="Arial" panose="020B0604020202020204" pitchFamily="34" charset="0"/>
+                <a:cs typeface="Arial" panose="020B0604020202020204" pitchFamily="34" charset="0"/>
+              </a:rPr>
+              <a:t>Bằng cách sử dụng sơ đồ giải thuật để phân tích các điều kiện và hành động như 2 ví dụ trên thì có nghĩa các bạn đang làm quen với khái niệm gọi là </a:t>
+            </a:r>
+            <a:r>
+              <a:rPr lang="en-US" sz="2000" b="1" dirty="0" smtClean="0">
+                <a:solidFill>
+                  <a:srgbClr val="FF0000"/>
+                </a:solidFill>
+                <a:latin typeface="Arial" panose="020B0604020202020204" pitchFamily="34" charset="0"/>
+                <a:cs typeface="Arial" panose="020B0604020202020204" pitchFamily="34" charset="0"/>
+              </a:rPr>
+              <a:t>Thuật Toán</a:t>
+            </a:r>
+            <a:endParaRPr lang="vi-VN" sz="2000" b="1" dirty="0">
+              <a:solidFill>
+                <a:srgbClr val="FF0000"/>
+              </a:solidFill>
+              <a:latin typeface="Arial" panose="020B0604020202020204" pitchFamily="34" charset="0"/>
+              <a:cs typeface="Arial" panose="020B0604020202020204" pitchFamily="34" charset="0"/>
+            </a:endParaRPr>
+          </a:p>
+        </p:txBody>
+      </p:sp>
+      <p:pic>
+        <p:nvPicPr>
+          <p:cNvPr id="8" name="Picture 7"/>
+          <p:cNvPicPr>
+            <a:picLocks noChangeAspect="1"/>
+          </p:cNvPicPr>
+          <p:nvPr/>
+        </p:nvPicPr>
+        <p:blipFill>
+          <a:blip r:embed="rId2">
+            <a:extLst>
+              <a:ext uri="{28A0092B-C50C-407E-A947-70E740481C1C}">
+                <a14:useLocalDpi xmlns:a14="http://schemas.microsoft.com/office/drawing/2010/main" val="0"/>
+              </a:ext>
+            </a:extLst>
+          </a:blip>
+          <a:stretch>
+            <a:fillRect/>
+          </a:stretch>
+        </p:blipFill>
+        <p:spPr>
+          <a:xfrm>
+            <a:off x="6383259" y="3659787"/>
+            <a:ext cx="2533650" cy="2971800"/>
+          </a:xfrm>
+          <a:prstGeom prst="rect">
+            <a:avLst/>
+          </a:prstGeom>
+        </p:spPr>
+      </p:pic>
+      <p:sp>
+        <p:nvSpPr>
+          <p:cNvPr id="9" name="Oval 8"/>
+          <p:cNvSpPr/>
+          <p:nvPr/>
+        </p:nvSpPr>
+        <p:spPr>
+          <a:xfrm>
+            <a:off x="502920" y="2731770"/>
+            <a:ext cx="457200" cy="457200"/>
+          </a:xfrm>
+          <a:prstGeom prst="ellipse">
+            <a:avLst/>
+          </a:prstGeom>
+          <a:gradFill flip="none" rotWithShape="1">
+            <a:gsLst>
+              <a:gs pos="15000">
+                <a:srgbClr val="67C7DF"/>
+              </a:gs>
+              <a:gs pos="100000">
+                <a:srgbClr val="5EB130"/>
+              </a:gs>
+            </a:gsLst>
+            <a:lin ang="0" scaled="1"/>
+            <a:tileRect/>
+          </a:gradFill>
+          <a:ln>
+            <a:noFill/>
+          </a:ln>
+        </p:spPr>
+        <p:style>
+          <a:lnRef idx="2">
+            <a:schemeClr val="accent1">
+              <a:shade val="50000"/>
+            </a:schemeClr>
+          </a:lnRef>
+          <a:fillRef idx="1">
+            <a:schemeClr val="accent1"/>
+          </a:fillRef>
+          <a:effectRef idx="0">
+            <a:schemeClr val="accent1"/>
+          </a:effectRef>
+          <a:fontRef idx="minor">
+            <a:schemeClr val="lt1"/>
+          </a:fontRef>
+        </p:style>
+        <p:txBody>
+          <a:bodyPr rtlCol="0" anchor="ctr"/>
+          <a:lstStyle/>
+          <a:p>
+            <a:pPr algn="ctr"/>
+            <a:r>
+              <a:rPr lang="en-US" b="1" dirty="0" smtClean="0">
+                <a:latin typeface="UTM Helve" panose="02040603050506020204" pitchFamily="18" charset="0"/>
+              </a:rPr>
+              <a:t>2</a:t>
+            </a:r>
+            <a:endParaRPr lang="en-US" b="1" dirty="0">
+              <a:latin typeface="UTM Helve" panose="02040603050506020204" pitchFamily="18" charset="0"/>
+            </a:endParaRPr>
+          </a:p>
+        </p:txBody>
+      </p:sp>
+      <p:sp>
+        <p:nvSpPr>
+          <p:cNvPr id="10" name="TextBox 9"/>
+          <p:cNvSpPr txBox="1"/>
+          <p:nvPr/>
+        </p:nvSpPr>
+        <p:spPr>
+          <a:xfrm>
+            <a:off x="1120140" y="2674620"/>
+            <a:ext cx="4572000" cy="2246769"/>
+          </a:xfrm>
+          <a:prstGeom prst="rect">
+            <a:avLst/>
+          </a:prstGeom>
+          <a:noFill/>
+        </p:spPr>
+        <p:txBody>
+          <a:bodyPr wrap="square" rtlCol="0">
+            <a:spAutoFit/>
+          </a:bodyPr>
+          <a:lstStyle/>
+          <a:p>
+            <a:r>
+              <a:rPr lang="en-US" sz="2000" b="1" dirty="0" smtClean="0">
+                <a:latin typeface="Arial" panose="020B0604020202020204" pitchFamily="34" charset="0"/>
+                <a:cs typeface="Arial" panose="020B0604020202020204" pitchFamily="34" charset="0"/>
+              </a:rPr>
+              <a:t>Trong học tập và cả ngoài đời sống các bạn thường xuyên phải đưa ra sự lựa chọn. Điều kiện để thực hiện các hành động.</a:t>
+            </a:r>
+          </a:p>
+          <a:p>
+            <a:endParaRPr lang="en-US" sz="2000" b="1" dirty="0">
+              <a:solidFill>
+                <a:srgbClr val="FF0000"/>
+              </a:solidFill>
+              <a:latin typeface="Arial" panose="020B0604020202020204" pitchFamily="34" charset="0"/>
+              <a:cs typeface="Arial" panose="020B0604020202020204" pitchFamily="34" charset="0"/>
+            </a:endParaRPr>
+          </a:p>
+          <a:p>
+            <a:r>
+              <a:rPr lang="en-US" sz="2000" b="1" dirty="0" smtClean="0">
+                <a:latin typeface="Arial" panose="020B0604020202020204" pitchFamily="34" charset="0"/>
+                <a:cs typeface="Arial" panose="020B0604020202020204" pitchFamily="34" charset="0"/>
+              </a:rPr>
+              <a:t>Hãy áp dụng thuật toán để giải quyết nhé</a:t>
+            </a:r>
+            <a:endParaRPr lang="vi-VN" sz="2000" b="1" dirty="0">
+              <a:latin typeface="Arial" panose="020B0604020202020204" pitchFamily="34" charset="0"/>
+              <a:cs typeface="Arial" panose="020B0604020202020204" pitchFamily="34" charset="0"/>
+            </a:endParaRPr>
+          </a:p>
+        </p:txBody>
+      </p:sp>
+      <p:sp>
+        <p:nvSpPr>
+          <p:cNvPr id="11" name="Rounded Rectangle 10"/>
+          <p:cNvSpPr/>
+          <p:nvPr/>
+        </p:nvSpPr>
+        <p:spPr>
+          <a:xfrm>
+            <a:off x="731520" y="5620226"/>
+            <a:ext cx="5852160" cy="687987"/>
+          </a:xfrm>
+          <a:prstGeom prst="roundRect">
+            <a:avLst/>
+          </a:prstGeom>
+          <a:gradFill flip="none" rotWithShape="1">
+            <a:gsLst>
+              <a:gs pos="15000">
+                <a:srgbClr val="67C7DF"/>
+              </a:gs>
+              <a:gs pos="100000">
+                <a:srgbClr val="5EB130"/>
+              </a:gs>
+            </a:gsLst>
+            <a:lin ang="0" scaled="1"/>
+            <a:tileRect/>
+          </a:gradFill>
+          <a:ln>
+            <a:noFill/>
+          </a:ln>
+        </p:spPr>
+        <p:style>
+          <a:lnRef idx="2">
+            <a:schemeClr val="accent1">
+              <a:shade val="50000"/>
+            </a:schemeClr>
+          </a:lnRef>
+          <a:fillRef idx="1">
+            <a:schemeClr val="accent1"/>
+          </a:fillRef>
+          <a:effectRef idx="0">
+            <a:schemeClr val="accent1"/>
+          </a:effectRef>
+          <a:fontRef idx="minor">
+            <a:schemeClr val="lt1"/>
+          </a:fontRef>
+        </p:style>
+        <p:txBody>
+          <a:bodyPr rtlCol="0" anchor="ctr"/>
+          <a:lstStyle/>
+          <a:p>
+            <a:pPr algn="ctr"/>
+            <a:r>
+              <a:rPr lang="en-US" b="1" dirty="0" smtClean="0">
+                <a:latin typeface="Arial" panose="020B0604020202020204" pitchFamily="34" charset="0"/>
+                <a:cs typeface="Arial" panose="020B0604020202020204" pitchFamily="34" charset="0"/>
+              </a:rPr>
+              <a:t>Thuật toán: giúp các bạn hình thành tư duy Logic</a:t>
+            </a:r>
+            <a:endParaRPr lang="vi-VN" b="1" dirty="0">
+              <a:latin typeface="Arial" panose="020B0604020202020204" pitchFamily="34" charset="0"/>
+              <a:cs typeface="Arial" panose="020B0604020202020204" pitchFamily="34" charset="0"/>
+            </a:endParaRPr>
+          </a:p>
+        </p:txBody>
+      </p:sp>
+      <p:pic>
+        <p:nvPicPr>
+          <p:cNvPr id="12" name="Picture 11"/>
+          <p:cNvPicPr>
+            <a:picLocks noChangeAspect="1"/>
+          </p:cNvPicPr>
+          <p:nvPr/>
+        </p:nvPicPr>
+        <p:blipFill>
+          <a:blip r:embed="rId3">
+            <a:extLst>
+              <a:ext uri="{28A0092B-C50C-407E-A947-70E740481C1C}">
+                <a14:useLocalDpi xmlns:a14="http://schemas.microsoft.com/office/drawing/2010/main" val="0"/>
+              </a:ext>
+            </a:extLst>
+          </a:blip>
+          <a:stretch>
+            <a:fillRect/>
+          </a:stretch>
+        </p:blipFill>
+        <p:spPr>
+          <a:xfrm rot="21276999">
+            <a:off x="346806" y="4852951"/>
+            <a:ext cx="765616" cy="671867"/>
+          </a:xfrm>
+          <a:prstGeom prst="rect">
+            <a:avLst/>
+          </a:prstGeom>
+        </p:spPr>
+      </p:pic>
+    </p:spTree>
+    <p:extLst>
+      <p:ext uri="{BB962C8B-B14F-4D97-AF65-F5344CB8AC3E}">
+        <p14:creationId xmlns:p14="http://schemas.microsoft.com/office/powerpoint/2010/main" val="867177586"/>
+      </p:ext>
+    </p:extLst>
+  </p:cSld>
+  <p:clrMapOvr>
+    <a:masterClrMapping/>
+  </p:clrMapOvr>
+</p:sld>
+</file>
+
+<file path=ppt/slides/slide8.xml><?xml version="1.0" encoding="utf-8"?>
+<p:sld xmlns:a="http://schemas.openxmlformats.org/drawingml/2006/main" xmlns:r="http://schemas.openxmlformats.org/officeDocument/2006/relationships" xmlns:p="http://schemas.openxmlformats.org/presentationml/2006/main">
+  <p:cSld>
+    <p:spTree>
+      <p:nvGrpSpPr>
+        <p:cNvPr id="1" name=""/>
+        <p:cNvGrpSpPr/>
+        <p:nvPr/>
+      </p:nvGrpSpPr>
+      <p:grpSpPr>
+        <a:xfrm>
+          <a:off x="0" y="0"/>
+          <a:ext cx="0" cy="0"/>
+          <a:chOff x="0" y="0"/>
+          <a:chExt cx="0" cy="0"/>
+        </a:xfrm>
+      </p:grpSpPr>
+      <p:sp>
+        <p:nvSpPr>
+          <p:cNvPr id="2" name="Slide Number Placeholder 1"/>
+          <p:cNvSpPr>
+            <a:spLocks noGrp="1"/>
+          </p:cNvSpPr>
+          <p:nvPr>
+            <p:ph type="sldNum" sz="quarter" idx="12"/>
+          </p:nvPr>
+        </p:nvSpPr>
+        <p:spPr/>
+        <p:txBody>
+          <a:bodyPr/>
+          <a:lstStyle/>
+          <a:p>
+            <a:fld id="{7D9EC917-02A2-4152-9EE3-DFE2775A77C7}" type="slidenum">
+              <a:rPr lang="en-US" smtClean="0"/>
+              <a:pPr/>
+              <a:t>8</a:t>
+            </a:fld>
+            <a:endParaRPr lang="en-US"/>
+          </a:p>
+        </p:txBody>
+      </p:sp>
+      <p:sp>
+        <p:nvSpPr>
+          <p:cNvPr id="3" name="Rectangle 2"/>
+          <p:cNvSpPr/>
+          <p:nvPr/>
+        </p:nvSpPr>
+        <p:spPr>
+          <a:xfrm>
+            <a:off x="301925" y="1051379"/>
+            <a:ext cx="8454964" cy="27432"/>
+          </a:xfrm>
+          <a:prstGeom prst="rect">
+            <a:avLst/>
+          </a:prstGeom>
+          <a:gradFill flip="none" rotWithShape="1">
+            <a:gsLst>
+              <a:gs pos="15000">
+                <a:srgbClr val="67C7DF"/>
+              </a:gs>
+              <a:gs pos="100000">
+                <a:srgbClr val="5EB130"/>
+              </a:gs>
+            </a:gsLst>
+            <a:lin ang="0" scaled="1"/>
+            <a:tileRect/>
+          </a:gradFill>
+          <a:ln>
+            <a:noFill/>
+          </a:ln>
+        </p:spPr>
+        <p:style>
+          <a:lnRef idx="2">
+            <a:schemeClr val="accent1">
+              <a:shade val="50000"/>
+            </a:schemeClr>
+          </a:lnRef>
+          <a:fillRef idx="1">
+            <a:schemeClr val="accent1"/>
+          </a:fillRef>
+          <a:effectRef idx="0">
+            <a:schemeClr val="accent1"/>
+          </a:effectRef>
+          <a:fontRef idx="minor">
+            <a:schemeClr val="lt1"/>
+          </a:fontRef>
+        </p:style>
+        <p:txBody>
+          <a:bodyPr rtlCol="0" anchor="ctr"/>
+          <a:lstStyle/>
+          <a:p>
+            <a:pPr algn="ctr"/>
+            <a:endParaRPr lang="en-US"/>
+          </a:p>
+        </p:txBody>
+      </p:sp>
+      <p:sp>
+        <p:nvSpPr>
+          <p:cNvPr id="4" name="TextBox 3"/>
+          <p:cNvSpPr txBox="1"/>
+          <p:nvPr/>
+        </p:nvSpPr>
+        <p:spPr>
+          <a:xfrm>
+            <a:off x="248815" y="546584"/>
+            <a:ext cx="7670233" cy="461665"/>
+          </a:xfrm>
+          <a:prstGeom prst="rect">
+            <a:avLst/>
+          </a:prstGeom>
+          <a:noFill/>
+        </p:spPr>
+        <p:txBody>
+          <a:bodyPr wrap="square" rtlCol="0">
+            <a:spAutoFit/>
+          </a:bodyPr>
+          <a:lstStyle/>
+          <a:p>
+            <a:r>
+              <a:rPr lang="en-US" sz="2400" b="1" dirty="0" smtClean="0">
+                <a:solidFill>
+                  <a:srgbClr val="64C7E9"/>
+                </a:solidFill>
+                <a:latin typeface="UTM Helve" panose="02040603050506020204" pitchFamily="18" charset="0"/>
+                <a:ea typeface="Roboto" pitchFamily="2" charset="0"/>
+              </a:rPr>
+              <a:t>4.3 Lựa chọn </a:t>
+            </a:r>
+            <a:r>
+              <a:rPr lang="en-US" sz="2400" b="1" dirty="0" smtClean="0">
+                <a:solidFill>
+                  <a:srgbClr val="64C7E9"/>
+                </a:solidFill>
+                <a:latin typeface="UTM Helve" panose="02040603050506020204" pitchFamily="18" charset="0"/>
+                <a:ea typeface="Roboto" pitchFamily="2" charset="0"/>
+              </a:rPr>
+              <a:t>và micro:bit</a:t>
+            </a:r>
+            <a:endParaRPr lang="en-US" sz="2400" b="1" dirty="0">
+              <a:solidFill>
+                <a:srgbClr val="64C7E9"/>
+              </a:solidFill>
+              <a:latin typeface="UTM Helve" panose="02040603050506020204" pitchFamily="18" charset="0"/>
+              <a:ea typeface="Roboto" pitchFamily="2" charset="0"/>
+            </a:endParaRPr>
+          </a:p>
+        </p:txBody>
+      </p:sp>
+      <p:pic>
+        <p:nvPicPr>
+          <p:cNvPr id="5" name="Google Shape;123;p18">
+            <a:hlinkClick r:id="rId2"/>
+          </p:cNvPr>
+          <p:cNvPicPr preferRelativeResize="0"/>
+          <p:nvPr/>
+        </p:nvPicPr>
+        <p:blipFill>
+          <a:blip r:embed="rId3">
+            <a:alphaModFix/>
+          </a:blip>
+          <a:stretch>
+            <a:fillRect/>
+          </a:stretch>
+        </p:blipFill>
+        <p:spPr>
+          <a:xfrm>
+            <a:off x="1781319" y="2554288"/>
+            <a:ext cx="5581363" cy="3502941"/>
+          </a:xfrm>
+          <a:prstGeom prst="rect">
+            <a:avLst/>
+          </a:prstGeom>
+          <a:noFill/>
+          <a:ln>
+            <a:noFill/>
+          </a:ln>
+        </p:spPr>
+      </p:pic>
+      <p:grpSp>
+        <p:nvGrpSpPr>
+          <p:cNvPr id="8" name="Group 7"/>
+          <p:cNvGrpSpPr/>
+          <p:nvPr/>
+        </p:nvGrpSpPr>
+        <p:grpSpPr>
+          <a:xfrm>
+            <a:off x="2097208" y="1506336"/>
+            <a:ext cx="4949585" cy="479303"/>
+            <a:chOff x="1862695" y="1506336"/>
+            <a:chExt cx="4949585" cy="479303"/>
+          </a:xfrm>
+        </p:grpSpPr>
+        <p:sp>
+          <p:nvSpPr>
+            <p:cNvPr id="6" name="TextBox 5"/>
+            <p:cNvSpPr txBox="1"/>
+            <p:nvPr/>
+          </p:nvSpPr>
+          <p:spPr>
+            <a:xfrm>
+              <a:off x="2329420" y="1506336"/>
+              <a:ext cx="4482860" cy="461665"/>
+            </a:xfrm>
+            <a:prstGeom prst="rect">
+              <a:avLst/>
+            </a:prstGeom>
+            <a:noFill/>
+          </p:spPr>
+          <p:txBody>
+            <a:bodyPr wrap="square" rtlCol="0">
+              <a:spAutoFit/>
+            </a:bodyPr>
+            <a:lstStyle/>
+            <a:p>
+              <a:r>
+                <a:rPr lang="en-US" sz="2400" b="1" dirty="0" smtClean="0">
+                  <a:solidFill>
+                    <a:schemeClr val="tx1">
+                      <a:lumMod val="85000"/>
+                      <a:lumOff val="15000"/>
+                    </a:schemeClr>
+                  </a:solidFill>
+                  <a:latin typeface="UTM Helve" panose="02040603050506020204" pitchFamily="18" charset="0"/>
+                  <a:ea typeface="Roboto" pitchFamily="2" charset="0"/>
+                </a:rPr>
+                <a:t>Chương trình Smile Status</a:t>
+              </a:r>
+              <a:endParaRPr lang="en-US" sz="2400" b="1" dirty="0">
+                <a:solidFill>
+                  <a:schemeClr val="tx1">
+                    <a:lumMod val="85000"/>
+                    <a:lumOff val="15000"/>
+                  </a:schemeClr>
+                </a:solidFill>
+                <a:latin typeface="UTM Helve" panose="02040603050506020204" pitchFamily="18" charset="0"/>
+                <a:ea typeface="Roboto" pitchFamily="2" charset="0"/>
+              </a:endParaRPr>
+            </a:p>
+          </p:txBody>
+        </p:sp>
+        <p:pic>
+          <p:nvPicPr>
+            <p:cNvPr id="7" name="Picture 6"/>
+            <p:cNvPicPr>
+              <a:picLocks noChangeAspect="1"/>
+            </p:cNvPicPr>
+            <p:nvPr/>
+          </p:nvPicPr>
+          <p:blipFill>
+            <a:blip r:embed="rId4">
+              <a:extLst>
+                <a:ext uri="{28A0092B-C50C-407E-A947-70E740481C1C}">
+                  <a14:useLocalDpi xmlns:a14="http://schemas.microsoft.com/office/drawing/2010/main" val="0"/>
+                </a:ext>
+              </a:extLst>
+            </a:blip>
+            <a:stretch>
+              <a:fillRect/>
+            </a:stretch>
+          </p:blipFill>
+          <p:spPr>
+            <a:xfrm>
+              <a:off x="1862695" y="1576064"/>
+              <a:ext cx="466725" cy="409575"/>
+            </a:xfrm>
+            <a:prstGeom prst="rect">
+              <a:avLst/>
+            </a:prstGeom>
+          </p:spPr>
+        </p:pic>
+      </p:grpSp>
+    </p:spTree>
+    <p:extLst>
+      <p:ext uri="{BB962C8B-B14F-4D97-AF65-F5344CB8AC3E}">
+        <p14:creationId xmlns:p14="http://schemas.microsoft.com/office/powerpoint/2010/main" val="1750928691"/>
+      </p:ext>
+    </p:extLst>
+  </p:cSld>
+  <p:clrMapOvr>
+    <a:masterClrMapping/>
+  </p:clrMapOvr>
+</p:sld>
+</file>
+
+<file path=ppt/slides/slide9.xml><?xml version="1.0" encoding="utf-8"?>
+<p:sld xmlns:a="http://schemas.openxmlformats.org/drawingml/2006/main" xmlns:r="http://schemas.openxmlformats.org/officeDocument/2006/relationships" xmlns:p="http://schemas.openxmlformats.org/presentationml/2006/main">
+  <p:cSld>
+    <p:spTree>
+      <p:nvGrpSpPr>
+        <p:cNvPr id="1" name=""/>
+        <p:cNvGrpSpPr/>
+        <p:nvPr/>
+      </p:nvGrpSpPr>
+      <p:grpSpPr>
+        <a:xfrm>
+          <a:off x="0" y="0"/>
+          <a:ext cx="0" cy="0"/>
+          <a:chOff x="0" y="0"/>
+          <a:chExt cx="0" cy="0"/>
+        </a:xfrm>
+      </p:grpSpPr>
+      <p:sp>
+        <p:nvSpPr>
+          <p:cNvPr id="2" name="Slide Number Placeholder 1"/>
+          <p:cNvSpPr>
+            <a:spLocks noGrp="1"/>
+          </p:cNvSpPr>
+          <p:nvPr>
+            <p:ph type="sldNum" sz="quarter" idx="12"/>
+          </p:nvPr>
+        </p:nvSpPr>
+        <p:spPr/>
+        <p:txBody>
+          <a:bodyPr/>
+          <a:lstStyle/>
+          <a:p>
+            <a:fld id="{7D9EC917-02A2-4152-9EE3-DFE2775A77C7}" type="slidenum">
+              <a:rPr lang="en-US" smtClean="0"/>
+              <a:pPr/>
+              <a:t>9</a:t>
+            </a:fld>
+            <a:endParaRPr lang="en-US"/>
+          </a:p>
+        </p:txBody>
+      </p:sp>
+      <p:pic>
+        <p:nvPicPr>
+          <p:cNvPr id="3" name="Google Shape;123;p18">
+            <a:hlinkClick r:id="rId2"/>
+          </p:cNvPr>
+          <p:cNvPicPr preferRelativeResize="0"/>
+          <p:nvPr/>
+        </p:nvPicPr>
+        <p:blipFill rotWithShape="1">
+          <a:blip r:embed="rId3">
+            <a:alphaModFix/>
+          </a:blip>
+          <a:srcRect r="51659"/>
+          <a:stretch/>
+        </p:blipFill>
+        <p:spPr>
+          <a:xfrm>
+            <a:off x="5909162" y="748349"/>
+            <a:ext cx="1816440" cy="2358275"/>
+          </a:xfrm>
+          <a:prstGeom prst="rect">
+            <a:avLst/>
+          </a:prstGeom>
+          <a:noFill/>
+          <a:ln>
+            <a:noFill/>
+          </a:ln>
+        </p:spPr>
+      </p:pic>
+      <p:pic>
+        <p:nvPicPr>
+          <p:cNvPr id="4" name="Google Shape;123;p18">
+            <a:hlinkClick r:id="rId2"/>
+          </p:cNvPr>
+          <p:cNvPicPr preferRelativeResize="0"/>
+          <p:nvPr/>
+        </p:nvPicPr>
+        <p:blipFill rotWithShape="1">
+          <a:blip r:embed="rId3">
+            <a:alphaModFix/>
+          </a:blip>
+          <a:srcRect l="57987"/>
+          <a:stretch/>
+        </p:blipFill>
+        <p:spPr>
+          <a:xfrm>
+            <a:off x="5825378" y="3291842"/>
+            <a:ext cx="1900224" cy="2628898"/>
+          </a:xfrm>
+          <a:prstGeom prst="rect">
+            <a:avLst/>
+          </a:prstGeom>
+          <a:noFill/>
+          <a:ln>
+            <a:noFill/>
+          </a:ln>
+        </p:spPr>
+      </p:pic>
+      <p:sp>
+        <p:nvSpPr>
+          <p:cNvPr id="5" name="TextBox 4"/>
+          <p:cNvSpPr txBox="1"/>
+          <p:nvPr/>
+        </p:nvSpPr>
+        <p:spPr>
+          <a:xfrm>
+            <a:off x="571500" y="656243"/>
+            <a:ext cx="4709160" cy="461665"/>
+          </a:xfrm>
+          <a:prstGeom prst="rect">
+            <a:avLst/>
+          </a:prstGeom>
+          <a:noFill/>
+        </p:spPr>
+        <p:txBody>
+          <a:bodyPr wrap="square" rtlCol="0">
+            <a:spAutoFit/>
+          </a:bodyPr>
+          <a:lstStyle/>
+          <a:p>
+            <a:r>
+              <a:rPr lang="en-US" sz="2400" b="1" dirty="0">
+                <a:solidFill>
+                  <a:srgbClr val="64C7E9"/>
+                </a:solidFill>
+                <a:latin typeface="UTM Helve" panose="02040603050506020204" pitchFamily="18" charset="0"/>
+                <a:ea typeface="Roboto" pitchFamily="2" charset="0"/>
+              </a:rPr>
+              <a:t>4.3 Lựa chọn và micro:bit</a:t>
+            </a:r>
+            <a:endParaRPr lang="en-US" sz="2400" b="1" dirty="0">
+              <a:solidFill>
+                <a:srgbClr val="64C7E9"/>
+              </a:solidFill>
+              <a:latin typeface="UTM Helve" panose="02040603050506020204" pitchFamily="18" charset="0"/>
+              <a:ea typeface="Roboto" pitchFamily="2" charset="0"/>
+            </a:endParaRPr>
+          </a:p>
+        </p:txBody>
+      </p:sp>
+      <p:sp>
+        <p:nvSpPr>
+          <p:cNvPr id="6" name="Oval 5"/>
+          <p:cNvSpPr/>
+          <p:nvPr/>
+        </p:nvSpPr>
+        <p:spPr>
+          <a:xfrm>
+            <a:off x="571500" y="2852588"/>
+            <a:ext cx="457200" cy="457200"/>
+          </a:xfrm>
+          <a:prstGeom prst="ellipse">
+            <a:avLst/>
+          </a:prstGeom>
+          <a:gradFill flip="none" rotWithShape="1">
+            <a:gsLst>
+              <a:gs pos="15000">
+                <a:srgbClr val="67C7DF"/>
+              </a:gs>
+              <a:gs pos="100000">
+                <a:srgbClr val="5EB130"/>
+              </a:gs>
+            </a:gsLst>
+            <a:lin ang="0" scaled="1"/>
+            <a:tileRect/>
+          </a:gradFill>
+          <a:ln>
+            <a:noFill/>
+          </a:ln>
+        </p:spPr>
+        <p:style>
+          <a:lnRef idx="2">
+            <a:schemeClr val="accent1">
+              <a:shade val="50000"/>
+            </a:schemeClr>
+          </a:lnRef>
+          <a:fillRef idx="1">
+            <a:schemeClr val="accent1"/>
+          </a:fillRef>
+          <a:effectRef idx="0">
+            <a:schemeClr val="accent1"/>
+          </a:effectRef>
+          <a:fontRef idx="minor">
+            <a:schemeClr val="lt1"/>
+          </a:fontRef>
+        </p:style>
+        <p:txBody>
+          <a:bodyPr rtlCol="0" anchor="ctr"/>
+          <a:lstStyle/>
+          <a:p>
+            <a:pPr algn="ctr"/>
+            <a:r>
+              <a:rPr lang="en-US" b="1" dirty="0">
+                <a:latin typeface="UTM Helve" panose="02040603050506020204" pitchFamily="18" charset="0"/>
+              </a:rPr>
+              <a:t>2</a:t>
+            </a:r>
+            <a:endParaRPr lang="en-US" b="1" dirty="0">
+              <a:latin typeface="UTM Helve" panose="02040603050506020204" pitchFamily="18" charset="0"/>
+            </a:endParaRPr>
+          </a:p>
+        </p:txBody>
+      </p:sp>
+      <p:sp>
+        <p:nvSpPr>
+          <p:cNvPr id="7" name="TextBox 6"/>
+          <p:cNvSpPr txBox="1"/>
+          <p:nvPr/>
+        </p:nvSpPr>
+        <p:spPr>
+          <a:xfrm>
+            <a:off x="1188720" y="2795438"/>
+            <a:ext cx="4183380" cy="707886"/>
+          </a:xfrm>
+          <a:prstGeom prst="rect">
+            <a:avLst/>
+          </a:prstGeom>
+          <a:noFill/>
+        </p:spPr>
+        <p:txBody>
+          <a:bodyPr wrap="square" rtlCol="0">
+            <a:spAutoFit/>
+          </a:bodyPr>
+          <a:lstStyle/>
+          <a:p>
+            <a:r>
+              <a:rPr lang="vi-VN" sz="2000" b="1" dirty="0">
+                <a:solidFill>
+                  <a:srgbClr val="FF0000"/>
+                </a:solidFill>
+                <a:latin typeface="Arial" panose="020B0604020202020204" pitchFamily="34" charset="0"/>
+                <a:cs typeface="Arial" panose="020B0604020202020204" pitchFamily="34" charset="0"/>
+              </a:rPr>
+              <a:t>Điều kiện</a:t>
+            </a:r>
+            <a:r>
+              <a:rPr lang="vi-VN" sz="2000" b="1" dirty="0">
+                <a:latin typeface="Arial" panose="020B0604020202020204" pitchFamily="34" charset="0"/>
+                <a:cs typeface="Arial" panose="020B0604020202020204" pitchFamily="34" charset="0"/>
+              </a:rPr>
+              <a:t> gì cần phải được đáp ứng </a:t>
+            </a:r>
+            <a:r>
+              <a:rPr lang="en-US" sz="2000" b="1" dirty="0" smtClean="0">
+                <a:latin typeface="Arial" panose="020B0604020202020204" pitchFamily="34" charset="0"/>
+                <a:cs typeface="Arial" panose="020B0604020202020204" pitchFamily="34" charset="0"/>
+              </a:rPr>
+              <a:t>để hiển thị mặt cười</a:t>
+            </a:r>
+            <a:endParaRPr lang="vi-VN" sz="2000" b="1" dirty="0">
+              <a:latin typeface="Arial" panose="020B0604020202020204" pitchFamily="34" charset="0"/>
+              <a:cs typeface="Arial" panose="020B0604020202020204" pitchFamily="34" charset="0"/>
+            </a:endParaRPr>
+          </a:p>
+        </p:txBody>
+      </p:sp>
+      <p:sp>
+        <p:nvSpPr>
+          <p:cNvPr id="8" name="Oval 7"/>
+          <p:cNvSpPr/>
+          <p:nvPr/>
+        </p:nvSpPr>
+        <p:spPr>
+          <a:xfrm>
+            <a:off x="571500" y="4069913"/>
+            <a:ext cx="457200" cy="457200"/>
+          </a:xfrm>
+          <a:prstGeom prst="ellipse">
+            <a:avLst/>
+          </a:prstGeom>
+          <a:gradFill flip="none" rotWithShape="1">
+            <a:gsLst>
+              <a:gs pos="15000">
+                <a:srgbClr val="67C7DF"/>
+              </a:gs>
+              <a:gs pos="100000">
+                <a:srgbClr val="5EB130"/>
+              </a:gs>
+            </a:gsLst>
+            <a:lin ang="0" scaled="1"/>
+            <a:tileRect/>
+          </a:gradFill>
+          <a:ln>
+            <a:noFill/>
+          </a:ln>
+        </p:spPr>
+        <p:style>
+          <a:lnRef idx="2">
+            <a:schemeClr val="accent1">
+              <a:shade val="50000"/>
+            </a:schemeClr>
+          </a:lnRef>
+          <a:fillRef idx="1">
+            <a:schemeClr val="accent1"/>
+          </a:fillRef>
+          <a:effectRef idx="0">
+            <a:schemeClr val="accent1"/>
+          </a:effectRef>
+          <a:fontRef idx="minor">
+            <a:schemeClr val="lt1"/>
+          </a:fontRef>
+        </p:style>
+        <p:txBody>
+          <a:bodyPr rtlCol="0" anchor="ctr"/>
+          <a:lstStyle/>
+          <a:p>
+            <a:pPr algn="ctr"/>
+            <a:r>
+              <a:rPr lang="en-US" b="1" dirty="0" smtClean="0">
+                <a:latin typeface="UTM Helve" panose="02040603050506020204" pitchFamily="18" charset="0"/>
+              </a:rPr>
+              <a:t>3</a:t>
+            </a:r>
+            <a:endParaRPr lang="en-US" b="1" dirty="0">
+              <a:latin typeface="UTM Helve" panose="02040603050506020204" pitchFamily="18" charset="0"/>
+            </a:endParaRPr>
+          </a:p>
+        </p:txBody>
+      </p:sp>
+      <p:sp>
+        <p:nvSpPr>
+          <p:cNvPr id="9" name="TextBox 8"/>
+          <p:cNvSpPr txBox="1"/>
+          <p:nvPr/>
+        </p:nvSpPr>
+        <p:spPr>
+          <a:xfrm>
+            <a:off x="1188720" y="4012762"/>
+            <a:ext cx="4183380" cy="707886"/>
+          </a:xfrm>
+          <a:prstGeom prst="rect">
+            <a:avLst/>
+          </a:prstGeom>
+          <a:noFill/>
+        </p:spPr>
+        <p:txBody>
+          <a:bodyPr wrap="square" rtlCol="0">
+            <a:spAutoFit/>
+          </a:bodyPr>
+          <a:lstStyle/>
+          <a:p>
+            <a:r>
+              <a:rPr lang="vi-VN" sz="2000" b="1" dirty="0"/>
+              <a:t>Đầu ra là gì khi điều kiện không được đáp ứng?</a:t>
+            </a:r>
+          </a:p>
+        </p:txBody>
+      </p:sp>
+      <p:sp>
+        <p:nvSpPr>
+          <p:cNvPr id="14" name="Oval 13"/>
+          <p:cNvSpPr/>
+          <p:nvPr/>
+        </p:nvSpPr>
+        <p:spPr>
+          <a:xfrm>
+            <a:off x="571500" y="1657350"/>
+            <a:ext cx="457200" cy="457200"/>
+          </a:xfrm>
+          <a:prstGeom prst="ellipse">
+            <a:avLst/>
+          </a:prstGeom>
+          <a:gradFill flip="none" rotWithShape="1">
+            <a:gsLst>
+              <a:gs pos="15000">
+                <a:srgbClr val="67C7DF"/>
+              </a:gs>
+              <a:gs pos="100000">
+                <a:srgbClr val="5EB130"/>
+              </a:gs>
+            </a:gsLst>
+            <a:lin ang="0" scaled="1"/>
+            <a:tileRect/>
+          </a:gradFill>
+          <a:ln>
+            <a:noFill/>
+          </a:ln>
+        </p:spPr>
+        <p:style>
+          <a:lnRef idx="2">
+            <a:schemeClr val="accent1">
+              <a:shade val="50000"/>
+            </a:schemeClr>
+          </a:lnRef>
+          <a:fillRef idx="1">
+            <a:schemeClr val="accent1"/>
+          </a:fillRef>
+          <a:effectRef idx="0">
+            <a:schemeClr val="accent1"/>
+          </a:effectRef>
+          <a:fontRef idx="minor">
+            <a:schemeClr val="lt1"/>
+          </a:fontRef>
+        </p:style>
+        <p:txBody>
+          <a:bodyPr rtlCol="0" anchor="ctr"/>
+          <a:lstStyle/>
+          <a:p>
+            <a:pPr algn="ctr"/>
+            <a:r>
+              <a:rPr lang="en-US" b="1" dirty="0">
+                <a:latin typeface="UTM Helve" panose="02040603050506020204" pitchFamily="18" charset="0"/>
+              </a:rPr>
+              <a:t>1</a:t>
+            </a:r>
+            <a:endParaRPr lang="en-US" b="1" dirty="0">
+              <a:latin typeface="UTM Helve" panose="02040603050506020204" pitchFamily="18" charset="0"/>
+            </a:endParaRPr>
+          </a:p>
+        </p:txBody>
+      </p:sp>
+      <p:sp>
+        <p:nvSpPr>
+          <p:cNvPr id="15" name="TextBox 14"/>
+          <p:cNvSpPr txBox="1"/>
+          <p:nvPr/>
+        </p:nvSpPr>
+        <p:spPr>
+          <a:xfrm>
+            <a:off x="1188720" y="1600200"/>
+            <a:ext cx="4091940" cy="400110"/>
+          </a:xfrm>
+          <a:prstGeom prst="rect">
+            <a:avLst/>
+          </a:prstGeom>
+          <a:noFill/>
+        </p:spPr>
+        <p:txBody>
+          <a:bodyPr wrap="square" rtlCol="0">
+            <a:spAutoFit/>
+          </a:bodyPr>
+          <a:lstStyle/>
+          <a:p>
+            <a:r>
+              <a:rPr lang="en-US" sz="2000" b="1" dirty="0" smtClean="0">
+                <a:solidFill>
+                  <a:srgbClr val="FF0000"/>
+                </a:solidFill>
+                <a:latin typeface="Arial" panose="020B0604020202020204" pitchFamily="34" charset="0"/>
+                <a:cs typeface="Arial" panose="020B0604020202020204" pitchFamily="34" charset="0"/>
+              </a:rPr>
+              <a:t>Lựa chọn </a:t>
+            </a:r>
+            <a:r>
+              <a:rPr lang="en-US" sz="2000" b="1" dirty="0" smtClean="0">
+                <a:latin typeface="Arial" panose="020B0604020202020204" pitchFamily="34" charset="0"/>
+                <a:cs typeface="Arial" panose="020B0604020202020204" pitchFamily="34" charset="0"/>
+              </a:rPr>
+              <a:t>trong ví dụ này là gì </a:t>
+            </a:r>
+            <a:r>
+              <a:rPr lang="vi-VN" sz="2000" b="1" dirty="0" smtClean="0">
+                <a:latin typeface="Arial" panose="020B0604020202020204" pitchFamily="34" charset="0"/>
+                <a:cs typeface="Arial" panose="020B0604020202020204" pitchFamily="34" charset="0"/>
+              </a:rPr>
+              <a:t>?</a:t>
+            </a:r>
+            <a:endParaRPr lang="vi-VN" sz="2000" b="1" dirty="0">
+              <a:latin typeface="Arial" panose="020B0604020202020204" pitchFamily="34" charset="0"/>
+              <a:cs typeface="Arial" panose="020B0604020202020204" pitchFamily="34" charset="0"/>
+            </a:endParaRPr>
+          </a:p>
+        </p:txBody>
+      </p:sp>
+    </p:spTree>
+    <p:extLst>
+      <p:ext uri="{BB962C8B-B14F-4D97-AF65-F5344CB8AC3E}">
+        <p14:creationId xmlns:p14="http://schemas.microsoft.com/office/powerpoint/2010/main" val="1766665436"/>
       </p:ext>
     </p:extLst>
   </p:cSld>

--- a/Lessions/Bai-04-Conditions-and-Logic/4.Conditional-and-Boolean.pptx
+++ b/Lessions/Bai-04-Conditions-and-Logic/4.Conditional-and-Boolean.pptx
@@ -211,7 +211,7 @@
           <a:p>
             <a:fld id="{E1BDF935-9821-4834-9D99-7DEFA719F44D}" type="datetimeFigureOut">
               <a:rPr lang="en-US" smtClean="0"/>
-              <a:t>4/26/2023</a:t>
+              <a:t>5/6/2023</a:t>
             </a:fld>
             <a:endParaRPr lang="en-US"/>
           </a:p>
@@ -2312,13 +2312,6 @@
               </a:rPr>
               <a:t>4.3 Lựa chọn và micro:bit</a:t>
             </a:r>
-            <a:endParaRPr lang="en-US" sz="2400" b="1" dirty="0">
-              <a:solidFill>
-                <a:srgbClr val="64C7E9"/>
-              </a:solidFill>
-              <a:latin typeface="UTM Helve" panose="02040603050506020204" pitchFamily="18" charset="0"/>
-              <a:ea typeface="Roboto" pitchFamily="2" charset="0"/>
-            </a:endParaRPr>
           </a:p>
         </p:txBody>
       </p:sp>
@@ -3429,7 +3422,7 @@
         <p:spPr>
           <a:xfrm>
             <a:off x="980634" y="1514491"/>
-            <a:ext cx="4037136" cy="4246229"/>
+            <a:ext cx="4037136" cy="4886309"/>
           </a:xfrm>
           <a:prstGeom prst="roundRect">
             <a:avLst>
@@ -3524,7 +3517,7 @@
         <p:spPr>
           <a:xfrm>
             <a:off x="1554480" y="1817370"/>
-            <a:ext cx="2960370" cy="646331"/>
+            <a:ext cx="2960370" cy="707886"/>
           </a:xfrm>
           <a:prstGeom prst="rect">
             <a:avLst/>
@@ -3538,7 +3531,7 @@
           <a:lstStyle/>
           <a:p>
             <a:r>
-              <a:rPr lang="en-US" b="1" dirty="0" smtClean="0">
+              <a:rPr lang="en-US" sz="2000" dirty="0" smtClean="0">
                 <a:solidFill>
                   <a:srgbClr val="FF0000"/>
                 </a:solidFill>
@@ -3548,13 +3541,13 @@
               <a:t>Button A</a:t>
             </a:r>
             <a:r>
-              <a:rPr lang="en-US" b="1" dirty="0" smtClean="0">
+              <a:rPr lang="en-US" sz="2000" dirty="0" smtClean="0">
                 <a:latin typeface="Arial" panose="020B0604020202020204" pitchFamily="34" charset="0"/>
                 <a:cs typeface="Arial" panose="020B0604020202020204" pitchFamily="34" charset="0"/>
               </a:rPr>
               <a:t> là một trong số Inputs của micro:bit</a:t>
             </a:r>
-            <a:endParaRPr lang="vi-VN" b="1" dirty="0">
+            <a:endParaRPr lang="vi-VN" sz="2000" dirty="0">
               <a:latin typeface="Arial" panose="020B0604020202020204" pitchFamily="34" charset="0"/>
               <a:cs typeface="Arial" panose="020B0604020202020204" pitchFamily="34" charset="0"/>
             </a:endParaRPr>
@@ -3616,7 +3609,7 @@
         <p:spPr>
           <a:xfrm>
             <a:off x="1554480" y="2611755"/>
-            <a:ext cx="2960370" cy="1200329"/>
+            <a:ext cx="2960370" cy="1631216"/>
           </a:xfrm>
           <a:prstGeom prst="rect">
             <a:avLst/>
@@ -3630,13 +3623,13 @@
           <a:lstStyle/>
           <a:p>
             <a:r>
-              <a:rPr lang="en-US" b="1" dirty="0" smtClean="0">
+              <a:rPr lang="en-US" sz="2000" dirty="0" smtClean="0">
                 <a:latin typeface="Arial" panose="020B0604020202020204" pitchFamily="34" charset="0"/>
                 <a:cs typeface="Arial" panose="020B0604020202020204" pitchFamily="34" charset="0"/>
               </a:rPr>
               <a:t>Tự tạo thêm nhiều chương trình bằng cách inputs khác nhau để điểu khiển micro:bit của bạn</a:t>
             </a:r>
-            <a:endParaRPr lang="vi-VN" b="1" dirty="0">
+            <a:endParaRPr lang="vi-VN" sz="2000" dirty="0">
               <a:latin typeface="Arial" panose="020B0604020202020204" pitchFamily="34" charset="0"/>
               <a:cs typeface="Arial" panose="020B0604020202020204" pitchFamily="34" charset="0"/>
             </a:endParaRPr>
@@ -3651,7 +3644,7 @@
         </p:nvSpPr>
         <p:spPr>
           <a:xfrm>
-            <a:off x="1306220" y="4187849"/>
+            <a:off x="1306220" y="4598371"/>
             <a:ext cx="133960" cy="133960"/>
           </a:xfrm>
           <a:prstGeom prst="rect">
@@ -3697,8 +3690,8 @@
         </p:nvSpPr>
         <p:spPr>
           <a:xfrm>
-            <a:off x="1554480" y="4048369"/>
-            <a:ext cx="3120390" cy="1200329"/>
+            <a:off x="1554480" y="4458891"/>
+            <a:ext cx="3120390" cy="1323439"/>
           </a:xfrm>
           <a:prstGeom prst="rect">
             <a:avLst/>
@@ -3712,13 +3705,13 @@
           <a:lstStyle/>
           <a:p>
             <a:r>
-              <a:rPr lang="en-US" b="1" dirty="0" smtClean="0">
+              <a:rPr lang="en-US" sz="2000" dirty="0" smtClean="0">
                 <a:latin typeface="Arial" panose="020B0604020202020204" pitchFamily="34" charset="0"/>
                 <a:cs typeface="Arial" panose="020B0604020202020204" pitchFamily="34" charset="0"/>
               </a:rPr>
               <a:t>Với mỗi Inputs hãy dùng sơ đồ giải thuật và Led Panner để hiển thị những hình ảnh của bạn</a:t>
             </a:r>
-            <a:endParaRPr lang="vi-VN" b="1" dirty="0">
+            <a:endParaRPr lang="vi-VN" sz="2000" dirty="0">
               <a:latin typeface="Arial" panose="020B0604020202020204" pitchFamily="34" charset="0"/>
               <a:cs typeface="Arial" panose="020B0604020202020204" pitchFamily="34" charset="0"/>
             </a:endParaRPr>
@@ -4061,7 +4054,7 @@
         <p:spPr>
           <a:xfrm>
             <a:off x="778940" y="2266184"/>
-            <a:ext cx="4482860" cy="830997"/>
+            <a:ext cx="4482860" cy="707886"/>
           </a:xfrm>
           <a:prstGeom prst="rect">
             <a:avLst/>
@@ -4075,7 +4068,7 @@
           <a:lstStyle/>
           <a:p>
             <a:r>
-              <a:rPr lang="en-US" sz="2400" dirty="0" smtClean="0">
+              <a:rPr lang="en-US" sz="2000" dirty="0" smtClean="0">
                 <a:solidFill>
                   <a:schemeClr val="tx1">
                     <a:lumMod val="85000"/>
@@ -4085,9 +4078,34 @@
                 <a:latin typeface="UTM Helve" panose="02040603050506020204" pitchFamily="18" charset="0"/>
                 <a:ea typeface="Roboto" pitchFamily="2" charset="0"/>
               </a:rPr>
-              <a:t>Hiện thị các hình ảnh tương ứng với từng sự kiện Inputs</a:t>
-            </a:r>
-            <a:endParaRPr lang="en-US" sz="2400" dirty="0">
+              <a:t>Hiện thị </a:t>
+            </a:r>
+            <a:r>
+              <a:rPr lang="en-US" sz="2000" dirty="0" smtClean="0">
+                <a:solidFill>
+                  <a:schemeClr val="tx1">
+                    <a:lumMod val="85000"/>
+                    <a:lumOff val="15000"/>
+                  </a:schemeClr>
+                </a:solidFill>
+                <a:ea typeface="Roboto" pitchFamily="2" charset="0"/>
+              </a:rPr>
+              <a:t>các</a:t>
+            </a:r>
+            <a:r>
+              <a:rPr lang="en-US" sz="2000" dirty="0" smtClean="0">
+                <a:solidFill>
+                  <a:schemeClr val="tx1">
+                    <a:lumMod val="85000"/>
+                    <a:lumOff val="15000"/>
+                  </a:schemeClr>
+                </a:solidFill>
+                <a:latin typeface="UTM Helve" panose="02040603050506020204" pitchFamily="18" charset="0"/>
+                <a:ea typeface="Roboto" pitchFamily="2" charset="0"/>
+              </a:rPr>
+              <a:t> hình ảnh tương ứng với từng sự kiện Inputs</a:t>
+            </a:r>
+            <a:endParaRPr lang="en-US" sz="2000" dirty="0">
               <a:solidFill>
                 <a:schemeClr val="tx1">
                   <a:lumMod val="85000"/>
@@ -4338,7 +4356,7 @@
         <p:spPr>
           <a:xfrm>
             <a:off x="1236140" y="2163497"/>
-            <a:ext cx="6682908" cy="830997"/>
+            <a:ext cx="6682908" cy="707886"/>
           </a:xfrm>
           <a:prstGeom prst="rect">
             <a:avLst/>
@@ -4352,104 +4370,96 @@
           <a:lstStyle/>
           <a:p>
             <a:r>
-              <a:rPr lang="en-US" sz="2400" dirty="0" smtClean="0">
+              <a:rPr lang="en-US" sz="2000" dirty="0" smtClean="0">
                 <a:solidFill>
                   <a:schemeClr val="tx1">
                     <a:lumMod val="85000"/>
                     <a:lumOff val="15000"/>
                   </a:schemeClr>
                 </a:solidFill>
-                <a:latin typeface="UTM Helve" panose="02040603050506020204" pitchFamily="18" charset="0"/>
                 <a:ea typeface="Roboto" pitchFamily="2" charset="0"/>
               </a:rPr>
               <a:t>Sử dụng mẫu </a:t>
             </a:r>
             <a:r>
-              <a:rPr lang="en-US" sz="2400" dirty="0">
+              <a:rPr lang="en-US" sz="2000" dirty="0">
                 <a:solidFill>
                   <a:schemeClr val="tx1">
                     <a:lumMod val="85000"/>
                     <a:lumOff val="15000"/>
                   </a:schemeClr>
                 </a:solidFill>
-                <a:latin typeface="UTM Helve" panose="02040603050506020204" pitchFamily="18" charset="0"/>
                 <a:ea typeface="Roboto" pitchFamily="2" charset="0"/>
               </a:rPr>
               <a:t>in </a:t>
             </a:r>
             <a:r>
-              <a:rPr lang="en-US" sz="2400" b="1" dirty="0">
+              <a:rPr lang="en-US" sz="2000" b="1" dirty="0">
                 <a:solidFill>
                   <a:schemeClr val="tx1">
                     <a:lumMod val="85000"/>
                     <a:lumOff val="15000"/>
                   </a:schemeClr>
                 </a:solidFill>
-                <a:latin typeface="UTM Helve" panose="02040603050506020204" pitchFamily="18" charset="0"/>
                 <a:ea typeface="Roboto" pitchFamily="2" charset="0"/>
               </a:rPr>
               <a:t>Algorithm Planning </a:t>
             </a:r>
             <a:r>
-              <a:rPr lang="en-US" sz="2400" b="1" dirty="0" smtClean="0">
+              <a:rPr lang="en-US" sz="2000" b="1" dirty="0" smtClean="0">
                 <a:solidFill>
                   <a:schemeClr val="tx1">
                     <a:lumMod val="85000"/>
                     <a:lumOff val="15000"/>
                   </a:schemeClr>
                 </a:solidFill>
-                <a:latin typeface="UTM Helve" panose="02040603050506020204" pitchFamily="18" charset="0"/>
                 <a:ea typeface="Roboto" pitchFamily="2" charset="0"/>
               </a:rPr>
               <a:t>Sheet</a:t>
             </a:r>
             <a:r>
-              <a:rPr lang="en-US" sz="2400" dirty="0" smtClean="0">
+              <a:rPr lang="en-US" sz="2000" dirty="0" smtClean="0">
                 <a:solidFill>
                   <a:schemeClr val="tx1">
                     <a:lumMod val="85000"/>
                     <a:lumOff val="15000"/>
                   </a:schemeClr>
                 </a:solidFill>
-                <a:latin typeface="UTM Helve" panose="02040603050506020204" pitchFamily="18" charset="0"/>
                 <a:ea typeface="Roboto" pitchFamily="2" charset="0"/>
               </a:rPr>
               <a:t> , </a:t>
             </a:r>
             <a:r>
-              <a:rPr lang="en-US" sz="2400" b="1" dirty="0" smtClean="0">
+              <a:rPr lang="en-US" sz="2000" b="1" dirty="0" smtClean="0">
                 <a:solidFill>
                   <a:schemeClr val="tx1">
                     <a:lumMod val="85000"/>
                     <a:lumOff val="15000"/>
                   </a:schemeClr>
                 </a:solidFill>
-                <a:latin typeface="UTM Helve" panose="02040603050506020204" pitchFamily="18" charset="0"/>
                 <a:ea typeface="Roboto" pitchFamily="2" charset="0"/>
               </a:rPr>
               <a:t>Led Planner </a:t>
             </a:r>
             <a:r>
-              <a:rPr lang="en-US" sz="2400" dirty="0" smtClean="0">
+              <a:rPr lang="en-US" sz="2000" dirty="0" smtClean="0">
                 <a:solidFill>
                   <a:schemeClr val="tx1">
                     <a:lumMod val="85000"/>
                     <a:lumOff val="15000"/>
                   </a:schemeClr>
                 </a:solidFill>
-                <a:latin typeface="UTM Helve" panose="02040603050506020204" pitchFamily="18" charset="0"/>
                 <a:ea typeface="Roboto" pitchFamily="2" charset="0"/>
               </a:rPr>
               <a:t>để soạn thuật toán chương trình</a:t>
             </a:r>
-            <a:endParaRPr lang="en-US" sz="2400" dirty="0">
+            <a:endParaRPr lang="en-US" sz="2000" dirty="0">
               <a:solidFill>
                 <a:schemeClr val="tx1">
                   <a:lumMod val="85000"/>
                   <a:lumOff val="15000"/>
                 </a:schemeClr>
               </a:solidFill>
-              <a:latin typeface="UTM Helve" panose="02040603050506020204" pitchFamily="18" charset="0"/>
               <a:ea typeface="Roboto" pitchFamily="2" charset="0"/>
             </a:endParaRPr>
           </a:p>
@@ -4512,9 +4522,6 @@
               </a:rPr>
               <a:t>1</a:t>
             </a:r>
-            <a:endParaRPr lang="en-US" b="1" dirty="0">
-              <a:latin typeface="UTM Helve" panose="02040603050506020204" pitchFamily="18" charset="0"/>
-            </a:endParaRPr>
           </a:p>
         </p:txBody>
       </p:sp>
@@ -4527,7 +4534,7 @@
         <p:spPr>
           <a:xfrm>
             <a:off x="1236140" y="3270751"/>
-            <a:ext cx="6902020" cy="830997"/>
+            <a:ext cx="6902020" cy="400110"/>
           </a:xfrm>
           <a:prstGeom prst="rect">
             <a:avLst/>
@@ -4541,39 +4548,36 @@
           <a:lstStyle/>
           <a:p>
             <a:r>
-              <a:rPr lang="en-US" sz="2400" dirty="0" smtClean="0">
+              <a:rPr lang="en-US" sz="2000" dirty="0" smtClean="0">
                 <a:solidFill>
                   <a:schemeClr val="tx1">
                     <a:lumMod val="85000"/>
                     <a:lumOff val="15000"/>
                   </a:schemeClr>
                 </a:solidFill>
-                <a:latin typeface="UTM Helve" panose="02040603050506020204" pitchFamily="18" charset="0"/>
                 <a:ea typeface="Roboto" pitchFamily="2" charset="0"/>
               </a:rPr>
               <a:t>Chuyển thuật toán đó thành chương trình trong </a:t>
             </a:r>
             <a:r>
-              <a:rPr lang="en-US" sz="2400" b="1" dirty="0" smtClean="0">
+              <a:rPr lang="en-US" sz="2000" b="1" dirty="0" smtClean="0">
                 <a:solidFill>
                   <a:schemeClr val="tx1">
                     <a:lumMod val="85000"/>
                     <a:lumOff val="15000"/>
                   </a:schemeClr>
                 </a:solidFill>
-                <a:latin typeface="UTM Helve" panose="02040603050506020204" pitchFamily="18" charset="0"/>
                 <a:ea typeface="Roboto" pitchFamily="2" charset="0"/>
               </a:rPr>
               <a:t>MakeCode</a:t>
             </a:r>
-            <a:endParaRPr lang="en-US" sz="2400" b="1" dirty="0">
+            <a:endParaRPr lang="en-US" sz="2000" b="1" dirty="0">
               <a:solidFill>
                 <a:schemeClr val="tx1">
                   <a:lumMod val="85000"/>
                   <a:lumOff val="15000"/>
                 </a:schemeClr>
               </a:solidFill>
-              <a:latin typeface="UTM Helve" panose="02040603050506020204" pitchFamily="18" charset="0"/>
               <a:ea typeface="Roboto" pitchFamily="2" charset="0"/>
             </a:endParaRPr>
           </a:p>
@@ -4587,7 +4591,7 @@
         </p:nvSpPr>
         <p:spPr>
           <a:xfrm>
-            <a:off x="684650" y="3357565"/>
+            <a:off x="684650" y="3291605"/>
             <a:ext cx="457200" cy="457200"/>
           </a:xfrm>
           <a:prstGeom prst="ellipse">
@@ -4651,7 +4655,7 @@
         <p:spPr>
           <a:xfrm>
             <a:off x="1236140" y="5622711"/>
-            <a:ext cx="6902020" cy="461665"/>
+            <a:ext cx="6902020" cy="400110"/>
           </a:xfrm>
           <a:prstGeom prst="rect">
             <a:avLst/>
@@ -4665,26 +4669,24 @@
           <a:lstStyle/>
           <a:p>
             <a:r>
-              <a:rPr lang="en-US" sz="2400" dirty="0" smtClean="0">
+              <a:rPr lang="en-US" sz="2000" dirty="0" smtClean="0">
                 <a:solidFill>
                   <a:schemeClr val="tx1">
                     <a:lumMod val="85000"/>
                     <a:lumOff val="15000"/>
                   </a:schemeClr>
                 </a:solidFill>
-                <a:latin typeface="UTM Helve" panose="02040603050506020204" pitchFamily="18" charset="0"/>
                 <a:ea typeface="Roboto" pitchFamily="2" charset="0"/>
               </a:rPr>
               <a:t>Chuyển chương trình vào micro:bit chạy thật</a:t>
             </a:r>
-            <a:endParaRPr lang="en-US" sz="2400" dirty="0">
+            <a:endParaRPr lang="en-US" sz="2000" dirty="0">
               <a:solidFill>
                 <a:schemeClr val="tx1">
                   <a:lumMod val="85000"/>
                   <a:lumOff val="15000"/>
                 </a:schemeClr>
               </a:solidFill>
-              <a:latin typeface="UTM Helve" panose="02040603050506020204" pitchFamily="18" charset="0"/>
               <a:ea typeface="Roboto" pitchFamily="2" charset="0"/>
             </a:endParaRPr>
           </a:p>
@@ -4747,9 +4749,6 @@
               </a:rPr>
               <a:t>4</a:t>
             </a:r>
-            <a:endParaRPr lang="en-US" b="1" dirty="0">
-              <a:latin typeface="UTM Helve" panose="02040603050506020204" pitchFamily="18" charset="0"/>
-            </a:endParaRPr>
           </a:p>
         </p:txBody>
       </p:sp>
@@ -4762,7 +4761,7 @@
         <p:spPr>
           <a:xfrm>
             <a:off x="1236140" y="4413751"/>
-            <a:ext cx="6902020" cy="830997"/>
+            <a:ext cx="6902020" cy="707886"/>
           </a:xfrm>
           <a:prstGeom prst="rect">
             <a:avLst/>
@@ -4776,65 +4775,60 @@
           <a:lstStyle/>
           <a:p>
             <a:r>
-              <a:rPr lang="en-US" sz="2400" dirty="0">
+              <a:rPr lang="en-US" sz="2000" dirty="0">
                 <a:solidFill>
                   <a:schemeClr val="tx1">
                     <a:lumMod val="85000"/>
                     <a:lumOff val="15000"/>
                   </a:schemeClr>
                 </a:solidFill>
-                <a:latin typeface="UTM Helve" panose="02040603050506020204" pitchFamily="18" charset="0"/>
                 <a:ea typeface="Roboto" pitchFamily="2" charset="0"/>
               </a:rPr>
               <a:t>Test và Debug chương trình </a:t>
             </a:r>
             <a:r>
-              <a:rPr lang="en-US" sz="2400" dirty="0" smtClean="0">
+              <a:rPr lang="en-US" sz="2000" dirty="0" smtClean="0">
                 <a:solidFill>
                   <a:schemeClr val="tx1">
                     <a:lumMod val="85000"/>
                     <a:lumOff val="15000"/>
                   </a:schemeClr>
                 </a:solidFill>
-                <a:latin typeface="UTM Helve" panose="02040603050506020204" pitchFamily="18" charset="0"/>
                 <a:ea typeface="Roboto" pitchFamily="2" charset="0"/>
               </a:rPr>
               <a:t>bằng trình mô phỏng micro:bit </a:t>
             </a:r>
             <a:r>
-              <a:rPr lang="en-US" sz="2400" b="1" dirty="0" smtClean="0">
+              <a:rPr lang="en-US" sz="2000" b="1" dirty="0" smtClean="0">
                 <a:solidFill>
                   <a:schemeClr val="tx1">
                     <a:lumMod val="85000"/>
                     <a:lumOff val="15000"/>
                   </a:schemeClr>
                 </a:solidFill>
-                <a:latin typeface="UTM Helve" panose="02040603050506020204" pitchFamily="18" charset="0"/>
                 <a:ea typeface="Roboto" pitchFamily="2" charset="0"/>
               </a:rPr>
               <a:t>simulator</a:t>
             </a:r>
             <a:r>
-              <a:rPr lang="en-US" sz="2400" dirty="0" smtClean="0">
+              <a:rPr lang="en-US" sz="2000" dirty="0" smtClean="0">
                 <a:solidFill>
                   <a:schemeClr val="tx1">
                     <a:lumMod val="85000"/>
                     <a:lumOff val="15000"/>
                   </a:schemeClr>
                 </a:solidFill>
-                <a:latin typeface="UTM Helve" panose="02040603050506020204" pitchFamily="18" charset="0"/>
                 <a:ea typeface="Roboto" pitchFamily="2" charset="0"/>
               </a:rPr>
               <a:t> </a:t>
             </a:r>
-            <a:endParaRPr lang="en-US" sz="2400" dirty="0">
+            <a:endParaRPr lang="en-US" sz="2000" dirty="0">
               <a:solidFill>
                 <a:schemeClr val="tx1">
                   <a:lumMod val="85000"/>
                   <a:lumOff val="15000"/>
                 </a:schemeClr>
               </a:solidFill>
-              <a:latin typeface="UTM Helve" panose="02040603050506020204" pitchFamily="18" charset="0"/>
               <a:ea typeface="Roboto" pitchFamily="2" charset="0"/>
             </a:endParaRPr>
           </a:p>
@@ -5497,17 +5491,7 @@
                 <a:latin typeface="UTM Helve" panose="02040603050506020204" pitchFamily="18" charset="0"/>
                 <a:ea typeface="Roboto" pitchFamily="2" charset="0"/>
               </a:rPr>
-              <a:t>4.1 Xác </a:t>
-            </a:r>
-            <a:r>
-              <a:rPr lang="en-US" sz="2400" b="1" dirty="0" smtClean="0">
-                <a:solidFill>
-                  <a:srgbClr val="64C7E9"/>
-                </a:solidFill>
-                <a:latin typeface="UTM Helve" panose="02040603050506020204" pitchFamily="18" charset="0"/>
-                <a:ea typeface="Roboto" pitchFamily="2" charset="0"/>
-              </a:rPr>
-              <a:t>định đầu ra</a:t>
+              <a:t>4.1 Xác định đầu ra</a:t>
             </a:r>
             <a:endParaRPr lang="en-US" sz="2400" b="1" dirty="0">
               <a:solidFill>
@@ -5568,8 +5552,8 @@
         </p:nvSpPr>
         <p:spPr>
           <a:xfrm>
-            <a:off x="717744" y="1343309"/>
-            <a:ext cx="3131388" cy="4350125"/>
+            <a:off x="543339" y="1343309"/>
+            <a:ext cx="3592507" cy="5097248"/>
           </a:xfrm>
           <a:prstGeom prst="roundRect">
             <a:avLst>
@@ -5618,7 +5602,7 @@
         <p:spPr>
           <a:xfrm>
             <a:off x="884528" y="3450566"/>
-            <a:ext cx="2961491" cy="2031325"/>
+            <a:ext cx="3251318" cy="2246769"/>
           </a:xfrm>
           <a:prstGeom prst="rect">
             <a:avLst/>
@@ -5632,36 +5616,24 @@
           <a:lstStyle/>
           <a:p>
             <a:r>
-              <a:rPr lang="en-US" dirty="0" smtClean="0">
-                <a:latin typeface="UTM Helve" panose="02040603050506020204" pitchFamily="18" charset="0"/>
-              </a:rPr>
+              <a:rPr lang="en-US" sz="2000" dirty="0" smtClean="0"/>
               <a:t>Màn hình</a:t>
             </a:r>
             <a:r>
-              <a:rPr lang="vi-VN" dirty="0" smtClean="0">
-                <a:latin typeface="UTM Helve" panose="02040603050506020204" pitchFamily="18" charset="0"/>
-              </a:rPr>
+              <a:rPr lang="vi-VN" sz="2000" dirty="0" smtClean="0"/>
               <a:t> Tivi đóng vai trò là đầu ra, Chương trình tivi có rất nhiều kênh. </a:t>
             </a:r>
-            <a:endParaRPr lang="en-US" dirty="0" smtClean="0">
-              <a:latin typeface="UTM Helve" panose="02040603050506020204" pitchFamily="18" charset="0"/>
-            </a:endParaRPr>
-          </a:p>
-          <a:p>
-            <a:endParaRPr lang="en-US" dirty="0">
-              <a:latin typeface="UTM Helve" panose="02040603050506020204" pitchFamily="18" charset="0"/>
-            </a:endParaRPr>
-          </a:p>
-          <a:p>
-            <a:r>
-              <a:rPr lang="vi-VN" dirty="0" smtClean="0">
-                <a:latin typeface="UTM Helve" panose="02040603050506020204" pitchFamily="18" charset="0"/>
-              </a:rPr>
+            <a:endParaRPr lang="en-US" sz="2000" dirty="0" smtClean="0"/>
+          </a:p>
+          <a:p>
+            <a:endParaRPr lang="en-US" sz="2000" dirty="0"/>
+          </a:p>
+          <a:p>
+            <a:r>
+              <a:rPr lang="vi-VN" sz="2000" dirty="0" smtClean="0"/>
               <a:t>Nếu bạn nhấn phím 1 thì ra VTV1, nhấn phím 2 nhảy sang kênh VTV2...</a:t>
             </a:r>
-            <a:endParaRPr lang="en-US" dirty="0">
-              <a:latin typeface="UTM Helve" panose="02040603050506020204" pitchFamily="18" charset="0"/>
-            </a:endParaRPr>
+            <a:endParaRPr lang="en-US" sz="2000" dirty="0"/>
           </a:p>
         </p:txBody>
       </p:sp>
@@ -5673,7 +5645,7 @@
         </p:nvSpPr>
         <p:spPr>
           <a:xfrm>
-            <a:off x="850024" y="3614468"/>
+            <a:off x="757260" y="3614468"/>
             <a:ext cx="86264" cy="86264"/>
           </a:xfrm>
           <a:prstGeom prst="rect">
@@ -5719,7 +5691,7 @@
         </p:nvSpPr>
         <p:spPr>
           <a:xfrm>
-            <a:off x="850024" y="4720286"/>
+            <a:off x="757260" y="4720286"/>
             <a:ext cx="86264" cy="86264"/>
           </a:xfrm>
           <a:prstGeom prst="rect">
@@ -5765,8 +5737,8 @@
         </p:nvSpPr>
         <p:spPr>
           <a:xfrm>
-            <a:off x="4805082" y="1343310"/>
-            <a:ext cx="3790442" cy="3104000"/>
+            <a:off x="4805082" y="1343309"/>
+            <a:ext cx="3790442" cy="3745525"/>
           </a:xfrm>
           <a:prstGeom prst="roundRect">
             <a:avLst>
@@ -5814,7 +5786,7 @@
         </p:nvCxnSpPr>
         <p:spPr>
           <a:xfrm>
-            <a:off x="4043082" y="2922626"/>
+            <a:off x="4135846" y="2922626"/>
             <a:ext cx="520292" cy="0"/>
           </a:xfrm>
           <a:prstGeom prst="straightConnector1">
@@ -5851,7 +5823,7 @@
         <p:spPr>
           <a:xfrm>
             <a:off x="5015058" y="1708030"/>
-            <a:ext cx="3533719" cy="1477328"/>
+            <a:ext cx="3533719" cy="1938992"/>
           </a:xfrm>
           <a:prstGeom prst="rect">
             <a:avLst/>
@@ -5862,29 +5834,28 @@
           <a:bodyPr wrap="square" rtlCol="0">
             <a:spAutoFit/>
           </a:bodyPr>
-          <a:lstStyle/>
-          <a:p>
-            <a:r>
-              <a:rPr lang="vi-VN" dirty="0" smtClean="0">
-                <a:latin typeface="UTM Helve" panose="02040603050506020204" pitchFamily="18" charset="0"/>
-              </a:rPr>
+          <a:lstStyle>
+            <a:defPPr>
+              <a:defRPr lang="en-US"/>
+            </a:defPPr>
+            <a:lvl1pPr>
+              <a:defRPr sz="2000"/>
+            </a:lvl1pPr>
+          </a:lstStyle>
+          <a:p>
+            <a:r>
+              <a:rPr lang="vi-VN" dirty="0"/>
               <a:t>Như vậy khi bạn nhấn nút chuyển kênh ==&gt; Chương trình đang tính toán để xác định đầu ra và đưa hình ảnh</a:t>
             </a:r>
             <a:r>
-              <a:rPr lang="en-US" dirty="0" smtClean="0">
-                <a:latin typeface="UTM Helve" panose="02040603050506020204" pitchFamily="18" charset="0"/>
-              </a:rPr>
+              <a:rPr lang="en-US" dirty="0"/>
               <a:t> tương ứng</a:t>
             </a:r>
             <a:r>
-              <a:rPr lang="vi-VN" dirty="0" smtClean="0">
-                <a:latin typeface="UTM Helve" panose="02040603050506020204" pitchFamily="18" charset="0"/>
-              </a:rPr>
+              <a:rPr lang="vi-VN" dirty="0"/>
               <a:t> ra màn hình cho bạn xem.</a:t>
             </a:r>
-            <a:endParaRPr lang="en-US" dirty="0">
-              <a:latin typeface="UTM Helve" panose="02040603050506020204" pitchFamily="18" charset="0"/>
-            </a:endParaRPr>
+            <a:endParaRPr lang="en-US" dirty="0"/>
           </a:p>
         </p:txBody>
       </p:sp>
@@ -5942,8 +5913,8 @@
         </p:nvSpPr>
         <p:spPr>
           <a:xfrm>
-            <a:off x="5015058" y="3372928"/>
-            <a:ext cx="3663116" cy="646331"/>
+            <a:off x="5015058" y="3790887"/>
+            <a:ext cx="3663116" cy="1015663"/>
           </a:xfrm>
           <a:prstGeom prst="rect">
             <a:avLst/>
@@ -5954,17 +5925,20 @@
           <a:bodyPr wrap="square" rtlCol="0">
             <a:spAutoFit/>
           </a:bodyPr>
-          <a:lstStyle/>
-          <a:p>
-            <a:r>
-              <a:rPr lang="vi-VN" dirty="0" smtClean="0">
-                <a:latin typeface="UTM Helve" panose="02040603050506020204" pitchFamily="18" charset="0"/>
-              </a:rPr>
+          <a:lstStyle>
+            <a:defPPr>
+              <a:defRPr lang="en-US"/>
+            </a:defPPr>
+            <a:lvl1pPr>
+              <a:defRPr sz="2000"/>
+            </a:lvl1pPr>
+          </a:lstStyle>
+          <a:p>
+            <a:r>
+              <a:rPr lang="vi-VN" dirty="0"/>
               <a:t>Trên màn hình LED của micro:bit cũng tương tự như vậy.</a:t>
             </a:r>
-            <a:endParaRPr lang="en-US" dirty="0">
-              <a:latin typeface="UTM Helve" panose="02040603050506020204" pitchFamily="18" charset="0"/>
-            </a:endParaRPr>
+            <a:endParaRPr lang="en-US" dirty="0"/>
           </a:p>
         </p:txBody>
       </p:sp>
@@ -5976,7 +5950,7 @@
         </p:nvSpPr>
         <p:spPr>
           <a:xfrm>
-            <a:off x="4928794" y="3562597"/>
+            <a:off x="4928794" y="3968611"/>
             <a:ext cx="86264" cy="86264"/>
           </a:xfrm>
           <a:prstGeom prst="rect">
@@ -6180,26 +6154,16 @@
                 <a:solidFill>
                   <a:srgbClr val="64C7E9"/>
                 </a:solidFill>
-                <a:latin typeface="UTM Helve" panose="02040603050506020204" pitchFamily="18" charset="0"/>
+                <a:latin typeface="+mj-lt"/>
                 <a:ea typeface="Roboto" pitchFamily="2" charset="0"/>
               </a:rPr>
-              <a:t>4.1 Xác </a:t>
-            </a:r>
-            <a:r>
-              <a:rPr lang="en-US" sz="2400" b="1" dirty="0" smtClean="0">
-                <a:solidFill>
-                  <a:srgbClr val="64C7E9"/>
-                </a:solidFill>
-                <a:latin typeface="UTM Helve" panose="02040603050506020204" pitchFamily="18" charset="0"/>
-                <a:ea typeface="Roboto" pitchFamily="2" charset="0"/>
-              </a:rPr>
-              <a:t>định đầu ra</a:t>
+              <a:t>4.1 Xác định đầu ra</a:t>
             </a:r>
             <a:endParaRPr lang="en-US" sz="2400" b="1" dirty="0">
               <a:solidFill>
                 <a:srgbClr val="64C7E9"/>
               </a:solidFill>
-              <a:latin typeface="UTM Helve" panose="02040603050506020204" pitchFamily="18" charset="0"/>
+              <a:latin typeface="+mj-lt"/>
               <a:ea typeface="Roboto" pitchFamily="2" charset="0"/>
             </a:endParaRPr>
           </a:p>
@@ -6428,7 +6392,7 @@
         <p:spPr>
           <a:xfrm>
             <a:off x="1268329" y="2447638"/>
-            <a:ext cx="2732071" cy="646331"/>
+            <a:ext cx="2732071" cy="707886"/>
           </a:xfrm>
           <a:prstGeom prst="rect">
             <a:avLst/>
@@ -6442,14 +6406,10 @@
           <a:lstStyle/>
           <a:p>
             <a:r>
-              <a:rPr lang="en-US" dirty="0" smtClean="0">
-                <a:latin typeface="UTM Helve" panose="02040603050506020204" pitchFamily="18" charset="0"/>
-              </a:rPr>
+              <a:rPr lang="en-US" sz="2000" dirty="0" smtClean="0"/>
               <a:t>Nếu bạn nào mặc áo Xanh thì giơ tay</a:t>
             </a:r>
-            <a:endParaRPr lang="en-US" dirty="0">
-              <a:latin typeface="UTM Helve" panose="02040603050506020204" pitchFamily="18" charset="0"/>
-            </a:endParaRPr>
+            <a:endParaRPr lang="en-US" sz="2000" dirty="0"/>
           </a:p>
         </p:txBody>
       </p:sp>
@@ -6508,7 +6468,7 @@
         <p:spPr>
           <a:xfrm>
             <a:off x="5213646" y="2447638"/>
-            <a:ext cx="2732071" cy="646331"/>
+            <a:ext cx="2732071" cy="707886"/>
           </a:xfrm>
           <a:prstGeom prst="rect">
             <a:avLst/>
@@ -6522,14 +6482,10 @@
           <a:lstStyle/>
           <a:p>
             <a:r>
-              <a:rPr lang="en-US" dirty="0" smtClean="0">
-                <a:latin typeface="UTM Helve" panose="02040603050506020204" pitchFamily="18" charset="0"/>
-              </a:rPr>
+              <a:rPr lang="en-US" sz="2000" dirty="0" smtClean="0"/>
               <a:t>Các bạn còn lại để tay lên bàn </a:t>
             </a:r>
-            <a:endParaRPr lang="en-US" dirty="0">
-              <a:latin typeface="UTM Helve" panose="02040603050506020204" pitchFamily="18" charset="0"/>
-            </a:endParaRPr>
+            <a:endParaRPr lang="en-US" sz="2000" dirty="0"/>
           </a:p>
         </p:txBody>
       </p:sp>
@@ -6563,7 +6519,7 @@
                     <a:lumOff val="15000"/>
                   </a:schemeClr>
                 </a:solidFill>
-                <a:latin typeface="UTM Helve" panose="02040603050506020204" pitchFamily="18" charset="0"/>
+                <a:latin typeface="+mj-lt"/>
                 <a:ea typeface="Roboto" pitchFamily="2" charset="0"/>
               </a:rPr>
               <a:t>Đưa ra sự lựa chọn</a:t>
@@ -6575,7 +6531,7 @@
                   <a:lumOff val="15000"/>
                 </a:schemeClr>
               </a:solidFill>
-              <a:latin typeface="UTM Helve" panose="02040603050506020204" pitchFamily="18" charset="0"/>
+              <a:latin typeface="+mj-lt"/>
               <a:ea typeface="Roboto" pitchFamily="2" charset="0"/>
             </a:endParaRPr>
           </a:p>
@@ -6633,14 +6589,20 @@
           <a:p>
             <a:pPr algn="ctr"/>
             <a:r>
-              <a:rPr lang="vi-VN" dirty="0"/>
+              <a:rPr lang="vi-VN" sz="2000" dirty="0">
+                <a:latin typeface="+mj-lt"/>
+              </a:rPr>
               <a:t>Kết luận: Bạn đang đưa ra điều kiện để thực hiện một cái gì </a:t>
             </a:r>
             <a:r>
-              <a:rPr lang="vi-VN" dirty="0" smtClean="0"/>
+              <a:rPr lang="vi-VN" sz="2000" dirty="0" smtClean="0">
+                <a:latin typeface="+mj-lt"/>
+              </a:rPr>
               <a:t>đó</a:t>
             </a:r>
-            <a:endParaRPr lang="vi-VN" dirty="0"/>
+            <a:endParaRPr lang="vi-VN" sz="2000" dirty="0">
+              <a:latin typeface="+mj-lt"/>
+            </a:endParaRPr>
           </a:p>
         </p:txBody>
       </p:sp>
@@ -6850,10 +6812,20 @@
                 <a:solidFill>
                   <a:srgbClr val="64C7E9"/>
                 </a:solidFill>
+                <a:latin typeface="+mj-lt"/>
+                <a:ea typeface="Roboto" pitchFamily="2" charset="0"/>
+              </a:rPr>
+              <a:t>else</a:t>
+            </a:r>
+            <a:r>
+              <a:rPr lang="en-US" sz="2400" b="1" dirty="0" smtClean="0">
+                <a:solidFill>
+                  <a:srgbClr val="64C7E9"/>
+                </a:solidFill>
                 <a:latin typeface="UTM Helve" panose="02040603050506020204" pitchFamily="18" charset="0"/>
                 <a:ea typeface="Roboto" pitchFamily="2" charset="0"/>
               </a:rPr>
-              <a:t>else – Lựa chọn</a:t>
+              <a:t> – Lựa chọn</a:t>
             </a:r>
             <a:endParaRPr lang="en-US" sz="2400" b="1" dirty="0">
               <a:solidFill>
@@ -7019,12 +6991,12 @@
           <a:p>
             <a:r>
               <a:rPr lang="en-US" dirty="0" smtClean="0">
-                <a:latin typeface="UTM Helve" panose="02040603050506020204" pitchFamily="18" charset="0"/>
+                <a:latin typeface="+mj-lt"/>
               </a:rPr>
               <a:t>Nếu bạn nào mặc áo Xanh thì giơ tay</a:t>
             </a:r>
             <a:endParaRPr lang="en-US" dirty="0">
-              <a:latin typeface="UTM Helve" panose="02040603050506020204" pitchFamily="18" charset="0"/>
+              <a:latin typeface="+mj-lt"/>
             </a:endParaRPr>
           </a:p>
         </p:txBody>
@@ -7134,12 +7106,12 @@
           <a:p>
             <a:r>
               <a:rPr lang="en-US" dirty="0" smtClean="0">
-                <a:latin typeface="UTM Helve" panose="02040603050506020204" pitchFamily="18" charset="0"/>
+                <a:latin typeface="+mj-lt"/>
               </a:rPr>
               <a:t>Các bạn còn lại để tay lên bàn </a:t>
             </a:r>
             <a:endParaRPr lang="en-US" dirty="0">
-              <a:latin typeface="UTM Helve" panose="02040603050506020204" pitchFamily="18" charset="0"/>
+              <a:latin typeface="+mj-lt"/>
             </a:endParaRPr>
           </a:p>
         </p:txBody>
@@ -7220,13 +7192,13 @@
                 <a:solidFill>
                   <a:srgbClr val="FF0000"/>
                 </a:solidFill>
-                <a:latin typeface="UTM Helve" panose="02040603050506020204" pitchFamily="18" charset="0"/>
+                <a:latin typeface="+mj-lt"/>
               </a:rPr>
               <a:t>IF</a:t>
             </a:r>
             <a:r>
               <a:rPr lang="en-US" b="1" dirty="0" smtClean="0">
-                <a:latin typeface="UTM Helve" panose="02040603050506020204" pitchFamily="18" charset="0"/>
+                <a:latin typeface="+mj-lt"/>
               </a:rPr>
               <a:t> Mặc áo xanh</a:t>
             </a:r>
@@ -7234,7 +7206,7 @@
           <a:p>
             <a:r>
               <a:rPr lang="en-US" b="1" dirty="0" smtClean="0">
-                <a:latin typeface="UTM Helve" panose="02040603050506020204" pitchFamily="18" charset="0"/>
+                <a:latin typeface="+mj-lt"/>
               </a:rPr>
               <a:t>   Giơ tay lên</a:t>
             </a:r>
@@ -7245,7 +7217,7 @@
                 <a:solidFill>
                   <a:srgbClr val="FF0000"/>
                 </a:solidFill>
-                <a:latin typeface="UTM Helve" panose="02040603050506020204" pitchFamily="18" charset="0"/>
+                <a:latin typeface="+mj-lt"/>
               </a:rPr>
               <a:t>ELSE</a:t>
             </a:r>
@@ -7253,18 +7225,18 @@
           <a:p>
             <a:r>
               <a:rPr lang="en-US" b="1" dirty="0">
-                <a:latin typeface="UTM Helve" panose="02040603050506020204" pitchFamily="18" charset="0"/>
+                <a:latin typeface="+mj-lt"/>
               </a:rPr>
               <a:t> </a:t>
             </a:r>
             <a:r>
               <a:rPr lang="en-US" b="1" dirty="0" smtClean="0">
-                <a:latin typeface="UTM Helve" panose="02040603050506020204" pitchFamily="18" charset="0"/>
+                <a:latin typeface="+mj-lt"/>
               </a:rPr>
               <a:t>  Để tay lên bàn</a:t>
             </a:r>
             <a:endParaRPr lang="en-US" b="1" dirty="0">
-              <a:latin typeface="UTM Helve" panose="02040603050506020204" pitchFamily="18" charset="0"/>
+              <a:latin typeface="+mj-lt"/>
             </a:endParaRPr>
           </a:p>
         </p:txBody>
@@ -7293,12 +7265,12 @@
           <a:p>
             <a:r>
               <a:rPr lang="en-US" dirty="0" smtClean="0">
-                <a:latin typeface="UTM Helve" panose="02040603050506020204" pitchFamily="18" charset="0"/>
+                <a:latin typeface="+mj-lt"/>
               </a:rPr>
               <a:t>Minh họa với ngôn ngữ lập trình</a:t>
             </a:r>
             <a:endParaRPr lang="en-US" dirty="0">
-              <a:latin typeface="UTM Helve" panose="02040603050506020204" pitchFamily="18" charset="0"/>
+              <a:latin typeface="+mj-lt"/>
             </a:endParaRPr>
           </a:p>
         </p:txBody>
@@ -7373,12 +7345,12 @@
           <a:p>
             <a:r>
               <a:rPr lang="en-US" dirty="0" smtClean="0">
-                <a:latin typeface="UTM Helve" panose="02040603050506020204" pitchFamily="18" charset="0"/>
+                <a:latin typeface="+mj-lt"/>
               </a:rPr>
               <a:t>“Lựa chọn” là khi một tập hợp các hành động được thực hiện khi một điều kiện nhất định được đáp ứng</a:t>
             </a:r>
             <a:endParaRPr lang="en-US" dirty="0">
-              <a:latin typeface="UTM Helve" panose="02040603050506020204" pitchFamily="18" charset="0"/>
+              <a:latin typeface="+mj-lt"/>
             </a:endParaRPr>
           </a:p>
         </p:txBody>
@@ -7456,13 +7428,13 @@
                 <a:solidFill>
                   <a:srgbClr val="FF0000"/>
                 </a:solidFill>
-                <a:latin typeface="UTM Helve" panose="02040603050506020204" pitchFamily="18" charset="0"/>
+                <a:latin typeface="+mj-lt"/>
               </a:rPr>
               <a:t>Mặc áo xanh: </a:t>
             </a:r>
             <a:r>
               <a:rPr lang="en-US" dirty="0" smtClean="0">
-                <a:latin typeface="UTM Helve" panose="02040603050506020204" pitchFamily="18" charset="0"/>
+                <a:latin typeface="+mj-lt"/>
               </a:rPr>
               <a:t>là điều kiện cần đáp ứng</a:t>
             </a:r>
@@ -7473,18 +7445,18 @@
                 <a:solidFill>
                   <a:srgbClr val="FF0000"/>
                 </a:solidFill>
-                <a:latin typeface="UTM Helve" panose="02040603050506020204" pitchFamily="18" charset="0"/>
+                <a:latin typeface="+mj-lt"/>
               </a:rPr>
               <a:t>Giơ tay lên: </a:t>
             </a:r>
             <a:r>
               <a:rPr lang="en-US" dirty="0" smtClean="0">
-                <a:latin typeface="UTM Helve" panose="02040603050506020204" pitchFamily="18" charset="0"/>
+                <a:latin typeface="+mj-lt"/>
               </a:rPr>
               <a:t>là hành động được thực hiện</a:t>
             </a:r>
             <a:endParaRPr lang="en-US" dirty="0">
-              <a:latin typeface="UTM Helve" panose="02040603050506020204" pitchFamily="18" charset="0"/>
+              <a:latin typeface="+mj-lt"/>
             </a:endParaRPr>
           </a:p>
         </p:txBody>
@@ -7674,7 +7646,7 @@
         </p:nvSpPr>
         <p:spPr>
           <a:xfrm>
-            <a:off x="934960" y="669398"/>
+            <a:off x="934960" y="695902"/>
             <a:ext cx="7488950" cy="461665"/>
           </a:xfrm>
           <a:prstGeom prst="rect">
@@ -7696,7 +7668,7 @@
                     <a:lumOff val="15000"/>
                   </a:schemeClr>
                 </a:solidFill>
-                <a:latin typeface="UTM Helve" panose="02040603050506020204" pitchFamily="18" charset="0"/>
+                <a:latin typeface="+mj-lt"/>
                 <a:ea typeface="Roboto" pitchFamily="2" charset="0"/>
               </a:rPr>
               <a:t>Tín hiệu qua đường dành cho người đi bộ</a:t>
@@ -7708,7 +7680,7 @@
                   <a:lumOff val="15000"/>
                 </a:schemeClr>
               </a:solidFill>
-              <a:latin typeface="UTM Helve" panose="02040603050506020204" pitchFamily="18" charset="0"/>
+              <a:latin typeface="+mj-lt"/>
               <a:ea typeface="Roboto" pitchFamily="2" charset="0"/>
             </a:endParaRPr>
           </a:p>
@@ -7801,9 +7773,6 @@
               </a:rPr>
               <a:t>1</a:t>
             </a:r>
-            <a:endParaRPr lang="en-US" b="1" dirty="0">
-              <a:latin typeface="UTM Helve" panose="02040603050506020204" pitchFamily="18" charset="0"/>
-            </a:endParaRPr>
           </a:p>
         </p:txBody>
       </p:sp>
@@ -7834,11 +7803,14 @@
                 <a:solidFill>
                   <a:srgbClr val="FF0000"/>
                 </a:solidFill>
+                <a:latin typeface="+mj-lt"/>
               </a:rPr>
               <a:t>Điều kiện</a:t>
             </a:r>
             <a:r>
-              <a:rPr lang="vi-VN" sz="2000" b="1" dirty="0"/>
+              <a:rPr lang="vi-VN" sz="2000" b="1" dirty="0">
+                <a:latin typeface="+mj-lt"/>
+              </a:rPr>
               <a:t> gì cần phải được đáp ứng trước khi chúng ta có thể băng qua đường?</a:t>
             </a:r>
           </a:p>
@@ -7934,11 +7906,14 @@
                 <a:solidFill>
                   <a:srgbClr val="FF0000"/>
                 </a:solidFill>
+                <a:latin typeface="+mj-lt"/>
               </a:rPr>
               <a:t>Hành động </a:t>
             </a:r>
             <a:r>
-              <a:rPr lang="vi-VN" sz="2000" b="1" dirty="0"/>
+              <a:rPr lang="vi-VN" sz="2000" b="1" dirty="0">
+                <a:latin typeface="+mj-lt"/>
+              </a:rPr>
               <a:t>nào nên được thực hiện khi 'đèn chuyển sang màu đỏ'?</a:t>
             </a:r>
           </a:p>
@@ -7953,7 +7928,7 @@
         <p:spPr>
           <a:xfrm>
             <a:off x="800100" y="4488625"/>
-            <a:ext cx="3360420" cy="1200329"/>
+            <a:ext cx="3360420" cy="1323439"/>
           </a:xfrm>
           <a:prstGeom prst="rect">
             <a:avLst/>
@@ -7967,86 +7942,68 @@
           <a:lstStyle/>
           <a:p>
             <a:r>
-              <a:rPr lang="en-US" b="1" dirty="0" smtClean="0">
+              <a:rPr lang="en-US" sz="2000" b="1" dirty="0" smtClean="0">
                 <a:solidFill>
                   <a:srgbClr val="FF0000"/>
                 </a:solidFill>
-                <a:latin typeface="UTM Helve" panose="02040603050506020204" pitchFamily="18" charset="0"/>
+                <a:latin typeface="+mj-lt"/>
               </a:rPr>
               <a:t>IF</a:t>
             </a:r>
             <a:r>
-              <a:rPr lang="en-US" b="1" dirty="0" smtClean="0">
-                <a:latin typeface="UTM Helve" panose="02040603050506020204" pitchFamily="18" charset="0"/>
+              <a:rPr lang="en-US" sz="2000" b="1" dirty="0" smtClean="0">
+                <a:latin typeface="+mj-lt"/>
               </a:rPr>
               <a:t> </a:t>
             </a:r>
             <a:r>
-              <a:rPr lang="en-US" b="1" dirty="0" smtClean="0">
-                <a:latin typeface="Arial" panose="020B0604020202020204" pitchFamily="34" charset="0"/>
+              <a:rPr lang="en-US" sz="2000" b="1" dirty="0" smtClean="0">
+                <a:latin typeface="+mj-lt"/>
                 <a:cs typeface="Arial" panose="020B0604020202020204" pitchFamily="34" charset="0"/>
               </a:rPr>
               <a:t>Đèn</a:t>
             </a:r>
             <a:r>
-              <a:rPr lang="en-US" b="1" dirty="0" smtClean="0">
-                <a:latin typeface="UTM Helve" panose="02040603050506020204" pitchFamily="18" charset="0"/>
+              <a:rPr lang="en-US" sz="2000" b="1" dirty="0" smtClean="0">
+                <a:latin typeface="+mj-lt"/>
               </a:rPr>
               <a:t> Xanh</a:t>
             </a:r>
-            <a:endParaRPr lang="en-US" b="1" dirty="0" smtClean="0">
-              <a:latin typeface="UTM Helve" panose="02040603050506020204" pitchFamily="18" charset="0"/>
-            </a:endParaRPr>
-          </a:p>
-          <a:p>
-            <a:r>
-              <a:rPr lang="en-US" b="1" dirty="0" smtClean="0">
-                <a:latin typeface="UTM Helve" panose="02040603050506020204" pitchFamily="18" charset="0"/>
-              </a:rPr>
-              <a:t>   </a:t>
-            </a:r>
-            <a:r>
-              <a:rPr lang="en-US" b="1" dirty="0" smtClean="0">
-                <a:latin typeface="UTM Helve" panose="02040603050506020204" pitchFamily="18" charset="0"/>
-              </a:rPr>
-              <a:t>Có thể đi qua đường</a:t>
-            </a:r>
-            <a:endParaRPr lang="en-US" b="1" dirty="0" smtClean="0">
-              <a:latin typeface="UTM Helve" panose="02040603050506020204" pitchFamily="18" charset="0"/>
-            </a:endParaRPr>
-          </a:p>
-          <a:p>
-            <a:r>
-              <a:rPr lang="en-US" b="1" dirty="0" smtClean="0">
+          </a:p>
+          <a:p>
+            <a:r>
+              <a:rPr lang="en-US" sz="2000" b="1" dirty="0" smtClean="0">
+                <a:latin typeface="+mj-lt"/>
+              </a:rPr>
+              <a:t>   Có thể đi qua đường</a:t>
+            </a:r>
+          </a:p>
+          <a:p>
+            <a:r>
+              <a:rPr lang="en-US" sz="2000" b="1" dirty="0" smtClean="0">
                 <a:solidFill>
                   <a:srgbClr val="FF0000"/>
                 </a:solidFill>
-                <a:latin typeface="UTM Helve" panose="02040603050506020204" pitchFamily="18" charset="0"/>
+                <a:latin typeface="+mj-lt"/>
               </a:rPr>
               <a:t>ELSE</a:t>
             </a:r>
           </a:p>
           <a:p>
             <a:r>
-              <a:rPr lang="en-US" b="1" dirty="0">
-                <a:latin typeface="UTM Helve" panose="02040603050506020204" pitchFamily="18" charset="0"/>
+              <a:rPr lang="en-US" sz="2000" b="1" dirty="0">
+                <a:latin typeface="+mj-lt"/>
               </a:rPr>
               <a:t> </a:t>
             </a:r>
             <a:r>
-              <a:rPr lang="en-US" b="1" dirty="0" smtClean="0">
-                <a:latin typeface="UTM Helve" panose="02040603050506020204" pitchFamily="18" charset="0"/>
-              </a:rPr>
-              <a:t>  </a:t>
-            </a:r>
-            <a:r>
-              <a:rPr lang="en-US" b="1" dirty="0" smtClean="0">
-                <a:latin typeface="UTM Helve" panose="02040603050506020204" pitchFamily="18" charset="0"/>
-              </a:rPr>
-              <a:t>Đứng chờ trên lề đường</a:t>
-            </a:r>
-            <a:endParaRPr lang="en-US" b="1" dirty="0">
-              <a:latin typeface="UTM Helve" panose="02040603050506020204" pitchFamily="18" charset="0"/>
+              <a:rPr lang="en-US" sz="2000" b="1" dirty="0" smtClean="0">
+                <a:latin typeface="+mj-lt"/>
+              </a:rPr>
+              <a:t>  Đứng chờ trên lề đường</a:t>
+            </a:r>
+            <a:endParaRPr lang="en-US" sz="2000" b="1" dirty="0">
+              <a:latin typeface="+mj-lt"/>
             </a:endParaRPr>
           </a:p>
         </p:txBody>
@@ -8236,36 +8193,16 @@
                 <a:solidFill>
                   <a:srgbClr val="64C7E9"/>
                 </a:solidFill>
-                <a:latin typeface="UTM Helve" panose="02040603050506020204" pitchFamily="18" charset="0"/>
+                <a:latin typeface="+mj-lt"/>
                 <a:ea typeface="Roboto" pitchFamily="2" charset="0"/>
               </a:rPr>
-              <a:t>4.2 If </a:t>
-            </a:r>
-            <a:r>
-              <a:rPr lang="en-US" sz="2400" b="1" dirty="0" smtClean="0">
-                <a:solidFill>
-                  <a:srgbClr val="64C7E9"/>
-                </a:solidFill>
-                <a:latin typeface="UTM Helve" panose="02040603050506020204" pitchFamily="18" charset="0"/>
-                <a:ea typeface="Roboto" pitchFamily="2" charset="0"/>
-              </a:rPr>
-              <a:t>else – </a:t>
-            </a:r>
-            <a:r>
-              <a:rPr lang="en-US" sz="2400" b="1" dirty="0" smtClean="0">
-                <a:solidFill>
-                  <a:srgbClr val="64C7E9"/>
-                </a:solidFill>
-                <a:latin typeface="UTM Helve" panose="02040603050506020204" pitchFamily="18" charset="0"/>
-                <a:ea typeface="Roboto" pitchFamily="2" charset="0"/>
-              </a:rPr>
-              <a:t>Sơ đồ giải thuật</a:t>
+              <a:t>4.2 If else – Sơ đồ giải thuật</a:t>
             </a:r>
             <a:endParaRPr lang="en-US" sz="2400" b="1" dirty="0">
               <a:solidFill>
                 <a:srgbClr val="64C7E9"/>
               </a:solidFill>
-              <a:latin typeface="UTM Helve" panose="02040603050506020204" pitchFamily="18" charset="0"/>
+              <a:latin typeface="+mj-lt"/>
               <a:ea typeface="Roboto" pitchFamily="2" charset="0"/>
             </a:endParaRPr>
           </a:p>
@@ -8376,7 +8313,7 @@
                 <a:solidFill>
                   <a:schemeClr val="tx1"/>
                 </a:solidFill>
-                <a:latin typeface="Arial" panose="020B0604020202020204" pitchFamily="34" charset="0"/>
+                <a:latin typeface="+mj-lt"/>
                 <a:cs typeface="Arial" panose="020B0604020202020204" pitchFamily="34" charset="0"/>
               </a:rPr>
               <a:t>Giơ</a:t>
@@ -8386,6 +8323,7 @@
                 <a:solidFill>
                   <a:schemeClr val="tx1"/>
                 </a:solidFill>
+                <a:latin typeface="+mj-lt"/>
               </a:rPr>
               <a:t> tay lên</a:t>
             </a:r>
@@ -8393,6 +8331,7 @@
               <a:solidFill>
                 <a:schemeClr val="tx1"/>
               </a:solidFill>
+              <a:latin typeface="+mj-lt"/>
             </a:endParaRPr>
           </a:p>
         </p:txBody>
@@ -8444,7 +8383,7 @@
                 <a:solidFill>
                   <a:schemeClr val="tx1"/>
                 </a:solidFill>
-                <a:latin typeface="Arial" panose="020B0604020202020204" pitchFamily="34" charset="0"/>
+                <a:latin typeface="+mj-lt"/>
                 <a:cs typeface="Arial" panose="020B0604020202020204" pitchFamily="34" charset="0"/>
               </a:rPr>
               <a:t>Để tay trên bàn</a:t>
@@ -8453,7 +8392,7 @@
               <a:solidFill>
                 <a:schemeClr val="tx1"/>
               </a:solidFill>
-              <a:latin typeface="Arial" panose="020B0604020202020204" pitchFamily="34" charset="0"/>
+              <a:latin typeface="+mj-lt"/>
               <a:cs typeface="Arial" panose="020B0604020202020204" pitchFamily="34" charset="0"/>
             </a:endParaRPr>
           </a:p>
@@ -8626,10 +8565,14 @@
           <a:lstStyle/>
           <a:p>
             <a:r>
-              <a:rPr lang="en-US" b="1" dirty="0" smtClean="0"/>
+              <a:rPr lang="en-US" b="1" dirty="0" smtClean="0">
+                <a:latin typeface="+mj-lt"/>
+              </a:rPr>
               <a:t>ĐÚNG</a:t>
             </a:r>
-            <a:endParaRPr lang="en-US" b="1" dirty="0"/>
+            <a:endParaRPr lang="en-US" b="1" dirty="0">
+              <a:latin typeface="+mj-lt"/>
+            </a:endParaRPr>
           </a:p>
         </p:txBody>
       </p:sp>
@@ -8656,10 +8599,14 @@
           <a:lstStyle/>
           <a:p>
             <a:r>
-              <a:rPr lang="en-US" b="1" dirty="0" smtClean="0"/>
+              <a:rPr lang="en-US" b="1" dirty="0" smtClean="0">
+                <a:latin typeface="+mj-lt"/>
+              </a:rPr>
               <a:t>SAI</a:t>
             </a:r>
-            <a:endParaRPr lang="en-US" b="1" dirty="0"/>
+            <a:endParaRPr lang="en-US" b="1" dirty="0">
+              <a:latin typeface="+mj-lt"/>
+            </a:endParaRPr>
           </a:p>
         </p:txBody>
       </p:sp>
@@ -8686,10 +8633,14 @@
           <a:lstStyle/>
           <a:p>
             <a:r>
-              <a:rPr lang="en-US" sz="1400" i="1" dirty="0" smtClean="0"/>
+              <a:rPr lang="en-US" sz="1400" i="1" dirty="0" smtClean="0">
+                <a:latin typeface="+mj-lt"/>
+              </a:rPr>
               <a:t>Lựa chọn – Rẻ nhánh</a:t>
             </a:r>
-            <a:endParaRPr lang="en-US" sz="1400" i="1" dirty="0"/>
+            <a:endParaRPr lang="en-US" sz="1400" i="1" dirty="0">
+              <a:latin typeface="+mj-lt"/>
+            </a:endParaRPr>
           </a:p>
         </p:txBody>
       </p:sp>
@@ -8740,6 +8691,7 @@
                 <a:solidFill>
                   <a:schemeClr val="tx1"/>
                 </a:solidFill>
+                <a:latin typeface="+mj-lt"/>
               </a:rPr>
               <a:t>Đèn Xanh</a:t>
             </a:r>
@@ -8747,6 +8699,7 @@
               <a:solidFill>
                 <a:schemeClr val="tx1"/>
               </a:solidFill>
+              <a:latin typeface="+mj-lt"/>
             </a:endParaRPr>
           </a:p>
         </p:txBody>
@@ -8798,7 +8751,7 @@
                 <a:solidFill>
                   <a:schemeClr val="tx1"/>
                 </a:solidFill>
-                <a:latin typeface="Arial" panose="020B0604020202020204" pitchFamily="34" charset="0"/>
+                <a:latin typeface="+mj-lt"/>
                 <a:cs typeface="Arial" panose="020B0604020202020204" pitchFamily="34" charset="0"/>
               </a:rPr>
               <a:t>Được đi qua đường</a:t>
@@ -8807,7 +8760,7 @@
               <a:solidFill>
                 <a:schemeClr val="tx1"/>
               </a:solidFill>
-              <a:latin typeface="Arial" panose="020B0604020202020204" pitchFamily="34" charset="0"/>
+              <a:latin typeface="+mj-lt"/>
               <a:cs typeface="Arial" panose="020B0604020202020204" pitchFamily="34" charset="0"/>
             </a:endParaRPr>
           </a:p>
@@ -8860,7 +8813,7 @@
                 <a:solidFill>
                   <a:schemeClr val="tx1"/>
                 </a:solidFill>
-                <a:latin typeface="Arial" panose="020B0604020202020204" pitchFamily="34" charset="0"/>
+                <a:latin typeface="+mj-lt"/>
                 <a:cs typeface="Arial" panose="020B0604020202020204" pitchFamily="34" charset="0"/>
               </a:rPr>
               <a:t>Đứng chờ</a:t>
@@ -8869,7 +8822,7 @@
               <a:solidFill>
                 <a:schemeClr val="tx1"/>
               </a:solidFill>
-              <a:latin typeface="Arial" panose="020B0604020202020204" pitchFamily="34" charset="0"/>
+              <a:latin typeface="+mj-lt"/>
               <a:cs typeface="Arial" panose="020B0604020202020204" pitchFamily="34" charset="0"/>
             </a:endParaRPr>
           </a:p>
@@ -9042,10 +8995,14 @@
           <a:lstStyle/>
           <a:p>
             <a:r>
-              <a:rPr lang="en-US" b="1" dirty="0" smtClean="0"/>
+              <a:rPr lang="en-US" b="1" dirty="0" smtClean="0">
+                <a:latin typeface="+mj-lt"/>
+              </a:rPr>
               <a:t>ĐÚNG</a:t>
             </a:r>
-            <a:endParaRPr lang="en-US" b="1" dirty="0"/>
+            <a:endParaRPr lang="en-US" b="1" dirty="0">
+              <a:latin typeface="+mj-lt"/>
+            </a:endParaRPr>
           </a:p>
         </p:txBody>
       </p:sp>
@@ -9072,10 +9029,14 @@
           <a:lstStyle/>
           <a:p>
             <a:r>
-              <a:rPr lang="en-US" b="1" dirty="0" smtClean="0"/>
+              <a:rPr lang="en-US" b="1" dirty="0" smtClean="0">
+                <a:latin typeface="+mj-lt"/>
+              </a:rPr>
               <a:t>SAI</a:t>
             </a:r>
-            <a:endParaRPr lang="en-US" b="1" dirty="0"/>
+            <a:endParaRPr lang="en-US" b="1" dirty="0">
+              <a:latin typeface="+mj-lt"/>
+            </a:endParaRPr>
           </a:p>
         </p:txBody>
       </p:sp>
@@ -9307,9 +9268,6 @@
               </a:rPr>
               <a:t>1</a:t>
             </a:r>
-            <a:endParaRPr lang="en-US" b="1" dirty="0">
-              <a:latin typeface="UTM Helve" panose="02040603050506020204" pitchFamily="18" charset="0"/>
-            </a:endParaRPr>
           </a:p>
         </p:txBody>
       </p:sp>
@@ -9336,14 +9294,14 @@
           <a:lstStyle/>
           <a:p>
             <a:r>
-              <a:rPr lang="en-US" sz="2000" b="1" dirty="0" smtClean="0">
+              <a:rPr lang="en-US" sz="2000" dirty="0" smtClean="0">
                 <a:latin typeface="Arial" panose="020B0604020202020204" pitchFamily="34" charset="0"/>
                 <a:cs typeface="Arial" panose="020B0604020202020204" pitchFamily="34" charset="0"/>
               </a:rPr>
               <a:t>Bằng cách sử dụng sơ đồ giải thuật để phân tích các điều kiện và hành động như 2 ví dụ trên thì có nghĩa các bạn đang làm quen với khái niệm gọi là </a:t>
             </a:r>
             <a:r>
-              <a:rPr lang="en-US" sz="2000" b="1" dirty="0" smtClean="0">
+              <a:rPr lang="en-US" sz="2000" dirty="0" smtClean="0">
                 <a:solidFill>
                   <a:srgbClr val="FF0000"/>
                 </a:solidFill>
@@ -9352,7 +9310,7 @@
               </a:rPr>
               <a:t>Thuật Toán</a:t>
             </a:r>
-            <a:endParaRPr lang="vi-VN" sz="2000" b="1" dirty="0">
+            <a:endParaRPr lang="vi-VN" sz="2000" dirty="0">
               <a:solidFill>
                 <a:srgbClr val="FF0000"/>
               </a:solidFill>
@@ -9384,7 +9342,7 @@
         </p:blipFill>
         <p:spPr>
           <a:xfrm>
-            <a:off x="6383259" y="3659787"/>
+            <a:off x="5945938" y="2674620"/>
             <a:ext cx="2533650" cy="2971800"/>
           </a:xfrm>
           <a:prstGeom prst="rect">
@@ -9478,7 +9436,7 @@
           <a:lstStyle/>
           <a:p>
             <a:r>
-              <a:rPr lang="en-US" sz="2000" b="1" dirty="0" smtClean="0">
+              <a:rPr lang="en-US" sz="2000" dirty="0" smtClean="0">
                 <a:latin typeface="Arial" panose="020B0604020202020204" pitchFamily="34" charset="0"/>
                 <a:cs typeface="Arial" panose="020B0604020202020204" pitchFamily="34" charset="0"/>
               </a:rPr>
@@ -9486,7 +9444,7 @@
             </a:r>
           </a:p>
           <a:p>
-            <a:endParaRPr lang="en-US" sz="2000" b="1" dirty="0">
+            <a:endParaRPr lang="en-US" sz="2000" dirty="0">
               <a:solidFill>
                 <a:srgbClr val="FF0000"/>
               </a:solidFill>
@@ -9496,13 +9454,13 @@
           </a:p>
           <a:p>
             <a:r>
-              <a:rPr lang="en-US" sz="2000" b="1" dirty="0" smtClean="0">
+              <a:rPr lang="en-US" sz="2000" dirty="0" smtClean="0">
                 <a:latin typeface="Arial" panose="020B0604020202020204" pitchFamily="34" charset="0"/>
                 <a:cs typeface="Arial" panose="020B0604020202020204" pitchFamily="34" charset="0"/>
               </a:rPr>
               <a:t>Hãy áp dụng thuật toán để giải quyết nhé</a:t>
             </a:r>
-            <a:endParaRPr lang="vi-VN" sz="2000" b="1" dirty="0">
+            <a:endParaRPr lang="vi-VN" sz="2000" dirty="0">
               <a:latin typeface="Arial" panose="020B0604020202020204" pitchFamily="34" charset="0"/>
               <a:cs typeface="Arial" panose="020B0604020202020204" pitchFamily="34" charset="0"/>
             </a:endParaRPr>
@@ -9518,7 +9476,7 @@
         <p:spPr>
           <a:xfrm>
             <a:off x="731520" y="5620226"/>
-            <a:ext cx="5852160" cy="687987"/>
+            <a:ext cx="7646670" cy="687987"/>
           </a:xfrm>
           <a:prstGeom prst="roundRect">
             <a:avLst/>
@@ -9596,7 +9554,7 @@
         </p:blipFill>
         <p:spPr>
           <a:xfrm rot="21276999">
-            <a:off x="346806" y="4852951"/>
+            <a:off x="635934" y="4911708"/>
             <a:ext cx="765616" cy="671867"/>
           </a:xfrm>
           <a:prstGeom prst="rect">
@@ -9743,17 +9701,7 @@
                 <a:latin typeface="UTM Helve" panose="02040603050506020204" pitchFamily="18" charset="0"/>
                 <a:ea typeface="Roboto" pitchFamily="2" charset="0"/>
               </a:rPr>
-              <a:t>4.3 Lựa chọn </a:t>
-            </a:r>
-            <a:r>
-              <a:rPr lang="en-US" sz="2400" b="1" dirty="0" smtClean="0">
-                <a:solidFill>
-                  <a:srgbClr val="64C7E9"/>
-                </a:solidFill>
-                <a:latin typeface="UTM Helve" panose="02040603050506020204" pitchFamily="18" charset="0"/>
-                <a:ea typeface="Roboto" pitchFamily="2" charset="0"/>
-              </a:rPr>
-              <a:t>và micro:bit</a:t>
+              <a:t>4.3 Lựa chọn và micro:bit</a:t>
             </a:r>
             <a:endParaRPr lang="en-US" sz="2400" b="1" dirty="0">
               <a:solidFill>
@@ -10032,13 +9980,6 @@
               </a:rPr>
               <a:t>4.3 Lựa chọn và micro:bit</a:t>
             </a:r>
-            <a:endParaRPr lang="en-US" sz="2400" b="1" dirty="0">
-              <a:solidFill>
-                <a:srgbClr val="64C7E9"/>
-              </a:solidFill>
-              <a:latin typeface="UTM Helve" panose="02040603050506020204" pitchFamily="18" charset="0"/>
-              <a:ea typeface="Roboto" pitchFamily="2" charset="0"/>
-            </a:endParaRPr>
           </a:p>
         </p:txBody>
       </p:sp>
@@ -10099,9 +10040,6 @@
               </a:rPr>
               <a:t>2</a:t>
             </a:r>
-            <a:endParaRPr lang="en-US" b="1" dirty="0">
-              <a:latin typeface="UTM Helve" panose="02040603050506020204" pitchFamily="18" charset="0"/>
-            </a:endParaRPr>
           </a:p>
         </p:txBody>
       </p:sp>
@@ -10128,31 +10066,27 @@
           <a:lstStyle/>
           <a:p>
             <a:r>
-              <a:rPr lang="vi-VN" sz="2000" b="1" dirty="0">
+              <a:rPr lang="vi-VN" sz="2000" dirty="0">
                 <a:solidFill>
                   <a:srgbClr val="FF0000"/>
                 </a:solidFill>
-                <a:latin typeface="Arial" panose="020B0604020202020204" pitchFamily="34" charset="0"/>
                 <a:cs typeface="Arial" panose="020B0604020202020204" pitchFamily="34" charset="0"/>
               </a:rPr>
               <a:t>Điều kiện</a:t>
             </a:r>
             <a:r>
-              <a:rPr lang="vi-VN" sz="2000" b="1" dirty="0">
-                <a:latin typeface="Arial" panose="020B0604020202020204" pitchFamily="34" charset="0"/>
+              <a:rPr lang="vi-VN" sz="2000" dirty="0">
                 <a:cs typeface="Arial" panose="020B0604020202020204" pitchFamily="34" charset="0"/>
               </a:rPr>
               <a:t> gì cần phải được đáp ứng </a:t>
             </a:r>
             <a:r>
-              <a:rPr lang="en-US" sz="2000" b="1" dirty="0" smtClean="0">
-                <a:latin typeface="Arial" panose="020B0604020202020204" pitchFamily="34" charset="0"/>
+              <a:rPr lang="en-US" sz="2000" dirty="0" smtClean="0">
                 <a:cs typeface="Arial" panose="020B0604020202020204" pitchFamily="34" charset="0"/>
               </a:rPr>
               <a:t>để hiển thị mặt cười</a:t>
             </a:r>
-            <a:endParaRPr lang="vi-VN" sz="2000" b="1" dirty="0">
-              <a:latin typeface="Arial" panose="020B0604020202020204" pitchFamily="34" charset="0"/>
+            <a:endParaRPr lang="vi-VN" sz="2000" dirty="0">
               <a:cs typeface="Arial" panose="020B0604020202020204" pitchFamily="34" charset="0"/>
             </a:endParaRPr>
           </a:p>
@@ -10244,7 +10178,7 @@
           <a:lstStyle/>
           <a:p>
             <a:r>
-              <a:rPr lang="vi-VN" sz="2000" b="1" dirty="0"/>
+              <a:rPr lang="vi-VN" sz="2000" dirty="0"/>
               <a:t>Đầu ra là gì khi điều kiện không được đáp ứng?</a:t>
             </a:r>
           </a:p>
@@ -10307,9 +10241,6 @@
               </a:rPr>
               <a:t>1</a:t>
             </a:r>
-            <a:endParaRPr lang="en-US" b="1" dirty="0">
-              <a:latin typeface="UTM Helve" panose="02040603050506020204" pitchFamily="18" charset="0"/>
-            </a:endParaRPr>
           </a:p>
         </p:txBody>
       </p:sp>
@@ -10336,31 +10267,27 @@
           <a:lstStyle/>
           <a:p>
             <a:r>
-              <a:rPr lang="en-US" sz="2000" b="1" dirty="0" smtClean="0">
+              <a:rPr lang="en-US" sz="2000" dirty="0" smtClean="0">
                 <a:solidFill>
                   <a:srgbClr val="FF0000"/>
                 </a:solidFill>
-                <a:latin typeface="Arial" panose="020B0604020202020204" pitchFamily="34" charset="0"/>
                 <a:cs typeface="Arial" panose="020B0604020202020204" pitchFamily="34" charset="0"/>
               </a:rPr>
               <a:t>Lựa chọn </a:t>
             </a:r>
             <a:r>
-              <a:rPr lang="en-US" sz="2000" b="1" dirty="0" smtClean="0">
-                <a:latin typeface="Arial" panose="020B0604020202020204" pitchFamily="34" charset="0"/>
+              <a:rPr lang="en-US" sz="2000" dirty="0" smtClean="0">
                 <a:cs typeface="Arial" panose="020B0604020202020204" pitchFamily="34" charset="0"/>
               </a:rPr>
               <a:t>trong ví dụ này là gì </a:t>
             </a:r>
             <a:r>
-              <a:rPr lang="vi-VN" sz="2000" b="1" dirty="0" smtClean="0">
-                <a:latin typeface="Arial" panose="020B0604020202020204" pitchFamily="34" charset="0"/>
+              <a:rPr lang="vi-VN" sz="2000" dirty="0" smtClean="0">
                 <a:cs typeface="Arial" panose="020B0604020202020204" pitchFamily="34" charset="0"/>
               </a:rPr>
               <a:t>?</a:t>
             </a:r>
-            <a:endParaRPr lang="vi-VN" sz="2000" b="1" dirty="0">
-              <a:latin typeface="Arial" panose="020B0604020202020204" pitchFamily="34" charset="0"/>
+            <a:endParaRPr lang="vi-VN" sz="2000" dirty="0">
               <a:cs typeface="Arial" panose="020B0604020202020204" pitchFamily="34" charset="0"/>
             </a:endParaRPr>
           </a:p>
@@ -10420,22 +10347,22 @@
         <a:srgbClr val="954F72"/>
       </a:folHlink>
     </a:clrScheme>
-    <a:fontScheme name="Office Theme">
+    <a:fontScheme name="Arial">
       <a:majorFont>
-        <a:latin typeface="Calibri Light" panose="020F0302020204030204"/>
+        <a:latin typeface="Arial" panose="020B0604020202020204"/>
         <a:ea typeface=""/>
         <a:cs typeface=""/>
-        <a:font script="Jpan" typeface="游ゴシック Light"/>
-        <a:font script="Hang" typeface="맑은 고딕"/>
-        <a:font script="Hans" typeface="等线 Light"/>
-        <a:font script="Hant" typeface="新細明體"/>
-        <a:font script="Arab" typeface="Times New Roman"/>
-        <a:font script="Hebr" typeface="Times New Roman"/>
-        <a:font script="Thai" typeface="Angsana New"/>
+        <a:font script="Jpan" typeface="ＭＳ Ｐゴシック"/>
+        <a:font script="Hang" typeface="굴림"/>
+        <a:font script="Hans" typeface="黑体"/>
+        <a:font script="Hant" typeface="微軟正黑體"/>
+        <a:font script="Arab" typeface="Arial"/>
+        <a:font script="Hebr" typeface="Arial"/>
+        <a:font script="Thai" typeface="Cordia New"/>
         <a:font script="Ethi" typeface="Nyala"/>
         <a:font script="Beng" typeface="Vrinda"/>
         <a:font script="Gujr" typeface="Shruti"/>
-        <a:font script="Khmr" typeface="MoolBoran"/>
+        <a:font script="Khmr" typeface="DaunPenh"/>
         <a:font script="Knda" typeface="Tunga"/>
         <a:font script="Guru" typeface="Raavi"/>
         <a:font script="Cans" typeface="Euphemia"/>
@@ -10452,18 +10379,18 @@
         <a:font script="Laoo" typeface="DokChampa"/>
         <a:font script="Sinh" typeface="Iskoola Pota"/>
         <a:font script="Mong" typeface="Mongolian Baiti"/>
-        <a:font script="Viet" typeface="Times New Roman"/>
+        <a:font script="Viet" typeface="Arial"/>
         <a:font script="Uigh" typeface="Microsoft Uighur"/>
         <a:font script="Geor" typeface="Sylfaen"/>
       </a:majorFont>
       <a:minorFont>
-        <a:latin typeface="Calibri" panose="020F0502020204030204"/>
+        <a:latin typeface="Arial" panose="020B0604020202020204"/>
         <a:ea typeface=""/>
         <a:cs typeface=""/>
-        <a:font script="Jpan" typeface="游ゴシック"/>
-        <a:font script="Hang" typeface="맑은 고딕"/>
-        <a:font script="Hans" typeface="等线"/>
-        <a:font script="Hant" typeface="新細明體"/>
+        <a:font script="Jpan" typeface="ＭＳ Ｐゴシック"/>
+        <a:font script="Hang" typeface="굴림"/>
+        <a:font script="Hans" typeface="黑体"/>
+        <a:font script="Hant" typeface="微軟正黑體"/>
         <a:font script="Arab" typeface="Arial"/>
         <a:font script="Hebr" typeface="Arial"/>
         <a:font script="Thai" typeface="Cordia New"/>

--- a/Lessions/Bai-04-Conditions-and-Logic/4.Conditional-and-Boolean.pptx
+++ b/Lessions/Bai-04-Conditions-and-Logic/4.Conditional-and-Boolean.pptx
@@ -211,7 +211,7 @@
           <a:p>
             <a:fld id="{E1BDF935-9821-4834-9D99-7DEFA719F44D}" type="datetimeFigureOut">
               <a:rPr lang="en-US" smtClean="0"/>
-              <a:t>5/6/2023</a:t>
+              <a:t>5/15/2023</a:t>
             </a:fld>
             <a:endParaRPr lang="en-US"/>
           </a:p>
@@ -4000,7 +4000,33 @@
                 <a:latin typeface="UTM Helve" panose="02040603050506020204" pitchFamily="18" charset="0"/>
                 <a:ea typeface="Roboto" pitchFamily="2" charset="0"/>
               </a:rPr>
-              <a:t>Chương trình Smile Status</a:t>
+              <a:t>Chương trình </a:t>
+            </a:r>
+            <a:r>
+              <a:rPr lang="en-US" sz="2400" b="1" dirty="0" smtClean="0">
+                <a:solidFill>
+                  <a:schemeClr val="tx1">
+                    <a:lumMod val="85000"/>
+                    <a:lumOff val="15000"/>
+                  </a:schemeClr>
+                </a:solidFill>
+                <a:latin typeface="UTM Helve" panose="02040603050506020204" pitchFamily="18" charset="0"/>
+                <a:ea typeface="Roboto" pitchFamily="2" charset="0"/>
+              </a:rPr>
+              <a:t>Face </a:t>
+            </a:r>
+            <a:r>
+              <a:rPr lang="en-US" sz="2400" b="1" dirty="0" smtClean="0">
+                <a:solidFill>
+                  <a:schemeClr val="tx1">
+                    <a:lumMod val="85000"/>
+                    <a:lumOff val="15000"/>
+                  </a:schemeClr>
+                </a:solidFill>
+                <a:latin typeface="UTM Helve" panose="02040603050506020204" pitchFamily="18" charset="0"/>
+                <a:ea typeface="Roboto" pitchFamily="2" charset="0"/>
+              </a:rPr>
+              <a:t>Status</a:t>
             </a:r>
             <a:endParaRPr lang="en-US" sz="2400" b="1" dirty="0">
               <a:solidFill>

--- a/Lessions/Bai-04-Conditions-and-Logic/4.Conditional-and-Boolean.pptx
+++ b/Lessions/Bai-04-Conditions-and-Logic/4.Conditional-and-Boolean.pptx
@@ -5,7 +5,7 @@
     <p:sldMasterId id="2147483660" r:id="rId1"/>
   </p:sldMasterIdLst>
   <p:notesMasterIdLst>
-    <p:notesMasterId r:id="rId17"/>
+    <p:notesMasterId r:id="rId21"/>
   </p:notesMasterIdLst>
   <p:sldIdLst>
     <p:sldId id="256" r:id="rId2"/>
@@ -20,9 +20,13 @@
     <p:sldId id="265" r:id="rId11"/>
     <p:sldId id="266" r:id="rId12"/>
     <p:sldId id="267" r:id="rId13"/>
-    <p:sldId id="268" r:id="rId14"/>
-    <p:sldId id="269" r:id="rId15"/>
-    <p:sldId id="270" r:id="rId16"/>
+    <p:sldId id="271" r:id="rId14"/>
+    <p:sldId id="272" r:id="rId15"/>
+    <p:sldId id="274" r:id="rId16"/>
+    <p:sldId id="268" r:id="rId17"/>
+    <p:sldId id="273" r:id="rId18"/>
+    <p:sldId id="269" r:id="rId19"/>
+    <p:sldId id="270" r:id="rId20"/>
   </p:sldIdLst>
   <p:sldSz cx="9144000" cy="6858000" type="screen4x3"/>
   <p:notesSz cx="6858000" cy="9144000"/>
@@ -211,7 +215,7 @@
           <a:p>
             <a:fld id="{E1BDF935-9821-4834-9D99-7DEFA719F44D}" type="datetimeFigureOut">
               <a:rPr lang="en-US" smtClean="0"/>
-              <a:t>5/15/2023</a:t>
+              <a:t>5/16/2023</a:t>
             </a:fld>
             <a:endParaRPr lang="en-US"/>
           </a:p>
@@ -2307,7 +2311,7 @@
                 <a:solidFill>
                   <a:srgbClr val="64C7E9"/>
                 </a:solidFill>
-                <a:latin typeface="UTM Helve" panose="02040603050506020204" pitchFamily="18" charset="0"/>
+                <a:latin typeface="+mj-lt"/>
                 <a:ea typeface="Roboto" pitchFamily="2" charset="0"/>
               </a:rPr>
               <a:t>4.3 Lựa chọn và micro:bit</a:t>
@@ -3369,7 +3373,7 @@
                 <a:solidFill>
                   <a:srgbClr val="64C7E9"/>
                 </a:solidFill>
-                <a:latin typeface="UTM Helve" panose="02040603050506020204" pitchFamily="18" charset="0"/>
+                <a:latin typeface="+mj-lt"/>
                 <a:ea typeface="Roboto" pitchFamily="2" charset="0"/>
               </a:rPr>
               <a:t>4.3 Làm nhiều hơn với mỗi Inputs</a:t>
@@ -3378,7 +3382,7 @@
               <a:solidFill>
                 <a:srgbClr val="64C7E9"/>
               </a:solidFill>
-              <a:latin typeface="UTM Helve" panose="02040603050506020204" pitchFamily="18" charset="0"/>
+              <a:latin typeface="+mj-lt"/>
               <a:ea typeface="Roboto" pitchFamily="2" charset="0"/>
             </a:endParaRPr>
           </a:p>
@@ -3804,7 +3808,111 @@
       </p:sp>
       <p:sp>
         <p:nvSpPr>
-          <p:cNvPr id="3" name="Rectangle 2"/>
+          <p:cNvPr id="3" name="TextBox 2"/>
+          <p:cNvSpPr txBox="1"/>
+          <p:nvPr/>
+        </p:nvSpPr>
+        <p:spPr>
+          <a:xfrm>
+            <a:off x="1143375" y="1270559"/>
+            <a:ext cx="7324930" cy="461665"/>
+          </a:xfrm>
+          <a:prstGeom prst="rect">
+            <a:avLst/>
+          </a:prstGeom>
+          <a:noFill/>
+        </p:spPr>
+        <p:txBody>
+          <a:bodyPr wrap="square" rtlCol="0">
+            <a:spAutoFit/>
+          </a:bodyPr>
+          <a:lstStyle/>
+          <a:p>
+            <a:r>
+              <a:rPr lang="en-US" sz="2400" b="1" dirty="0" smtClean="0">
+                <a:solidFill>
+                  <a:schemeClr val="tx1">
+                    <a:lumMod val="85000"/>
+                    <a:lumOff val="15000"/>
+                  </a:schemeClr>
+                </a:solidFill>
+                <a:latin typeface="UTM Helve" panose="02040603050506020204" pitchFamily="18" charset="0"/>
+                <a:ea typeface="Roboto" pitchFamily="2" charset="0"/>
+              </a:rPr>
+              <a:t>Lựa </a:t>
+            </a:r>
+            <a:r>
+              <a:rPr lang="en-US" sz="2400" b="1" dirty="0" smtClean="0">
+                <a:solidFill>
+                  <a:schemeClr val="tx1">
+                    <a:lumMod val="85000"/>
+                    <a:lumOff val="15000"/>
+                  </a:schemeClr>
+                </a:solidFill>
+                <a:latin typeface="+mj-lt"/>
+                <a:ea typeface="Roboto" pitchFamily="2" charset="0"/>
+              </a:rPr>
+              <a:t>chọn</a:t>
+            </a:r>
+            <a:r>
+              <a:rPr lang="en-US" sz="2400" b="1" dirty="0" smtClean="0">
+                <a:solidFill>
+                  <a:schemeClr val="tx1">
+                    <a:lumMod val="85000"/>
+                    <a:lumOff val="15000"/>
+                  </a:schemeClr>
+                </a:solidFill>
+                <a:latin typeface="UTM Helve" panose="02040603050506020204" pitchFamily="18" charset="0"/>
+                <a:ea typeface="Roboto" pitchFamily="2" charset="0"/>
+              </a:rPr>
+              <a:t> trong Makcode với câu lệnh if else</a:t>
+            </a:r>
+            <a:endParaRPr lang="en-US" sz="2400" b="1" dirty="0">
+              <a:solidFill>
+                <a:schemeClr val="tx1">
+                  <a:lumMod val="85000"/>
+                  <a:lumOff val="15000"/>
+                </a:schemeClr>
+              </a:solidFill>
+              <a:latin typeface="UTM Helve" panose="02040603050506020204" pitchFamily="18" charset="0"/>
+              <a:ea typeface="Roboto" pitchFamily="2" charset="0"/>
+            </a:endParaRPr>
+          </a:p>
+        </p:txBody>
+      </p:sp>
+      <p:pic>
+        <p:nvPicPr>
+          <p:cNvPr id="4" name="Picture 3"/>
+          <p:cNvPicPr>
+            <a:picLocks noChangeAspect="1"/>
+          </p:cNvPicPr>
+          <p:nvPr/>
+        </p:nvPicPr>
+        <p:blipFill>
+          <a:blip r:embed="rId2">
+            <a:extLst>
+              <a:ext uri="{28A0092B-C50C-407E-A947-70E740481C1C}">
+                <a14:useLocalDpi xmlns:a14="http://schemas.microsoft.com/office/drawing/2010/main" val="0"/>
+              </a:ext>
+            </a:extLst>
+          </a:blip>
+          <a:stretch>
+            <a:fillRect/>
+          </a:stretch>
+        </p:blipFill>
+        <p:spPr>
+          <a:xfrm>
+            <a:off x="587123" y="1343516"/>
+            <a:ext cx="466725" cy="409575"/>
+          </a:xfrm>
+          <a:prstGeom prst="rect">
+            <a:avLst/>
+          </a:prstGeom>
+        </p:spPr>
+      </p:pic>
+      <p:sp>
+        <p:nvSpPr>
+          <p:cNvPr id="5" name="Rectangle 4"/>
           <p:cNvSpPr/>
           <p:nvPr/>
         </p:nvSpPr>
@@ -3859,14 +3967,14 @@
       </p:sp>
       <p:sp>
         <p:nvSpPr>
-          <p:cNvPr id="4" name="TextBox 3"/>
+          <p:cNvPr id="7" name="TextBox 6"/>
           <p:cNvSpPr txBox="1"/>
           <p:nvPr/>
         </p:nvSpPr>
         <p:spPr>
           <a:xfrm>
-            <a:off x="248815" y="546584"/>
-            <a:ext cx="7374995" cy="461665"/>
+            <a:off x="399222" y="509528"/>
+            <a:ext cx="4709160" cy="461665"/>
           </a:xfrm>
           <a:prstGeom prst="rect">
             <a:avLst/>
@@ -3880,274 +3988,318 @@
           <a:lstStyle/>
           <a:p>
             <a:r>
-              <a:rPr lang="en-US" sz="2400" b="1" dirty="0" smtClean="0">
+              <a:rPr lang="en-US" sz="2400" b="1" dirty="0">
                 <a:solidFill>
                   <a:srgbClr val="64C7E9"/>
                 </a:solidFill>
                 <a:latin typeface="UTM Helve" panose="02040603050506020204" pitchFamily="18" charset="0"/>
                 <a:ea typeface="Roboto" pitchFamily="2" charset="0"/>
               </a:rPr>
-              <a:t>4.4 Hoạt động học viên</a:t>
-            </a:r>
-            <a:endParaRPr lang="en-US" sz="2400" b="1" dirty="0">
-              <a:solidFill>
-                <a:srgbClr val="64C7E9"/>
-              </a:solidFill>
-              <a:latin typeface="UTM Helve" panose="02040603050506020204" pitchFamily="18" charset="0"/>
-              <a:ea typeface="Roboto" pitchFamily="2" charset="0"/>
+              <a:t>4.3 Lựa </a:t>
+            </a:r>
+            <a:r>
+              <a:rPr lang="en-US" sz="2400" b="1" dirty="0">
+                <a:solidFill>
+                  <a:srgbClr val="64C7E9"/>
+                </a:solidFill>
+                <a:latin typeface="+mj-lt"/>
+                <a:ea typeface="Roboto" pitchFamily="2" charset="0"/>
+              </a:rPr>
+              <a:t>chọn</a:t>
+            </a:r>
+            <a:r>
+              <a:rPr lang="en-US" sz="2400" b="1" dirty="0">
+                <a:solidFill>
+                  <a:srgbClr val="64C7E9"/>
+                </a:solidFill>
+                <a:latin typeface="UTM Helve" panose="02040603050506020204" pitchFamily="18" charset="0"/>
+                <a:ea typeface="Roboto" pitchFamily="2" charset="0"/>
+              </a:rPr>
+              <a:t> và micro:bit</a:t>
+            </a:r>
+          </a:p>
+        </p:txBody>
+      </p:sp>
+      <p:sp>
+        <p:nvSpPr>
+          <p:cNvPr id="9" name="TextBox 8"/>
+          <p:cNvSpPr txBox="1"/>
+          <p:nvPr/>
+        </p:nvSpPr>
+        <p:spPr>
+          <a:xfrm>
+            <a:off x="705046" y="1817742"/>
+            <a:ext cx="7632922" cy="1015663"/>
+          </a:xfrm>
+          <a:prstGeom prst="rect">
+            <a:avLst/>
+          </a:prstGeom>
+          <a:noFill/>
+        </p:spPr>
+        <p:txBody>
+          <a:bodyPr wrap="square" rtlCol="0">
+            <a:spAutoFit/>
+          </a:bodyPr>
+          <a:lstStyle/>
+          <a:p>
+            <a:r>
+              <a:rPr lang="en-US" sz="2000" dirty="0" smtClean="0">
+                <a:latin typeface="Arial" panose="020B0604020202020204" pitchFamily="34" charset="0"/>
+                <a:cs typeface="Arial" panose="020B0604020202020204" pitchFamily="34" charset="0"/>
+              </a:rPr>
+              <a:t>Ngoài cách rẻ nhánh, lựa chọn bằng cách button tương ứng. Các bạn có thể sử dụng câu lệnh if else if và để kiểm tra một nút có được nhấn không, hay một giá trị có thõa điều kiện không</a:t>
+            </a:r>
+            <a:endParaRPr lang="vi-VN" sz="2000" dirty="0">
+              <a:latin typeface="Arial" panose="020B0604020202020204" pitchFamily="34" charset="0"/>
+              <a:cs typeface="Arial" panose="020B0604020202020204" pitchFamily="34" charset="0"/>
             </a:endParaRPr>
           </a:p>
         </p:txBody>
       </p:sp>
       <p:pic>
         <p:nvPicPr>
-          <p:cNvPr id="5" name="Google Shape;123;p18">
-            <a:hlinkClick r:id="rId2"/>
-          </p:cNvPr>
-          <p:cNvPicPr preferRelativeResize="0"/>
+          <p:cNvPr id="10" name="Picture 9"/>
+          <p:cNvPicPr>
+            <a:picLocks noChangeAspect="1"/>
+          </p:cNvPicPr>
           <p:nvPr/>
         </p:nvPicPr>
-        <p:blipFill rotWithShape="1">
-          <a:blip r:embed="rId3" cstate="screen">
-            <a:alphaModFix/>
-            <a:extLst>
-              <a:ext uri="{28A0092B-C50C-407E-A947-70E740481C1C}">
-                <a14:useLocalDpi xmlns:a14="http://schemas.microsoft.com/office/drawing/2010/main"/>
-              </a:ext>
-            </a:extLst>
-          </a:blip>
-          <a:srcRect b="50526"/>
-          <a:stretch/>
+        <p:blipFill>
+          <a:blip r:embed="rId3"/>
+          <a:stretch>
+            <a:fillRect/>
+          </a:stretch>
         </p:blipFill>
         <p:spPr>
           <a:xfrm>
-            <a:off x="778940" y="3843291"/>
-            <a:ext cx="7559028" cy="2420349"/>
+            <a:off x="705046" y="3006019"/>
+            <a:ext cx="1790950" cy="1324160"/>
+          </a:xfrm>
+          <a:prstGeom prst="rect">
+            <a:avLst/>
+          </a:prstGeom>
+        </p:spPr>
+      </p:pic>
+      <p:pic>
+        <p:nvPicPr>
+          <p:cNvPr id="11" name="Picture 10"/>
+          <p:cNvPicPr>
+            <a:picLocks noChangeAspect="1"/>
+          </p:cNvPicPr>
+          <p:nvPr/>
+        </p:nvPicPr>
+        <p:blipFill>
+          <a:blip r:embed="rId4"/>
+          <a:stretch>
+            <a:fillRect/>
+          </a:stretch>
+        </p:blipFill>
+        <p:spPr>
+          <a:xfrm>
+            <a:off x="3512722" y="2949700"/>
+            <a:ext cx="3191320" cy="2029108"/>
+          </a:xfrm>
+          <a:prstGeom prst="rect">
+            <a:avLst/>
+          </a:prstGeom>
+        </p:spPr>
+      </p:pic>
+      <p:sp>
+        <p:nvSpPr>
+          <p:cNvPr id="12" name="TextBox 11"/>
+          <p:cNvSpPr txBox="1"/>
+          <p:nvPr/>
+        </p:nvSpPr>
+        <p:spPr>
+          <a:xfrm>
+            <a:off x="587123" y="4710383"/>
+            <a:ext cx="2311615" cy="646331"/>
           </a:xfrm>
           <a:prstGeom prst="rect">
             <a:avLst/>
           </a:prstGeom>
           <a:noFill/>
+        </p:spPr>
+        <p:txBody>
+          <a:bodyPr wrap="square" rtlCol="0">
+            <a:spAutoFit/>
+          </a:bodyPr>
+          <a:lstStyle/>
+          <a:p>
+            <a:r>
+              <a:rPr lang="en-US" dirty="0" smtClean="0">
+                <a:latin typeface="Arial" panose="020B0604020202020204" pitchFamily="34" charset="0"/>
+                <a:cs typeface="Arial" panose="020B0604020202020204" pitchFamily="34" charset="0"/>
+              </a:rPr>
+              <a:t>Mặt định hiển thị mặt buồn</a:t>
+            </a:r>
+            <a:endParaRPr lang="vi-VN" dirty="0">
+              <a:latin typeface="Arial" panose="020B0604020202020204" pitchFamily="34" charset="0"/>
+              <a:cs typeface="Arial" panose="020B0604020202020204" pitchFamily="34" charset="0"/>
+            </a:endParaRPr>
+          </a:p>
+        </p:txBody>
+      </p:sp>
+      <p:sp>
+        <p:nvSpPr>
+          <p:cNvPr id="13" name="TextBox 12"/>
+          <p:cNvSpPr txBox="1"/>
+          <p:nvPr/>
+        </p:nvSpPr>
+        <p:spPr>
+          <a:xfrm>
+            <a:off x="3512722" y="5064326"/>
+            <a:ext cx="3901538" cy="646331"/>
+          </a:xfrm>
+          <a:prstGeom prst="rect">
+            <a:avLst/>
+          </a:prstGeom>
+          <a:noFill/>
+        </p:spPr>
+        <p:txBody>
+          <a:bodyPr wrap="square" rtlCol="0">
+            <a:spAutoFit/>
+          </a:bodyPr>
+          <a:lstStyle/>
+          <a:p>
+            <a:r>
+              <a:rPr lang="en-US" dirty="0" smtClean="0">
+                <a:latin typeface="Arial" panose="020B0604020202020204" pitchFamily="34" charset="0"/>
+                <a:cs typeface="Arial" panose="020B0604020202020204" pitchFamily="34" charset="0"/>
+              </a:rPr>
+              <a:t>Phím A nhấn: điều kiện cần đáp ứng</a:t>
+            </a:r>
+          </a:p>
+          <a:p>
+            <a:r>
+              <a:rPr lang="en-US" dirty="0" smtClean="0">
+                <a:latin typeface="Arial" panose="020B0604020202020204" pitchFamily="34" charset="0"/>
+                <a:cs typeface="Arial" panose="020B0604020202020204" pitchFamily="34" charset="0"/>
+              </a:rPr>
+              <a:t>Hành động: hiển thị mặt cười</a:t>
+            </a:r>
+            <a:endParaRPr lang="vi-VN" dirty="0">
+              <a:latin typeface="Arial" panose="020B0604020202020204" pitchFamily="34" charset="0"/>
+              <a:cs typeface="Arial" panose="020B0604020202020204" pitchFamily="34" charset="0"/>
+            </a:endParaRPr>
+          </a:p>
+        </p:txBody>
+      </p:sp>
+      <p:sp>
+        <p:nvSpPr>
+          <p:cNvPr id="14" name="Rounded Rectangle 13"/>
+          <p:cNvSpPr/>
+          <p:nvPr/>
+        </p:nvSpPr>
+        <p:spPr>
+          <a:xfrm>
+            <a:off x="705046" y="5826953"/>
+            <a:ext cx="7871729" cy="687987"/>
+          </a:xfrm>
+          <a:prstGeom prst="roundRect">
+            <a:avLst/>
+          </a:prstGeom>
+          <a:gradFill flip="none" rotWithShape="1">
+            <a:gsLst>
+              <a:gs pos="15000">
+                <a:srgbClr val="67C7DF"/>
+              </a:gs>
+              <a:gs pos="100000">
+                <a:srgbClr val="5EB130"/>
+              </a:gs>
+            </a:gsLst>
+            <a:lin ang="0" scaled="1"/>
+            <a:tileRect/>
+          </a:gradFill>
           <a:ln>
             <a:noFill/>
           </a:ln>
         </p:spPr>
-      </p:pic>
+        <p:style>
+          <a:lnRef idx="2">
+            <a:schemeClr val="accent1">
+              <a:shade val="50000"/>
+            </a:schemeClr>
+          </a:lnRef>
+          <a:fillRef idx="1">
+            <a:schemeClr val="accent1"/>
+          </a:fillRef>
+          <a:effectRef idx="0">
+            <a:schemeClr val="accent1"/>
+          </a:effectRef>
+          <a:fontRef idx="minor">
+            <a:schemeClr val="lt1"/>
+          </a:fontRef>
+        </p:style>
+        <p:txBody>
+          <a:bodyPr rtlCol="0" anchor="ctr"/>
+          <a:lstStyle/>
+          <a:p>
+            <a:pPr algn="ctr"/>
+            <a:r>
+              <a:rPr lang="en-US" b="1" dirty="0" smtClean="0">
+                <a:latin typeface="Arial" panose="020B0604020202020204" pitchFamily="34" charset="0"/>
+                <a:cs typeface="Arial" panose="020B0604020202020204" pitchFamily="34" charset="0"/>
+              </a:rPr>
+              <a:t>       Dùng khối </a:t>
+            </a:r>
+            <a:r>
+              <a:rPr lang="en-US" b="1" dirty="0" smtClean="0">
+                <a:solidFill>
+                  <a:srgbClr val="FF0000"/>
+                </a:solidFill>
+                <a:latin typeface="Arial" panose="020B0604020202020204" pitchFamily="34" charset="0"/>
+                <a:cs typeface="Arial" panose="020B0604020202020204" pitchFamily="34" charset="0"/>
+              </a:rPr>
+              <a:t>forever</a:t>
+            </a:r>
+            <a:r>
+              <a:rPr lang="en-US" b="1" dirty="0" smtClean="0">
+                <a:latin typeface="Arial" panose="020B0604020202020204" pitchFamily="34" charset="0"/>
+                <a:cs typeface="Arial" panose="020B0604020202020204" pitchFamily="34" charset="0"/>
+              </a:rPr>
+              <a:t> để luôn luôn thực hiện một việc kiểm tra</a:t>
+            </a:r>
+            <a:endParaRPr lang="vi-VN" b="1" dirty="0">
+              <a:latin typeface="Arial" panose="020B0604020202020204" pitchFamily="34" charset="0"/>
+              <a:cs typeface="Arial" panose="020B0604020202020204" pitchFamily="34" charset="0"/>
+            </a:endParaRPr>
+          </a:p>
+        </p:txBody>
+      </p:sp>
       <p:pic>
         <p:nvPicPr>
-          <p:cNvPr id="6" name="Google Shape;123;p18">
-            <a:hlinkClick r:id="rId2"/>
-          </p:cNvPr>
-          <p:cNvPicPr preferRelativeResize="0"/>
-          <p:nvPr/>
-        </p:nvPicPr>
-        <p:blipFill rotWithShape="1">
-          <a:blip r:embed="rId3" cstate="screen">
-            <a:alphaModFix/>
-            <a:extLst>
-              <a:ext uri="{28A0092B-C50C-407E-A947-70E740481C1C}">
-                <a14:useLocalDpi xmlns:a14="http://schemas.microsoft.com/office/drawing/2010/main"/>
-              </a:ext>
-            </a:extLst>
-          </a:blip>
-          <a:srcRect l="58072" t="48895" r="15893"/>
-          <a:stretch/>
-        </p:blipFill>
-        <p:spPr>
-          <a:xfrm>
-            <a:off x="6738319" y="1393058"/>
-            <a:ext cx="1770981" cy="2249846"/>
-          </a:xfrm>
-          <a:prstGeom prst="rect">
-            <a:avLst/>
-          </a:prstGeom>
-          <a:noFill/>
-          <a:ln>
-            <a:noFill/>
-          </a:ln>
-        </p:spPr>
-      </p:pic>
-      <p:sp>
-        <p:nvSpPr>
-          <p:cNvPr id="8" name="TextBox 7"/>
-          <p:cNvSpPr txBox="1"/>
-          <p:nvPr/>
-        </p:nvSpPr>
-        <p:spPr>
-          <a:xfrm>
-            <a:off x="1146613" y="1393058"/>
-            <a:ext cx="4482860" cy="461665"/>
-          </a:xfrm>
-          <a:prstGeom prst="rect">
-            <a:avLst/>
-          </a:prstGeom>
-          <a:noFill/>
-        </p:spPr>
-        <p:txBody>
-          <a:bodyPr wrap="square" rtlCol="0">
-            <a:spAutoFit/>
-          </a:bodyPr>
-          <a:lstStyle/>
-          <a:p>
-            <a:r>
-              <a:rPr lang="en-US" sz="2400" b="1" dirty="0" smtClean="0">
-                <a:solidFill>
-                  <a:schemeClr val="tx1">
-                    <a:lumMod val="85000"/>
-                    <a:lumOff val="15000"/>
-                  </a:schemeClr>
-                </a:solidFill>
-                <a:latin typeface="UTM Helve" panose="02040603050506020204" pitchFamily="18" charset="0"/>
-                <a:ea typeface="Roboto" pitchFamily="2" charset="0"/>
-              </a:rPr>
-              <a:t>Chương trình </a:t>
-            </a:r>
-            <a:r>
-              <a:rPr lang="en-US" sz="2400" b="1" dirty="0" smtClean="0">
-                <a:solidFill>
-                  <a:schemeClr val="tx1">
-                    <a:lumMod val="85000"/>
-                    <a:lumOff val="15000"/>
-                  </a:schemeClr>
-                </a:solidFill>
-                <a:latin typeface="UTM Helve" panose="02040603050506020204" pitchFamily="18" charset="0"/>
-                <a:ea typeface="Roboto" pitchFamily="2" charset="0"/>
-              </a:rPr>
-              <a:t>Face </a:t>
-            </a:r>
-            <a:r>
-              <a:rPr lang="en-US" sz="2400" b="1" dirty="0" smtClean="0">
-                <a:solidFill>
-                  <a:schemeClr val="tx1">
-                    <a:lumMod val="85000"/>
-                    <a:lumOff val="15000"/>
-                  </a:schemeClr>
-                </a:solidFill>
-                <a:latin typeface="UTM Helve" panose="02040603050506020204" pitchFamily="18" charset="0"/>
-                <a:ea typeface="Roboto" pitchFamily="2" charset="0"/>
-              </a:rPr>
-              <a:t>Status</a:t>
-            </a:r>
-            <a:endParaRPr lang="en-US" sz="2400" b="1" dirty="0">
-              <a:solidFill>
-                <a:schemeClr val="tx1">
-                  <a:lumMod val="85000"/>
-                  <a:lumOff val="15000"/>
-                </a:schemeClr>
-              </a:solidFill>
-              <a:latin typeface="UTM Helve" panose="02040603050506020204" pitchFamily="18" charset="0"/>
-              <a:ea typeface="Roboto" pitchFamily="2" charset="0"/>
-            </a:endParaRPr>
-          </a:p>
-        </p:txBody>
-      </p:sp>
-      <p:pic>
-        <p:nvPicPr>
-          <p:cNvPr id="9" name="Picture 8"/>
+          <p:cNvPr id="15" name="Picture 14"/>
           <p:cNvPicPr>
             <a:picLocks noChangeAspect="1"/>
           </p:cNvPicPr>
           <p:nvPr/>
         </p:nvPicPr>
-        <p:blipFill>
-          <a:blip r:embed="rId4">
+        <p:blipFill rotWithShape="1">
+          <a:blip r:embed="rId5">
             <a:extLst>
               <a:ext uri="{28A0092B-C50C-407E-A947-70E740481C1C}">
                 <a14:useLocalDpi xmlns:a14="http://schemas.microsoft.com/office/drawing/2010/main" val="0"/>
               </a:ext>
             </a:extLst>
           </a:blip>
-          <a:stretch>
-            <a:fillRect/>
-          </a:stretch>
+          <a:srcRect l="27461" t="24884" r="31270" b="38372"/>
+          <a:stretch/>
         </p:blipFill>
         <p:spPr>
           <a:xfrm>
-            <a:off x="679888" y="1462786"/>
-            <a:ext cx="466725" cy="409575"/>
+            <a:off x="820485" y="5939162"/>
+            <a:ext cx="663173" cy="403005"/>
           </a:xfrm>
           <a:prstGeom prst="rect">
             <a:avLst/>
           </a:prstGeom>
         </p:spPr>
       </p:pic>
-      <p:sp>
-        <p:nvSpPr>
-          <p:cNvPr id="10" name="TextBox 9"/>
-          <p:cNvSpPr txBox="1"/>
-          <p:nvPr/>
-        </p:nvSpPr>
-        <p:spPr>
-          <a:xfrm>
-            <a:off x="778940" y="2266184"/>
-            <a:ext cx="4482860" cy="707886"/>
-          </a:xfrm>
-          <a:prstGeom prst="rect">
-            <a:avLst/>
-          </a:prstGeom>
-          <a:noFill/>
-        </p:spPr>
-        <p:txBody>
-          <a:bodyPr wrap="square" rtlCol="0">
-            <a:spAutoFit/>
-          </a:bodyPr>
-          <a:lstStyle/>
-          <a:p>
-            <a:r>
-              <a:rPr lang="en-US" sz="2000" dirty="0" smtClean="0">
-                <a:solidFill>
-                  <a:schemeClr val="tx1">
-                    <a:lumMod val="85000"/>
-                    <a:lumOff val="15000"/>
-                  </a:schemeClr>
-                </a:solidFill>
-                <a:latin typeface="UTM Helve" panose="02040603050506020204" pitchFamily="18" charset="0"/>
-                <a:ea typeface="Roboto" pitchFamily="2" charset="0"/>
-              </a:rPr>
-              <a:t>Hiện thị </a:t>
-            </a:r>
-            <a:r>
-              <a:rPr lang="en-US" sz="2000" dirty="0" smtClean="0">
-                <a:solidFill>
-                  <a:schemeClr val="tx1">
-                    <a:lumMod val="85000"/>
-                    <a:lumOff val="15000"/>
-                  </a:schemeClr>
-                </a:solidFill>
-                <a:ea typeface="Roboto" pitchFamily="2" charset="0"/>
-              </a:rPr>
-              <a:t>các</a:t>
-            </a:r>
-            <a:r>
-              <a:rPr lang="en-US" sz="2000" dirty="0" smtClean="0">
-                <a:solidFill>
-                  <a:schemeClr val="tx1">
-                    <a:lumMod val="85000"/>
-                    <a:lumOff val="15000"/>
-                  </a:schemeClr>
-                </a:solidFill>
-                <a:latin typeface="UTM Helve" panose="02040603050506020204" pitchFamily="18" charset="0"/>
-                <a:ea typeface="Roboto" pitchFamily="2" charset="0"/>
-              </a:rPr>
-              <a:t> hình ảnh tương ứng với từng sự kiện Inputs</a:t>
-            </a:r>
-            <a:endParaRPr lang="en-US" sz="2000" dirty="0">
-              <a:solidFill>
-                <a:schemeClr val="tx1">
-                  <a:lumMod val="85000"/>
-                  <a:lumOff val="15000"/>
-                </a:schemeClr>
-              </a:solidFill>
-              <a:latin typeface="UTM Helve" panose="02040603050506020204" pitchFamily="18" charset="0"/>
-              <a:ea typeface="Roboto" pitchFamily="2" charset="0"/>
-            </a:endParaRPr>
-          </a:p>
-        </p:txBody>
-      </p:sp>
     </p:spTree>
     <p:extLst>
       <p:ext uri="{BB962C8B-B14F-4D97-AF65-F5344CB8AC3E}">
-        <p14:creationId xmlns:p14="http://schemas.microsoft.com/office/powerpoint/2010/main" val="2794222345"/>
+        <p14:creationId xmlns:p14="http://schemas.microsoft.com/office/powerpoint/2010/main" val="2805685034"/>
       </p:ext>
     </p:extLst>
   </p:cSld>
@@ -4200,7 +4352,85 @@
       </p:sp>
       <p:sp>
         <p:nvSpPr>
-          <p:cNvPr id="3" name="Rectangle 2"/>
+          <p:cNvPr id="3" name="TextBox 2"/>
+          <p:cNvSpPr txBox="1"/>
+          <p:nvPr/>
+        </p:nvSpPr>
+        <p:spPr>
+          <a:xfrm>
+            <a:off x="1143375" y="1270559"/>
+            <a:ext cx="5098399" cy="461665"/>
+          </a:xfrm>
+          <a:prstGeom prst="rect">
+            <a:avLst/>
+          </a:prstGeom>
+          <a:noFill/>
+        </p:spPr>
+        <p:txBody>
+          <a:bodyPr wrap="square" rtlCol="0">
+            <a:spAutoFit/>
+          </a:bodyPr>
+          <a:lstStyle/>
+          <a:p>
+            <a:r>
+              <a:rPr lang="en-US" sz="2400" b="1" dirty="0" smtClean="0">
+                <a:solidFill>
+                  <a:schemeClr val="tx1">
+                    <a:lumMod val="85000"/>
+                    <a:lumOff val="15000"/>
+                  </a:schemeClr>
+                </a:solidFill>
+                <a:latin typeface="UTM Helve" panose="02040603050506020204" pitchFamily="18" charset="0"/>
+                <a:ea typeface="Roboto" pitchFamily="2" charset="0"/>
+              </a:rPr>
+              <a:t>If else if với Variables</a:t>
+            </a:r>
+            <a:endParaRPr lang="en-US" sz="2400" b="1" dirty="0">
+              <a:solidFill>
+                <a:schemeClr val="tx1">
+                  <a:lumMod val="85000"/>
+                  <a:lumOff val="15000"/>
+                </a:schemeClr>
+              </a:solidFill>
+              <a:latin typeface="UTM Helve" panose="02040603050506020204" pitchFamily="18" charset="0"/>
+              <a:ea typeface="Roboto" pitchFamily="2" charset="0"/>
+            </a:endParaRPr>
+          </a:p>
+        </p:txBody>
+      </p:sp>
+      <p:pic>
+        <p:nvPicPr>
+          <p:cNvPr id="4" name="Picture 3"/>
+          <p:cNvPicPr>
+            <a:picLocks noChangeAspect="1"/>
+          </p:cNvPicPr>
+          <p:nvPr/>
+        </p:nvPicPr>
+        <p:blipFill>
+          <a:blip r:embed="rId2">
+            <a:extLst>
+              <a:ext uri="{28A0092B-C50C-407E-A947-70E740481C1C}">
+                <a14:useLocalDpi xmlns:a14="http://schemas.microsoft.com/office/drawing/2010/main" val="0"/>
+              </a:ext>
+            </a:extLst>
+          </a:blip>
+          <a:stretch>
+            <a:fillRect/>
+          </a:stretch>
+        </p:blipFill>
+        <p:spPr>
+          <a:xfrm>
+            <a:off x="587123" y="1343516"/>
+            <a:ext cx="466725" cy="409575"/>
+          </a:xfrm>
+          <a:prstGeom prst="rect">
+            <a:avLst/>
+          </a:prstGeom>
+        </p:spPr>
+      </p:pic>
+      <p:sp>
+        <p:nvSpPr>
+          <p:cNvPr id="5" name="Rectangle 4"/>
           <p:cNvSpPr/>
           <p:nvPr/>
         </p:nvSpPr>
@@ -4255,14 +4485,14 @@
       </p:sp>
       <p:sp>
         <p:nvSpPr>
-          <p:cNvPr id="4" name="TextBox 3"/>
+          <p:cNvPr id="6" name="TextBox 5"/>
           <p:cNvSpPr txBox="1"/>
           <p:nvPr/>
         </p:nvSpPr>
         <p:spPr>
           <a:xfrm>
-            <a:off x="248815" y="546584"/>
-            <a:ext cx="7374995" cy="461665"/>
+            <a:off x="399222" y="509528"/>
+            <a:ext cx="4709160" cy="461665"/>
           </a:xfrm>
           <a:prstGeom prst="rect">
             <a:avLst/>
@@ -4276,22 +4506,81 @@
           <a:lstStyle/>
           <a:p>
             <a:r>
-              <a:rPr lang="en-US" sz="2400" b="1" dirty="0" smtClean="0">
+              <a:rPr lang="en-US" sz="2400" b="1" dirty="0">
                 <a:solidFill>
                   <a:srgbClr val="64C7E9"/>
                 </a:solidFill>
                 <a:latin typeface="UTM Helve" panose="02040603050506020204" pitchFamily="18" charset="0"/>
                 <a:ea typeface="Roboto" pitchFamily="2" charset="0"/>
               </a:rPr>
-              <a:t>4.4 Hoạt động học viên</a:t>
-            </a:r>
-            <a:endParaRPr lang="en-US" sz="2400" b="1" dirty="0">
-              <a:solidFill>
-                <a:srgbClr val="64C7E9"/>
-              </a:solidFill>
-              <a:latin typeface="UTM Helve" panose="02040603050506020204" pitchFamily="18" charset="0"/>
-              <a:ea typeface="Roboto" pitchFamily="2" charset="0"/>
-            </a:endParaRPr>
+              <a:t>4.3 Lựa </a:t>
+            </a:r>
+            <a:r>
+              <a:rPr lang="en-US" sz="2400" b="1" dirty="0">
+                <a:solidFill>
+                  <a:srgbClr val="64C7E9"/>
+                </a:solidFill>
+                <a:latin typeface="+mj-lt"/>
+                <a:ea typeface="Roboto" pitchFamily="2" charset="0"/>
+              </a:rPr>
+              <a:t>chọn</a:t>
+            </a:r>
+            <a:r>
+              <a:rPr lang="en-US" sz="2400" b="1" dirty="0">
+                <a:solidFill>
+                  <a:srgbClr val="64C7E9"/>
+                </a:solidFill>
+                <a:latin typeface="UTM Helve" panose="02040603050506020204" pitchFamily="18" charset="0"/>
+                <a:ea typeface="Roboto" pitchFamily="2" charset="0"/>
+              </a:rPr>
+              <a:t> và micro:bit</a:t>
+            </a:r>
+          </a:p>
+        </p:txBody>
+      </p:sp>
+      <p:sp>
+        <p:nvSpPr>
+          <p:cNvPr id="7" name="Rectangle 6"/>
+          <p:cNvSpPr/>
+          <p:nvPr/>
+        </p:nvSpPr>
+        <p:spPr>
+          <a:xfrm>
+            <a:off x="587123" y="2403312"/>
+            <a:ext cx="133960" cy="133960"/>
+          </a:xfrm>
+          <a:prstGeom prst="rect">
+            <a:avLst/>
+          </a:prstGeom>
+          <a:solidFill>
+            <a:srgbClr val="64C7E9"/>
+          </a:solidFill>
+          <a:ln>
+            <a:noFill/>
+          </a:ln>
+        </p:spPr>
+        <p:style>
+          <a:lnRef idx="2">
+            <a:schemeClr val="accent1">
+              <a:shade val="50000"/>
+            </a:schemeClr>
+          </a:lnRef>
+          <a:fillRef idx="1">
+            <a:schemeClr val="accent1"/>
+          </a:fillRef>
+          <a:effectRef idx="0">
+            <a:schemeClr val="accent1"/>
+          </a:effectRef>
+          <a:fontRef idx="minor">
+            <a:schemeClr val="lt1"/>
+          </a:fontRef>
+        </p:style>
+        <p:txBody>
+          <a:bodyPr rtlCol="0" anchor="ctr"/>
+          <a:lstStyle/>
+          <a:p>
+            <a:pPr algn="ctr"/>
+            <a:endParaRPr lang="en-US"/>
           </a:p>
         </p:txBody>
       </p:sp>
@@ -4303,8 +4592,8 @@
         </p:nvSpPr>
         <p:spPr>
           <a:xfrm>
-            <a:off x="1236140" y="1389829"/>
-            <a:ext cx="4482860" cy="461665"/>
+            <a:off x="587123" y="1821663"/>
+            <a:ext cx="5631679" cy="400110"/>
           </a:xfrm>
           <a:prstGeom prst="rect">
             <a:avLst/>
@@ -4318,55 +4607,340 @@
           <a:lstStyle/>
           <a:p>
             <a:r>
-              <a:rPr lang="en-US" sz="2400" b="1" dirty="0" smtClean="0">
-                <a:solidFill>
-                  <a:schemeClr val="tx1">
-                    <a:lumMod val="85000"/>
-                    <a:lumOff val="15000"/>
-                  </a:schemeClr>
-                </a:solidFill>
-                <a:latin typeface="UTM Helve" panose="02040603050506020204" pitchFamily="18" charset="0"/>
-                <a:ea typeface="Roboto" pitchFamily="2" charset="0"/>
-              </a:rPr>
-              <a:t>Các bước thực hiện</a:t>
-            </a:r>
-            <a:endParaRPr lang="en-US" sz="2400" b="1" dirty="0">
-              <a:solidFill>
-                <a:schemeClr val="tx1">
-                  <a:lumMod val="85000"/>
-                  <a:lumOff val="15000"/>
-                </a:schemeClr>
-              </a:solidFill>
-              <a:latin typeface="UTM Helve" panose="02040603050506020204" pitchFamily="18" charset="0"/>
-              <a:ea typeface="Roboto" pitchFamily="2" charset="0"/>
+              <a:rPr lang="en-US" sz="2000" dirty="0" smtClean="0">
+                <a:latin typeface="Arial" panose="020B0604020202020204" pitchFamily="34" charset="0"/>
+                <a:cs typeface="Arial" panose="020B0604020202020204" pitchFamily="34" charset="0"/>
+              </a:rPr>
+              <a:t>Giải thi đấu cờ vua với câu cấu giải thưởng:</a:t>
+            </a:r>
+            <a:endParaRPr lang="vi-VN" sz="2000" dirty="0">
+              <a:latin typeface="Arial" panose="020B0604020202020204" pitchFamily="34" charset="0"/>
+              <a:cs typeface="Arial" panose="020B0604020202020204" pitchFamily="34" charset="0"/>
+            </a:endParaRPr>
+          </a:p>
+        </p:txBody>
+      </p:sp>
+      <p:sp>
+        <p:nvSpPr>
+          <p:cNvPr id="9" name="TextBox 8"/>
+          <p:cNvSpPr txBox="1"/>
+          <p:nvPr/>
+        </p:nvSpPr>
+        <p:spPr>
+          <a:xfrm>
+            <a:off x="755869" y="2237328"/>
+            <a:ext cx="4352514" cy="707886"/>
+          </a:xfrm>
+          <a:prstGeom prst="rect">
+            <a:avLst/>
+          </a:prstGeom>
+          <a:noFill/>
+        </p:spPr>
+        <p:txBody>
+          <a:bodyPr wrap="square" rtlCol="0">
+            <a:spAutoFit/>
+          </a:bodyPr>
+          <a:lstStyle/>
+          <a:p>
+            <a:r>
+              <a:rPr lang="en-US" sz="2000" dirty="0" smtClean="0">
+                <a:latin typeface="Arial" panose="020B0604020202020204" pitchFamily="34" charset="0"/>
+                <a:cs typeface="Arial" panose="020B0604020202020204" pitchFamily="34" charset="0"/>
+              </a:rPr>
+              <a:t>Xếp thứ nhất thì hiển thị chữ GOLD tượng trưng cho huy chương vàng.</a:t>
+            </a:r>
+            <a:endParaRPr lang="vi-VN" sz="2000" dirty="0">
+              <a:latin typeface="Arial" panose="020B0604020202020204" pitchFamily="34" charset="0"/>
+              <a:cs typeface="Arial" panose="020B0604020202020204" pitchFamily="34" charset="0"/>
+            </a:endParaRPr>
+          </a:p>
+        </p:txBody>
+      </p:sp>
+      <p:sp>
+        <p:nvSpPr>
+          <p:cNvPr id="10" name="Rectangle 9"/>
+          <p:cNvSpPr/>
+          <p:nvPr/>
+        </p:nvSpPr>
+        <p:spPr>
+          <a:xfrm>
+            <a:off x="587123" y="3185192"/>
+            <a:ext cx="133960" cy="133960"/>
+          </a:xfrm>
+          <a:prstGeom prst="rect">
+            <a:avLst/>
+          </a:prstGeom>
+          <a:solidFill>
+            <a:srgbClr val="64C7E9"/>
+          </a:solidFill>
+          <a:ln>
+            <a:noFill/>
+          </a:ln>
+        </p:spPr>
+        <p:style>
+          <a:lnRef idx="2">
+            <a:schemeClr val="accent1">
+              <a:shade val="50000"/>
+            </a:schemeClr>
+          </a:lnRef>
+          <a:fillRef idx="1">
+            <a:schemeClr val="accent1"/>
+          </a:fillRef>
+          <a:effectRef idx="0">
+            <a:schemeClr val="accent1"/>
+          </a:effectRef>
+          <a:fontRef idx="minor">
+            <a:schemeClr val="lt1"/>
+          </a:fontRef>
+        </p:style>
+        <p:txBody>
+          <a:bodyPr rtlCol="0" anchor="ctr"/>
+          <a:lstStyle/>
+          <a:p>
+            <a:pPr algn="ctr"/>
+            <a:endParaRPr lang="en-US"/>
+          </a:p>
+        </p:txBody>
+      </p:sp>
+      <p:sp>
+        <p:nvSpPr>
+          <p:cNvPr id="11" name="TextBox 10"/>
+          <p:cNvSpPr txBox="1"/>
+          <p:nvPr/>
+        </p:nvSpPr>
+        <p:spPr>
+          <a:xfrm>
+            <a:off x="755869" y="3019208"/>
+            <a:ext cx="4253454" cy="707886"/>
+          </a:xfrm>
+          <a:prstGeom prst="rect">
+            <a:avLst/>
+          </a:prstGeom>
+          <a:noFill/>
+        </p:spPr>
+        <p:txBody>
+          <a:bodyPr wrap="square" rtlCol="0">
+            <a:spAutoFit/>
+          </a:bodyPr>
+          <a:lstStyle/>
+          <a:p>
+            <a:r>
+              <a:rPr lang="en-US" sz="2000" dirty="0" smtClean="0">
+                <a:latin typeface="Arial" panose="020B0604020202020204" pitchFamily="34" charset="0"/>
+                <a:cs typeface="Arial" panose="020B0604020202020204" pitchFamily="34" charset="0"/>
+              </a:rPr>
+              <a:t>Xếp thứ hai thì hiển thị chữ SILVER tượng trưng cho huy chương bạc.</a:t>
+            </a:r>
+            <a:endParaRPr lang="vi-VN" sz="2000" dirty="0">
+              <a:latin typeface="Arial" panose="020B0604020202020204" pitchFamily="34" charset="0"/>
+              <a:cs typeface="Arial" panose="020B0604020202020204" pitchFamily="34" charset="0"/>
+            </a:endParaRPr>
+          </a:p>
+        </p:txBody>
+      </p:sp>
+      <p:sp>
+        <p:nvSpPr>
+          <p:cNvPr id="12" name="Rectangle 11"/>
+          <p:cNvSpPr/>
+          <p:nvPr/>
+        </p:nvSpPr>
+        <p:spPr>
+          <a:xfrm>
+            <a:off x="587123" y="4059836"/>
+            <a:ext cx="133960" cy="133960"/>
+          </a:xfrm>
+          <a:prstGeom prst="rect">
+            <a:avLst/>
+          </a:prstGeom>
+          <a:solidFill>
+            <a:srgbClr val="64C7E9"/>
+          </a:solidFill>
+          <a:ln>
+            <a:noFill/>
+          </a:ln>
+        </p:spPr>
+        <p:style>
+          <a:lnRef idx="2">
+            <a:schemeClr val="accent1">
+              <a:shade val="50000"/>
+            </a:schemeClr>
+          </a:lnRef>
+          <a:fillRef idx="1">
+            <a:schemeClr val="accent1"/>
+          </a:fillRef>
+          <a:effectRef idx="0">
+            <a:schemeClr val="accent1"/>
+          </a:effectRef>
+          <a:fontRef idx="minor">
+            <a:schemeClr val="lt1"/>
+          </a:fontRef>
+        </p:style>
+        <p:txBody>
+          <a:bodyPr rtlCol="0" anchor="ctr"/>
+          <a:lstStyle/>
+          <a:p>
+            <a:pPr algn="ctr"/>
+            <a:endParaRPr lang="en-US"/>
+          </a:p>
+        </p:txBody>
+      </p:sp>
+      <p:sp>
+        <p:nvSpPr>
+          <p:cNvPr id="13" name="TextBox 12"/>
+          <p:cNvSpPr txBox="1"/>
+          <p:nvPr/>
+        </p:nvSpPr>
+        <p:spPr>
+          <a:xfrm>
+            <a:off x="755869" y="3920356"/>
+            <a:ext cx="4452236" cy="707886"/>
+          </a:xfrm>
+          <a:prstGeom prst="rect">
+            <a:avLst/>
+          </a:prstGeom>
+          <a:noFill/>
+        </p:spPr>
+        <p:txBody>
+          <a:bodyPr wrap="square" rtlCol="0">
+            <a:spAutoFit/>
+          </a:bodyPr>
+          <a:lstStyle/>
+          <a:p>
+            <a:r>
+              <a:rPr lang="en-US" sz="2000" dirty="0" smtClean="0">
+                <a:latin typeface="Arial" panose="020B0604020202020204" pitchFamily="34" charset="0"/>
+                <a:cs typeface="Arial" panose="020B0604020202020204" pitchFamily="34" charset="0"/>
+              </a:rPr>
+              <a:t>Xếp thứ hai thì hiển thị </a:t>
+            </a:r>
+            <a:r>
+              <a:rPr lang="en-US" sz="2000" dirty="0">
+                <a:latin typeface="Arial" panose="020B0604020202020204" pitchFamily="34" charset="0"/>
+                <a:cs typeface="Arial" panose="020B0604020202020204" pitchFamily="34" charset="0"/>
+              </a:rPr>
+              <a:t>chữ </a:t>
+            </a:r>
+            <a:r>
+              <a:rPr lang="en-US" sz="2000" dirty="0" smtClean="0">
+                <a:latin typeface="Arial" panose="020B0604020202020204" pitchFamily="34" charset="0"/>
+                <a:cs typeface="Arial" panose="020B0604020202020204" pitchFamily="34" charset="0"/>
+              </a:rPr>
+              <a:t>BRONZE </a:t>
+            </a:r>
+            <a:r>
+              <a:rPr lang="en-US" sz="2000" dirty="0" smtClean="0">
+                <a:latin typeface="Arial" panose="020B0604020202020204" pitchFamily="34" charset="0"/>
+                <a:cs typeface="Arial" panose="020B0604020202020204" pitchFamily="34" charset="0"/>
+              </a:rPr>
+              <a:t>tượng trưng cho huy chương đồng.</a:t>
+            </a:r>
+            <a:endParaRPr lang="vi-VN" sz="2000" dirty="0">
+              <a:latin typeface="Arial" panose="020B0604020202020204" pitchFamily="34" charset="0"/>
+              <a:cs typeface="Arial" panose="020B0604020202020204" pitchFamily="34" charset="0"/>
+            </a:endParaRPr>
+          </a:p>
+        </p:txBody>
+      </p:sp>
+      <p:sp>
+        <p:nvSpPr>
+          <p:cNvPr id="14" name="Rectangle 13"/>
+          <p:cNvSpPr/>
+          <p:nvPr/>
+        </p:nvSpPr>
+        <p:spPr>
+          <a:xfrm>
+            <a:off x="587123" y="4828463"/>
+            <a:ext cx="133960" cy="133960"/>
+          </a:xfrm>
+          <a:prstGeom prst="rect">
+            <a:avLst/>
+          </a:prstGeom>
+          <a:solidFill>
+            <a:srgbClr val="64C7E9"/>
+          </a:solidFill>
+          <a:ln>
+            <a:noFill/>
+          </a:ln>
+        </p:spPr>
+        <p:style>
+          <a:lnRef idx="2">
+            <a:schemeClr val="accent1">
+              <a:shade val="50000"/>
+            </a:schemeClr>
+          </a:lnRef>
+          <a:fillRef idx="1">
+            <a:schemeClr val="accent1"/>
+          </a:fillRef>
+          <a:effectRef idx="0">
+            <a:schemeClr val="accent1"/>
+          </a:effectRef>
+          <a:fontRef idx="minor">
+            <a:schemeClr val="lt1"/>
+          </a:fontRef>
+        </p:style>
+        <p:txBody>
+          <a:bodyPr rtlCol="0" anchor="ctr"/>
+          <a:lstStyle/>
+          <a:p>
+            <a:pPr algn="ctr"/>
+            <a:endParaRPr lang="en-US"/>
+          </a:p>
+        </p:txBody>
+      </p:sp>
+      <p:sp>
+        <p:nvSpPr>
+          <p:cNvPr id="15" name="TextBox 14"/>
+          <p:cNvSpPr txBox="1"/>
+          <p:nvPr/>
+        </p:nvSpPr>
+        <p:spPr>
+          <a:xfrm>
+            <a:off x="755869" y="4688983"/>
+            <a:ext cx="4352514" cy="400110"/>
+          </a:xfrm>
+          <a:prstGeom prst="rect">
+            <a:avLst/>
+          </a:prstGeom>
+          <a:noFill/>
+        </p:spPr>
+        <p:txBody>
+          <a:bodyPr wrap="square" rtlCol="0">
+            <a:spAutoFit/>
+          </a:bodyPr>
+          <a:lstStyle/>
+          <a:p>
+            <a:r>
+              <a:rPr lang="en-US" sz="2000" dirty="0" smtClean="0">
+                <a:latin typeface="Arial" panose="020B0604020202020204" pitchFamily="34" charset="0"/>
+                <a:cs typeface="Arial" panose="020B0604020202020204" pitchFamily="34" charset="0"/>
+              </a:rPr>
+              <a:t>Còn lại không có huy chương</a:t>
+            </a:r>
+            <a:endParaRPr lang="vi-VN" sz="2000" dirty="0">
+              <a:latin typeface="Arial" panose="020B0604020202020204" pitchFamily="34" charset="0"/>
+              <a:cs typeface="Arial" panose="020B0604020202020204" pitchFamily="34" charset="0"/>
             </a:endParaRPr>
           </a:p>
         </p:txBody>
       </p:sp>
       <p:pic>
         <p:nvPicPr>
-          <p:cNvPr id="9" name="Picture 8"/>
+          <p:cNvPr id="16" name="Picture 15"/>
           <p:cNvPicPr>
             <a:picLocks noChangeAspect="1"/>
           </p:cNvPicPr>
           <p:nvPr/>
         </p:nvPicPr>
         <p:blipFill>
-          <a:blip r:embed="rId2">
-            <a:extLst>
-              <a:ext uri="{28A0092B-C50C-407E-A947-70E740481C1C}">
-                <a14:useLocalDpi xmlns:a14="http://schemas.microsoft.com/office/drawing/2010/main" val="0"/>
-              </a:ext>
-            </a:extLst>
-          </a:blip>
+          <a:blip r:embed="rId3"/>
           <a:stretch>
             <a:fillRect/>
           </a:stretch>
         </p:blipFill>
         <p:spPr>
           <a:xfrm>
-            <a:off x="679888" y="1462786"/>
-            <a:ext cx="466725" cy="409575"/>
+            <a:off x="5143169" y="2254583"/>
+            <a:ext cx="3401242" cy="4334564"/>
           </a:xfrm>
           <a:prstGeom prst="rect">
             <a:avLst/>
@@ -4375,134 +4949,16 @@
       </p:pic>
       <p:sp>
         <p:nvSpPr>
-          <p:cNvPr id="10" name="TextBox 9"/>
-          <p:cNvSpPr txBox="1"/>
-          <p:nvPr/>
-        </p:nvSpPr>
-        <p:spPr>
-          <a:xfrm>
-            <a:off x="1236140" y="2163497"/>
-            <a:ext cx="6682908" cy="707886"/>
-          </a:xfrm>
-          <a:prstGeom prst="rect">
-            <a:avLst/>
-          </a:prstGeom>
-          <a:noFill/>
-        </p:spPr>
-        <p:txBody>
-          <a:bodyPr wrap="square" rtlCol="0">
-            <a:spAutoFit/>
-          </a:bodyPr>
-          <a:lstStyle/>
-          <a:p>
-            <a:r>
-              <a:rPr lang="en-US" sz="2000" dirty="0" smtClean="0">
-                <a:solidFill>
-                  <a:schemeClr val="tx1">
-                    <a:lumMod val="85000"/>
-                    <a:lumOff val="15000"/>
-                  </a:schemeClr>
-                </a:solidFill>
-                <a:ea typeface="Roboto" pitchFamily="2" charset="0"/>
-              </a:rPr>
-              <a:t>Sử dụng mẫu </a:t>
-            </a:r>
-            <a:r>
-              <a:rPr lang="en-US" sz="2000" dirty="0">
-                <a:solidFill>
-                  <a:schemeClr val="tx1">
-                    <a:lumMod val="85000"/>
-                    <a:lumOff val="15000"/>
-                  </a:schemeClr>
-                </a:solidFill>
-                <a:ea typeface="Roboto" pitchFamily="2" charset="0"/>
-              </a:rPr>
-              <a:t>in </a:t>
-            </a:r>
-            <a:r>
-              <a:rPr lang="en-US" sz="2000" b="1" dirty="0">
-                <a:solidFill>
-                  <a:schemeClr val="tx1">
-                    <a:lumMod val="85000"/>
-                    <a:lumOff val="15000"/>
-                  </a:schemeClr>
-                </a:solidFill>
-                <a:ea typeface="Roboto" pitchFamily="2" charset="0"/>
-              </a:rPr>
-              <a:t>Algorithm Planning </a:t>
-            </a:r>
-            <a:r>
-              <a:rPr lang="en-US" sz="2000" b="1" dirty="0" smtClean="0">
-                <a:solidFill>
-                  <a:schemeClr val="tx1">
-                    <a:lumMod val="85000"/>
-                    <a:lumOff val="15000"/>
-                  </a:schemeClr>
-                </a:solidFill>
-                <a:ea typeface="Roboto" pitchFamily="2" charset="0"/>
-              </a:rPr>
-              <a:t>Sheet</a:t>
-            </a:r>
-            <a:r>
-              <a:rPr lang="en-US" sz="2000" dirty="0" smtClean="0">
-                <a:solidFill>
-                  <a:schemeClr val="tx1">
-                    <a:lumMod val="85000"/>
-                    <a:lumOff val="15000"/>
-                  </a:schemeClr>
-                </a:solidFill>
-                <a:ea typeface="Roboto" pitchFamily="2" charset="0"/>
-              </a:rPr>
-              <a:t> , </a:t>
-            </a:r>
-            <a:r>
-              <a:rPr lang="en-US" sz="2000" b="1" dirty="0" smtClean="0">
-                <a:solidFill>
-                  <a:schemeClr val="tx1">
-                    <a:lumMod val="85000"/>
-                    <a:lumOff val="15000"/>
-                  </a:schemeClr>
-                </a:solidFill>
-                <a:ea typeface="Roboto" pitchFamily="2" charset="0"/>
-              </a:rPr>
-              <a:t>Led Planner </a:t>
-            </a:r>
-            <a:r>
-              <a:rPr lang="en-US" sz="2000" dirty="0" smtClean="0">
-                <a:solidFill>
-                  <a:schemeClr val="tx1">
-                    <a:lumMod val="85000"/>
-                    <a:lumOff val="15000"/>
-                  </a:schemeClr>
-                </a:solidFill>
-                <a:ea typeface="Roboto" pitchFamily="2" charset="0"/>
-              </a:rPr>
-              <a:t>để soạn thuật toán chương trình</a:t>
-            </a:r>
-            <a:endParaRPr lang="en-US" sz="2000" dirty="0">
-              <a:solidFill>
-                <a:schemeClr val="tx1">
-                  <a:lumMod val="85000"/>
-                  <a:lumOff val="15000"/>
-                </a:schemeClr>
-              </a:solidFill>
-              <a:ea typeface="Roboto" pitchFamily="2" charset="0"/>
-            </a:endParaRPr>
-          </a:p>
-        </p:txBody>
-      </p:sp>
-      <p:sp>
-        <p:nvSpPr>
-          <p:cNvPr id="11" name="Oval 10"/>
+          <p:cNvPr id="17" name="Rounded Rectangle 16"/>
           <p:cNvSpPr/>
           <p:nvPr/>
         </p:nvSpPr>
         <p:spPr>
           <a:xfrm>
-            <a:off x="684650" y="2227451"/>
-            <a:ext cx="457200" cy="457200"/>
-          </a:xfrm>
-          <a:prstGeom prst="ellipse">
+            <a:off x="593543" y="5430350"/>
+            <a:ext cx="4283258" cy="896475"/>
+          </a:xfrm>
+          <a:prstGeom prst="roundRect">
             <a:avLst/>
           </a:prstGeom>
           <a:gradFill flip="none" rotWithShape="1">
@@ -4543,382 +4999,36 @@
           <a:p>
             <a:pPr algn="ctr"/>
             <a:r>
-              <a:rPr lang="en-US" b="1" dirty="0">
-                <a:latin typeface="UTM Helve" panose="02040603050506020204" pitchFamily="18" charset="0"/>
-              </a:rPr>
-              <a:t>1</a:t>
-            </a:r>
-          </a:p>
-        </p:txBody>
-      </p:sp>
-      <p:sp>
-        <p:nvSpPr>
-          <p:cNvPr id="12" name="TextBox 11"/>
-          <p:cNvSpPr txBox="1"/>
-          <p:nvPr/>
-        </p:nvSpPr>
-        <p:spPr>
-          <a:xfrm>
-            <a:off x="1236140" y="3270751"/>
-            <a:ext cx="6902020" cy="400110"/>
-          </a:xfrm>
-          <a:prstGeom prst="rect">
-            <a:avLst/>
-          </a:prstGeom>
-          <a:noFill/>
-        </p:spPr>
-        <p:txBody>
-          <a:bodyPr wrap="square" rtlCol="0">
-            <a:spAutoFit/>
-          </a:bodyPr>
-          <a:lstStyle/>
-          <a:p>
-            <a:r>
-              <a:rPr lang="en-US" sz="2000" dirty="0" smtClean="0">
-                <a:solidFill>
-                  <a:schemeClr val="tx1">
-                    <a:lumMod val="85000"/>
-                    <a:lumOff val="15000"/>
-                  </a:schemeClr>
-                </a:solidFill>
-                <a:ea typeface="Roboto" pitchFamily="2" charset="0"/>
-              </a:rPr>
-              <a:t>Chuyển thuật toán đó thành chương trình trong </a:t>
-            </a:r>
-            <a:r>
-              <a:rPr lang="en-US" sz="2000" b="1" dirty="0" smtClean="0">
-                <a:solidFill>
-                  <a:schemeClr val="tx1">
-                    <a:lumMod val="85000"/>
-                    <a:lumOff val="15000"/>
-                  </a:schemeClr>
-                </a:solidFill>
-                <a:ea typeface="Roboto" pitchFamily="2" charset="0"/>
-              </a:rPr>
-              <a:t>MakeCode</a:t>
-            </a:r>
-            <a:endParaRPr lang="en-US" sz="2000" b="1" dirty="0">
-              <a:solidFill>
-                <a:schemeClr val="tx1">
-                  <a:lumMod val="85000"/>
-                  <a:lumOff val="15000"/>
-                </a:schemeClr>
-              </a:solidFill>
-              <a:ea typeface="Roboto" pitchFamily="2" charset="0"/>
-            </a:endParaRPr>
-          </a:p>
-        </p:txBody>
-      </p:sp>
-      <p:sp>
-        <p:nvSpPr>
-          <p:cNvPr id="13" name="Oval 12"/>
-          <p:cNvSpPr/>
-          <p:nvPr/>
-        </p:nvSpPr>
-        <p:spPr>
-          <a:xfrm>
-            <a:off x="684650" y="3291605"/>
-            <a:ext cx="457200" cy="457200"/>
-          </a:xfrm>
-          <a:prstGeom prst="ellipse">
-            <a:avLst/>
-          </a:prstGeom>
-          <a:gradFill flip="none" rotWithShape="1">
-            <a:gsLst>
-              <a:gs pos="15000">
-                <a:srgbClr val="67C7DF"/>
-              </a:gs>
-              <a:gs pos="100000">
-                <a:srgbClr val="5EB130"/>
-              </a:gs>
-            </a:gsLst>
-            <a:lin ang="0" scaled="1"/>
-            <a:tileRect/>
-          </a:gradFill>
-          <a:ln>
-            <a:noFill/>
-          </a:ln>
-        </p:spPr>
-        <p:style>
-          <a:lnRef idx="2">
-            <a:schemeClr val="accent1">
-              <a:shade val="50000"/>
-            </a:schemeClr>
-          </a:lnRef>
-          <a:fillRef idx="1">
-            <a:schemeClr val="accent1"/>
-          </a:fillRef>
-          <a:effectRef idx="0">
-            <a:schemeClr val="accent1"/>
-          </a:effectRef>
-          <a:fontRef idx="minor">
-            <a:schemeClr val="lt1"/>
-          </a:fontRef>
-        </p:style>
-        <p:txBody>
-          <a:bodyPr rtlCol="0" anchor="ctr"/>
-          <a:lstStyle/>
-          <a:p>
-            <a:pPr algn="ctr"/>
+              <a:rPr lang="en-US" dirty="0" smtClean="0">
+                <a:latin typeface="Arial" panose="020B0604020202020204" pitchFamily="34" charset="0"/>
+                <a:cs typeface="Arial" panose="020B0604020202020204" pitchFamily="34" charset="0"/>
+              </a:rPr>
+              <a:t>Dùng </a:t>
+            </a:r>
             <a:r>
               <a:rPr lang="en-US" b="1" dirty="0" smtClean="0">
-                <a:latin typeface="UTM Helve" panose="02040603050506020204" pitchFamily="18" charset="0"/>
-              </a:rPr>
-              <a:t>2</a:t>
-            </a:r>
-            <a:endParaRPr lang="en-US" b="1" dirty="0">
-              <a:latin typeface="UTM Helve" panose="02040603050506020204" pitchFamily="18" charset="0"/>
-            </a:endParaRPr>
-          </a:p>
-        </p:txBody>
-      </p:sp>
-      <p:sp>
-        <p:nvSpPr>
-          <p:cNvPr id="14" name="TextBox 13"/>
-          <p:cNvSpPr txBox="1"/>
-          <p:nvPr/>
-        </p:nvSpPr>
-        <p:spPr>
-          <a:xfrm>
-            <a:off x="1236140" y="5622711"/>
-            <a:ext cx="6902020" cy="400110"/>
-          </a:xfrm>
-          <a:prstGeom prst="rect">
-            <a:avLst/>
-          </a:prstGeom>
-          <a:noFill/>
-        </p:spPr>
-        <p:txBody>
-          <a:bodyPr wrap="square" rtlCol="0">
-            <a:spAutoFit/>
-          </a:bodyPr>
-          <a:lstStyle/>
-          <a:p>
-            <a:r>
-              <a:rPr lang="en-US" sz="2000" dirty="0" smtClean="0">
-                <a:solidFill>
-                  <a:schemeClr val="tx1">
-                    <a:lumMod val="85000"/>
-                    <a:lumOff val="15000"/>
-                  </a:schemeClr>
-                </a:solidFill>
-                <a:ea typeface="Roboto" pitchFamily="2" charset="0"/>
-              </a:rPr>
-              <a:t>Chuyển chương trình vào micro:bit chạy thật</a:t>
-            </a:r>
-            <a:endParaRPr lang="en-US" sz="2000" dirty="0">
-              <a:solidFill>
-                <a:schemeClr val="tx1">
-                  <a:lumMod val="85000"/>
-                  <a:lumOff val="15000"/>
-                </a:schemeClr>
-              </a:solidFill>
-              <a:ea typeface="Roboto" pitchFamily="2" charset="0"/>
-            </a:endParaRPr>
-          </a:p>
-        </p:txBody>
-      </p:sp>
-      <p:sp>
-        <p:nvSpPr>
-          <p:cNvPr id="15" name="Oval 14"/>
-          <p:cNvSpPr/>
-          <p:nvPr/>
-        </p:nvSpPr>
-        <p:spPr>
-          <a:xfrm>
-            <a:off x="684650" y="5686665"/>
-            <a:ext cx="457200" cy="457200"/>
-          </a:xfrm>
-          <a:prstGeom prst="ellipse">
-            <a:avLst/>
-          </a:prstGeom>
-          <a:gradFill flip="none" rotWithShape="1">
-            <a:gsLst>
-              <a:gs pos="15000">
-                <a:srgbClr val="67C7DF"/>
-              </a:gs>
-              <a:gs pos="100000">
-                <a:srgbClr val="5EB130"/>
-              </a:gs>
-            </a:gsLst>
-            <a:lin ang="0" scaled="1"/>
-            <a:tileRect/>
-          </a:gradFill>
-          <a:ln>
-            <a:noFill/>
-          </a:ln>
-        </p:spPr>
-        <p:style>
-          <a:lnRef idx="2">
-            <a:schemeClr val="accent1">
-              <a:shade val="50000"/>
-            </a:schemeClr>
-          </a:lnRef>
-          <a:fillRef idx="1">
-            <a:schemeClr val="accent1"/>
-          </a:fillRef>
-          <a:effectRef idx="0">
-            <a:schemeClr val="accent1"/>
-          </a:effectRef>
-          <a:fontRef idx="minor">
-            <a:schemeClr val="lt1"/>
-          </a:fontRef>
-        </p:style>
-        <p:txBody>
-          <a:bodyPr rtlCol="0" anchor="ctr"/>
-          <a:lstStyle/>
-          <a:p>
-            <a:pPr algn="ctr"/>
-            <a:r>
-              <a:rPr lang="en-US" b="1" dirty="0">
-                <a:latin typeface="UTM Helve" panose="02040603050506020204" pitchFamily="18" charset="0"/>
-              </a:rPr>
-              <a:t>4</a:t>
-            </a:r>
-          </a:p>
-        </p:txBody>
-      </p:sp>
-      <p:sp>
-        <p:nvSpPr>
-          <p:cNvPr id="16" name="TextBox 15"/>
-          <p:cNvSpPr txBox="1"/>
-          <p:nvPr/>
-        </p:nvSpPr>
-        <p:spPr>
-          <a:xfrm>
-            <a:off x="1236140" y="4413751"/>
-            <a:ext cx="6902020" cy="707886"/>
-          </a:xfrm>
-          <a:prstGeom prst="rect">
-            <a:avLst/>
-          </a:prstGeom>
-          <a:noFill/>
-        </p:spPr>
-        <p:txBody>
-          <a:bodyPr wrap="square" rtlCol="0">
-            <a:spAutoFit/>
-          </a:bodyPr>
-          <a:lstStyle/>
-          <a:p>
-            <a:r>
-              <a:rPr lang="en-US" sz="2000" dirty="0">
-                <a:solidFill>
-                  <a:schemeClr val="tx1">
-                    <a:lumMod val="85000"/>
-                    <a:lumOff val="15000"/>
-                  </a:schemeClr>
-                </a:solidFill>
-                <a:ea typeface="Roboto" pitchFamily="2" charset="0"/>
-              </a:rPr>
-              <a:t>Test và Debug chương trình </a:t>
-            </a:r>
-            <a:r>
-              <a:rPr lang="en-US" sz="2000" dirty="0" smtClean="0">
-                <a:solidFill>
-                  <a:schemeClr val="tx1">
-                    <a:lumMod val="85000"/>
-                    <a:lumOff val="15000"/>
-                  </a:schemeClr>
-                </a:solidFill>
-                <a:ea typeface="Roboto" pitchFamily="2" charset="0"/>
-              </a:rPr>
-              <a:t>bằng trình mô phỏng micro:bit </a:t>
-            </a:r>
-            <a:r>
-              <a:rPr lang="en-US" sz="2000" b="1" dirty="0" smtClean="0">
-                <a:solidFill>
-                  <a:schemeClr val="tx1">
-                    <a:lumMod val="85000"/>
-                    <a:lumOff val="15000"/>
-                  </a:schemeClr>
-                </a:solidFill>
-                <a:ea typeface="Roboto" pitchFamily="2" charset="0"/>
-              </a:rPr>
-              <a:t>simulator</a:t>
-            </a:r>
-            <a:r>
-              <a:rPr lang="en-US" sz="2000" dirty="0" smtClean="0">
-                <a:solidFill>
-                  <a:schemeClr val="tx1">
-                    <a:lumMod val="85000"/>
-                    <a:lumOff val="15000"/>
-                  </a:schemeClr>
-                </a:solidFill>
-                <a:ea typeface="Roboto" pitchFamily="2" charset="0"/>
-              </a:rPr>
-              <a:t> </a:t>
-            </a:r>
-            <a:endParaRPr lang="en-US" sz="2000" dirty="0">
-              <a:solidFill>
-                <a:schemeClr val="tx1">
-                  <a:lumMod val="85000"/>
-                  <a:lumOff val="15000"/>
-                </a:schemeClr>
-              </a:solidFill>
-              <a:ea typeface="Roboto" pitchFamily="2" charset="0"/>
-            </a:endParaRPr>
-          </a:p>
-        </p:txBody>
-      </p:sp>
-      <p:sp>
-        <p:nvSpPr>
-          <p:cNvPr id="17" name="Oval 16"/>
-          <p:cNvSpPr/>
-          <p:nvPr/>
-        </p:nvSpPr>
-        <p:spPr>
-          <a:xfrm>
-            <a:off x="684650" y="4489135"/>
-            <a:ext cx="457200" cy="457200"/>
-          </a:xfrm>
-          <a:prstGeom prst="ellipse">
-            <a:avLst/>
-          </a:prstGeom>
-          <a:gradFill flip="none" rotWithShape="1">
-            <a:gsLst>
-              <a:gs pos="15000">
-                <a:srgbClr val="67C7DF"/>
-              </a:gs>
-              <a:gs pos="100000">
-                <a:srgbClr val="5EB130"/>
-              </a:gs>
-            </a:gsLst>
-            <a:lin ang="0" scaled="1"/>
-            <a:tileRect/>
-          </a:gradFill>
-          <a:ln>
-            <a:noFill/>
-          </a:ln>
-        </p:spPr>
-        <p:style>
-          <a:lnRef idx="2">
-            <a:schemeClr val="accent1">
-              <a:shade val="50000"/>
-            </a:schemeClr>
-          </a:lnRef>
-          <a:fillRef idx="1">
-            <a:schemeClr val="accent1"/>
-          </a:fillRef>
-          <a:effectRef idx="0">
-            <a:schemeClr val="accent1"/>
-          </a:effectRef>
-          <a:fontRef idx="minor">
-            <a:schemeClr val="lt1"/>
-          </a:fontRef>
-        </p:style>
-        <p:txBody>
-          <a:bodyPr rtlCol="0" anchor="ctr"/>
-          <a:lstStyle/>
-          <a:p>
-            <a:pPr algn="ctr"/>
+                <a:latin typeface="Arial" panose="020B0604020202020204" pitchFamily="34" charset="0"/>
+                <a:cs typeface="Arial" panose="020B0604020202020204" pitchFamily="34" charset="0"/>
+              </a:rPr>
+              <a:t>if else if </a:t>
+            </a:r>
+            <a:r>
+              <a:rPr lang="en-US" dirty="0" smtClean="0">
+                <a:latin typeface="Arial" panose="020B0604020202020204" pitchFamily="34" charset="0"/>
+                <a:cs typeface="Arial" panose="020B0604020202020204" pitchFamily="34" charset="0"/>
+              </a:rPr>
+              <a:t>để kiểm tra từng điều kiện đáp ứng với biến </a:t>
+            </a:r>
             <a:r>
               <a:rPr lang="en-US" b="1" dirty="0" smtClean="0">
-                <a:latin typeface="UTM Helve" panose="02040603050506020204" pitchFamily="18" charset="0"/>
-              </a:rPr>
-              <a:t>3</a:t>
-            </a:r>
-            <a:endParaRPr lang="en-US" b="1" dirty="0">
-              <a:latin typeface="UTM Helve" panose="02040603050506020204" pitchFamily="18" charset="0"/>
+                <a:latin typeface="Arial" panose="020B0604020202020204" pitchFamily="34" charset="0"/>
+                <a:cs typeface="Arial" panose="020B0604020202020204" pitchFamily="34" charset="0"/>
+              </a:rPr>
+              <a:t>rank</a:t>
+            </a:r>
+            <a:endParaRPr lang="vi-VN" b="1" dirty="0">
+              <a:latin typeface="Arial" panose="020B0604020202020204" pitchFamily="34" charset="0"/>
+              <a:cs typeface="Arial" panose="020B0604020202020204" pitchFamily="34" charset="0"/>
             </a:endParaRPr>
           </a:p>
         </p:txBody>
@@ -4926,7 +5036,7 @@
     </p:spTree>
     <p:extLst>
       <p:ext uri="{BB962C8B-B14F-4D97-AF65-F5344CB8AC3E}">
-        <p14:creationId xmlns:p14="http://schemas.microsoft.com/office/powerpoint/2010/main" val="2789131954"/>
+        <p14:creationId xmlns:p14="http://schemas.microsoft.com/office/powerpoint/2010/main" val="461680629"/>
       </p:ext>
     </p:extLst>
   </p:cSld>
@@ -5107,33 +5217,7 @@
                 <a:latin typeface="UTM Helve" panose="02040603050506020204" pitchFamily="18" charset="0"/>
                 <a:ea typeface="Roboto" pitchFamily="2" charset="0"/>
               </a:rPr>
-              <a:t>Hướng dẫn sử dụng </a:t>
-            </a:r>
-            <a:r>
-              <a:rPr lang="en-US" sz="2400" b="1" dirty="0">
-                <a:solidFill>
-                  <a:schemeClr val="tx1">
-                    <a:lumMod val="85000"/>
-                    <a:lumOff val="15000"/>
-                  </a:schemeClr>
-                </a:solidFill>
-                <a:latin typeface="UTM Helve" panose="02040603050506020204" pitchFamily="18" charset="0"/>
-                <a:ea typeface="Roboto" pitchFamily="2" charset="0"/>
-              </a:rPr>
-              <a:t>Algorithm Planning Sheet</a:t>
-            </a:r>
-            <a:r>
-              <a:rPr lang="en-US" sz="2400" dirty="0">
-                <a:solidFill>
-                  <a:schemeClr val="tx1">
-                    <a:lumMod val="85000"/>
-                    <a:lumOff val="15000"/>
-                  </a:schemeClr>
-                </a:solidFill>
-                <a:latin typeface="UTM Helve" panose="02040603050506020204" pitchFamily="18" charset="0"/>
-                <a:ea typeface="Roboto" pitchFamily="2" charset="0"/>
-              </a:rPr>
-              <a:t> </a:t>
+              <a:t>Đèn Xanh – Đèn Đỏ</a:t>
             </a:r>
             <a:endParaRPr lang="en-US" sz="2400" b="1" dirty="0">
               <a:solidFill>
@@ -5178,6 +5262,2478 @@
           </a:prstGeom>
         </p:spPr>
       </p:pic>
+      <p:sp>
+        <p:nvSpPr>
+          <p:cNvPr id="9" name="TextBox 8"/>
+          <p:cNvSpPr txBox="1"/>
+          <p:nvPr/>
+        </p:nvSpPr>
+        <p:spPr>
+          <a:xfrm>
+            <a:off x="459538" y="1991265"/>
+            <a:ext cx="8297351" cy="400110"/>
+          </a:xfrm>
+          <a:prstGeom prst="rect">
+            <a:avLst/>
+          </a:prstGeom>
+          <a:noFill/>
+        </p:spPr>
+        <p:txBody>
+          <a:bodyPr wrap="square" rtlCol="0">
+            <a:spAutoFit/>
+          </a:bodyPr>
+          <a:lstStyle/>
+          <a:p>
+            <a:r>
+              <a:rPr lang="en-US" sz="2000" dirty="0" smtClean="0">
+                <a:solidFill>
+                  <a:schemeClr val="tx1">
+                    <a:lumMod val="85000"/>
+                    <a:lumOff val="15000"/>
+                  </a:schemeClr>
+                </a:solidFill>
+                <a:ea typeface="Roboto" pitchFamily="2" charset="0"/>
+              </a:rPr>
+              <a:t>Dùng micro:bit để mô phỏng đèn chờ qua đường dành cho người đi bộ.</a:t>
+            </a:r>
+            <a:endParaRPr lang="en-US" sz="2000" dirty="0">
+              <a:solidFill>
+                <a:schemeClr val="tx1">
+                  <a:lumMod val="85000"/>
+                  <a:lumOff val="15000"/>
+                </a:schemeClr>
+              </a:solidFill>
+              <a:ea typeface="Roboto" pitchFamily="2" charset="0"/>
+            </a:endParaRPr>
+          </a:p>
+        </p:txBody>
+      </p:sp>
+      <p:sp>
+        <p:nvSpPr>
+          <p:cNvPr id="12" name="TextBox 11"/>
+          <p:cNvSpPr txBox="1"/>
+          <p:nvPr/>
+        </p:nvSpPr>
+        <p:spPr>
+          <a:xfrm>
+            <a:off x="828229" y="4411534"/>
+            <a:ext cx="6902020" cy="1015663"/>
+          </a:xfrm>
+          <a:prstGeom prst="rect">
+            <a:avLst/>
+          </a:prstGeom>
+          <a:noFill/>
+        </p:spPr>
+        <p:txBody>
+          <a:bodyPr wrap="square" rtlCol="0">
+            <a:spAutoFit/>
+          </a:bodyPr>
+          <a:lstStyle/>
+          <a:p>
+            <a:r>
+              <a:rPr lang="en-US" sz="2000" dirty="0" smtClean="0">
+                <a:solidFill>
+                  <a:schemeClr val="tx1">
+                    <a:lumMod val="85000"/>
+                    <a:lumOff val="15000"/>
+                  </a:schemeClr>
+                </a:solidFill>
+                <a:ea typeface="Roboto" pitchFamily="2" charset="0"/>
+              </a:rPr>
+              <a:t>Các bạn d</a:t>
+            </a:r>
+            <a:r>
+              <a:rPr lang="en-US" sz="2000" dirty="0" smtClean="0">
+                <a:solidFill>
+                  <a:schemeClr val="tx1">
+                    <a:lumMod val="85000"/>
+                    <a:lumOff val="15000"/>
+                  </a:schemeClr>
+                </a:solidFill>
+                <a:ea typeface="Roboto" pitchFamily="2" charset="0"/>
+              </a:rPr>
+              <a:t>ùng </a:t>
+            </a:r>
+            <a:r>
+              <a:rPr lang="en-US" sz="2000" b="1" dirty="0" smtClean="0">
+                <a:solidFill>
+                  <a:schemeClr val="tx1">
+                    <a:lumMod val="85000"/>
+                    <a:lumOff val="15000"/>
+                  </a:schemeClr>
+                </a:solidFill>
+                <a:ea typeface="Roboto" pitchFamily="2" charset="0"/>
+              </a:rPr>
+              <a:t>if  - else if </a:t>
+            </a:r>
+            <a:r>
+              <a:rPr lang="en-US" sz="2000" dirty="0" smtClean="0">
+                <a:solidFill>
+                  <a:schemeClr val="tx1">
+                    <a:lumMod val="85000"/>
+                    <a:lumOff val="15000"/>
+                  </a:schemeClr>
+                </a:solidFill>
+                <a:ea typeface="Roboto" pitchFamily="2" charset="0"/>
+              </a:rPr>
+              <a:t>để kiểm tra xem các </a:t>
+            </a:r>
+            <a:r>
+              <a:rPr lang="en-US" sz="2000" b="1" dirty="0" smtClean="0">
+                <a:solidFill>
+                  <a:schemeClr val="tx1">
+                    <a:lumMod val="85000"/>
+                    <a:lumOff val="15000"/>
+                  </a:schemeClr>
+                </a:solidFill>
+                <a:ea typeface="Roboto" pitchFamily="2" charset="0"/>
+              </a:rPr>
+              <a:t>nút A</a:t>
+            </a:r>
+            <a:r>
+              <a:rPr lang="en-US" sz="2000" dirty="0" smtClean="0">
+                <a:solidFill>
+                  <a:schemeClr val="tx1">
+                    <a:lumMod val="85000"/>
+                    <a:lumOff val="15000"/>
+                  </a:schemeClr>
+                </a:solidFill>
+                <a:ea typeface="Roboto" pitchFamily="2" charset="0"/>
+              </a:rPr>
+              <a:t> có được nhấn không. Nếu có thì thực hiện hiển thị hình ảnh tương ứng Check</a:t>
+            </a:r>
+            <a:endParaRPr lang="en-US" sz="2000" b="1" dirty="0">
+              <a:solidFill>
+                <a:schemeClr val="tx1">
+                  <a:lumMod val="85000"/>
+                  <a:lumOff val="15000"/>
+                </a:schemeClr>
+              </a:solidFill>
+              <a:ea typeface="Roboto" pitchFamily="2" charset="0"/>
+            </a:endParaRPr>
+          </a:p>
+        </p:txBody>
+      </p:sp>
+      <p:pic>
+        <p:nvPicPr>
+          <p:cNvPr id="3" name="Picture 2"/>
+          <p:cNvPicPr>
+            <a:picLocks noChangeAspect="1"/>
+          </p:cNvPicPr>
+          <p:nvPr/>
+        </p:nvPicPr>
+        <p:blipFill>
+          <a:blip r:embed="rId3"/>
+          <a:stretch>
+            <a:fillRect/>
+          </a:stretch>
+        </p:blipFill>
+        <p:spPr>
+          <a:xfrm>
+            <a:off x="576148" y="2598881"/>
+            <a:ext cx="1657581" cy="704948"/>
+          </a:xfrm>
+          <a:prstGeom prst="rect">
+            <a:avLst/>
+          </a:prstGeom>
+        </p:spPr>
+      </p:pic>
+      <p:pic>
+        <p:nvPicPr>
+          <p:cNvPr id="8" name="Picture 7"/>
+          <p:cNvPicPr>
+            <a:picLocks noChangeAspect="1"/>
+          </p:cNvPicPr>
+          <p:nvPr/>
+        </p:nvPicPr>
+        <p:blipFill>
+          <a:blip r:embed="rId4"/>
+          <a:stretch>
+            <a:fillRect/>
+          </a:stretch>
+        </p:blipFill>
+        <p:spPr>
+          <a:xfrm>
+            <a:off x="4626866" y="2548740"/>
+            <a:ext cx="1600423" cy="685896"/>
+          </a:xfrm>
+          <a:prstGeom prst="rect">
+            <a:avLst/>
+          </a:prstGeom>
+        </p:spPr>
+      </p:pic>
+      <p:sp>
+        <p:nvSpPr>
+          <p:cNvPr id="14" name="TextBox 13"/>
+          <p:cNvSpPr txBox="1"/>
+          <p:nvPr/>
+        </p:nvSpPr>
+        <p:spPr>
+          <a:xfrm>
+            <a:off x="2483897" y="2595943"/>
+            <a:ext cx="1795342" cy="707886"/>
+          </a:xfrm>
+          <a:prstGeom prst="rect">
+            <a:avLst/>
+          </a:prstGeom>
+          <a:noFill/>
+        </p:spPr>
+        <p:txBody>
+          <a:bodyPr wrap="square" rtlCol="0">
+            <a:spAutoFit/>
+          </a:bodyPr>
+          <a:lstStyle/>
+          <a:p>
+            <a:r>
+              <a:rPr lang="en-US" sz="2000" dirty="0" smtClean="0">
+                <a:solidFill>
+                  <a:schemeClr val="tx1">
+                    <a:lumMod val="85000"/>
+                    <a:lumOff val="15000"/>
+                  </a:schemeClr>
+                </a:solidFill>
+                <a:ea typeface="Roboto" pitchFamily="2" charset="0"/>
+              </a:rPr>
+              <a:t>Đại điện cho </a:t>
+            </a:r>
+            <a:r>
+              <a:rPr lang="en-US" sz="2000" b="1" dirty="0" smtClean="0">
+                <a:solidFill>
+                  <a:schemeClr val="tx1">
+                    <a:lumMod val="85000"/>
+                    <a:lumOff val="15000"/>
+                  </a:schemeClr>
+                </a:solidFill>
+                <a:ea typeface="Roboto" pitchFamily="2" charset="0"/>
+              </a:rPr>
+              <a:t>Được đi qua</a:t>
+            </a:r>
+            <a:endParaRPr lang="en-US" sz="2000" b="1" dirty="0">
+              <a:solidFill>
+                <a:schemeClr val="tx1">
+                  <a:lumMod val="85000"/>
+                  <a:lumOff val="15000"/>
+                </a:schemeClr>
+              </a:solidFill>
+              <a:ea typeface="Roboto" pitchFamily="2" charset="0"/>
+            </a:endParaRPr>
+          </a:p>
+        </p:txBody>
+      </p:sp>
+      <p:sp>
+        <p:nvSpPr>
+          <p:cNvPr id="15" name="TextBox 14"/>
+          <p:cNvSpPr txBox="1"/>
+          <p:nvPr/>
+        </p:nvSpPr>
+        <p:spPr>
+          <a:xfrm>
+            <a:off x="6574917" y="2516411"/>
+            <a:ext cx="1686897" cy="707886"/>
+          </a:xfrm>
+          <a:prstGeom prst="rect">
+            <a:avLst/>
+          </a:prstGeom>
+          <a:noFill/>
+        </p:spPr>
+        <p:txBody>
+          <a:bodyPr wrap="square" rtlCol="0">
+            <a:spAutoFit/>
+          </a:bodyPr>
+          <a:lstStyle/>
+          <a:p>
+            <a:r>
+              <a:rPr lang="en-US" sz="2000" dirty="0" smtClean="0">
+                <a:solidFill>
+                  <a:schemeClr val="tx1">
+                    <a:lumMod val="85000"/>
+                    <a:lumOff val="15000"/>
+                  </a:schemeClr>
+                </a:solidFill>
+                <a:ea typeface="Roboto" pitchFamily="2" charset="0"/>
+              </a:rPr>
+              <a:t>Đại điện cho </a:t>
+            </a:r>
+            <a:r>
+              <a:rPr lang="en-US" sz="2000" b="1" dirty="0" smtClean="0">
+                <a:solidFill>
+                  <a:schemeClr val="tx1">
+                    <a:lumMod val="85000"/>
+                    <a:lumOff val="15000"/>
+                  </a:schemeClr>
+                </a:solidFill>
+                <a:ea typeface="Roboto" pitchFamily="2" charset="0"/>
+              </a:rPr>
+              <a:t>Chờ đi qua</a:t>
+            </a:r>
+            <a:endParaRPr lang="en-US" sz="2000" b="1" dirty="0">
+              <a:solidFill>
+                <a:schemeClr val="tx1">
+                  <a:lumMod val="85000"/>
+                  <a:lumOff val="15000"/>
+                </a:schemeClr>
+              </a:solidFill>
+              <a:ea typeface="Roboto" pitchFamily="2" charset="0"/>
+            </a:endParaRPr>
+          </a:p>
+        </p:txBody>
+      </p:sp>
+      <p:sp>
+        <p:nvSpPr>
+          <p:cNvPr id="17" name="TextBox 16"/>
+          <p:cNvSpPr txBox="1"/>
+          <p:nvPr/>
+        </p:nvSpPr>
+        <p:spPr>
+          <a:xfrm>
+            <a:off x="746868" y="3568273"/>
+            <a:ext cx="8010021" cy="707886"/>
+          </a:xfrm>
+          <a:prstGeom prst="rect">
+            <a:avLst/>
+          </a:prstGeom>
+          <a:noFill/>
+        </p:spPr>
+        <p:txBody>
+          <a:bodyPr wrap="square" rtlCol="0">
+            <a:spAutoFit/>
+          </a:bodyPr>
+          <a:lstStyle/>
+          <a:p>
+            <a:r>
+              <a:rPr lang="en-US" sz="2000" dirty="0" smtClean="0">
+                <a:solidFill>
+                  <a:schemeClr val="tx1">
+                    <a:lumMod val="85000"/>
+                    <a:lumOff val="15000"/>
+                  </a:schemeClr>
+                </a:solidFill>
+                <a:ea typeface="Roboto" pitchFamily="2" charset="0"/>
+              </a:rPr>
+              <a:t>Trên cột đèn có một nút nhấn ưu tiên, Nếu nhấn vào thì Đèn Xanh tương ứng với Được đi qua.</a:t>
+            </a:r>
+            <a:endParaRPr lang="en-US" sz="2000" dirty="0">
+              <a:solidFill>
+                <a:schemeClr val="tx1">
+                  <a:lumMod val="85000"/>
+                  <a:lumOff val="15000"/>
+                </a:schemeClr>
+              </a:solidFill>
+              <a:ea typeface="Roboto" pitchFamily="2" charset="0"/>
+            </a:endParaRPr>
+          </a:p>
+        </p:txBody>
+      </p:sp>
+      <p:sp>
+        <p:nvSpPr>
+          <p:cNvPr id="18" name="Rectangle 17"/>
+          <p:cNvSpPr/>
+          <p:nvPr/>
+        </p:nvSpPr>
+        <p:spPr>
+          <a:xfrm>
+            <a:off x="612908" y="3714743"/>
+            <a:ext cx="133960" cy="133960"/>
+          </a:xfrm>
+          <a:prstGeom prst="rect">
+            <a:avLst/>
+          </a:prstGeom>
+          <a:solidFill>
+            <a:srgbClr val="64C7E9"/>
+          </a:solidFill>
+          <a:ln>
+            <a:noFill/>
+          </a:ln>
+        </p:spPr>
+        <p:style>
+          <a:lnRef idx="2">
+            <a:schemeClr val="accent1">
+              <a:shade val="50000"/>
+            </a:schemeClr>
+          </a:lnRef>
+          <a:fillRef idx="1">
+            <a:schemeClr val="accent1"/>
+          </a:fillRef>
+          <a:effectRef idx="0">
+            <a:schemeClr val="accent1"/>
+          </a:effectRef>
+          <a:fontRef idx="minor">
+            <a:schemeClr val="lt1"/>
+          </a:fontRef>
+        </p:style>
+        <p:txBody>
+          <a:bodyPr rtlCol="0" anchor="ctr"/>
+          <a:lstStyle/>
+          <a:p>
+            <a:pPr algn="ctr"/>
+            <a:endParaRPr lang="en-US"/>
+          </a:p>
+        </p:txBody>
+      </p:sp>
+      <p:sp>
+        <p:nvSpPr>
+          <p:cNvPr id="19" name="Rectangle 18"/>
+          <p:cNvSpPr/>
+          <p:nvPr/>
+        </p:nvSpPr>
+        <p:spPr>
+          <a:xfrm>
+            <a:off x="612908" y="4602639"/>
+            <a:ext cx="133960" cy="133960"/>
+          </a:xfrm>
+          <a:prstGeom prst="rect">
+            <a:avLst/>
+          </a:prstGeom>
+          <a:solidFill>
+            <a:srgbClr val="64C7E9"/>
+          </a:solidFill>
+          <a:ln>
+            <a:noFill/>
+          </a:ln>
+        </p:spPr>
+        <p:style>
+          <a:lnRef idx="2">
+            <a:schemeClr val="accent1">
+              <a:shade val="50000"/>
+            </a:schemeClr>
+          </a:lnRef>
+          <a:fillRef idx="1">
+            <a:schemeClr val="accent1"/>
+          </a:fillRef>
+          <a:effectRef idx="0">
+            <a:schemeClr val="accent1"/>
+          </a:effectRef>
+          <a:fontRef idx="minor">
+            <a:schemeClr val="lt1"/>
+          </a:fontRef>
+        </p:style>
+        <p:txBody>
+          <a:bodyPr rtlCol="0" anchor="ctr"/>
+          <a:lstStyle/>
+          <a:p>
+            <a:pPr algn="ctr"/>
+            <a:endParaRPr lang="en-US"/>
+          </a:p>
+        </p:txBody>
+      </p:sp>
+      <p:sp>
+        <p:nvSpPr>
+          <p:cNvPr id="20" name="TextBox 19"/>
+          <p:cNvSpPr txBox="1"/>
+          <p:nvPr/>
+        </p:nvSpPr>
+        <p:spPr>
+          <a:xfrm>
+            <a:off x="828229" y="5511464"/>
+            <a:ext cx="6902020" cy="400110"/>
+          </a:xfrm>
+          <a:prstGeom prst="rect">
+            <a:avLst/>
+          </a:prstGeom>
+          <a:noFill/>
+        </p:spPr>
+        <p:txBody>
+          <a:bodyPr wrap="square" rtlCol="0">
+            <a:spAutoFit/>
+          </a:bodyPr>
+          <a:lstStyle/>
+          <a:p>
+            <a:r>
+              <a:rPr lang="en-US" sz="2000" dirty="0" smtClean="0">
+                <a:solidFill>
+                  <a:schemeClr val="tx1">
+                    <a:lumMod val="85000"/>
+                    <a:lumOff val="15000"/>
+                  </a:schemeClr>
+                </a:solidFill>
+                <a:ea typeface="Roboto" pitchFamily="2" charset="0"/>
+              </a:rPr>
+              <a:t>Còn mặc định hiển thi hình ảnh </a:t>
+            </a:r>
+            <a:r>
+              <a:rPr lang="en-US" sz="2000" smtClean="0">
+                <a:solidFill>
+                  <a:schemeClr val="tx1">
+                    <a:lumMod val="85000"/>
+                    <a:lumOff val="15000"/>
+                  </a:schemeClr>
+                </a:solidFill>
+                <a:ea typeface="Roboto" pitchFamily="2" charset="0"/>
+              </a:rPr>
+              <a:t>dấu CHÉO (Chờ đi qua)</a:t>
+            </a:r>
+            <a:endParaRPr lang="en-US" sz="2000" b="1" dirty="0">
+              <a:solidFill>
+                <a:schemeClr val="tx1">
+                  <a:lumMod val="85000"/>
+                  <a:lumOff val="15000"/>
+                </a:schemeClr>
+              </a:solidFill>
+              <a:ea typeface="Roboto" pitchFamily="2" charset="0"/>
+            </a:endParaRPr>
+          </a:p>
+        </p:txBody>
+      </p:sp>
+      <p:sp>
+        <p:nvSpPr>
+          <p:cNvPr id="21" name="Rectangle 20"/>
+          <p:cNvSpPr/>
+          <p:nvPr/>
+        </p:nvSpPr>
+        <p:spPr>
+          <a:xfrm>
+            <a:off x="612908" y="5702569"/>
+            <a:ext cx="133960" cy="133960"/>
+          </a:xfrm>
+          <a:prstGeom prst="rect">
+            <a:avLst/>
+          </a:prstGeom>
+          <a:solidFill>
+            <a:srgbClr val="64C7E9"/>
+          </a:solidFill>
+          <a:ln>
+            <a:noFill/>
+          </a:ln>
+        </p:spPr>
+        <p:style>
+          <a:lnRef idx="2">
+            <a:schemeClr val="accent1">
+              <a:shade val="50000"/>
+            </a:schemeClr>
+          </a:lnRef>
+          <a:fillRef idx="1">
+            <a:schemeClr val="accent1"/>
+          </a:fillRef>
+          <a:effectRef idx="0">
+            <a:schemeClr val="accent1"/>
+          </a:effectRef>
+          <a:fontRef idx="minor">
+            <a:schemeClr val="lt1"/>
+          </a:fontRef>
+        </p:style>
+        <p:txBody>
+          <a:bodyPr rtlCol="0" anchor="ctr"/>
+          <a:lstStyle/>
+          <a:p>
+            <a:pPr algn="ctr"/>
+            <a:endParaRPr lang="en-US"/>
+          </a:p>
+        </p:txBody>
+      </p:sp>
+    </p:spTree>
+    <p:extLst>
+      <p:ext uri="{BB962C8B-B14F-4D97-AF65-F5344CB8AC3E}">
+        <p14:creationId xmlns:p14="http://schemas.microsoft.com/office/powerpoint/2010/main" val="3137732551"/>
+      </p:ext>
+    </p:extLst>
+  </p:cSld>
+  <p:clrMapOvr>
+    <a:masterClrMapping/>
+  </p:clrMapOvr>
+</p:sld>
+</file>
+
+<file path=ppt/slides/slide16.xml><?xml version="1.0" encoding="utf-8"?>
+<p:sld xmlns:a="http://schemas.openxmlformats.org/drawingml/2006/main" xmlns:r="http://schemas.openxmlformats.org/officeDocument/2006/relationships" xmlns:p="http://schemas.openxmlformats.org/presentationml/2006/main">
+  <p:cSld>
+    <p:spTree>
+      <p:nvGrpSpPr>
+        <p:cNvPr id="1" name=""/>
+        <p:cNvGrpSpPr/>
+        <p:nvPr/>
+      </p:nvGrpSpPr>
+      <p:grpSpPr>
+        <a:xfrm>
+          <a:off x="0" y="0"/>
+          <a:ext cx="0" cy="0"/>
+          <a:chOff x="0" y="0"/>
+          <a:chExt cx="0" cy="0"/>
+        </a:xfrm>
+      </p:grpSpPr>
+      <p:sp>
+        <p:nvSpPr>
+          <p:cNvPr id="2" name="Slide Number Placeholder 1"/>
+          <p:cNvSpPr>
+            <a:spLocks noGrp="1"/>
+          </p:cNvSpPr>
+          <p:nvPr>
+            <p:ph type="sldNum" sz="quarter" idx="12"/>
+          </p:nvPr>
+        </p:nvSpPr>
+        <p:spPr/>
+        <p:txBody>
+          <a:bodyPr/>
+          <a:lstStyle/>
+          <a:p>
+            <a:fld id="{7D9EC917-02A2-4152-9EE3-DFE2775A77C7}" type="slidenum">
+              <a:rPr lang="en-US" smtClean="0"/>
+              <a:pPr/>
+              <a:t>16</a:t>
+            </a:fld>
+            <a:endParaRPr lang="en-US"/>
+          </a:p>
+        </p:txBody>
+      </p:sp>
+      <p:sp>
+        <p:nvSpPr>
+          <p:cNvPr id="3" name="Rectangle 2"/>
+          <p:cNvSpPr/>
+          <p:nvPr/>
+        </p:nvSpPr>
+        <p:spPr>
+          <a:xfrm>
+            <a:off x="301925" y="1051379"/>
+            <a:ext cx="8454964" cy="27432"/>
+          </a:xfrm>
+          <a:prstGeom prst="rect">
+            <a:avLst/>
+          </a:prstGeom>
+          <a:gradFill flip="none" rotWithShape="1">
+            <a:gsLst>
+              <a:gs pos="15000">
+                <a:srgbClr val="67C7DF"/>
+              </a:gs>
+              <a:gs pos="100000">
+                <a:srgbClr val="5EB130"/>
+              </a:gs>
+            </a:gsLst>
+            <a:lin ang="0" scaled="1"/>
+            <a:tileRect/>
+          </a:gradFill>
+          <a:ln>
+            <a:noFill/>
+          </a:ln>
+        </p:spPr>
+        <p:style>
+          <a:lnRef idx="2">
+            <a:schemeClr val="accent1">
+              <a:shade val="50000"/>
+            </a:schemeClr>
+          </a:lnRef>
+          <a:fillRef idx="1">
+            <a:schemeClr val="accent1"/>
+          </a:fillRef>
+          <a:effectRef idx="0">
+            <a:schemeClr val="accent1"/>
+          </a:effectRef>
+          <a:fontRef idx="minor">
+            <a:schemeClr val="lt1"/>
+          </a:fontRef>
+        </p:style>
+        <p:txBody>
+          <a:bodyPr rtlCol="0" anchor="ctr"/>
+          <a:lstStyle/>
+          <a:p>
+            <a:pPr algn="ctr"/>
+            <a:endParaRPr lang="en-US"/>
+          </a:p>
+        </p:txBody>
+      </p:sp>
+      <p:sp>
+        <p:nvSpPr>
+          <p:cNvPr id="4" name="TextBox 3"/>
+          <p:cNvSpPr txBox="1"/>
+          <p:nvPr/>
+        </p:nvSpPr>
+        <p:spPr>
+          <a:xfrm>
+            <a:off x="248815" y="546584"/>
+            <a:ext cx="7374995" cy="461665"/>
+          </a:xfrm>
+          <a:prstGeom prst="rect">
+            <a:avLst/>
+          </a:prstGeom>
+          <a:noFill/>
+        </p:spPr>
+        <p:txBody>
+          <a:bodyPr wrap="square" rtlCol="0">
+            <a:spAutoFit/>
+          </a:bodyPr>
+          <a:lstStyle/>
+          <a:p>
+            <a:r>
+              <a:rPr lang="en-US" sz="2400" b="1" dirty="0" smtClean="0">
+                <a:solidFill>
+                  <a:srgbClr val="64C7E9"/>
+                </a:solidFill>
+                <a:latin typeface="UTM Helve" panose="02040603050506020204" pitchFamily="18" charset="0"/>
+                <a:ea typeface="Roboto" pitchFamily="2" charset="0"/>
+              </a:rPr>
+              <a:t>4.4 Hoạt </a:t>
+            </a:r>
+            <a:r>
+              <a:rPr lang="en-US" sz="2400" b="1" dirty="0" smtClean="0">
+                <a:solidFill>
+                  <a:srgbClr val="64C7E9"/>
+                </a:solidFill>
+                <a:latin typeface="+mj-lt"/>
+                <a:ea typeface="Roboto" pitchFamily="2" charset="0"/>
+              </a:rPr>
+              <a:t>động</a:t>
+            </a:r>
+            <a:r>
+              <a:rPr lang="en-US" sz="2400" b="1" dirty="0" smtClean="0">
+                <a:solidFill>
+                  <a:srgbClr val="64C7E9"/>
+                </a:solidFill>
+                <a:latin typeface="UTM Helve" panose="02040603050506020204" pitchFamily="18" charset="0"/>
+                <a:ea typeface="Roboto" pitchFamily="2" charset="0"/>
+              </a:rPr>
+              <a:t> học viên</a:t>
+            </a:r>
+            <a:endParaRPr lang="en-US" sz="2400" b="1" dirty="0">
+              <a:solidFill>
+                <a:srgbClr val="64C7E9"/>
+              </a:solidFill>
+              <a:latin typeface="UTM Helve" panose="02040603050506020204" pitchFamily="18" charset="0"/>
+              <a:ea typeface="Roboto" pitchFamily="2" charset="0"/>
+            </a:endParaRPr>
+          </a:p>
+        </p:txBody>
+      </p:sp>
+      <p:pic>
+        <p:nvPicPr>
+          <p:cNvPr id="5" name="Google Shape;123;p18">
+            <a:hlinkClick r:id="rId2"/>
+          </p:cNvPr>
+          <p:cNvPicPr preferRelativeResize="0"/>
+          <p:nvPr/>
+        </p:nvPicPr>
+        <p:blipFill rotWithShape="1">
+          <a:blip r:embed="rId3" cstate="screen">
+            <a:alphaModFix/>
+            <a:extLst>
+              <a:ext uri="{28A0092B-C50C-407E-A947-70E740481C1C}">
+                <a14:useLocalDpi xmlns:a14="http://schemas.microsoft.com/office/drawing/2010/main"/>
+              </a:ext>
+            </a:extLst>
+          </a:blip>
+          <a:srcRect b="50526"/>
+          <a:stretch/>
+        </p:blipFill>
+        <p:spPr>
+          <a:xfrm>
+            <a:off x="778940" y="3843291"/>
+            <a:ext cx="7559028" cy="2420349"/>
+          </a:xfrm>
+          <a:prstGeom prst="rect">
+            <a:avLst/>
+          </a:prstGeom>
+          <a:noFill/>
+          <a:ln>
+            <a:noFill/>
+          </a:ln>
+        </p:spPr>
+      </p:pic>
+      <p:pic>
+        <p:nvPicPr>
+          <p:cNvPr id="6" name="Google Shape;123;p18">
+            <a:hlinkClick r:id="rId2"/>
+          </p:cNvPr>
+          <p:cNvPicPr preferRelativeResize="0"/>
+          <p:nvPr/>
+        </p:nvPicPr>
+        <p:blipFill rotWithShape="1">
+          <a:blip r:embed="rId3" cstate="screen">
+            <a:alphaModFix/>
+            <a:extLst>
+              <a:ext uri="{28A0092B-C50C-407E-A947-70E740481C1C}">
+                <a14:useLocalDpi xmlns:a14="http://schemas.microsoft.com/office/drawing/2010/main"/>
+              </a:ext>
+            </a:extLst>
+          </a:blip>
+          <a:srcRect l="58072" t="48895" r="15893"/>
+          <a:stretch/>
+        </p:blipFill>
+        <p:spPr>
+          <a:xfrm>
+            <a:off x="6738319" y="1393058"/>
+            <a:ext cx="1770981" cy="2249846"/>
+          </a:xfrm>
+          <a:prstGeom prst="rect">
+            <a:avLst/>
+          </a:prstGeom>
+          <a:noFill/>
+          <a:ln>
+            <a:noFill/>
+          </a:ln>
+        </p:spPr>
+      </p:pic>
+      <p:sp>
+        <p:nvSpPr>
+          <p:cNvPr id="8" name="TextBox 7"/>
+          <p:cNvSpPr txBox="1"/>
+          <p:nvPr/>
+        </p:nvSpPr>
+        <p:spPr>
+          <a:xfrm>
+            <a:off x="1146613" y="1393058"/>
+            <a:ext cx="4482860" cy="461665"/>
+          </a:xfrm>
+          <a:prstGeom prst="rect">
+            <a:avLst/>
+          </a:prstGeom>
+          <a:noFill/>
+        </p:spPr>
+        <p:txBody>
+          <a:bodyPr wrap="square" rtlCol="0">
+            <a:spAutoFit/>
+          </a:bodyPr>
+          <a:lstStyle/>
+          <a:p>
+            <a:r>
+              <a:rPr lang="en-US" sz="2400" b="1" dirty="0" smtClean="0">
+                <a:solidFill>
+                  <a:schemeClr val="tx1">
+                    <a:lumMod val="85000"/>
+                    <a:lumOff val="15000"/>
+                  </a:schemeClr>
+                </a:solidFill>
+                <a:latin typeface="UTM Helve" panose="02040603050506020204" pitchFamily="18" charset="0"/>
+                <a:ea typeface="Roboto" pitchFamily="2" charset="0"/>
+              </a:rPr>
+              <a:t>Chương trình Face Status</a:t>
+            </a:r>
+            <a:endParaRPr lang="en-US" sz="2400" b="1" dirty="0">
+              <a:solidFill>
+                <a:schemeClr val="tx1">
+                  <a:lumMod val="85000"/>
+                  <a:lumOff val="15000"/>
+                </a:schemeClr>
+              </a:solidFill>
+              <a:latin typeface="UTM Helve" panose="02040603050506020204" pitchFamily="18" charset="0"/>
+              <a:ea typeface="Roboto" pitchFamily="2" charset="0"/>
+            </a:endParaRPr>
+          </a:p>
+        </p:txBody>
+      </p:sp>
+      <p:pic>
+        <p:nvPicPr>
+          <p:cNvPr id="9" name="Picture 8"/>
+          <p:cNvPicPr>
+            <a:picLocks noChangeAspect="1"/>
+          </p:cNvPicPr>
+          <p:nvPr/>
+        </p:nvPicPr>
+        <p:blipFill>
+          <a:blip r:embed="rId4">
+            <a:extLst>
+              <a:ext uri="{28A0092B-C50C-407E-A947-70E740481C1C}">
+                <a14:useLocalDpi xmlns:a14="http://schemas.microsoft.com/office/drawing/2010/main" val="0"/>
+              </a:ext>
+            </a:extLst>
+          </a:blip>
+          <a:stretch>
+            <a:fillRect/>
+          </a:stretch>
+        </p:blipFill>
+        <p:spPr>
+          <a:xfrm>
+            <a:off x="679888" y="1462786"/>
+            <a:ext cx="466725" cy="409575"/>
+          </a:xfrm>
+          <a:prstGeom prst="rect">
+            <a:avLst/>
+          </a:prstGeom>
+        </p:spPr>
+      </p:pic>
+      <p:sp>
+        <p:nvSpPr>
+          <p:cNvPr id="10" name="TextBox 9"/>
+          <p:cNvSpPr txBox="1"/>
+          <p:nvPr/>
+        </p:nvSpPr>
+        <p:spPr>
+          <a:xfrm>
+            <a:off x="778940" y="2107108"/>
+            <a:ext cx="4482860" cy="707886"/>
+          </a:xfrm>
+          <a:prstGeom prst="rect">
+            <a:avLst/>
+          </a:prstGeom>
+          <a:noFill/>
+        </p:spPr>
+        <p:txBody>
+          <a:bodyPr wrap="square" rtlCol="0">
+            <a:spAutoFit/>
+          </a:bodyPr>
+          <a:lstStyle/>
+          <a:p>
+            <a:r>
+              <a:rPr lang="en-US" sz="2000" dirty="0" smtClean="0">
+                <a:solidFill>
+                  <a:schemeClr val="tx1">
+                    <a:lumMod val="85000"/>
+                    <a:lumOff val="15000"/>
+                  </a:schemeClr>
+                </a:solidFill>
+                <a:ea typeface="Roboto" pitchFamily="2" charset="0"/>
+              </a:rPr>
+              <a:t>Hiện thị các hình ảnh tương ứng với từng sự kiện Inputs</a:t>
+            </a:r>
+            <a:endParaRPr lang="en-US" sz="2000" dirty="0">
+              <a:solidFill>
+                <a:schemeClr val="tx1">
+                  <a:lumMod val="85000"/>
+                  <a:lumOff val="15000"/>
+                </a:schemeClr>
+              </a:solidFill>
+              <a:ea typeface="Roboto" pitchFamily="2" charset="0"/>
+            </a:endParaRPr>
+          </a:p>
+        </p:txBody>
+      </p:sp>
+    </p:spTree>
+    <p:extLst>
+      <p:ext uri="{BB962C8B-B14F-4D97-AF65-F5344CB8AC3E}">
+        <p14:creationId xmlns:p14="http://schemas.microsoft.com/office/powerpoint/2010/main" val="2794222345"/>
+      </p:ext>
+    </p:extLst>
+  </p:cSld>
+  <p:clrMapOvr>
+    <a:masterClrMapping/>
+  </p:clrMapOvr>
+</p:sld>
+</file>
+
+<file path=ppt/slides/slide17.xml><?xml version="1.0" encoding="utf-8"?>
+<p:sld xmlns:a="http://schemas.openxmlformats.org/drawingml/2006/main" xmlns:r="http://schemas.openxmlformats.org/officeDocument/2006/relationships" xmlns:p="http://schemas.openxmlformats.org/presentationml/2006/main">
+  <p:cSld>
+    <p:spTree>
+      <p:nvGrpSpPr>
+        <p:cNvPr id="1" name=""/>
+        <p:cNvGrpSpPr/>
+        <p:nvPr/>
+      </p:nvGrpSpPr>
+      <p:grpSpPr>
+        <a:xfrm>
+          <a:off x="0" y="0"/>
+          <a:ext cx="0" cy="0"/>
+          <a:chOff x="0" y="0"/>
+          <a:chExt cx="0" cy="0"/>
+        </a:xfrm>
+      </p:grpSpPr>
+      <p:sp>
+        <p:nvSpPr>
+          <p:cNvPr id="2" name="Slide Number Placeholder 1"/>
+          <p:cNvSpPr>
+            <a:spLocks noGrp="1"/>
+          </p:cNvSpPr>
+          <p:nvPr>
+            <p:ph type="sldNum" sz="quarter" idx="12"/>
+          </p:nvPr>
+        </p:nvSpPr>
+        <p:spPr/>
+        <p:txBody>
+          <a:bodyPr/>
+          <a:lstStyle/>
+          <a:p>
+            <a:fld id="{7D9EC917-02A2-4152-9EE3-DFE2775A77C7}" type="slidenum">
+              <a:rPr lang="en-US" smtClean="0"/>
+              <a:pPr/>
+              <a:t>17</a:t>
+            </a:fld>
+            <a:endParaRPr lang="en-US"/>
+          </a:p>
+        </p:txBody>
+      </p:sp>
+      <p:sp>
+        <p:nvSpPr>
+          <p:cNvPr id="4" name="Rectangle 3"/>
+          <p:cNvSpPr/>
+          <p:nvPr/>
+        </p:nvSpPr>
+        <p:spPr>
+          <a:xfrm>
+            <a:off x="301925" y="1051379"/>
+            <a:ext cx="8454964" cy="27432"/>
+          </a:xfrm>
+          <a:prstGeom prst="rect">
+            <a:avLst/>
+          </a:prstGeom>
+          <a:gradFill flip="none" rotWithShape="1">
+            <a:gsLst>
+              <a:gs pos="15000">
+                <a:srgbClr val="67C7DF"/>
+              </a:gs>
+              <a:gs pos="100000">
+                <a:srgbClr val="5EB130"/>
+              </a:gs>
+            </a:gsLst>
+            <a:lin ang="0" scaled="1"/>
+            <a:tileRect/>
+          </a:gradFill>
+          <a:ln>
+            <a:noFill/>
+          </a:ln>
+        </p:spPr>
+        <p:style>
+          <a:lnRef idx="2">
+            <a:schemeClr val="accent1">
+              <a:shade val="50000"/>
+            </a:schemeClr>
+          </a:lnRef>
+          <a:fillRef idx="1">
+            <a:schemeClr val="accent1"/>
+          </a:fillRef>
+          <a:effectRef idx="0">
+            <a:schemeClr val="accent1"/>
+          </a:effectRef>
+          <a:fontRef idx="minor">
+            <a:schemeClr val="lt1"/>
+          </a:fontRef>
+        </p:style>
+        <p:txBody>
+          <a:bodyPr rtlCol="0" anchor="ctr"/>
+          <a:lstStyle/>
+          <a:p>
+            <a:pPr algn="ctr"/>
+            <a:endParaRPr lang="en-US"/>
+          </a:p>
+        </p:txBody>
+      </p:sp>
+      <p:sp>
+        <p:nvSpPr>
+          <p:cNvPr id="5" name="TextBox 4"/>
+          <p:cNvSpPr txBox="1"/>
+          <p:nvPr/>
+        </p:nvSpPr>
+        <p:spPr>
+          <a:xfrm>
+            <a:off x="248815" y="546584"/>
+            <a:ext cx="7374995" cy="461665"/>
+          </a:xfrm>
+          <a:prstGeom prst="rect">
+            <a:avLst/>
+          </a:prstGeom>
+          <a:noFill/>
+        </p:spPr>
+        <p:txBody>
+          <a:bodyPr wrap="square" rtlCol="0">
+            <a:spAutoFit/>
+          </a:bodyPr>
+          <a:lstStyle/>
+          <a:p>
+            <a:r>
+              <a:rPr lang="en-US" sz="2400" b="1" dirty="0" smtClean="0">
+                <a:solidFill>
+                  <a:srgbClr val="64C7E9"/>
+                </a:solidFill>
+                <a:latin typeface="UTM Helve" panose="02040603050506020204" pitchFamily="18" charset="0"/>
+                <a:ea typeface="Roboto" pitchFamily="2" charset="0"/>
+              </a:rPr>
+              <a:t>4.4 Hoạt động học viên</a:t>
+            </a:r>
+            <a:endParaRPr lang="en-US" sz="2400" b="1" dirty="0">
+              <a:solidFill>
+                <a:srgbClr val="64C7E9"/>
+              </a:solidFill>
+              <a:latin typeface="UTM Helve" panose="02040603050506020204" pitchFamily="18" charset="0"/>
+              <a:ea typeface="Roboto" pitchFamily="2" charset="0"/>
+            </a:endParaRPr>
+          </a:p>
+        </p:txBody>
+      </p:sp>
+      <p:sp>
+        <p:nvSpPr>
+          <p:cNvPr id="6" name="TextBox 5"/>
+          <p:cNvSpPr txBox="1"/>
+          <p:nvPr/>
+        </p:nvSpPr>
+        <p:spPr>
+          <a:xfrm>
+            <a:off x="1236140" y="1389829"/>
+            <a:ext cx="7324930" cy="461665"/>
+          </a:xfrm>
+          <a:prstGeom prst="rect">
+            <a:avLst/>
+          </a:prstGeom>
+          <a:noFill/>
+        </p:spPr>
+        <p:txBody>
+          <a:bodyPr wrap="square" rtlCol="0">
+            <a:spAutoFit/>
+          </a:bodyPr>
+          <a:lstStyle/>
+          <a:p>
+            <a:r>
+              <a:rPr lang="en-US" sz="2400" b="1" dirty="0" smtClean="0">
+                <a:solidFill>
+                  <a:schemeClr val="tx1">
+                    <a:lumMod val="85000"/>
+                    <a:lumOff val="15000"/>
+                  </a:schemeClr>
+                </a:solidFill>
+                <a:latin typeface="UTM Helve" panose="02040603050506020204" pitchFamily="18" charset="0"/>
+                <a:ea typeface="Roboto" pitchFamily="2" charset="0"/>
+              </a:rPr>
+              <a:t>Giải bài này theo 2 hướng</a:t>
+            </a:r>
+            <a:endParaRPr lang="en-US" sz="2400" b="1" dirty="0">
+              <a:solidFill>
+                <a:schemeClr val="tx1">
+                  <a:lumMod val="85000"/>
+                  <a:lumOff val="15000"/>
+                </a:schemeClr>
+              </a:solidFill>
+              <a:latin typeface="UTM Helve" panose="02040603050506020204" pitchFamily="18" charset="0"/>
+              <a:ea typeface="Roboto" pitchFamily="2" charset="0"/>
+            </a:endParaRPr>
+          </a:p>
+        </p:txBody>
+      </p:sp>
+      <p:pic>
+        <p:nvPicPr>
+          <p:cNvPr id="7" name="Picture 6"/>
+          <p:cNvPicPr>
+            <a:picLocks noChangeAspect="1"/>
+          </p:cNvPicPr>
+          <p:nvPr/>
+        </p:nvPicPr>
+        <p:blipFill>
+          <a:blip r:embed="rId2">
+            <a:extLst>
+              <a:ext uri="{28A0092B-C50C-407E-A947-70E740481C1C}">
+                <a14:useLocalDpi xmlns:a14="http://schemas.microsoft.com/office/drawing/2010/main" val="0"/>
+              </a:ext>
+            </a:extLst>
+          </a:blip>
+          <a:stretch>
+            <a:fillRect/>
+          </a:stretch>
+        </p:blipFill>
+        <p:spPr>
+          <a:xfrm>
+            <a:off x="679888" y="1462786"/>
+            <a:ext cx="466725" cy="409575"/>
+          </a:xfrm>
+          <a:prstGeom prst="rect">
+            <a:avLst/>
+          </a:prstGeom>
+        </p:spPr>
+      </p:pic>
+      <p:pic>
+        <p:nvPicPr>
+          <p:cNvPr id="10" name="Picture 9"/>
+          <p:cNvPicPr>
+            <a:picLocks noChangeAspect="1"/>
+          </p:cNvPicPr>
+          <p:nvPr/>
+        </p:nvPicPr>
+        <p:blipFill rotWithShape="1">
+          <a:blip r:embed="rId3">
+            <a:extLst>
+              <a:ext uri="{28A0092B-C50C-407E-A947-70E740481C1C}">
+                <a14:useLocalDpi xmlns:a14="http://schemas.microsoft.com/office/drawing/2010/main" val="0"/>
+              </a:ext>
+            </a:extLst>
+          </a:blip>
+          <a:srcRect l="27461" t="24884" r="31270" b="38372"/>
+          <a:stretch/>
+        </p:blipFill>
+        <p:spPr>
+          <a:xfrm>
+            <a:off x="1404939" y="5726430"/>
+            <a:ext cx="663173" cy="403005"/>
+          </a:xfrm>
+          <a:prstGeom prst="rect">
+            <a:avLst/>
+          </a:prstGeom>
+        </p:spPr>
+      </p:pic>
+      <p:sp>
+        <p:nvSpPr>
+          <p:cNvPr id="9" name="TextBox 8"/>
+          <p:cNvSpPr txBox="1"/>
+          <p:nvPr/>
+        </p:nvSpPr>
+        <p:spPr>
+          <a:xfrm>
+            <a:off x="1236140" y="2163497"/>
+            <a:ext cx="6682908" cy="400110"/>
+          </a:xfrm>
+          <a:prstGeom prst="rect">
+            <a:avLst/>
+          </a:prstGeom>
+          <a:noFill/>
+        </p:spPr>
+        <p:txBody>
+          <a:bodyPr wrap="square" rtlCol="0">
+            <a:spAutoFit/>
+          </a:bodyPr>
+          <a:lstStyle/>
+          <a:p>
+            <a:r>
+              <a:rPr lang="en-US" sz="2000" dirty="0" smtClean="0">
+                <a:solidFill>
+                  <a:schemeClr val="tx1">
+                    <a:lumMod val="85000"/>
+                    <a:lumOff val="15000"/>
+                  </a:schemeClr>
+                </a:solidFill>
+                <a:ea typeface="Roboto" pitchFamily="2" charset="0"/>
+              </a:rPr>
+              <a:t>Các sự kiện inputs tương tứng: A, B, A+B, Touch, Shakes</a:t>
+            </a:r>
+            <a:endParaRPr lang="en-US" sz="2000" dirty="0">
+              <a:solidFill>
+                <a:schemeClr val="tx1">
+                  <a:lumMod val="85000"/>
+                  <a:lumOff val="15000"/>
+                </a:schemeClr>
+              </a:solidFill>
+              <a:ea typeface="Roboto" pitchFamily="2" charset="0"/>
+            </a:endParaRPr>
+          </a:p>
+        </p:txBody>
+      </p:sp>
+      <p:sp>
+        <p:nvSpPr>
+          <p:cNvPr id="11" name="Oval 10"/>
+          <p:cNvSpPr/>
+          <p:nvPr/>
+        </p:nvSpPr>
+        <p:spPr>
+          <a:xfrm>
+            <a:off x="684650" y="2227451"/>
+            <a:ext cx="457200" cy="457200"/>
+          </a:xfrm>
+          <a:prstGeom prst="ellipse">
+            <a:avLst/>
+          </a:prstGeom>
+          <a:gradFill flip="none" rotWithShape="1">
+            <a:gsLst>
+              <a:gs pos="15000">
+                <a:srgbClr val="67C7DF"/>
+              </a:gs>
+              <a:gs pos="100000">
+                <a:srgbClr val="5EB130"/>
+              </a:gs>
+            </a:gsLst>
+            <a:lin ang="0" scaled="1"/>
+            <a:tileRect/>
+          </a:gradFill>
+          <a:ln>
+            <a:noFill/>
+          </a:ln>
+        </p:spPr>
+        <p:style>
+          <a:lnRef idx="2">
+            <a:schemeClr val="accent1">
+              <a:shade val="50000"/>
+            </a:schemeClr>
+          </a:lnRef>
+          <a:fillRef idx="1">
+            <a:schemeClr val="accent1"/>
+          </a:fillRef>
+          <a:effectRef idx="0">
+            <a:schemeClr val="accent1"/>
+          </a:effectRef>
+          <a:fontRef idx="minor">
+            <a:schemeClr val="lt1"/>
+          </a:fontRef>
+        </p:style>
+        <p:txBody>
+          <a:bodyPr rtlCol="0" anchor="ctr"/>
+          <a:lstStyle/>
+          <a:p>
+            <a:pPr algn="ctr"/>
+            <a:r>
+              <a:rPr lang="en-US" b="1" dirty="0">
+                <a:latin typeface="UTM Helve" panose="02040603050506020204" pitchFamily="18" charset="0"/>
+              </a:rPr>
+              <a:t>1</a:t>
+            </a:r>
+          </a:p>
+        </p:txBody>
+      </p:sp>
+      <p:sp>
+        <p:nvSpPr>
+          <p:cNvPr id="12" name="TextBox 11"/>
+          <p:cNvSpPr txBox="1"/>
+          <p:nvPr/>
+        </p:nvSpPr>
+        <p:spPr>
+          <a:xfrm>
+            <a:off x="1236140" y="3270751"/>
+            <a:ext cx="6902020" cy="707886"/>
+          </a:xfrm>
+          <a:prstGeom prst="rect">
+            <a:avLst/>
+          </a:prstGeom>
+          <a:noFill/>
+        </p:spPr>
+        <p:txBody>
+          <a:bodyPr wrap="square" rtlCol="0">
+            <a:spAutoFit/>
+          </a:bodyPr>
+          <a:lstStyle/>
+          <a:p>
+            <a:r>
+              <a:rPr lang="en-US" sz="2000" dirty="0" smtClean="0">
+                <a:solidFill>
+                  <a:schemeClr val="tx1">
+                    <a:lumMod val="85000"/>
+                    <a:lumOff val="15000"/>
+                  </a:schemeClr>
+                </a:solidFill>
+                <a:ea typeface="Roboto" pitchFamily="2" charset="0"/>
+              </a:rPr>
+              <a:t>Dùng </a:t>
+            </a:r>
+            <a:r>
+              <a:rPr lang="en-US" sz="2000" b="1" dirty="0" smtClean="0">
+                <a:solidFill>
+                  <a:schemeClr val="tx1">
+                    <a:lumMod val="85000"/>
+                    <a:lumOff val="15000"/>
+                  </a:schemeClr>
+                </a:solidFill>
+                <a:ea typeface="Roboto" pitchFamily="2" charset="0"/>
+              </a:rPr>
+              <a:t>if  - else if </a:t>
+            </a:r>
+            <a:r>
+              <a:rPr lang="en-US" sz="2000" dirty="0" smtClean="0">
+                <a:solidFill>
+                  <a:schemeClr val="tx1">
+                    <a:lumMod val="85000"/>
+                    <a:lumOff val="15000"/>
+                  </a:schemeClr>
+                </a:solidFill>
+                <a:ea typeface="Roboto" pitchFamily="2" charset="0"/>
+              </a:rPr>
+              <a:t>để kiểm tra xem các Inputs có được nhấn không. Nếu có thì thực hiện hiển thị hình ảnh tương ứng</a:t>
+            </a:r>
+            <a:endParaRPr lang="en-US" sz="2000" b="1" dirty="0">
+              <a:solidFill>
+                <a:schemeClr val="tx1">
+                  <a:lumMod val="85000"/>
+                  <a:lumOff val="15000"/>
+                </a:schemeClr>
+              </a:solidFill>
+              <a:ea typeface="Roboto" pitchFamily="2" charset="0"/>
+            </a:endParaRPr>
+          </a:p>
+        </p:txBody>
+      </p:sp>
+      <p:sp>
+        <p:nvSpPr>
+          <p:cNvPr id="13" name="Oval 12"/>
+          <p:cNvSpPr/>
+          <p:nvPr/>
+        </p:nvSpPr>
+        <p:spPr>
+          <a:xfrm>
+            <a:off x="684650" y="3291605"/>
+            <a:ext cx="457200" cy="457200"/>
+          </a:xfrm>
+          <a:prstGeom prst="ellipse">
+            <a:avLst/>
+          </a:prstGeom>
+          <a:gradFill flip="none" rotWithShape="1">
+            <a:gsLst>
+              <a:gs pos="15000">
+                <a:srgbClr val="67C7DF"/>
+              </a:gs>
+              <a:gs pos="100000">
+                <a:srgbClr val="5EB130"/>
+              </a:gs>
+            </a:gsLst>
+            <a:lin ang="0" scaled="1"/>
+            <a:tileRect/>
+          </a:gradFill>
+          <a:ln>
+            <a:noFill/>
+          </a:ln>
+        </p:spPr>
+        <p:style>
+          <a:lnRef idx="2">
+            <a:schemeClr val="accent1">
+              <a:shade val="50000"/>
+            </a:schemeClr>
+          </a:lnRef>
+          <a:fillRef idx="1">
+            <a:schemeClr val="accent1"/>
+          </a:fillRef>
+          <a:effectRef idx="0">
+            <a:schemeClr val="accent1"/>
+          </a:effectRef>
+          <a:fontRef idx="minor">
+            <a:schemeClr val="lt1"/>
+          </a:fontRef>
+        </p:style>
+        <p:txBody>
+          <a:bodyPr rtlCol="0" anchor="ctr"/>
+          <a:lstStyle/>
+          <a:p>
+            <a:pPr algn="ctr"/>
+            <a:r>
+              <a:rPr lang="en-US" b="1" dirty="0" smtClean="0">
+                <a:latin typeface="UTM Helve" panose="02040603050506020204" pitchFamily="18" charset="0"/>
+              </a:rPr>
+              <a:t>2</a:t>
+            </a:r>
+            <a:endParaRPr lang="en-US" b="1" dirty="0">
+              <a:latin typeface="UTM Helve" panose="02040603050506020204" pitchFamily="18" charset="0"/>
+            </a:endParaRPr>
+          </a:p>
+        </p:txBody>
+      </p:sp>
+    </p:spTree>
+    <p:extLst>
+      <p:ext uri="{BB962C8B-B14F-4D97-AF65-F5344CB8AC3E}">
+        <p14:creationId xmlns:p14="http://schemas.microsoft.com/office/powerpoint/2010/main" val="188962075"/>
+      </p:ext>
+    </p:extLst>
+  </p:cSld>
+  <p:clrMapOvr>
+    <a:masterClrMapping/>
+  </p:clrMapOvr>
+</p:sld>
+</file>
+
+<file path=ppt/slides/slide18.xml><?xml version="1.0" encoding="utf-8"?>
+<p:sld xmlns:a="http://schemas.openxmlformats.org/drawingml/2006/main" xmlns:r="http://schemas.openxmlformats.org/officeDocument/2006/relationships" xmlns:p="http://schemas.openxmlformats.org/presentationml/2006/main">
+  <p:cSld>
+    <p:spTree>
+      <p:nvGrpSpPr>
+        <p:cNvPr id="1" name=""/>
+        <p:cNvGrpSpPr/>
+        <p:nvPr/>
+      </p:nvGrpSpPr>
+      <p:grpSpPr>
+        <a:xfrm>
+          <a:off x="0" y="0"/>
+          <a:ext cx="0" cy="0"/>
+          <a:chOff x="0" y="0"/>
+          <a:chExt cx="0" cy="0"/>
+        </a:xfrm>
+      </p:grpSpPr>
+      <p:sp>
+        <p:nvSpPr>
+          <p:cNvPr id="2" name="Slide Number Placeholder 1"/>
+          <p:cNvSpPr>
+            <a:spLocks noGrp="1"/>
+          </p:cNvSpPr>
+          <p:nvPr>
+            <p:ph type="sldNum" sz="quarter" idx="12"/>
+          </p:nvPr>
+        </p:nvSpPr>
+        <p:spPr/>
+        <p:txBody>
+          <a:bodyPr/>
+          <a:lstStyle/>
+          <a:p>
+            <a:fld id="{7D9EC917-02A2-4152-9EE3-DFE2775A77C7}" type="slidenum">
+              <a:rPr lang="en-US" smtClean="0"/>
+              <a:pPr/>
+              <a:t>18</a:t>
+            </a:fld>
+            <a:endParaRPr lang="en-US"/>
+          </a:p>
+        </p:txBody>
+      </p:sp>
+      <p:sp>
+        <p:nvSpPr>
+          <p:cNvPr id="3" name="Rectangle 2"/>
+          <p:cNvSpPr/>
+          <p:nvPr/>
+        </p:nvSpPr>
+        <p:spPr>
+          <a:xfrm>
+            <a:off x="301925" y="1051379"/>
+            <a:ext cx="8454964" cy="27432"/>
+          </a:xfrm>
+          <a:prstGeom prst="rect">
+            <a:avLst/>
+          </a:prstGeom>
+          <a:gradFill flip="none" rotWithShape="1">
+            <a:gsLst>
+              <a:gs pos="15000">
+                <a:srgbClr val="67C7DF"/>
+              </a:gs>
+              <a:gs pos="100000">
+                <a:srgbClr val="5EB130"/>
+              </a:gs>
+            </a:gsLst>
+            <a:lin ang="0" scaled="1"/>
+            <a:tileRect/>
+          </a:gradFill>
+          <a:ln>
+            <a:noFill/>
+          </a:ln>
+        </p:spPr>
+        <p:style>
+          <a:lnRef idx="2">
+            <a:schemeClr val="accent1">
+              <a:shade val="50000"/>
+            </a:schemeClr>
+          </a:lnRef>
+          <a:fillRef idx="1">
+            <a:schemeClr val="accent1"/>
+          </a:fillRef>
+          <a:effectRef idx="0">
+            <a:schemeClr val="accent1"/>
+          </a:effectRef>
+          <a:fontRef idx="minor">
+            <a:schemeClr val="lt1"/>
+          </a:fontRef>
+        </p:style>
+        <p:txBody>
+          <a:bodyPr rtlCol="0" anchor="ctr"/>
+          <a:lstStyle/>
+          <a:p>
+            <a:pPr algn="ctr"/>
+            <a:endParaRPr lang="en-US"/>
+          </a:p>
+        </p:txBody>
+      </p:sp>
+      <p:sp>
+        <p:nvSpPr>
+          <p:cNvPr id="4" name="TextBox 3"/>
+          <p:cNvSpPr txBox="1"/>
+          <p:nvPr/>
+        </p:nvSpPr>
+        <p:spPr>
+          <a:xfrm>
+            <a:off x="248815" y="546584"/>
+            <a:ext cx="7374995" cy="461665"/>
+          </a:xfrm>
+          <a:prstGeom prst="rect">
+            <a:avLst/>
+          </a:prstGeom>
+          <a:noFill/>
+        </p:spPr>
+        <p:txBody>
+          <a:bodyPr wrap="square" rtlCol="0">
+            <a:spAutoFit/>
+          </a:bodyPr>
+          <a:lstStyle/>
+          <a:p>
+            <a:r>
+              <a:rPr lang="en-US" sz="2400" b="1" dirty="0" smtClean="0">
+                <a:solidFill>
+                  <a:srgbClr val="64C7E9"/>
+                </a:solidFill>
+                <a:latin typeface="UTM Helve" panose="02040603050506020204" pitchFamily="18" charset="0"/>
+                <a:ea typeface="Roboto" pitchFamily="2" charset="0"/>
+              </a:rPr>
+              <a:t>4.4 </a:t>
+            </a:r>
+            <a:r>
+              <a:rPr lang="en-US" sz="2400" b="1" dirty="0" smtClean="0">
+                <a:solidFill>
+                  <a:srgbClr val="64C7E9"/>
+                </a:solidFill>
+                <a:latin typeface="+mj-lt"/>
+                <a:ea typeface="Roboto" pitchFamily="2" charset="0"/>
+              </a:rPr>
+              <a:t>Hoạt</a:t>
+            </a:r>
+            <a:r>
+              <a:rPr lang="en-US" sz="2400" b="1" dirty="0" smtClean="0">
+                <a:solidFill>
+                  <a:srgbClr val="64C7E9"/>
+                </a:solidFill>
+                <a:latin typeface="UTM Helve" panose="02040603050506020204" pitchFamily="18" charset="0"/>
+                <a:ea typeface="Roboto" pitchFamily="2" charset="0"/>
+              </a:rPr>
+              <a:t> động học viên</a:t>
+            </a:r>
+            <a:endParaRPr lang="en-US" sz="2400" b="1" dirty="0">
+              <a:solidFill>
+                <a:srgbClr val="64C7E9"/>
+              </a:solidFill>
+              <a:latin typeface="UTM Helve" panose="02040603050506020204" pitchFamily="18" charset="0"/>
+              <a:ea typeface="Roboto" pitchFamily="2" charset="0"/>
+            </a:endParaRPr>
+          </a:p>
+        </p:txBody>
+      </p:sp>
+      <p:sp>
+        <p:nvSpPr>
+          <p:cNvPr id="8" name="TextBox 7"/>
+          <p:cNvSpPr txBox="1"/>
+          <p:nvPr/>
+        </p:nvSpPr>
+        <p:spPr>
+          <a:xfrm>
+            <a:off x="1236140" y="1389829"/>
+            <a:ext cx="4482860" cy="461665"/>
+          </a:xfrm>
+          <a:prstGeom prst="rect">
+            <a:avLst/>
+          </a:prstGeom>
+          <a:noFill/>
+        </p:spPr>
+        <p:txBody>
+          <a:bodyPr wrap="square" rtlCol="0">
+            <a:spAutoFit/>
+          </a:bodyPr>
+          <a:lstStyle/>
+          <a:p>
+            <a:r>
+              <a:rPr lang="en-US" sz="2400" b="1" dirty="0" smtClean="0">
+                <a:solidFill>
+                  <a:schemeClr val="tx1">
+                    <a:lumMod val="85000"/>
+                    <a:lumOff val="15000"/>
+                  </a:schemeClr>
+                </a:solidFill>
+                <a:latin typeface="+mj-lt"/>
+                <a:ea typeface="Roboto" pitchFamily="2" charset="0"/>
+              </a:rPr>
+              <a:t>Các bước thực hiện</a:t>
+            </a:r>
+            <a:endParaRPr lang="en-US" sz="2400" b="1" dirty="0">
+              <a:solidFill>
+                <a:schemeClr val="tx1">
+                  <a:lumMod val="85000"/>
+                  <a:lumOff val="15000"/>
+                </a:schemeClr>
+              </a:solidFill>
+              <a:latin typeface="+mj-lt"/>
+              <a:ea typeface="Roboto" pitchFamily="2" charset="0"/>
+            </a:endParaRPr>
+          </a:p>
+        </p:txBody>
+      </p:sp>
+      <p:pic>
+        <p:nvPicPr>
+          <p:cNvPr id="9" name="Picture 8"/>
+          <p:cNvPicPr>
+            <a:picLocks noChangeAspect="1"/>
+          </p:cNvPicPr>
+          <p:nvPr/>
+        </p:nvPicPr>
+        <p:blipFill>
+          <a:blip r:embed="rId2">
+            <a:extLst>
+              <a:ext uri="{28A0092B-C50C-407E-A947-70E740481C1C}">
+                <a14:useLocalDpi xmlns:a14="http://schemas.microsoft.com/office/drawing/2010/main" val="0"/>
+              </a:ext>
+            </a:extLst>
+          </a:blip>
+          <a:stretch>
+            <a:fillRect/>
+          </a:stretch>
+        </p:blipFill>
+        <p:spPr>
+          <a:xfrm>
+            <a:off x="679888" y="1462786"/>
+            <a:ext cx="466725" cy="409575"/>
+          </a:xfrm>
+          <a:prstGeom prst="rect">
+            <a:avLst/>
+          </a:prstGeom>
+        </p:spPr>
+      </p:pic>
+      <p:sp>
+        <p:nvSpPr>
+          <p:cNvPr id="10" name="TextBox 9"/>
+          <p:cNvSpPr txBox="1"/>
+          <p:nvPr/>
+        </p:nvSpPr>
+        <p:spPr>
+          <a:xfrm>
+            <a:off x="1236140" y="2163497"/>
+            <a:ext cx="6682908" cy="707886"/>
+          </a:xfrm>
+          <a:prstGeom prst="rect">
+            <a:avLst/>
+          </a:prstGeom>
+          <a:noFill/>
+        </p:spPr>
+        <p:txBody>
+          <a:bodyPr wrap="square" rtlCol="0">
+            <a:spAutoFit/>
+          </a:bodyPr>
+          <a:lstStyle/>
+          <a:p>
+            <a:r>
+              <a:rPr lang="en-US" sz="2000" dirty="0" smtClean="0">
+                <a:solidFill>
+                  <a:schemeClr val="tx1">
+                    <a:lumMod val="85000"/>
+                    <a:lumOff val="15000"/>
+                  </a:schemeClr>
+                </a:solidFill>
+                <a:ea typeface="Roboto" pitchFamily="2" charset="0"/>
+              </a:rPr>
+              <a:t>Sử dụng mẫu </a:t>
+            </a:r>
+            <a:r>
+              <a:rPr lang="en-US" sz="2000" dirty="0">
+                <a:solidFill>
+                  <a:schemeClr val="tx1">
+                    <a:lumMod val="85000"/>
+                    <a:lumOff val="15000"/>
+                  </a:schemeClr>
+                </a:solidFill>
+                <a:ea typeface="Roboto" pitchFamily="2" charset="0"/>
+              </a:rPr>
+              <a:t>in </a:t>
+            </a:r>
+            <a:r>
+              <a:rPr lang="en-US" sz="2000" b="1" dirty="0">
+                <a:solidFill>
+                  <a:schemeClr val="tx1">
+                    <a:lumMod val="85000"/>
+                    <a:lumOff val="15000"/>
+                  </a:schemeClr>
+                </a:solidFill>
+                <a:ea typeface="Roboto" pitchFamily="2" charset="0"/>
+              </a:rPr>
+              <a:t>Algorithm Planning </a:t>
+            </a:r>
+            <a:r>
+              <a:rPr lang="en-US" sz="2000" b="1" dirty="0" smtClean="0">
+                <a:solidFill>
+                  <a:schemeClr val="tx1">
+                    <a:lumMod val="85000"/>
+                    <a:lumOff val="15000"/>
+                  </a:schemeClr>
+                </a:solidFill>
+                <a:ea typeface="Roboto" pitchFamily="2" charset="0"/>
+              </a:rPr>
+              <a:t>Sheet</a:t>
+            </a:r>
+            <a:r>
+              <a:rPr lang="en-US" sz="2000" dirty="0" smtClean="0">
+                <a:solidFill>
+                  <a:schemeClr val="tx1">
+                    <a:lumMod val="85000"/>
+                    <a:lumOff val="15000"/>
+                  </a:schemeClr>
+                </a:solidFill>
+                <a:ea typeface="Roboto" pitchFamily="2" charset="0"/>
+              </a:rPr>
+              <a:t> , </a:t>
+            </a:r>
+            <a:r>
+              <a:rPr lang="en-US" sz="2000" b="1" dirty="0" smtClean="0">
+                <a:solidFill>
+                  <a:schemeClr val="tx1">
+                    <a:lumMod val="85000"/>
+                    <a:lumOff val="15000"/>
+                  </a:schemeClr>
+                </a:solidFill>
+                <a:ea typeface="Roboto" pitchFamily="2" charset="0"/>
+              </a:rPr>
+              <a:t>Led Planner </a:t>
+            </a:r>
+            <a:r>
+              <a:rPr lang="en-US" sz="2000" dirty="0" smtClean="0">
+                <a:solidFill>
+                  <a:schemeClr val="tx1">
+                    <a:lumMod val="85000"/>
+                    <a:lumOff val="15000"/>
+                  </a:schemeClr>
+                </a:solidFill>
+                <a:ea typeface="Roboto" pitchFamily="2" charset="0"/>
+              </a:rPr>
+              <a:t>để soạn thuật toán chương trình</a:t>
+            </a:r>
+            <a:endParaRPr lang="en-US" sz="2000" dirty="0">
+              <a:solidFill>
+                <a:schemeClr val="tx1">
+                  <a:lumMod val="85000"/>
+                  <a:lumOff val="15000"/>
+                </a:schemeClr>
+              </a:solidFill>
+              <a:ea typeface="Roboto" pitchFamily="2" charset="0"/>
+            </a:endParaRPr>
+          </a:p>
+        </p:txBody>
+      </p:sp>
+      <p:sp>
+        <p:nvSpPr>
+          <p:cNvPr id="11" name="Oval 10"/>
+          <p:cNvSpPr/>
+          <p:nvPr/>
+        </p:nvSpPr>
+        <p:spPr>
+          <a:xfrm>
+            <a:off x="684650" y="2227451"/>
+            <a:ext cx="457200" cy="457200"/>
+          </a:xfrm>
+          <a:prstGeom prst="ellipse">
+            <a:avLst/>
+          </a:prstGeom>
+          <a:gradFill flip="none" rotWithShape="1">
+            <a:gsLst>
+              <a:gs pos="15000">
+                <a:srgbClr val="67C7DF"/>
+              </a:gs>
+              <a:gs pos="100000">
+                <a:srgbClr val="5EB130"/>
+              </a:gs>
+            </a:gsLst>
+            <a:lin ang="0" scaled="1"/>
+            <a:tileRect/>
+          </a:gradFill>
+          <a:ln>
+            <a:noFill/>
+          </a:ln>
+        </p:spPr>
+        <p:style>
+          <a:lnRef idx="2">
+            <a:schemeClr val="accent1">
+              <a:shade val="50000"/>
+            </a:schemeClr>
+          </a:lnRef>
+          <a:fillRef idx="1">
+            <a:schemeClr val="accent1"/>
+          </a:fillRef>
+          <a:effectRef idx="0">
+            <a:schemeClr val="accent1"/>
+          </a:effectRef>
+          <a:fontRef idx="minor">
+            <a:schemeClr val="lt1"/>
+          </a:fontRef>
+        </p:style>
+        <p:txBody>
+          <a:bodyPr rtlCol="0" anchor="ctr"/>
+          <a:lstStyle/>
+          <a:p>
+            <a:pPr algn="ctr"/>
+            <a:r>
+              <a:rPr lang="en-US" b="1" dirty="0">
+                <a:latin typeface="UTM Helve" panose="02040603050506020204" pitchFamily="18" charset="0"/>
+              </a:rPr>
+              <a:t>1</a:t>
+            </a:r>
+          </a:p>
+        </p:txBody>
+      </p:sp>
+      <p:sp>
+        <p:nvSpPr>
+          <p:cNvPr id="12" name="TextBox 11"/>
+          <p:cNvSpPr txBox="1"/>
+          <p:nvPr/>
+        </p:nvSpPr>
+        <p:spPr>
+          <a:xfrm>
+            <a:off x="1236140" y="3270751"/>
+            <a:ext cx="6902020" cy="400110"/>
+          </a:xfrm>
+          <a:prstGeom prst="rect">
+            <a:avLst/>
+          </a:prstGeom>
+          <a:noFill/>
+        </p:spPr>
+        <p:txBody>
+          <a:bodyPr wrap="square" rtlCol="0">
+            <a:spAutoFit/>
+          </a:bodyPr>
+          <a:lstStyle/>
+          <a:p>
+            <a:r>
+              <a:rPr lang="en-US" sz="2000" dirty="0" smtClean="0">
+                <a:solidFill>
+                  <a:schemeClr val="tx1">
+                    <a:lumMod val="85000"/>
+                    <a:lumOff val="15000"/>
+                  </a:schemeClr>
+                </a:solidFill>
+                <a:ea typeface="Roboto" pitchFamily="2" charset="0"/>
+              </a:rPr>
+              <a:t>Chuyển thuật toán đó thành chương trình trong </a:t>
+            </a:r>
+            <a:r>
+              <a:rPr lang="en-US" sz="2000" b="1" dirty="0" smtClean="0">
+                <a:solidFill>
+                  <a:schemeClr val="tx1">
+                    <a:lumMod val="85000"/>
+                    <a:lumOff val="15000"/>
+                  </a:schemeClr>
+                </a:solidFill>
+                <a:ea typeface="Roboto" pitchFamily="2" charset="0"/>
+              </a:rPr>
+              <a:t>MakeCode</a:t>
+            </a:r>
+            <a:endParaRPr lang="en-US" sz="2000" b="1" dirty="0">
+              <a:solidFill>
+                <a:schemeClr val="tx1">
+                  <a:lumMod val="85000"/>
+                  <a:lumOff val="15000"/>
+                </a:schemeClr>
+              </a:solidFill>
+              <a:ea typeface="Roboto" pitchFamily="2" charset="0"/>
+            </a:endParaRPr>
+          </a:p>
+        </p:txBody>
+      </p:sp>
+      <p:sp>
+        <p:nvSpPr>
+          <p:cNvPr id="13" name="Oval 12"/>
+          <p:cNvSpPr/>
+          <p:nvPr/>
+        </p:nvSpPr>
+        <p:spPr>
+          <a:xfrm>
+            <a:off x="684650" y="3291605"/>
+            <a:ext cx="457200" cy="457200"/>
+          </a:xfrm>
+          <a:prstGeom prst="ellipse">
+            <a:avLst/>
+          </a:prstGeom>
+          <a:gradFill flip="none" rotWithShape="1">
+            <a:gsLst>
+              <a:gs pos="15000">
+                <a:srgbClr val="67C7DF"/>
+              </a:gs>
+              <a:gs pos="100000">
+                <a:srgbClr val="5EB130"/>
+              </a:gs>
+            </a:gsLst>
+            <a:lin ang="0" scaled="1"/>
+            <a:tileRect/>
+          </a:gradFill>
+          <a:ln>
+            <a:noFill/>
+          </a:ln>
+        </p:spPr>
+        <p:style>
+          <a:lnRef idx="2">
+            <a:schemeClr val="accent1">
+              <a:shade val="50000"/>
+            </a:schemeClr>
+          </a:lnRef>
+          <a:fillRef idx="1">
+            <a:schemeClr val="accent1"/>
+          </a:fillRef>
+          <a:effectRef idx="0">
+            <a:schemeClr val="accent1"/>
+          </a:effectRef>
+          <a:fontRef idx="minor">
+            <a:schemeClr val="lt1"/>
+          </a:fontRef>
+        </p:style>
+        <p:txBody>
+          <a:bodyPr rtlCol="0" anchor="ctr"/>
+          <a:lstStyle/>
+          <a:p>
+            <a:pPr algn="ctr"/>
+            <a:r>
+              <a:rPr lang="en-US" b="1" dirty="0" smtClean="0">
+                <a:latin typeface="UTM Helve" panose="02040603050506020204" pitchFamily="18" charset="0"/>
+              </a:rPr>
+              <a:t>2</a:t>
+            </a:r>
+            <a:endParaRPr lang="en-US" b="1" dirty="0">
+              <a:latin typeface="UTM Helve" panose="02040603050506020204" pitchFamily="18" charset="0"/>
+            </a:endParaRPr>
+          </a:p>
+        </p:txBody>
+      </p:sp>
+      <p:sp>
+        <p:nvSpPr>
+          <p:cNvPr id="14" name="TextBox 13"/>
+          <p:cNvSpPr txBox="1"/>
+          <p:nvPr/>
+        </p:nvSpPr>
+        <p:spPr>
+          <a:xfrm>
+            <a:off x="1236140" y="5622711"/>
+            <a:ext cx="6902020" cy="400110"/>
+          </a:xfrm>
+          <a:prstGeom prst="rect">
+            <a:avLst/>
+          </a:prstGeom>
+          <a:noFill/>
+        </p:spPr>
+        <p:txBody>
+          <a:bodyPr wrap="square" rtlCol="0">
+            <a:spAutoFit/>
+          </a:bodyPr>
+          <a:lstStyle/>
+          <a:p>
+            <a:r>
+              <a:rPr lang="en-US" sz="2000" dirty="0" smtClean="0">
+                <a:solidFill>
+                  <a:schemeClr val="tx1">
+                    <a:lumMod val="85000"/>
+                    <a:lumOff val="15000"/>
+                  </a:schemeClr>
+                </a:solidFill>
+                <a:ea typeface="Roboto" pitchFamily="2" charset="0"/>
+              </a:rPr>
+              <a:t>Chuyển chương trình vào micro:bit chạy thật</a:t>
+            </a:r>
+            <a:endParaRPr lang="en-US" sz="2000" dirty="0">
+              <a:solidFill>
+                <a:schemeClr val="tx1">
+                  <a:lumMod val="85000"/>
+                  <a:lumOff val="15000"/>
+                </a:schemeClr>
+              </a:solidFill>
+              <a:ea typeface="Roboto" pitchFamily="2" charset="0"/>
+            </a:endParaRPr>
+          </a:p>
+        </p:txBody>
+      </p:sp>
+      <p:sp>
+        <p:nvSpPr>
+          <p:cNvPr id="15" name="Oval 14"/>
+          <p:cNvSpPr/>
+          <p:nvPr/>
+        </p:nvSpPr>
+        <p:spPr>
+          <a:xfrm>
+            <a:off x="684650" y="5686665"/>
+            <a:ext cx="457200" cy="457200"/>
+          </a:xfrm>
+          <a:prstGeom prst="ellipse">
+            <a:avLst/>
+          </a:prstGeom>
+          <a:gradFill flip="none" rotWithShape="1">
+            <a:gsLst>
+              <a:gs pos="15000">
+                <a:srgbClr val="67C7DF"/>
+              </a:gs>
+              <a:gs pos="100000">
+                <a:srgbClr val="5EB130"/>
+              </a:gs>
+            </a:gsLst>
+            <a:lin ang="0" scaled="1"/>
+            <a:tileRect/>
+          </a:gradFill>
+          <a:ln>
+            <a:noFill/>
+          </a:ln>
+        </p:spPr>
+        <p:style>
+          <a:lnRef idx="2">
+            <a:schemeClr val="accent1">
+              <a:shade val="50000"/>
+            </a:schemeClr>
+          </a:lnRef>
+          <a:fillRef idx="1">
+            <a:schemeClr val="accent1"/>
+          </a:fillRef>
+          <a:effectRef idx="0">
+            <a:schemeClr val="accent1"/>
+          </a:effectRef>
+          <a:fontRef idx="minor">
+            <a:schemeClr val="lt1"/>
+          </a:fontRef>
+        </p:style>
+        <p:txBody>
+          <a:bodyPr rtlCol="0" anchor="ctr"/>
+          <a:lstStyle/>
+          <a:p>
+            <a:pPr algn="ctr"/>
+            <a:r>
+              <a:rPr lang="en-US" b="1" dirty="0">
+                <a:latin typeface="UTM Helve" panose="02040603050506020204" pitchFamily="18" charset="0"/>
+              </a:rPr>
+              <a:t>4</a:t>
+            </a:r>
+          </a:p>
+        </p:txBody>
+      </p:sp>
+      <p:sp>
+        <p:nvSpPr>
+          <p:cNvPr id="16" name="TextBox 15"/>
+          <p:cNvSpPr txBox="1"/>
+          <p:nvPr/>
+        </p:nvSpPr>
+        <p:spPr>
+          <a:xfrm>
+            <a:off x="1236140" y="4413751"/>
+            <a:ext cx="6902020" cy="707886"/>
+          </a:xfrm>
+          <a:prstGeom prst="rect">
+            <a:avLst/>
+          </a:prstGeom>
+          <a:noFill/>
+        </p:spPr>
+        <p:txBody>
+          <a:bodyPr wrap="square" rtlCol="0">
+            <a:spAutoFit/>
+          </a:bodyPr>
+          <a:lstStyle/>
+          <a:p>
+            <a:r>
+              <a:rPr lang="en-US" sz="2000" dirty="0">
+                <a:solidFill>
+                  <a:schemeClr val="tx1">
+                    <a:lumMod val="85000"/>
+                    <a:lumOff val="15000"/>
+                  </a:schemeClr>
+                </a:solidFill>
+                <a:ea typeface="Roboto" pitchFamily="2" charset="0"/>
+              </a:rPr>
+              <a:t>Test và Debug chương trình </a:t>
+            </a:r>
+            <a:r>
+              <a:rPr lang="en-US" sz="2000" dirty="0" smtClean="0">
+                <a:solidFill>
+                  <a:schemeClr val="tx1">
+                    <a:lumMod val="85000"/>
+                    <a:lumOff val="15000"/>
+                  </a:schemeClr>
+                </a:solidFill>
+                <a:ea typeface="Roboto" pitchFamily="2" charset="0"/>
+              </a:rPr>
+              <a:t>bằng trình mô phỏng micro:bit </a:t>
+            </a:r>
+            <a:r>
+              <a:rPr lang="en-US" sz="2000" b="1" dirty="0" smtClean="0">
+                <a:solidFill>
+                  <a:schemeClr val="tx1">
+                    <a:lumMod val="85000"/>
+                    <a:lumOff val="15000"/>
+                  </a:schemeClr>
+                </a:solidFill>
+                <a:ea typeface="Roboto" pitchFamily="2" charset="0"/>
+              </a:rPr>
+              <a:t>simulator</a:t>
+            </a:r>
+            <a:r>
+              <a:rPr lang="en-US" sz="2000" dirty="0" smtClean="0">
+                <a:solidFill>
+                  <a:schemeClr val="tx1">
+                    <a:lumMod val="85000"/>
+                    <a:lumOff val="15000"/>
+                  </a:schemeClr>
+                </a:solidFill>
+                <a:ea typeface="Roboto" pitchFamily="2" charset="0"/>
+              </a:rPr>
+              <a:t> </a:t>
+            </a:r>
+            <a:endParaRPr lang="en-US" sz="2000" dirty="0">
+              <a:solidFill>
+                <a:schemeClr val="tx1">
+                  <a:lumMod val="85000"/>
+                  <a:lumOff val="15000"/>
+                </a:schemeClr>
+              </a:solidFill>
+              <a:ea typeface="Roboto" pitchFamily="2" charset="0"/>
+            </a:endParaRPr>
+          </a:p>
+        </p:txBody>
+      </p:sp>
+      <p:sp>
+        <p:nvSpPr>
+          <p:cNvPr id="17" name="Oval 16"/>
+          <p:cNvSpPr/>
+          <p:nvPr/>
+        </p:nvSpPr>
+        <p:spPr>
+          <a:xfrm>
+            <a:off x="684650" y="4489135"/>
+            <a:ext cx="457200" cy="457200"/>
+          </a:xfrm>
+          <a:prstGeom prst="ellipse">
+            <a:avLst/>
+          </a:prstGeom>
+          <a:gradFill flip="none" rotWithShape="1">
+            <a:gsLst>
+              <a:gs pos="15000">
+                <a:srgbClr val="67C7DF"/>
+              </a:gs>
+              <a:gs pos="100000">
+                <a:srgbClr val="5EB130"/>
+              </a:gs>
+            </a:gsLst>
+            <a:lin ang="0" scaled="1"/>
+            <a:tileRect/>
+          </a:gradFill>
+          <a:ln>
+            <a:noFill/>
+          </a:ln>
+        </p:spPr>
+        <p:style>
+          <a:lnRef idx="2">
+            <a:schemeClr val="accent1">
+              <a:shade val="50000"/>
+            </a:schemeClr>
+          </a:lnRef>
+          <a:fillRef idx="1">
+            <a:schemeClr val="accent1"/>
+          </a:fillRef>
+          <a:effectRef idx="0">
+            <a:schemeClr val="accent1"/>
+          </a:effectRef>
+          <a:fontRef idx="minor">
+            <a:schemeClr val="lt1"/>
+          </a:fontRef>
+        </p:style>
+        <p:txBody>
+          <a:bodyPr rtlCol="0" anchor="ctr"/>
+          <a:lstStyle/>
+          <a:p>
+            <a:pPr algn="ctr"/>
+            <a:r>
+              <a:rPr lang="en-US" b="1" dirty="0" smtClean="0">
+                <a:latin typeface="UTM Helve" panose="02040603050506020204" pitchFamily="18" charset="0"/>
+              </a:rPr>
+              <a:t>3</a:t>
+            </a:r>
+            <a:endParaRPr lang="en-US" b="1" dirty="0">
+              <a:latin typeface="UTM Helve" panose="02040603050506020204" pitchFamily="18" charset="0"/>
+            </a:endParaRPr>
+          </a:p>
+        </p:txBody>
+      </p:sp>
+    </p:spTree>
+    <p:extLst>
+      <p:ext uri="{BB962C8B-B14F-4D97-AF65-F5344CB8AC3E}">
+        <p14:creationId xmlns:p14="http://schemas.microsoft.com/office/powerpoint/2010/main" val="2789131954"/>
+      </p:ext>
+    </p:extLst>
+  </p:cSld>
+  <p:clrMapOvr>
+    <a:masterClrMapping/>
+  </p:clrMapOvr>
+</p:sld>
+</file>
+
+<file path=ppt/slides/slide19.xml><?xml version="1.0" encoding="utf-8"?>
+<p:sld xmlns:a="http://schemas.openxmlformats.org/drawingml/2006/main" xmlns:r="http://schemas.openxmlformats.org/officeDocument/2006/relationships" xmlns:p="http://schemas.openxmlformats.org/presentationml/2006/main">
+  <p:cSld>
+    <p:spTree>
+      <p:nvGrpSpPr>
+        <p:cNvPr id="1" name=""/>
+        <p:cNvGrpSpPr/>
+        <p:nvPr/>
+      </p:nvGrpSpPr>
+      <p:grpSpPr>
+        <a:xfrm>
+          <a:off x="0" y="0"/>
+          <a:ext cx="0" cy="0"/>
+          <a:chOff x="0" y="0"/>
+          <a:chExt cx="0" cy="0"/>
+        </a:xfrm>
+      </p:grpSpPr>
+      <p:sp>
+        <p:nvSpPr>
+          <p:cNvPr id="2" name="Slide Number Placeholder 1"/>
+          <p:cNvSpPr>
+            <a:spLocks noGrp="1"/>
+          </p:cNvSpPr>
+          <p:nvPr>
+            <p:ph type="sldNum" sz="quarter" idx="12"/>
+          </p:nvPr>
+        </p:nvSpPr>
+        <p:spPr/>
+        <p:txBody>
+          <a:bodyPr/>
+          <a:lstStyle/>
+          <a:p>
+            <a:fld id="{7D9EC917-02A2-4152-9EE3-DFE2775A77C7}" type="slidenum">
+              <a:rPr lang="en-US" smtClean="0"/>
+              <a:pPr/>
+              <a:t>19</a:t>
+            </a:fld>
+            <a:endParaRPr lang="en-US"/>
+          </a:p>
+        </p:txBody>
+      </p:sp>
+      <p:sp>
+        <p:nvSpPr>
+          <p:cNvPr id="4" name="Rectangle 3"/>
+          <p:cNvSpPr/>
+          <p:nvPr/>
+        </p:nvSpPr>
+        <p:spPr>
+          <a:xfrm>
+            <a:off x="301925" y="1051379"/>
+            <a:ext cx="8454964" cy="27432"/>
+          </a:xfrm>
+          <a:prstGeom prst="rect">
+            <a:avLst/>
+          </a:prstGeom>
+          <a:gradFill flip="none" rotWithShape="1">
+            <a:gsLst>
+              <a:gs pos="15000">
+                <a:srgbClr val="67C7DF"/>
+              </a:gs>
+              <a:gs pos="100000">
+                <a:srgbClr val="5EB130"/>
+              </a:gs>
+            </a:gsLst>
+            <a:lin ang="0" scaled="1"/>
+            <a:tileRect/>
+          </a:gradFill>
+          <a:ln>
+            <a:noFill/>
+          </a:ln>
+        </p:spPr>
+        <p:style>
+          <a:lnRef idx="2">
+            <a:schemeClr val="accent1">
+              <a:shade val="50000"/>
+            </a:schemeClr>
+          </a:lnRef>
+          <a:fillRef idx="1">
+            <a:schemeClr val="accent1"/>
+          </a:fillRef>
+          <a:effectRef idx="0">
+            <a:schemeClr val="accent1"/>
+          </a:effectRef>
+          <a:fontRef idx="minor">
+            <a:schemeClr val="lt1"/>
+          </a:fontRef>
+        </p:style>
+        <p:txBody>
+          <a:bodyPr rtlCol="0" anchor="ctr"/>
+          <a:lstStyle/>
+          <a:p>
+            <a:pPr algn="ctr"/>
+            <a:endParaRPr lang="en-US"/>
+          </a:p>
+        </p:txBody>
+      </p:sp>
+      <p:sp>
+        <p:nvSpPr>
+          <p:cNvPr id="5" name="TextBox 4"/>
+          <p:cNvSpPr txBox="1"/>
+          <p:nvPr/>
+        </p:nvSpPr>
+        <p:spPr>
+          <a:xfrm>
+            <a:off x="248815" y="546584"/>
+            <a:ext cx="7374995" cy="461665"/>
+          </a:xfrm>
+          <a:prstGeom prst="rect">
+            <a:avLst/>
+          </a:prstGeom>
+          <a:noFill/>
+        </p:spPr>
+        <p:txBody>
+          <a:bodyPr wrap="square" rtlCol="0">
+            <a:spAutoFit/>
+          </a:bodyPr>
+          <a:lstStyle/>
+          <a:p>
+            <a:r>
+              <a:rPr lang="en-US" sz="2400" b="1" dirty="0" smtClean="0">
+                <a:solidFill>
+                  <a:srgbClr val="64C7E9"/>
+                </a:solidFill>
+                <a:latin typeface="UTM Helve" panose="02040603050506020204" pitchFamily="18" charset="0"/>
+                <a:ea typeface="Roboto" pitchFamily="2" charset="0"/>
+              </a:rPr>
+              <a:t>4.4 Hoạt động học viên</a:t>
+            </a:r>
+            <a:endParaRPr lang="en-US" sz="2400" b="1" dirty="0">
+              <a:solidFill>
+                <a:srgbClr val="64C7E9"/>
+              </a:solidFill>
+              <a:latin typeface="UTM Helve" panose="02040603050506020204" pitchFamily="18" charset="0"/>
+              <a:ea typeface="Roboto" pitchFamily="2" charset="0"/>
+            </a:endParaRPr>
+          </a:p>
+        </p:txBody>
+      </p:sp>
+      <p:sp>
+        <p:nvSpPr>
+          <p:cNvPr id="6" name="TextBox 5"/>
+          <p:cNvSpPr txBox="1"/>
+          <p:nvPr/>
+        </p:nvSpPr>
+        <p:spPr>
+          <a:xfrm>
+            <a:off x="1236140" y="1389829"/>
+            <a:ext cx="7324930" cy="461665"/>
+          </a:xfrm>
+          <a:prstGeom prst="rect">
+            <a:avLst/>
+          </a:prstGeom>
+          <a:noFill/>
+        </p:spPr>
+        <p:txBody>
+          <a:bodyPr wrap="square" rtlCol="0">
+            <a:spAutoFit/>
+          </a:bodyPr>
+          <a:lstStyle/>
+          <a:p>
+            <a:r>
+              <a:rPr lang="en-US" sz="2400" b="1" dirty="0" smtClean="0">
+                <a:solidFill>
+                  <a:schemeClr val="tx1">
+                    <a:lumMod val="85000"/>
+                    <a:lumOff val="15000"/>
+                  </a:schemeClr>
+                </a:solidFill>
+                <a:latin typeface="UTM Helve" panose="02040603050506020204" pitchFamily="18" charset="0"/>
+                <a:ea typeface="Roboto" pitchFamily="2" charset="0"/>
+              </a:rPr>
+              <a:t>Hướng dẫn sử dụng </a:t>
+            </a:r>
+            <a:r>
+              <a:rPr lang="en-US" sz="2400" b="1" dirty="0">
+                <a:solidFill>
+                  <a:schemeClr val="tx1">
+                    <a:lumMod val="85000"/>
+                    <a:lumOff val="15000"/>
+                  </a:schemeClr>
+                </a:solidFill>
+                <a:latin typeface="UTM Helve" panose="02040603050506020204" pitchFamily="18" charset="0"/>
+                <a:ea typeface="Roboto" pitchFamily="2" charset="0"/>
+              </a:rPr>
+              <a:t>Algorithm Planning Sheet</a:t>
+            </a:r>
+            <a:r>
+              <a:rPr lang="en-US" sz="2400" dirty="0">
+                <a:solidFill>
+                  <a:schemeClr val="tx1">
+                    <a:lumMod val="85000"/>
+                    <a:lumOff val="15000"/>
+                  </a:schemeClr>
+                </a:solidFill>
+                <a:latin typeface="UTM Helve" panose="02040603050506020204" pitchFamily="18" charset="0"/>
+                <a:ea typeface="Roboto" pitchFamily="2" charset="0"/>
+              </a:rPr>
+              <a:t> </a:t>
+            </a:r>
+            <a:endParaRPr lang="en-US" sz="2400" b="1" dirty="0">
+              <a:solidFill>
+                <a:schemeClr val="tx1">
+                  <a:lumMod val="85000"/>
+                  <a:lumOff val="15000"/>
+                </a:schemeClr>
+              </a:solidFill>
+              <a:latin typeface="UTM Helve" panose="02040603050506020204" pitchFamily="18" charset="0"/>
+              <a:ea typeface="Roboto" pitchFamily="2" charset="0"/>
+            </a:endParaRPr>
+          </a:p>
+        </p:txBody>
+      </p:sp>
+      <p:pic>
+        <p:nvPicPr>
+          <p:cNvPr id="7" name="Picture 6"/>
+          <p:cNvPicPr>
+            <a:picLocks noChangeAspect="1"/>
+          </p:cNvPicPr>
+          <p:nvPr/>
+        </p:nvPicPr>
+        <p:blipFill>
+          <a:blip r:embed="rId2">
+            <a:extLst>
+              <a:ext uri="{28A0092B-C50C-407E-A947-70E740481C1C}">
+                <a14:useLocalDpi xmlns:a14="http://schemas.microsoft.com/office/drawing/2010/main" val="0"/>
+              </a:ext>
+            </a:extLst>
+          </a:blip>
+          <a:stretch>
+            <a:fillRect/>
+          </a:stretch>
+        </p:blipFill>
+        <p:spPr>
+          <a:xfrm>
+            <a:off x="679888" y="1462786"/>
+            <a:ext cx="466725" cy="409575"/>
+          </a:xfrm>
+          <a:prstGeom prst="rect">
+            <a:avLst/>
+          </a:prstGeom>
+        </p:spPr>
+      </p:pic>
       <p:graphicFrame>
         <p:nvGraphicFramePr>
           <p:cNvPr id="8" name="Table 7"/>
@@ -5187,7 +7743,7 @@
           <p:nvPr>
             <p:extLst>
               <p:ext uri="{D42A27DB-BD31-4B8C-83A1-F6EECF244321}">
-                <p14:modId xmlns:p14="http://schemas.microsoft.com/office/powerpoint/2010/main" val="3015445903"/>
+                <p14:modId xmlns:p14="http://schemas.microsoft.com/office/powerpoint/2010/main" val="3420192632"/>
               </p:ext>
             </p:extLst>
           </p:nvPr>
@@ -5273,7 +7829,15 @@
                       </a:r>
                       <a:r>
                         <a:rPr lang="en-US" baseline="0" dirty="0" smtClean="0"/>
-                        <a:t> dụ: Khi nhấn button A</a:t>
+                        <a:t> dụ: </a:t>
+                      </a:r>
+                      <a:r>
+                        <a:rPr lang="en-US" baseline="0" dirty="0" smtClean="0"/>
+                        <a:t>Nếu </a:t>
+                      </a:r>
+                      <a:r>
+                        <a:rPr lang="en-US" baseline="0" dirty="0" smtClean="0"/>
+                        <a:t>nhấn button A</a:t>
                       </a:r>
                       <a:endParaRPr lang="en-US" dirty="0"/>
                     </a:p>
@@ -5312,11 +7876,23 @@
                     <a:p>
                       <a:r>
                         <a:rPr lang="en-US" dirty="0" smtClean="0"/>
+                        <a:t>Nếu</a:t>
+                      </a:r>
+                      <a:r>
+                        <a:rPr lang="en-US" baseline="0" dirty="0" smtClean="0"/>
+                        <a:t> </a:t>
+                      </a:r>
+                      <a:r>
+                        <a:rPr lang="en-US" dirty="0" smtClean="0"/>
                         <a:t>Lắc</a:t>
                       </a:r>
                       <a:r>
                         <a:rPr lang="en-US" baseline="0" dirty="0" smtClean="0"/>
-                        <a:t> micro:bit</a:t>
+                        <a:t> </a:t>
+                      </a:r>
+                      <a:r>
+                        <a:rPr lang="en-US" baseline="0" dirty="0" smtClean="0"/>
+                        <a:t>micro:bit</a:t>
                       </a:r>
                       <a:endParaRPr lang="en-US" dirty="0"/>
                     </a:p>
@@ -5353,7 +7929,11 @@
                     <a:bodyPr/>
                     <a:lstStyle/>
                     <a:p>
-                      <a:endParaRPr lang="en-US"/>
+                      <a:r>
+                        <a:rPr lang="en-US" dirty="0" smtClean="0"/>
+                        <a:t>...</a:t>
+                      </a:r>
+                      <a:endParaRPr lang="en-US" dirty="0"/>
                     </a:p>
                   </a:txBody>
                   <a:tcPr/>
@@ -5363,6 +7943,10 @@
                     <a:bodyPr/>
                     <a:lstStyle/>
                     <a:p>
+                      <a:r>
+                        <a:rPr lang="en-US" dirty="0" smtClean="0"/>
+                        <a:t>...</a:t>
+                      </a:r>
                       <a:endParaRPr lang="en-US" dirty="0"/>
                     </a:p>
                   </a:txBody>
@@ -5378,6 +7962,35 @@
           </a:graphicData>
         </a:graphic>
       </p:graphicFrame>
+      <p:pic>
+        <p:nvPicPr>
+          <p:cNvPr id="10" name="Picture 9"/>
+          <p:cNvPicPr>
+            <a:picLocks noChangeAspect="1"/>
+          </p:cNvPicPr>
+          <p:nvPr/>
+        </p:nvPicPr>
+        <p:blipFill rotWithShape="1">
+          <a:blip r:embed="rId3">
+            <a:extLst>
+              <a:ext uri="{28A0092B-C50C-407E-A947-70E740481C1C}">
+                <a14:useLocalDpi xmlns:a14="http://schemas.microsoft.com/office/drawing/2010/main" val="0"/>
+              </a:ext>
+            </a:extLst>
+          </a:blip>
+          <a:srcRect l="27461" t="24884" r="31270" b="38372"/>
+          <a:stretch/>
+        </p:blipFill>
+        <p:spPr>
+          <a:xfrm>
+            <a:off x="1404939" y="5726430"/>
+            <a:ext cx="663173" cy="403005"/>
+          </a:xfrm>
+          <a:prstGeom prst="rect">
+            <a:avLst/>
+          </a:prstGeom>
+        </p:spPr>
+      </p:pic>
     </p:spTree>
     <p:extLst>
       <p:ext uri="{BB962C8B-B14F-4D97-AF65-F5344CB8AC3E}">
@@ -9205,7 +11818,27 @@
                 <a:latin typeface="UTM Helve" panose="02040603050506020204" pitchFamily="18" charset="0"/>
                 <a:ea typeface="Roboto" pitchFamily="2" charset="0"/>
               </a:rPr>
-              <a:t>4.2 Thuật </a:t>
+              <a:t>4.2 </a:t>
+            </a:r>
+            <a:r>
+              <a:rPr lang="en-US" sz="2400" b="1" dirty="0" smtClean="0">
+                <a:solidFill>
+                  <a:srgbClr val="64C7E9"/>
+                </a:solidFill>
+                <a:latin typeface="+mj-lt"/>
+                <a:ea typeface="Roboto" pitchFamily="2" charset="0"/>
+              </a:rPr>
+              <a:t>Thuật</a:t>
+            </a:r>
+            <a:r>
+              <a:rPr lang="en-US" sz="2400" b="1" dirty="0" smtClean="0">
+                <a:solidFill>
+                  <a:srgbClr val="64C7E9"/>
+                </a:solidFill>
+                <a:latin typeface="UTM Helve" panose="02040603050506020204" pitchFamily="18" charset="0"/>
+                <a:ea typeface="Roboto" pitchFamily="2" charset="0"/>
+              </a:rPr>
+              <a:t> </a:t>
             </a:r>
             <a:r>
               <a:rPr lang="en-US" sz="2400" b="1" dirty="0">
@@ -9727,7 +12360,27 @@
                 <a:latin typeface="UTM Helve" panose="02040603050506020204" pitchFamily="18" charset="0"/>
                 <a:ea typeface="Roboto" pitchFamily="2" charset="0"/>
               </a:rPr>
-              <a:t>4.3 Lựa chọn và micro:bit</a:t>
+              <a:t>4.3 Lựa </a:t>
+            </a:r>
+            <a:r>
+              <a:rPr lang="en-US" sz="2400" b="1" dirty="0" smtClean="0">
+                <a:solidFill>
+                  <a:srgbClr val="64C7E9"/>
+                </a:solidFill>
+                <a:latin typeface="+mj-lt"/>
+                <a:ea typeface="Roboto" pitchFamily="2" charset="0"/>
+              </a:rPr>
+              <a:t>chọn</a:t>
+            </a:r>
+            <a:r>
+              <a:rPr lang="en-US" sz="2400" b="1" dirty="0" smtClean="0">
+                <a:solidFill>
+                  <a:srgbClr val="64C7E9"/>
+                </a:solidFill>
+                <a:latin typeface="UTM Helve" panose="02040603050506020204" pitchFamily="18" charset="0"/>
+                <a:ea typeface="Roboto" pitchFamily="2" charset="0"/>
+              </a:rPr>
+              <a:t> và micro:bit</a:t>
             </a:r>
             <a:endParaRPr lang="en-US" sz="2400" b="1" dirty="0">
               <a:solidFill>
@@ -10001,7 +12654,7 @@
                 <a:solidFill>
                   <a:srgbClr val="64C7E9"/>
                 </a:solidFill>
-                <a:latin typeface="UTM Helve" panose="02040603050506020204" pitchFamily="18" charset="0"/>
+                <a:latin typeface="+mj-lt"/>
                 <a:ea typeface="Roboto" pitchFamily="2" charset="0"/>
               </a:rPr>
               <a:t>4.3 Lựa chọn và micro:bit</a:t>
